--- a/poster/poster_v1.1.pptx
+++ b/poster/poster_v1.1.pptx
@@ -7,18 +7,17 @@
   <p:sldIdLst>
     <p:sldId id="266" r:id="rId2"/>
     <p:sldId id="273" r:id="rId3"/>
-    <p:sldId id="267" r:id="rId4"/>
-    <p:sldId id="270" r:id="rId5"/>
-    <p:sldId id="272" r:id="rId6"/>
-    <p:sldId id="257" r:id="rId7"/>
-    <p:sldId id="258" r:id="rId8"/>
-    <p:sldId id="259" r:id="rId9"/>
-    <p:sldId id="260" r:id="rId10"/>
-    <p:sldId id="261" r:id="rId11"/>
-    <p:sldId id="262" r:id="rId12"/>
-    <p:sldId id="263" r:id="rId13"/>
-    <p:sldId id="264" r:id="rId14"/>
-    <p:sldId id="265" r:id="rId15"/>
+    <p:sldId id="274" r:id="rId4"/>
+    <p:sldId id="275" r:id="rId5"/>
+    <p:sldId id="257" r:id="rId6"/>
+    <p:sldId id="258" r:id="rId7"/>
+    <p:sldId id="259" r:id="rId8"/>
+    <p:sldId id="260" r:id="rId9"/>
+    <p:sldId id="261" r:id="rId10"/>
+    <p:sldId id="262" r:id="rId11"/>
+    <p:sldId id="263" r:id="rId12"/>
+    <p:sldId id="264" r:id="rId13"/>
+    <p:sldId id="265" r:id="rId14"/>
   </p:sldIdLst>
   <p:sldSz cx="12192000" cy="6858000"/>
   <p:notesSz cx="6858000" cy="9144000"/>
@@ -3173,11 +3172,13 @@
       </p:grpSpPr>
       <p:pic>
         <p:nvPicPr>
-          <p:cNvPr id="5" name="Picture 4"/>
+          <p:cNvPr id="4" name="Content Placeholder 3"/>
           <p:cNvPicPr>
-            <a:picLocks noChangeAspect="1"/>
+            <a:picLocks noGrp="1" noChangeAspect="1"/>
           </p:cNvPicPr>
-          <p:nvPr/>
+          <p:nvPr>
+            <p:ph idx="1"/>
+          </p:nvPr>
         </p:nvPicPr>
         <p:blipFill>
           <a:blip r:embed="rId2">
@@ -3193,24 +3194,21 @@
         </p:blipFill>
         <p:spPr>
           <a:xfrm>
-            <a:off x="299545" y="0"/>
-            <a:ext cx="11461531" cy="5486400"/>
+            <a:off x="1355834" y="264839"/>
+            <a:ext cx="9096704" cy="4654002"/>
           </a:xfrm>
-          <a:prstGeom prst="rect">
-            <a:avLst/>
-          </a:prstGeom>
         </p:spPr>
       </p:pic>
       <p:sp>
         <p:nvSpPr>
-          <p:cNvPr id="7" name="TextBox 6"/>
+          <p:cNvPr id="5" name="TextBox 4"/>
           <p:cNvSpPr txBox="1"/>
           <p:nvPr/>
         </p:nvSpPr>
         <p:spPr>
           <a:xfrm>
-            <a:off x="4382814" y="5880538"/>
-            <a:ext cx="4085477" cy="553998"/>
+            <a:off x="4256689" y="5722882"/>
+            <a:ext cx="4950373" cy="553998"/>
           </a:xfrm>
           <a:prstGeom prst="rect">
             <a:avLst/>
@@ -3218,7 +3216,7 @@
           <a:noFill/>
         </p:spPr>
         <p:txBody>
-          <a:bodyPr wrap="none" rtlCol="0">
+          <a:bodyPr wrap="square" rtlCol="0">
             <a:spAutoFit/>
           </a:bodyPr>
           <a:lstStyle/>
@@ -3242,7 +3240,7 @@
     </p:spTree>
     <p:extLst>
       <p:ext uri="{BB962C8B-B14F-4D97-AF65-F5344CB8AC3E}">
-        <p14:creationId xmlns:p14="http://schemas.microsoft.com/office/powerpoint/2010/main" val="255047727"/>
+        <p14:creationId xmlns:p14="http://schemas.microsoft.com/office/powerpoint/2010/main" val="1890906812"/>
       </p:ext>
     </p:extLst>
   </p:cSld>
@@ -3276,66 +3274,32 @@
           <a:chExt cx="0" cy="0"/>
         </a:xfrm>
       </p:grpSpPr>
-      <p:pic>
-        <p:nvPicPr>
-          <p:cNvPr id="4" name="Content Placeholder 3"/>
-          <p:cNvPicPr>
-            <a:picLocks noGrp="1" noChangeAspect="1"/>
-          </p:cNvPicPr>
-          <p:nvPr>
-            <p:ph idx="1"/>
-          </p:nvPr>
-        </p:nvPicPr>
-        <p:blipFill>
-          <a:blip r:embed="rId2">
-            <a:extLst>
-              <a:ext uri="{28A0092B-C50C-407E-A947-70E740481C1C}">
-                <a14:useLocalDpi xmlns:a14="http://schemas.microsoft.com/office/drawing/2010/main" val="0"/>
-              </a:ext>
-            </a:extLst>
-          </a:blip>
-          <a:stretch>
-            <a:fillRect/>
-          </a:stretch>
-        </p:blipFill>
-        <p:spPr>
-          <a:xfrm>
-            <a:off x="1355834" y="264839"/>
-            <a:ext cx="9096704" cy="4654002"/>
-          </a:xfrm>
-        </p:spPr>
-      </p:pic>
-      <p:sp>
-        <p:nvSpPr>
-          <p:cNvPr id="5" name="TextBox 4"/>
-          <p:cNvSpPr txBox="1"/>
-          <p:nvPr/>
-        </p:nvSpPr>
-        <p:spPr>
-          <a:xfrm>
-            <a:off x="4256689" y="5722882"/>
-            <a:ext cx="4950373" cy="553998"/>
-          </a:xfrm>
-          <a:prstGeom prst="rect">
-            <a:avLst/>
-          </a:prstGeom>
-          <a:noFill/>
-        </p:spPr>
-        <p:txBody>
-          <a:bodyPr wrap="square" rtlCol="0">
-            <a:spAutoFit/>
+      <p:sp>
+        <p:nvSpPr>
+          <p:cNvPr id="2" name="Title 1"/>
+          <p:cNvSpPr>
+            <a:spLocks noGrp="1"/>
+          </p:cNvSpPr>
+          <p:nvPr>
+            <p:ph type="title"/>
+          </p:nvPr>
+        </p:nvSpPr>
+        <p:spPr/>
+        <p:txBody>
+          <a:bodyPr>
+            <a:normAutofit/>
           </a:bodyPr>
           <a:lstStyle/>
           <a:p>
             <a:r>
-              <a:rPr lang="en-US" sz="3000" dirty="0" smtClean="0">
+              <a:rPr lang="en-US" sz="4000" dirty="0" smtClean="0">
                 <a:latin typeface="Gill Sans" charset="0"/>
                 <a:ea typeface="Gill Sans" charset="0"/>
                 <a:cs typeface="Gill Sans" charset="0"/>
               </a:rPr>
-              <a:t>Temperature distribution</a:t>
-            </a:r>
-            <a:endParaRPr lang="en-US" sz="3000" dirty="0">
+              <a:t>                              Summery</a:t>
+            </a:r>
+            <a:endParaRPr lang="en-US" sz="4000" dirty="0">
               <a:latin typeface="Gill Sans" charset="0"/>
               <a:ea typeface="Gill Sans" charset="0"/>
               <a:cs typeface="Gill Sans" charset="0"/>
@@ -3343,10 +3307,36 @@
           </a:p>
         </p:txBody>
       </p:sp>
+      <p:sp>
+        <p:nvSpPr>
+          <p:cNvPr id="3" name="Content Placeholder 2"/>
+          <p:cNvSpPr>
+            <a:spLocks noGrp="1"/>
+          </p:cNvSpPr>
+          <p:nvPr>
+            <p:ph idx="1"/>
+          </p:nvPr>
+        </p:nvSpPr>
+        <p:spPr/>
+        <p:txBody>
+          <a:bodyPr/>
+          <a:lstStyle/>
+          <a:p>
+            <a:pPr marL="0" indent="0">
+              <a:buNone/>
+            </a:pPr>
+            <a:r>
+              <a:rPr lang="en-US" dirty="0" smtClean="0"/>
+              <a:t>From solving the Heat equation numerically we can see from the plots of the temperature distributions that wood is the best insulator and copper is the worst, from the chosen materials. Also, it can be seen that the temperature gradient is the highest at the outside boundary, which is expected, this also means the flow of thermal energy is the highest at this point. This is also where all the thermal energy is gained or lost depending on the sign of the temperate difference. This is where an air conditioning unit comes into play to restore the inside temperature to some set amount desired by the occupants.          </a:t>
+            </a:r>
+            <a:endParaRPr lang="en-US" dirty="0"/>
+          </a:p>
+        </p:txBody>
+      </p:sp>
     </p:spTree>
     <p:extLst>
       <p:ext uri="{BB962C8B-B14F-4D97-AF65-F5344CB8AC3E}">
-        <p14:creationId xmlns:p14="http://schemas.microsoft.com/office/powerpoint/2010/main" val="1890906812"/>
+        <p14:creationId xmlns:p14="http://schemas.microsoft.com/office/powerpoint/2010/main" val="1364351935"/>
       </p:ext>
     </p:extLst>
   </p:cSld>
@@ -3403,102 +3393,6 @@
                 <a:ea typeface="Gill Sans" charset="0"/>
                 <a:cs typeface="Gill Sans" charset="0"/>
               </a:rPr>
-              <a:t>                              Summery</a:t>
-            </a:r>
-            <a:endParaRPr lang="en-US" sz="4000" dirty="0">
-              <a:latin typeface="Gill Sans" charset="0"/>
-              <a:ea typeface="Gill Sans" charset="0"/>
-              <a:cs typeface="Gill Sans" charset="0"/>
-            </a:endParaRPr>
-          </a:p>
-        </p:txBody>
-      </p:sp>
-      <p:sp>
-        <p:nvSpPr>
-          <p:cNvPr id="3" name="Content Placeholder 2"/>
-          <p:cNvSpPr>
-            <a:spLocks noGrp="1"/>
-          </p:cNvSpPr>
-          <p:nvPr>
-            <p:ph idx="1"/>
-          </p:nvPr>
-        </p:nvSpPr>
-        <p:spPr/>
-        <p:txBody>
-          <a:bodyPr/>
-          <a:lstStyle/>
-          <a:p>
-            <a:pPr marL="0" indent="0">
-              <a:buNone/>
-            </a:pPr>
-            <a:r>
-              <a:rPr lang="en-US" dirty="0" smtClean="0"/>
-              <a:t>From solving the Heat equation numerically we can see from the plots of the temperature distributions that wood is the best insulator and copper is the worst, from the chosen materials. Also, it can be seen that the temperature gradient is the highest at the outside boundary, which is expected, this also means the flow of thermal energy is the highest at this point. This is also where all the thermal energy is gained or lost depending on the sign of the temperate difference. This is where an air conditioning unit comes into play to restore the inside temperature to some set amount desired by the occupants.          </a:t>
-            </a:r>
-            <a:endParaRPr lang="en-US" dirty="0"/>
-          </a:p>
-        </p:txBody>
-      </p:sp>
-    </p:spTree>
-    <p:extLst>
-      <p:ext uri="{BB962C8B-B14F-4D97-AF65-F5344CB8AC3E}">
-        <p14:creationId xmlns:p14="http://schemas.microsoft.com/office/powerpoint/2010/main" val="1364351935"/>
-      </p:ext>
-    </p:extLst>
-  </p:cSld>
-  <p:clrMapOvr>
-    <a:masterClrMapping/>
-  </p:clrMapOvr>
-  <p:timing>
-    <p:tnLst>
-      <p:par>
-        <p:cTn id="1" dur="indefinite" restart="never" nodeType="tmRoot"/>
-      </p:par>
-    </p:tnLst>
-  </p:timing>
-</p:sld>
-</file>
-
-<file path=ppt/slides/slide13.xml><?xml version="1.0" encoding="utf-8"?>
-<p:sld xmlns:a="http://schemas.openxmlformats.org/drawingml/2006/main" xmlns:r="http://schemas.openxmlformats.org/officeDocument/2006/relationships" xmlns:p="http://schemas.openxmlformats.org/presentationml/2006/main">
-  <p:cSld>
-    <p:spTree>
-      <p:nvGrpSpPr>
-        <p:cNvPr id="1" name=""/>
-        <p:cNvGrpSpPr/>
-        <p:nvPr/>
-      </p:nvGrpSpPr>
-      <p:grpSpPr>
-        <a:xfrm>
-          <a:off x="0" y="0"/>
-          <a:ext cx="0" cy="0"/>
-          <a:chOff x="0" y="0"/>
-          <a:chExt cx="0" cy="0"/>
-        </a:xfrm>
-      </p:grpSpPr>
-      <p:sp>
-        <p:nvSpPr>
-          <p:cNvPr id="2" name="Title 1"/>
-          <p:cNvSpPr>
-            <a:spLocks noGrp="1"/>
-          </p:cNvSpPr>
-          <p:nvPr>
-            <p:ph type="title"/>
-          </p:nvPr>
-        </p:nvSpPr>
-        <p:spPr/>
-        <p:txBody>
-          <a:bodyPr>
-            <a:normAutofit/>
-          </a:bodyPr>
-          <a:lstStyle/>
-          <a:p>
-            <a:r>
-              <a:rPr lang="en-US" sz="4000" dirty="0" smtClean="0">
-                <a:latin typeface="Gill Sans" charset="0"/>
-                <a:ea typeface="Gill Sans" charset="0"/>
-                <a:cs typeface="Gill Sans" charset="0"/>
-              </a:rPr>
               <a:t>references</a:t>
             </a:r>
           </a:p>
@@ -3581,7 +3475,7 @@
 </p:sld>
 </file>
 
-<file path=ppt/slides/slide14.xml><?xml version="1.0" encoding="utf-8"?>
+<file path=ppt/slides/slide13.xml><?xml version="1.0" encoding="utf-8"?>
 <p:sld xmlns:a="http://schemas.openxmlformats.org/drawingml/2006/main" xmlns:r="http://schemas.openxmlformats.org/officeDocument/2006/relationships" xmlns:p="http://schemas.openxmlformats.org/presentationml/2006/main">
   <p:cSld>
     <p:spTree>
@@ -3685,8 +3579,8 @@
         </p:nvSpPr>
         <p:spPr>
           <a:xfrm>
-            <a:off x="155642" y="136187"/>
-            <a:ext cx="11887201" cy="914400"/>
+            <a:off x="155642" y="311280"/>
+            <a:ext cx="11887201" cy="1011677"/>
           </a:xfrm>
         </p:spPr>
         <p:txBody>
@@ -3695,6 +3589,7 @@
           </a:bodyPr>
           <a:lstStyle/>
           <a:p>
+            <a:pPr algn="ctr"/>
             <a:r>
               <a:rPr lang="en-US" sz="4000" b="1" dirty="0" smtClean="0">
                 <a:latin typeface="Helvetica Neue"/>
@@ -3707,47 +3602,395 @@
           </a:p>
         </p:txBody>
       </p:sp>
-      <p:sp>
-        <p:nvSpPr>
-          <p:cNvPr id="3" name="Content Placeholder 2"/>
-          <p:cNvSpPr>
-            <a:spLocks noGrp="1"/>
-          </p:cNvSpPr>
-          <p:nvPr>
-            <p:ph idx="1"/>
-          </p:nvPr>
-        </p:nvSpPr>
-        <p:spPr>
-          <a:xfrm>
-            <a:off x="155642" y="1186774"/>
-            <a:ext cx="11887201" cy="5525311"/>
-          </a:xfrm>
-        </p:spPr>
-        <p:txBody>
-          <a:bodyPr/>
-          <a:lstStyle/>
-          <a:p>
-            <a:pPr marL="0" indent="0">
-              <a:buNone/>
-            </a:pPr>
-            <a:r>
-              <a:rPr lang="en-US" dirty="0" smtClean="0">
-                <a:latin typeface="Helvetica Neue"/>
-              </a:rPr>
-              <a:t>This project was motivated by curiosity regarding how heat diffusion governs the temperature distribution </a:t>
-            </a:r>
-            <a:r>
-              <a:rPr lang="en-US" smtClean="0">
-                <a:latin typeface="Helvetica Neue"/>
-              </a:rPr>
-              <a:t>within houses.</a:t>
-            </a:r>
-            <a:endParaRPr lang="en-US" dirty="0">
-              <a:latin typeface="Helvetica Neue"/>
-            </a:endParaRPr>
-          </a:p>
-        </p:txBody>
-      </p:sp>
+      <mc:AlternateContent xmlns:mc="http://schemas.openxmlformats.org/markup-compatibility/2006">
+        <mc:Choice xmlns:a14="http://schemas.microsoft.com/office/drawing/2010/main" Requires="a14">
+          <p:sp>
+            <p:nvSpPr>
+              <p:cNvPr id="3" name="Content Placeholder 2"/>
+              <p:cNvSpPr>
+                <a:spLocks noGrp="1"/>
+              </p:cNvSpPr>
+              <p:nvPr>
+                <p:ph idx="1"/>
+              </p:nvPr>
+            </p:nvSpPr>
+            <p:spPr>
+              <a:xfrm>
+                <a:off x="486382" y="1381324"/>
+                <a:ext cx="11225719" cy="5000017"/>
+              </a:xfrm>
+            </p:spPr>
+            <p:txBody>
+              <a:bodyPr>
+                <a:normAutofit/>
+              </a:bodyPr>
+              <a:lstStyle/>
+              <a:p>
+                <a:pPr marL="0" indent="0">
+                  <a:buNone/>
+                </a:pPr>
+                <a:r>
+                  <a:rPr lang="en-US" sz="3000" dirty="0" smtClean="0">
+                    <a:latin typeface="Helvetica Neue"/>
+                  </a:rPr>
+                  <a:t>This project was motivated by curiosity regarding how heat diffusion governs the temperature distribution within houses. The insulation material may vary, but which one is best for a home in the southwest? The solution was determined by numerically simulating the heat equation with the insulation material provided as a parameter:</a:t>
+                </a:r>
+              </a:p>
+              <a:p>
+                <a:pPr marL="0" indent="0">
+                  <a:buNone/>
+                </a:pPr>
+                <a14:m>
+                  <m:oMathPara xmlns:m="http://schemas.openxmlformats.org/officeDocument/2006/math">
+                    <m:oMathParaPr>
+                      <m:jc m:val="centerGroup"/>
+                    </m:oMathParaPr>
+                    <m:oMath xmlns:m="http://schemas.openxmlformats.org/officeDocument/2006/math">
+                      <m:f>
+                        <m:fPr>
+                          <m:ctrlPr>
+                            <a:rPr lang="en-US" sz="3000" i="1">
+                              <a:latin typeface="Cambria Math" panose="02040503050406030204" pitchFamily="18" charset="0"/>
+                              <a:ea typeface="Gill Sans" charset="0"/>
+                              <a:cs typeface="Gill Sans" charset="0"/>
+                            </a:rPr>
+                          </m:ctrlPr>
+                        </m:fPr>
+                        <m:num>
+                          <m:r>
+                            <a:rPr lang="en-US" sz="3000" i="1">
+                              <a:latin typeface="Cambria Math" charset="0"/>
+                              <a:ea typeface="Cambria Math" charset="0"/>
+                              <a:cs typeface="Cambria Math" charset="0"/>
+                            </a:rPr>
+                            <m:t>𝜕</m:t>
+                          </m:r>
+                          <m:r>
+                            <a:rPr lang="en-US" sz="3000" i="1">
+                              <a:latin typeface="Cambria Math" charset="0"/>
+                              <a:ea typeface="Gill Sans" charset="0"/>
+                              <a:cs typeface="Gill Sans" charset="0"/>
+                            </a:rPr>
+                            <m:t>𝑇</m:t>
+                          </m:r>
+                        </m:num>
+                        <m:den>
+                          <m:r>
+                            <a:rPr lang="en-US" sz="3000" i="1">
+                              <a:latin typeface="Cambria Math" charset="0"/>
+                              <a:ea typeface="Cambria Math" charset="0"/>
+                              <a:cs typeface="Cambria Math" charset="0"/>
+                            </a:rPr>
+                            <m:t>𝜕</m:t>
+                          </m:r>
+                          <m:r>
+                            <a:rPr lang="en-US" sz="3000" i="1">
+                              <a:latin typeface="Cambria Math" charset="0"/>
+                              <a:ea typeface="Gill Sans" charset="0"/>
+                              <a:cs typeface="Gill Sans" charset="0"/>
+                            </a:rPr>
+                            <m:t>𝑡</m:t>
+                          </m:r>
+                        </m:den>
+                      </m:f>
+                      <m:r>
+                        <a:rPr lang="en-US" sz="3000" i="1">
+                          <a:latin typeface="Cambria Math" charset="0"/>
+                          <a:ea typeface="Gill Sans" charset="0"/>
+                          <a:cs typeface="Gill Sans" charset="0"/>
+                        </a:rPr>
+                        <m:t>=</m:t>
+                      </m:r>
+                      <m:r>
+                        <a:rPr lang="en-US" sz="3000" b="0" i="1" smtClean="0">
+                          <a:latin typeface="Cambria Math" panose="02040503050406030204" pitchFamily="18" charset="0"/>
+                          <a:ea typeface="Gill Sans" charset="0"/>
+                          <a:cs typeface="Gill Sans" charset="0"/>
+                        </a:rPr>
+                        <m:t>𝛼</m:t>
+                      </m:r>
+                      <m:sSup>
+                        <m:sSupPr>
+                          <m:ctrlPr>
+                            <a:rPr lang="en-US" sz="3000" i="1">
+                              <a:latin typeface="Cambria Math" panose="02040503050406030204" pitchFamily="18" charset="0"/>
+                              <a:ea typeface="Gill Sans" charset="0"/>
+                              <a:cs typeface="Gill Sans" charset="0"/>
+                            </a:rPr>
+                          </m:ctrlPr>
+                        </m:sSupPr>
+                        <m:e>
+                          <m:r>
+                            <a:rPr lang="en-US" sz="3000" i="0">
+                              <a:latin typeface="Cambria Math" charset="0"/>
+                              <a:ea typeface="Cambria Math" charset="0"/>
+                              <a:cs typeface="Cambria Math" charset="0"/>
+                            </a:rPr>
+                            <m:t>∇</m:t>
+                          </m:r>
+                        </m:e>
+                        <m:sup>
+                          <m:r>
+                            <a:rPr lang="en-US" sz="3000" i="1">
+                              <a:latin typeface="Cambria Math" charset="0"/>
+                              <a:ea typeface="Gill Sans" charset="0"/>
+                              <a:cs typeface="Gill Sans" charset="0"/>
+                            </a:rPr>
+                            <m:t>2</m:t>
+                          </m:r>
+                        </m:sup>
+                      </m:sSup>
+                      <m:r>
+                        <a:rPr lang="en-US" sz="3000" b="0" i="1" smtClean="0">
+                          <a:latin typeface="Cambria Math" panose="02040503050406030204" pitchFamily="18" charset="0"/>
+                          <a:ea typeface="Gill Sans" charset="0"/>
+                          <a:cs typeface="Gill Sans" charset="0"/>
+                        </a:rPr>
+                        <m:t>𝑇</m:t>
+                      </m:r>
+                    </m:oMath>
+                  </m:oMathPara>
+                </a14:m>
+                <a:endParaRPr lang="en-US" sz="3000" dirty="0" smtClean="0">
+                  <a:latin typeface="Helvetica Neue"/>
+                </a:endParaRPr>
+              </a:p>
+              <a:p>
+                <a:pPr marL="0" indent="0">
+                  <a:buNone/>
+                </a:pPr>
+                <a:r>
+                  <a:rPr lang="en-US" sz="3000" dirty="0" smtClean="0">
+                    <a:latin typeface="Helvetica Neue"/>
+                  </a:rPr>
+                  <a:t>where </a:t>
+                </a:r>
+                <a14:m>
+                  <m:oMath xmlns:m="http://schemas.openxmlformats.org/officeDocument/2006/math">
+                    <m:r>
+                      <a:rPr lang="en-US" sz="3000" b="0" i="1" smtClean="0">
+                        <a:latin typeface="Cambria Math" panose="02040503050406030204" pitchFamily="18" charset="0"/>
+                      </a:rPr>
+                      <m:t>𝑇</m:t>
+                    </m:r>
+                    <m:r>
+                      <a:rPr lang="en-US" sz="3000" b="0" i="1" smtClean="0">
+                        <a:latin typeface="Cambria Math" panose="02040503050406030204" pitchFamily="18" charset="0"/>
+                      </a:rPr>
+                      <m:t>(</m:t>
+                    </m:r>
+                    <m:acc>
+                      <m:accPr>
+                        <m:chr m:val="⃑"/>
+                        <m:ctrlPr>
+                          <a:rPr lang="en-US" sz="3000" b="0" i="1" smtClean="0">
+                            <a:latin typeface="Cambria Math" panose="02040503050406030204" pitchFamily="18" charset="0"/>
+                          </a:rPr>
+                        </m:ctrlPr>
+                      </m:accPr>
+                      <m:e>
+                        <m:r>
+                          <a:rPr lang="en-US" sz="3000" b="0" i="1" smtClean="0">
+                            <a:latin typeface="Cambria Math" panose="02040503050406030204" pitchFamily="18" charset="0"/>
+                          </a:rPr>
+                          <m:t>𝑥</m:t>
+                        </m:r>
+                      </m:e>
+                    </m:acc>
+                    <m:r>
+                      <a:rPr lang="en-US" sz="3000" b="0" i="1" smtClean="0">
+                        <a:latin typeface="Cambria Math" panose="02040503050406030204" pitchFamily="18" charset="0"/>
+                      </a:rPr>
+                      <m:t>,</m:t>
+                    </m:r>
+                    <m:r>
+                      <a:rPr lang="en-US" sz="3000" b="0" i="1" smtClean="0">
+                        <a:latin typeface="Cambria Math" panose="02040503050406030204" pitchFamily="18" charset="0"/>
+                      </a:rPr>
+                      <m:t>𝑡</m:t>
+                    </m:r>
+                    <m:r>
+                      <a:rPr lang="en-US" sz="3000" b="0" i="1" smtClean="0">
+                        <a:latin typeface="Cambria Math" panose="02040503050406030204" pitchFamily="18" charset="0"/>
+                      </a:rPr>
+                      <m:t>)</m:t>
+                    </m:r>
+                  </m:oMath>
+                </a14:m>
+                <a:r>
+                  <a:rPr lang="en-US" sz="3000" dirty="0" smtClean="0">
+                    <a:latin typeface="Helvetica Neue"/>
+                  </a:rPr>
+                  <a:t> is the temperature at time </a:t>
+                </a:r>
+                <a14:m>
+                  <m:oMath xmlns:m="http://schemas.openxmlformats.org/officeDocument/2006/math">
+                    <m:r>
+                      <a:rPr lang="en-US" sz="3000" b="0" i="1" smtClean="0">
+                        <a:latin typeface="Cambria Math" panose="02040503050406030204" pitchFamily="18" charset="0"/>
+                      </a:rPr>
+                      <m:t>𝑡</m:t>
+                    </m:r>
+                  </m:oMath>
+                </a14:m>
+                <a:r>
+                  <a:rPr lang="en-US" sz="3000" dirty="0" smtClean="0">
+                    <a:latin typeface="Helvetica Neue"/>
+                  </a:rPr>
+                  <a:t> and position </a:t>
+                </a:r>
+                <a14:m>
+                  <m:oMath xmlns:m="http://schemas.openxmlformats.org/officeDocument/2006/math">
+                    <m:acc>
+                      <m:accPr>
+                        <m:chr m:val="⃑"/>
+                        <m:ctrlPr>
+                          <a:rPr lang="en-US" sz="3000" i="1" smtClean="0">
+                            <a:latin typeface="Cambria Math" panose="02040503050406030204" pitchFamily="18" charset="0"/>
+                          </a:rPr>
+                        </m:ctrlPr>
+                      </m:accPr>
+                      <m:e>
+                        <m:r>
+                          <a:rPr lang="en-US" sz="3000" b="0" i="1" smtClean="0">
+                            <a:latin typeface="Cambria Math" panose="02040503050406030204" pitchFamily="18" charset="0"/>
+                          </a:rPr>
+                          <m:t>𝑥</m:t>
+                        </m:r>
+                      </m:e>
+                    </m:acc>
+                  </m:oMath>
+                </a14:m>
+                <a:r>
+                  <a:rPr lang="en-US" sz="3000" dirty="0" smtClean="0">
+                    <a:latin typeface="Helvetica Neue"/>
+                  </a:rPr>
+                  <a:t>, </a:t>
+                </a:r>
+                <a14:m>
+                  <m:oMath xmlns:m="http://schemas.openxmlformats.org/officeDocument/2006/math">
+                    <m:r>
+                      <a:rPr lang="en-US" sz="3000" b="0" i="1" smtClean="0">
+                        <a:latin typeface="Cambria Math" panose="02040503050406030204" pitchFamily="18" charset="0"/>
+                      </a:rPr>
+                      <m:t>𝛼</m:t>
+                    </m:r>
+                  </m:oMath>
+                </a14:m>
+                <a:r>
+                  <a:rPr lang="en-US" sz="3000" dirty="0" smtClean="0">
+                    <a:latin typeface="Helvetica Neue"/>
+                  </a:rPr>
+                  <a:t> is the thermal diffusivity of the material at </a:t>
+                </a:r>
+                <a14:m>
+                  <m:oMath xmlns:m="http://schemas.openxmlformats.org/officeDocument/2006/math">
+                    <m:acc>
+                      <m:accPr>
+                        <m:chr m:val="⃑"/>
+                        <m:ctrlPr>
+                          <a:rPr lang="en-US" sz="3000" i="1" smtClean="0">
+                            <a:latin typeface="Cambria Math" panose="02040503050406030204" pitchFamily="18" charset="0"/>
+                          </a:rPr>
+                        </m:ctrlPr>
+                      </m:accPr>
+                      <m:e>
+                        <m:r>
+                          <a:rPr lang="en-US" sz="3000" b="0" i="1" smtClean="0">
+                            <a:latin typeface="Cambria Math" panose="02040503050406030204" pitchFamily="18" charset="0"/>
+                          </a:rPr>
+                          <m:t>𝑥</m:t>
+                        </m:r>
+                      </m:e>
+                    </m:acc>
+                  </m:oMath>
+                </a14:m>
+                <a:r>
+                  <a:rPr lang="en-US" sz="3000" dirty="0" smtClean="0">
+                    <a:latin typeface="Helvetica Neue"/>
+                  </a:rPr>
+                  <a:t>, and </a:t>
+                </a:r>
+                <a14:m>
+                  <m:oMath xmlns:m="http://schemas.openxmlformats.org/officeDocument/2006/math">
+                    <m:sSup>
+                      <m:sSupPr>
+                        <m:ctrlPr>
+                          <a:rPr lang="en-US" sz="3000" b="0" i="1" smtClean="0">
+                            <a:latin typeface="Cambria Math" panose="02040503050406030204" pitchFamily="18" charset="0"/>
+                          </a:rPr>
+                        </m:ctrlPr>
+                      </m:sSupPr>
+                      <m:e>
+                        <m:r>
+                          <a:rPr lang="en-US" sz="3000" b="0" i="0" smtClean="0">
+                            <a:latin typeface="Cambria Math" panose="02040503050406030204" pitchFamily="18" charset="0"/>
+                          </a:rPr>
+                          <m:t>∇</m:t>
+                        </m:r>
+                      </m:e>
+                      <m:sup>
+                        <m:r>
+                          <a:rPr lang="en-US" sz="3000" b="0" i="1" smtClean="0">
+                            <a:latin typeface="Cambria Math" panose="02040503050406030204" pitchFamily="18" charset="0"/>
+                          </a:rPr>
+                          <m:t>2</m:t>
+                        </m:r>
+                      </m:sup>
+                    </m:sSup>
+                  </m:oMath>
+                </a14:m>
+                <a:r>
+                  <a:rPr lang="en-US" sz="3000" dirty="0" smtClean="0">
+                    <a:latin typeface="Helvetica Neue"/>
+                  </a:rPr>
+                  <a:t> is the Laplacian operator.</a:t>
+                </a:r>
+                <a:endParaRPr lang="en-US" sz="3000" dirty="0">
+                  <a:latin typeface="Helvetica Neue"/>
+                </a:endParaRPr>
+              </a:p>
+            </p:txBody>
+          </p:sp>
+        </mc:Choice>
+        <mc:Fallback>
+          <p:sp>
+            <p:nvSpPr>
+              <p:cNvPr id="3" name="Content Placeholder 2"/>
+              <p:cNvSpPr>
+                <a:spLocks noGrp="1" noRot="1" noChangeAspect="1" noMove="1" noResize="1" noEditPoints="1" noAdjustHandles="1" noChangeArrowheads="1" noChangeShapeType="1" noTextEdit="1"/>
+              </p:cNvSpPr>
+              <p:nvPr>
+                <p:ph idx="1"/>
+              </p:nvPr>
+            </p:nvSpPr>
+            <p:spPr>
+              <a:xfrm>
+                <a:off x="486382" y="1381324"/>
+                <a:ext cx="11225719" cy="5000017"/>
+              </a:xfrm>
+              <a:blipFill rotWithShape="0">
+                <a:blip r:embed="rId2"/>
+                <a:stretch>
+                  <a:fillRect l="-1304" t="-2561" r="-1032"/>
+                </a:stretch>
+              </a:blipFill>
+            </p:spPr>
+            <p:txBody>
+              <a:bodyPr/>
+              <a:lstStyle/>
+              <a:p>
+                <a:r>
+                  <a:rPr lang="en-US">
+                    <a:noFill/>
+                  </a:rPr>
+                  <a:t> </a:t>
+                </a:r>
+              </a:p>
+            </p:txBody>
+          </p:sp>
+        </mc:Fallback>
+      </mc:AlternateContent>
     </p:spTree>
     <p:extLst>
       <p:ext uri="{BB962C8B-B14F-4D97-AF65-F5344CB8AC3E}">
@@ -3778,310 +4021,141 @@
           <a:chExt cx="0" cy="0"/>
         </a:xfrm>
       </p:grpSpPr>
+      <p:sp>
+        <p:nvSpPr>
+          <p:cNvPr id="2" name="Title 1"/>
+          <p:cNvSpPr>
+            <a:spLocks noGrp="1"/>
+          </p:cNvSpPr>
+          <p:nvPr>
+            <p:ph type="title"/>
+          </p:nvPr>
+        </p:nvSpPr>
+        <p:spPr>
+          <a:xfrm>
+            <a:off x="155642" y="311280"/>
+            <a:ext cx="11887201" cy="1011677"/>
+          </a:xfrm>
+        </p:spPr>
+        <p:txBody>
+          <a:bodyPr>
+            <a:normAutofit/>
+          </a:bodyPr>
+          <a:lstStyle/>
+          <a:p>
+            <a:pPr algn="ctr"/>
+            <a:r>
+              <a:rPr lang="en-US" sz="4000" b="1" dirty="0" smtClean="0">
+                <a:latin typeface="Helvetica Neue"/>
+              </a:rPr>
+              <a:t>Methodology</a:t>
+            </a:r>
+            <a:endParaRPr lang="en-US" sz="4000" b="1" dirty="0">
+              <a:latin typeface="Helvetica Neue"/>
+            </a:endParaRPr>
+          </a:p>
+        </p:txBody>
+      </p:sp>
       <mc:AlternateContent xmlns:mc="http://schemas.openxmlformats.org/markup-compatibility/2006">
         <mc:Choice xmlns:a14="http://schemas.microsoft.com/office/drawing/2010/main" Requires="a14">
           <p:sp>
             <p:nvSpPr>
-              <p:cNvPr id="2" name="TextBox 1"/>
-              <p:cNvSpPr txBox="1"/>
-              <p:nvPr/>
+              <p:cNvPr id="3" name="Content Placeholder 2"/>
+              <p:cNvSpPr>
+                <a:spLocks noGrp="1"/>
+              </p:cNvSpPr>
+              <p:nvPr>
+                <p:ph idx="1"/>
+              </p:nvPr>
             </p:nvSpPr>
             <p:spPr>
-              <a:xfrm rot="10800000" flipV="1">
-                <a:off x="-2" y="147773"/>
-                <a:ext cx="12192001" cy="6465040"/>
+              <a:xfrm>
+                <a:off x="486382" y="1381324"/>
+                <a:ext cx="11225719" cy="5000017"/>
               </a:xfrm>
-              <a:prstGeom prst="rect">
-                <a:avLst/>
-              </a:prstGeom>
-              <a:noFill/>
             </p:spPr>
             <p:txBody>
-              <a:bodyPr wrap="square" rtlCol="0">
-                <a:spAutoFit/>
+              <a:bodyPr>
+                <a:normAutofit/>
               </a:bodyPr>
               <a:lstStyle/>
               <a:p>
                 <a:r>
-                  <a:rPr lang="en-US" sz="4000" dirty="0" smtClean="0">
-                    <a:latin typeface="Gill Sans" charset="0"/>
-                    <a:ea typeface="Gill Sans" charset="0"/>
-                    <a:cs typeface="Gill Sans" charset="0"/>
+                  <a:rPr lang="en-US" sz="3000" dirty="0" smtClean="0">
+                    <a:latin typeface="Helvetica Neue"/>
                   </a:rPr>
-                  <a:t>                              Background</a:t>
+                  <a:t>Upon investigation, insulation materials vary far and wide, with subcategories in rare cases. Thus, only four materials are considered in order to truncate the problem.</a:t>
                 </a:r>
               </a:p>
               <a:p>
+                <a:pPr lvl="1"/>
                 <a:r>
-                  <a:rPr lang="en-US" sz="3000" dirty="0" smtClean="0">
-                    <a:latin typeface="Gill Sans" charset="0"/>
-                    <a:ea typeface="Gill Sans" charset="0"/>
-                    <a:cs typeface="Gill Sans" charset="0"/>
+                  <a:rPr lang="en-US" sz="2600" dirty="0" smtClean="0">
+                    <a:latin typeface="Helvetica Neue"/>
                   </a:rPr>
-                  <a:t>This project has been motivated by the curiosity of how heat diffusion determines the temperature distributions inside homes. Houses can be made from a variety of materials, but which one is a better insulator for a home in the southwest? Upon investigating this problem, since a home can be made from a multitude of materials, only three where chosen to truncate the problem. In order to present an answer for this question, the Heat equation has to be invoked and solved for the different materials. </a:t>
-                </a:r>
-                <a:r>
-                  <a:rPr lang="en-US" sz="3000" dirty="0" smtClean="0">
-                    <a:solidFill>
-                      <a:schemeClr val="tx1"/>
-                    </a:solidFill>
-                    <a:latin typeface="Gill Sans" charset="0"/>
-                    <a:ea typeface="Gill Sans" charset="0"/>
-                    <a:cs typeface="Gill Sans" charset="0"/>
-                  </a:rPr>
-                  <a:t>                                                   </a:t>
-                </a:r>
-              </a:p>
-              <a:p>
-                <a:endParaRPr lang="en-US" sz="3000" dirty="0">
-                  <a:latin typeface="Gill Sans" charset="0"/>
-                  <a:ea typeface="Gill Sans" charset="0"/>
-                  <a:cs typeface="Gill Sans" charset="0"/>
-                </a:endParaRPr>
-              </a:p>
-              <a:p>
-                <a:r>
-                  <a:rPr lang="en-US" sz="3000" dirty="0" smtClean="0">
-                    <a:latin typeface="Gill Sans" charset="0"/>
-                    <a:ea typeface="Gill Sans" charset="0"/>
-                    <a:cs typeface="Gill Sans" charset="0"/>
-                  </a:rPr>
-                  <a:t>                                           </a:t>
-                </a:r>
-                <a:r>
-                  <a:rPr lang="en-US" sz="3000" dirty="0" smtClean="0">
-                    <a:ea typeface="Gill Sans" charset="0"/>
-                    <a:cs typeface="Gill Sans" charset="0"/>
-                  </a:rPr>
-                  <a:t>H</a:t>
-                </a:r>
-                <a:r>
-                  <a:rPr lang="en-US" sz="3000" dirty="0" smtClean="0">
-                    <a:solidFill>
-                      <a:schemeClr val="tx1"/>
-                    </a:solidFill>
-                    <a:ea typeface="Gill Sans" charset="0"/>
-                    <a:cs typeface="Gill Sans" charset="0"/>
-                  </a:rPr>
-                  <a:t>eat equation;        </a:t>
-                </a:r>
-              </a:p>
-              <a:p>
-                <a:r>
-                  <a:rPr lang="en-US" sz="3000" dirty="0">
-                    <a:ea typeface="Gill Sans" charset="0"/>
-                    <a:cs typeface="Gill Sans" charset="0"/>
-                  </a:rPr>
-                  <a:t> </a:t>
-                </a:r>
-                <a:r>
-                  <a:rPr lang="en-US" sz="3000" dirty="0" smtClean="0">
-                    <a:ea typeface="Gill Sans" charset="0"/>
-                    <a:cs typeface="Gill Sans" charset="0"/>
-                  </a:rPr>
-                  <a:t>                                                     </a:t>
+                  <a:t>Note: </a:t>
                 </a:r>
                 <a14:m>
                   <m:oMath xmlns:m="http://schemas.openxmlformats.org/officeDocument/2006/math">
-                    <m:f>
-                      <m:fPr>
-                        <m:ctrlPr>
-                          <a:rPr lang="en-US" sz="3000" i="1" smtClean="0">
-                            <a:solidFill>
-                              <a:schemeClr val="tx1"/>
-                            </a:solidFill>
-                            <a:latin typeface="Cambria Math" panose="02040503050406030204" pitchFamily="18" charset="0"/>
-                            <a:ea typeface="Gill Sans" charset="0"/>
-                            <a:cs typeface="Gill Sans" charset="0"/>
-                          </a:rPr>
-                        </m:ctrlPr>
-                      </m:fPr>
-                      <m:num>
-                        <m:r>
-                          <a:rPr lang="en-US" sz="3000" i="1" smtClean="0">
-                            <a:solidFill>
-                              <a:schemeClr val="tx1"/>
-                            </a:solidFill>
-                            <a:latin typeface="Cambria Math" charset="0"/>
-                            <a:ea typeface="Cambria Math" charset="0"/>
-                            <a:cs typeface="Cambria Math" charset="0"/>
-                          </a:rPr>
-                          <m:t>𝜕</m:t>
-                        </m:r>
-                        <m:r>
-                          <a:rPr lang="en-US" sz="3000" b="0" i="1" smtClean="0">
-                            <a:solidFill>
-                              <a:schemeClr val="tx1"/>
-                            </a:solidFill>
-                            <a:latin typeface="Cambria Math" charset="0"/>
-                            <a:ea typeface="Gill Sans" charset="0"/>
-                            <a:cs typeface="Gill Sans" charset="0"/>
-                          </a:rPr>
-                          <m:t>𝑇</m:t>
-                        </m:r>
-                      </m:num>
-                      <m:den>
-                        <m:r>
-                          <a:rPr lang="en-US" sz="3000" i="1" smtClean="0">
-                            <a:solidFill>
-                              <a:schemeClr val="tx1"/>
-                            </a:solidFill>
-                            <a:latin typeface="Cambria Math" charset="0"/>
-                            <a:ea typeface="Cambria Math" charset="0"/>
-                            <a:cs typeface="Cambria Math" charset="0"/>
-                          </a:rPr>
-                          <m:t>𝜕</m:t>
-                        </m:r>
-                        <m:r>
-                          <a:rPr lang="en-US" sz="3000" b="0" i="1" smtClean="0">
-                            <a:solidFill>
-                              <a:schemeClr val="tx1"/>
-                            </a:solidFill>
-                            <a:latin typeface="Cambria Math" charset="0"/>
-                            <a:ea typeface="Gill Sans" charset="0"/>
-                            <a:cs typeface="Gill Sans" charset="0"/>
-                          </a:rPr>
-                          <m:t>𝑡</m:t>
-                        </m:r>
-                      </m:den>
-                    </m:f>
                     <m:r>
-                      <a:rPr lang="en-US" sz="3000" b="0" i="1" smtClean="0">
-                        <a:solidFill>
-                          <a:schemeClr val="tx1"/>
-                        </a:solidFill>
-                        <a:latin typeface="Cambria Math" charset="0"/>
-                        <a:ea typeface="Gill Sans" charset="0"/>
-                        <a:cs typeface="Gill Sans" charset="0"/>
+                      <a:rPr lang="en-US" sz="2600" b="0" i="1" smtClean="0">
+                        <a:latin typeface="Cambria Math" panose="02040503050406030204" pitchFamily="18" charset="0"/>
+                      </a:rPr>
+                      <m:t>𝛼</m:t>
+                    </m:r>
+                    <m:r>
+                      <a:rPr lang="en-US" sz="2600" b="0" i="1" smtClean="0">
+                        <a:latin typeface="Cambria Math" panose="02040503050406030204" pitchFamily="18" charset="0"/>
                       </a:rPr>
                       <m:t>=</m:t>
                     </m:r>
                     <m:r>
-                      <a:rPr lang="en-US" sz="3000" b="0" i="1" smtClean="0">
-                        <a:solidFill>
-                          <a:schemeClr val="tx1"/>
-                        </a:solidFill>
-                        <a:latin typeface="Cambria Math" charset="0"/>
-                        <a:ea typeface="Cambria Math" charset="0"/>
-                        <a:cs typeface="Cambria Math" charset="0"/>
+                      <a:rPr lang="en-US" sz="2600" b="0" i="1" smtClean="0">
+                        <a:latin typeface="Cambria Math" panose="02040503050406030204" pitchFamily="18" charset="0"/>
                       </a:rPr>
-                      <m:t>∓</m:t>
+                      <m:t>𝜅</m:t>
                     </m:r>
                     <m:r>
-                      <a:rPr lang="en-US" sz="3000" b="0" i="1" smtClean="0">
-                        <a:solidFill>
-                          <a:schemeClr val="tx1"/>
-                        </a:solidFill>
-                        <a:latin typeface="Cambria Math" charset="0"/>
-                        <a:ea typeface="Gill Sans" charset="0"/>
-                        <a:cs typeface="Gill Sans" charset="0"/>
+                      <a:rPr lang="en-US" sz="2600" b="0" i="1" smtClean="0">
+                        <a:latin typeface="Cambria Math" panose="02040503050406030204" pitchFamily="18" charset="0"/>
                       </a:rPr>
-                      <m:t>𝐾</m:t>
+                      <m:t>/</m:t>
                     </m:r>
-                    <m:r>
-                      <a:rPr lang="en-US" sz="3000" b="0" i="1" smtClean="0">
-                        <a:solidFill>
-                          <a:schemeClr val="tx1"/>
-                        </a:solidFill>
-                        <a:latin typeface="Cambria Math" charset="0"/>
-                        <a:ea typeface="Gill Sans" charset="0"/>
-                        <a:cs typeface="Gill Sans" charset="0"/>
-                      </a:rPr>
-                      <m:t> </m:t>
-                    </m:r>
-                    <m:sSup>
-                      <m:sSupPr>
+                    <m:sSub>
+                      <m:sSubPr>
                         <m:ctrlPr>
-                          <a:rPr lang="en-US" sz="3000" b="0" i="1" smtClean="0">
-                            <a:solidFill>
-                              <a:schemeClr val="tx1"/>
-                            </a:solidFill>
+                          <a:rPr lang="en-US" sz="2600" b="0" i="1" smtClean="0">
                             <a:latin typeface="Cambria Math" panose="02040503050406030204" pitchFamily="18" charset="0"/>
-                            <a:ea typeface="Gill Sans" charset="0"/>
-                            <a:cs typeface="Gill Sans" charset="0"/>
                           </a:rPr>
                         </m:ctrlPr>
-                      </m:sSupPr>
+                      </m:sSubPr>
                       <m:e>
                         <m:r>
-                          <a:rPr lang="en-US" sz="3000" b="0" i="1" smtClean="0">
-                            <a:solidFill>
-                              <a:schemeClr val="tx1"/>
-                            </a:solidFill>
-                            <a:latin typeface="Cambria Math" charset="0"/>
-                            <a:ea typeface="Cambria Math" charset="0"/>
-                            <a:cs typeface="Cambria Math" charset="0"/>
+                          <a:rPr lang="en-US" sz="2600" b="0" i="1" smtClean="0">
+                            <a:latin typeface="Cambria Math" panose="02040503050406030204" pitchFamily="18" charset="0"/>
                           </a:rPr>
-                          <m:t>𝛻</m:t>
+                          <m:t>𝑐</m:t>
                         </m:r>
                       </m:e>
-                      <m:sup>
+                      <m:sub>
                         <m:r>
-                          <a:rPr lang="en-US" sz="3000" b="0" i="1" smtClean="0">
-                            <a:solidFill>
-                              <a:schemeClr val="tx1"/>
-                            </a:solidFill>
-                            <a:latin typeface="Cambria Math" charset="0"/>
-                            <a:ea typeface="Gill Sans" charset="0"/>
-                            <a:cs typeface="Gill Sans" charset="0"/>
+                          <a:rPr lang="en-US" sz="2600" b="0" i="1" smtClean="0">
+                            <a:latin typeface="Cambria Math" panose="02040503050406030204" pitchFamily="18" charset="0"/>
                           </a:rPr>
-                          <m:t>2</m:t>
+                          <m:t>𝑃</m:t>
                         </m:r>
-                      </m:sup>
-                    </m:sSup>
+                      </m:sub>
+                    </m:sSub>
                     <m:r>
-                      <a:rPr lang="en-US" sz="3000" b="0" i="1" smtClean="0">
-                        <a:solidFill>
-                          <a:schemeClr val="tx1"/>
-                        </a:solidFill>
+                      <a:rPr lang="en-US" sz="2600" b="0" i="1" smtClean="0">
                         <a:latin typeface="Cambria Math" panose="02040503050406030204" pitchFamily="18" charset="0"/>
-                        <a:ea typeface="Gill Sans" charset="0"/>
-                        <a:cs typeface="Gill Sans" charset="0"/>
                       </a:rPr>
-                      <m:t>𝑇</m:t>
+                      <m:t>𝜌</m:t>
                     </m:r>
                   </m:oMath>
                 </a14:m>
-                <a:r>
-                  <a:rPr lang="en-US" sz="3000" dirty="0" smtClean="0">
-                    <a:solidFill>
-                      <a:schemeClr val="tx1"/>
-                    </a:solidFill>
-                    <a:latin typeface="Gill Sans" charset="0"/>
-                    <a:ea typeface="Gill Sans" charset="0"/>
-                    <a:cs typeface="Gill Sans" charset="0"/>
-                  </a:rPr>
-                  <a:t>                                                </a:t>
-                </a:r>
-                <a:r>
-                  <a:rPr lang="en-US" sz="3000" dirty="0" smtClean="0">
-                    <a:solidFill>
-                      <a:schemeClr val="tx1"/>
-                    </a:solidFill>
-                    <a:latin typeface="Gill Sans" charset="0"/>
-                    <a:ea typeface="Gill Sans" charset="0"/>
-                    <a:cs typeface="Gill Sans" charset="0"/>
-                  </a:rPr>
-                  <a:t>while the sign is accounted for by the boundary conditions</a:t>
-                </a:r>
-                <a:r>
-                  <a:rPr lang="en-US" sz="3000" dirty="0" smtClean="0">
-                    <a:solidFill>
-                      <a:schemeClr val="tx1"/>
-                    </a:solidFill>
-                    <a:latin typeface="Gill Sans" charset="0"/>
-                    <a:ea typeface="Gill Sans" charset="0"/>
-                    <a:cs typeface="Gill Sans" charset="0"/>
-                  </a:rPr>
-                  <a:t>.</a:t>
-                </a:r>
-                <a:endParaRPr lang="en-US" sz="3000" dirty="0" smtClean="0">
-                  <a:solidFill>
-                    <a:schemeClr val="tx1"/>
-                  </a:solidFill>
-                  <a:latin typeface="Gill Sans" charset="0"/>
-                  <a:ea typeface="Gill Sans" charset="0"/>
-                  <a:cs typeface="Gill Sans" charset="0"/>
+                <a:endParaRPr lang="en-US" sz="2600" dirty="0" smtClean="0">
+                  <a:latin typeface="Helvetica Neue"/>
                 </a:endParaRPr>
               </a:p>
             </p:txBody>
@@ -4090,24 +4164,23 @@
         <mc:Fallback>
           <p:sp>
             <p:nvSpPr>
-              <p:cNvPr id="2" name="TextBox 1"/>
-              <p:cNvSpPr txBox="1">
-                <a:spLocks noRot="1" noChangeAspect="1" noMove="1" noResize="1" noEditPoints="1" noAdjustHandles="1" noChangeArrowheads="1" noChangeShapeType="1" noTextEdit="1"/>
+              <p:cNvPr id="3" name="Content Placeholder 2"/>
+              <p:cNvSpPr>
+                <a:spLocks noGrp="1" noRot="1" noChangeAspect="1" noMove="1" noResize="1" noEditPoints="1" noAdjustHandles="1" noChangeArrowheads="1" noChangeShapeType="1" noTextEdit="1"/>
               </p:cNvSpPr>
-              <p:nvPr/>
+              <p:nvPr>
+                <p:ph idx="1"/>
+              </p:nvPr>
             </p:nvSpPr>
             <p:spPr>
-              <a:xfrm rot="10800000" flipV="1">
-                <a:off x="-2" y="147773"/>
-                <a:ext cx="12192001" cy="6465040"/>
+              <a:xfrm>
+                <a:off x="486382" y="1381324"/>
+                <a:ext cx="11225719" cy="5000017"/>
               </a:xfrm>
-              <a:prstGeom prst="rect">
-                <a:avLst/>
-              </a:prstGeom>
               <a:blipFill rotWithShape="0">
                 <a:blip r:embed="rId2"/>
                 <a:stretch>
-                  <a:fillRect l="-1150" t="-1697" r="-1150" b="-1885"/>
+                  <a:fillRect l="-1141" t="-2561"/>
                 </a:stretch>
               </a:blipFill>
             </p:spPr>
@@ -4126,23 +4199,1286 @@
           </p:sp>
         </mc:Fallback>
       </mc:AlternateContent>
+      <mc:AlternateContent xmlns:mc="http://schemas.openxmlformats.org/markup-compatibility/2006">
+        <mc:Choice xmlns:a14="http://schemas.microsoft.com/office/drawing/2010/main" Requires="a14">
+          <p:graphicFrame>
+            <p:nvGraphicFramePr>
+              <p:cNvPr id="4" name="Content Placeholder 3"/>
+              <p:cNvGraphicFramePr>
+                <a:graphicFrameLocks/>
+              </p:cNvGraphicFramePr>
+              <p:nvPr>
+                <p:extLst>
+                  <p:ext uri="{D42A27DB-BD31-4B8C-83A1-F6EECF244321}">
+                    <p14:modId xmlns:p14="http://schemas.microsoft.com/office/powerpoint/2010/main" val="614804940"/>
+                  </p:ext>
+                </p:extLst>
+              </p:nvPr>
+            </p:nvGraphicFramePr>
+            <p:xfrm>
+              <a:off x="649194" y="3319774"/>
+              <a:ext cx="10900093" cy="3061481"/>
+            </p:xfrm>
+            <a:graphic>
+              <a:graphicData uri="http://schemas.openxmlformats.org/drawingml/2006/table">
+                <a:tbl>
+                  <a:tblPr firstRow="1" bandRow="1">
+                    <a:tableStyleId>{5940675A-B579-460E-94D1-54222C63F5DA}</a:tableStyleId>
+                  </a:tblPr>
+                  <a:tblGrid>
+                    <a:gridCol w="1449705"/>
+                    <a:gridCol w="3300857"/>
+                    <a:gridCol w="3656394"/>
+                    <a:gridCol w="2493137"/>
+                  </a:tblGrid>
+                  <a:tr h="925374">
+                    <a:tc>
+                      <a:txBody>
+                        <a:bodyPr/>
+                        <a:lstStyle/>
+                        <a:p>
+                          <a:pPr algn="ctr"/>
+                          <a:r>
+                            <a:rPr lang="en-US" sz="2600" dirty="0" smtClean="0">
+                              <a:latin typeface="Helvetica Neue"/>
+                              <a:ea typeface="Gill Sans" charset="0"/>
+                              <a:cs typeface="Gill Sans" charset="0"/>
+                            </a:rPr>
+                            <a:t>Material</a:t>
+                          </a:r>
+                          <a:endParaRPr lang="en-US" sz="2600" dirty="0">
+                            <a:latin typeface="Helvetica Neue"/>
+                            <a:ea typeface="Gill Sans" charset="0"/>
+                            <a:cs typeface="Gill Sans" charset="0"/>
+                          </a:endParaRPr>
+                        </a:p>
+                      </a:txBody>
+                      <a:tcPr anchor="ctr"/>
+                    </a:tc>
+                    <a:tc>
+                      <a:txBody>
+                        <a:bodyPr/>
+                        <a:lstStyle/>
+                        <a:p>
+                          <a:pPr algn="ctr"/>
+                          <a:r>
+                            <a:rPr lang="en-US" sz="2600" dirty="0" smtClean="0">
+                              <a:latin typeface="Helvetica Neue"/>
+                              <a:ea typeface="Gill Sans" charset="0"/>
+                              <a:cs typeface="Gill Sans" charset="0"/>
+                            </a:rPr>
+                            <a:t>Conductivity, </a:t>
+                          </a:r>
+                          <a14:m>
+                            <m:oMath xmlns:m="http://schemas.openxmlformats.org/officeDocument/2006/math">
+                              <m:r>
+                                <a:rPr lang="en-US" sz="2600" b="0" i="1" smtClean="0">
+                                  <a:latin typeface="Cambria Math" panose="02040503050406030204" pitchFamily="18" charset="0"/>
+                                  <a:ea typeface="Gill Sans" charset="0"/>
+                                  <a:cs typeface="Gill Sans" charset="0"/>
+                                </a:rPr>
+                                <m:t>𝜅</m:t>
+                              </m:r>
+                            </m:oMath>
+                          </a14:m>
+                          <a:r>
+                            <a:rPr lang="en-US" sz="2600" dirty="0" smtClean="0">
+                              <a:latin typeface="Helvetica Neue"/>
+                              <a:ea typeface="Gill Sans" charset="0"/>
+                              <a:cs typeface="Gill Sans" charset="0"/>
+                            </a:rPr>
+                            <a:t> </a:t>
+                          </a:r>
+                          <a14:m>
+                            <m:oMath xmlns:m="http://schemas.openxmlformats.org/officeDocument/2006/math">
+                              <m:d>
+                                <m:dPr>
+                                  <m:ctrlPr>
+                                    <a:rPr lang="en-US" sz="2600" b="0" i="1" smtClean="0">
+                                      <a:latin typeface="Cambria Math" panose="02040503050406030204" pitchFamily="18" charset="0"/>
+                                      <a:ea typeface="Gill Sans" charset="0"/>
+                                      <a:cs typeface="Gill Sans" charset="0"/>
+                                    </a:rPr>
+                                  </m:ctrlPr>
+                                </m:dPr>
+                                <m:e>
+                                  <m:f>
+                                    <m:fPr>
+                                      <m:ctrlPr>
+                                        <a:rPr lang="bg-BG" sz="2600" i="1" smtClean="0">
+                                          <a:latin typeface="Cambria Math" panose="02040503050406030204" pitchFamily="18" charset="0"/>
+                                          <a:ea typeface="Gill Sans" charset="0"/>
+                                          <a:cs typeface="Gill Sans" charset="0"/>
+                                        </a:rPr>
+                                      </m:ctrlPr>
+                                    </m:fPr>
+                                    <m:num>
+                                      <m:r>
+                                        <m:rPr>
+                                          <m:sty m:val="p"/>
+                                        </m:rPr>
+                                        <a:rPr lang="en-US" sz="2600" b="0" i="0" smtClean="0">
+                                          <a:latin typeface="Cambria Math" panose="02040503050406030204" pitchFamily="18" charset="0"/>
+                                          <a:ea typeface="Gill Sans" charset="0"/>
+                                          <a:cs typeface="Gill Sans" charset="0"/>
+                                        </a:rPr>
+                                        <m:t>W</m:t>
+                                      </m:r>
+                                    </m:num>
+                                    <m:den>
+                                      <m:r>
+                                        <m:rPr>
+                                          <m:sty m:val="p"/>
+                                        </m:rPr>
+                                        <a:rPr lang="en-US" sz="2600" b="0" i="0" smtClean="0">
+                                          <a:latin typeface="Cambria Math" panose="02040503050406030204" pitchFamily="18" charset="0"/>
+                                          <a:ea typeface="Gill Sans" charset="0"/>
+                                          <a:cs typeface="Gill Sans" charset="0"/>
+                                        </a:rPr>
+                                        <m:t>m</m:t>
+                                      </m:r>
+                                      <m:r>
+                                        <a:rPr lang="en-US" sz="2600" b="0" i="1" smtClean="0">
+                                          <a:latin typeface="Cambria Math" panose="02040503050406030204" pitchFamily="18" charset="0"/>
+                                          <a:ea typeface="Cambria Math" panose="02040503050406030204" pitchFamily="18" charset="0"/>
+                                          <a:cs typeface="Gill Sans" charset="0"/>
+                                        </a:rPr>
+                                        <m:t>∙</m:t>
+                                      </m:r>
+                                      <m:r>
+                                        <m:rPr>
+                                          <m:sty m:val="p"/>
+                                        </m:rPr>
+                                        <a:rPr lang="en-US" sz="2600" b="0" i="0" smtClean="0">
+                                          <a:latin typeface="Cambria Math" panose="02040503050406030204" pitchFamily="18" charset="0"/>
+                                          <a:ea typeface="Gill Sans" charset="0"/>
+                                          <a:cs typeface="Gill Sans" charset="0"/>
+                                        </a:rPr>
+                                        <m:t>K</m:t>
+                                      </m:r>
+                                    </m:den>
+                                  </m:f>
+                                </m:e>
+                              </m:d>
+                            </m:oMath>
+                          </a14:m>
+                          <a:endParaRPr lang="en-US" sz="2600" dirty="0">
+                            <a:latin typeface="Helvetica Neue"/>
+                            <a:ea typeface="Gill Sans" charset="0"/>
+                            <a:cs typeface="Gill Sans" charset="0"/>
+                          </a:endParaRPr>
+                        </a:p>
+                      </a:txBody>
+                      <a:tcPr anchor="ctr"/>
+                    </a:tc>
+                    <a:tc>
+                      <a:txBody>
+                        <a:bodyPr/>
+                        <a:lstStyle/>
+                        <a:p>
+                          <a:pPr algn="ctr"/>
+                          <a:r>
+                            <a:rPr lang="en-US" sz="2600" dirty="0" smtClean="0">
+                              <a:latin typeface="Helvetica Neue"/>
+                              <a:ea typeface="Gill Sans" charset="0"/>
+                              <a:cs typeface="Gill Sans" charset="0"/>
+                            </a:rPr>
+                            <a:t>Specific Heat, </a:t>
+                          </a:r>
+                          <a14:m>
+                            <m:oMath xmlns:m="http://schemas.openxmlformats.org/officeDocument/2006/math">
+                              <m:sSub>
+                                <m:sSubPr>
+                                  <m:ctrlPr>
+                                    <a:rPr lang="en-US" sz="2600" b="0" i="1" smtClean="0">
+                                      <a:latin typeface="Cambria Math" panose="02040503050406030204" pitchFamily="18" charset="0"/>
+                                      <a:ea typeface="Gill Sans" charset="0"/>
+                                      <a:cs typeface="Gill Sans" charset="0"/>
+                                    </a:rPr>
+                                  </m:ctrlPr>
+                                </m:sSubPr>
+                                <m:e>
+                                  <m:r>
+                                    <a:rPr lang="en-US" sz="2600" b="0" i="1" smtClean="0">
+                                      <a:latin typeface="Cambria Math" panose="02040503050406030204" pitchFamily="18" charset="0"/>
+                                      <a:ea typeface="Gill Sans" charset="0"/>
+                                      <a:cs typeface="Gill Sans" charset="0"/>
+                                    </a:rPr>
+                                    <m:t>𝑐</m:t>
+                                  </m:r>
+                                </m:e>
+                                <m:sub>
+                                  <m:r>
+                                    <a:rPr lang="en-US" sz="2600" b="0" i="1" smtClean="0">
+                                      <a:latin typeface="Cambria Math" panose="02040503050406030204" pitchFamily="18" charset="0"/>
+                                      <a:ea typeface="Gill Sans" charset="0"/>
+                                      <a:cs typeface="Gill Sans" charset="0"/>
+                                    </a:rPr>
+                                    <m:t>𝑃</m:t>
+                                  </m:r>
+                                </m:sub>
+                              </m:sSub>
+                            </m:oMath>
+                          </a14:m>
+                          <a:r>
+                            <a:rPr lang="en-US" sz="2600" dirty="0" smtClean="0">
+                              <a:latin typeface="Helvetica Neue"/>
+                              <a:ea typeface="Gill Sans" charset="0"/>
+                              <a:cs typeface="Gill Sans" charset="0"/>
+                            </a:rPr>
+                            <a:t> </a:t>
+                          </a:r>
+                          <a14:m>
+                            <m:oMath xmlns:m="http://schemas.openxmlformats.org/officeDocument/2006/math">
+                              <m:d>
+                                <m:dPr>
+                                  <m:ctrlPr>
+                                    <a:rPr lang="en-US" sz="2600" b="0" i="1" smtClean="0">
+                                      <a:latin typeface="Cambria Math" panose="02040503050406030204" pitchFamily="18" charset="0"/>
+                                      <a:ea typeface="Gill Sans" charset="0"/>
+                                      <a:cs typeface="Gill Sans" charset="0"/>
+                                    </a:rPr>
+                                  </m:ctrlPr>
+                                </m:dPr>
+                                <m:e>
+                                  <m:f>
+                                    <m:fPr>
+                                      <m:ctrlPr>
+                                        <a:rPr lang="bg-BG" sz="2600" i="1" smtClean="0">
+                                          <a:latin typeface="Cambria Math" panose="02040503050406030204" pitchFamily="18" charset="0"/>
+                                          <a:ea typeface="Gill Sans" charset="0"/>
+                                          <a:cs typeface="Gill Sans" charset="0"/>
+                                        </a:rPr>
+                                      </m:ctrlPr>
+                                    </m:fPr>
+                                    <m:num>
+                                      <m:r>
+                                        <m:rPr>
+                                          <m:sty m:val="p"/>
+                                        </m:rPr>
+                                        <a:rPr lang="en-US" sz="2600" b="0" i="0" smtClean="0">
+                                          <a:latin typeface="Cambria Math" panose="02040503050406030204" pitchFamily="18" charset="0"/>
+                                          <a:ea typeface="Gill Sans" charset="0"/>
+                                          <a:cs typeface="Gill Sans" charset="0"/>
+                                        </a:rPr>
+                                        <m:t>J</m:t>
+                                      </m:r>
+                                    </m:num>
+                                    <m:den>
+                                      <m:r>
+                                        <m:rPr>
+                                          <m:sty m:val="p"/>
+                                        </m:rPr>
+                                        <a:rPr lang="en-US" sz="2600" b="0" i="0" smtClean="0">
+                                          <a:latin typeface="Cambria Math" panose="02040503050406030204" pitchFamily="18" charset="0"/>
+                                          <a:ea typeface="Gill Sans" charset="0"/>
+                                          <a:cs typeface="Gill Sans" charset="0"/>
+                                        </a:rPr>
+                                        <m:t>kg</m:t>
+                                      </m:r>
+                                      <m:r>
+                                        <a:rPr lang="en-US" sz="2600" b="0" i="1" smtClean="0">
+                                          <a:latin typeface="Cambria Math" panose="02040503050406030204" pitchFamily="18" charset="0"/>
+                                          <a:ea typeface="Cambria Math" panose="02040503050406030204" pitchFamily="18" charset="0"/>
+                                          <a:cs typeface="Gill Sans" charset="0"/>
+                                        </a:rPr>
+                                        <m:t>∙</m:t>
+                                      </m:r>
+                                      <m:r>
+                                        <m:rPr>
+                                          <m:sty m:val="p"/>
+                                        </m:rPr>
+                                        <a:rPr lang="en-US" sz="2600" b="0" i="0" smtClean="0">
+                                          <a:latin typeface="Cambria Math" panose="02040503050406030204" pitchFamily="18" charset="0"/>
+                                          <a:ea typeface="Gill Sans" charset="0"/>
+                                          <a:cs typeface="Gill Sans" charset="0"/>
+                                        </a:rPr>
+                                        <m:t>K</m:t>
+                                      </m:r>
+                                    </m:den>
+                                  </m:f>
+                                </m:e>
+                              </m:d>
+                            </m:oMath>
+                          </a14:m>
+                          <a:endParaRPr lang="en-US" sz="2600" dirty="0">
+                            <a:latin typeface="Helvetica Neue"/>
+                            <a:ea typeface="Gill Sans" charset="0"/>
+                            <a:cs typeface="Gill Sans" charset="0"/>
+                          </a:endParaRPr>
+                        </a:p>
+                      </a:txBody>
+                      <a:tcPr anchor="ctr"/>
+                    </a:tc>
+                    <a:tc>
+                      <a:txBody>
+                        <a:bodyPr/>
+                        <a:lstStyle/>
+                        <a:p>
+                          <a:pPr algn="ctr"/>
+                          <a:r>
+                            <a:rPr lang="en-US" sz="2600" dirty="0" smtClean="0">
+                              <a:latin typeface="Helvetica Neue"/>
+                              <a:ea typeface="Gill Sans" charset="0"/>
+                              <a:cs typeface="Gill Sans" charset="0"/>
+                            </a:rPr>
+                            <a:t>Density, </a:t>
+                          </a:r>
+                          <a14:m>
+                            <m:oMath xmlns:m="http://schemas.openxmlformats.org/officeDocument/2006/math">
+                              <m:r>
+                                <a:rPr lang="en-US" sz="2600" b="0" i="1" smtClean="0">
+                                  <a:latin typeface="Cambria Math" panose="02040503050406030204" pitchFamily="18" charset="0"/>
+                                  <a:ea typeface="Gill Sans" charset="0"/>
+                                  <a:cs typeface="Gill Sans" charset="0"/>
+                                </a:rPr>
+                                <m:t>𝜌</m:t>
+                              </m:r>
+                            </m:oMath>
+                          </a14:m>
+                          <a:r>
+                            <a:rPr lang="en-US" sz="2600" dirty="0" smtClean="0">
+                              <a:latin typeface="Helvetica Neue"/>
+                              <a:ea typeface="Gill Sans" charset="0"/>
+                              <a:cs typeface="Gill Sans" charset="0"/>
+                            </a:rPr>
+                            <a:t> </a:t>
+                          </a:r>
+                          <a14:m>
+                            <m:oMath xmlns:m="http://schemas.openxmlformats.org/officeDocument/2006/math">
+                              <m:d>
+                                <m:dPr>
+                                  <m:ctrlPr>
+                                    <a:rPr lang="en-US" sz="2600" b="0" i="1" smtClean="0">
+                                      <a:latin typeface="Cambria Math" panose="02040503050406030204" pitchFamily="18" charset="0"/>
+                                      <a:ea typeface="Gill Sans" charset="0"/>
+                                      <a:cs typeface="Gill Sans" charset="0"/>
+                                    </a:rPr>
+                                  </m:ctrlPr>
+                                </m:dPr>
+                                <m:e>
+                                  <m:f>
+                                    <m:fPr>
+                                      <m:ctrlPr>
+                                        <a:rPr lang="bg-BG" sz="2600" i="1" smtClean="0">
+                                          <a:latin typeface="Cambria Math" panose="02040503050406030204" pitchFamily="18" charset="0"/>
+                                          <a:ea typeface="Gill Sans" charset="0"/>
+                                          <a:cs typeface="Gill Sans" charset="0"/>
+                                        </a:rPr>
+                                      </m:ctrlPr>
+                                    </m:fPr>
+                                    <m:num>
+                                      <m:r>
+                                        <m:rPr>
+                                          <m:sty m:val="p"/>
+                                        </m:rPr>
+                                        <a:rPr lang="en-US" sz="2600" b="0" i="0" smtClean="0">
+                                          <a:latin typeface="Cambria Math" panose="02040503050406030204" pitchFamily="18" charset="0"/>
+                                          <a:ea typeface="Gill Sans" charset="0"/>
+                                          <a:cs typeface="Gill Sans" charset="0"/>
+                                        </a:rPr>
+                                        <m:t>kg</m:t>
+                                      </m:r>
+                                    </m:num>
+                                    <m:den>
+                                      <m:sSup>
+                                        <m:sSupPr>
+                                          <m:ctrlPr>
+                                            <a:rPr lang="bg-BG" sz="2600" i="1" smtClean="0">
+                                              <a:latin typeface="Cambria Math" panose="02040503050406030204" pitchFamily="18" charset="0"/>
+                                              <a:ea typeface="Gill Sans" charset="0"/>
+                                              <a:cs typeface="Gill Sans" charset="0"/>
+                                            </a:rPr>
+                                          </m:ctrlPr>
+                                        </m:sSupPr>
+                                        <m:e>
+                                          <m:r>
+                                            <m:rPr>
+                                              <m:sty m:val="p"/>
+                                            </m:rPr>
+                                            <a:rPr lang="en-US" sz="2600" b="0" i="0" smtClean="0">
+                                              <a:latin typeface="Cambria Math" panose="02040503050406030204" pitchFamily="18" charset="0"/>
+                                              <a:ea typeface="Gill Sans" charset="0"/>
+                                              <a:cs typeface="Gill Sans" charset="0"/>
+                                            </a:rPr>
+                                            <m:t>m</m:t>
+                                          </m:r>
+                                        </m:e>
+                                        <m:sup>
+                                          <m:r>
+                                            <a:rPr lang="en-US" sz="2600" b="0" i="1" smtClean="0">
+                                              <a:latin typeface="Cambria Math" panose="02040503050406030204" pitchFamily="18" charset="0"/>
+                                              <a:ea typeface="Gill Sans" charset="0"/>
+                                              <a:cs typeface="Gill Sans" charset="0"/>
+                                            </a:rPr>
+                                            <m:t>3</m:t>
+                                          </m:r>
+                                        </m:sup>
+                                      </m:sSup>
+                                    </m:den>
+                                  </m:f>
+                                </m:e>
+                              </m:d>
+                            </m:oMath>
+                          </a14:m>
+                          <a:endParaRPr lang="en-US" sz="2600" dirty="0">
+                            <a:latin typeface="Helvetica Neue"/>
+                            <a:ea typeface="Gill Sans" charset="0"/>
+                            <a:cs typeface="Gill Sans" charset="0"/>
+                          </a:endParaRPr>
+                        </a:p>
+                      </a:txBody>
+                      <a:tcPr anchor="ctr"/>
+                    </a:tc>
+                  </a:tr>
+                  <a:tr h="537773">
+                    <a:tc>
+                      <a:txBody>
+                        <a:bodyPr/>
+                        <a:lstStyle/>
+                        <a:p>
+                          <a:r>
+                            <a:rPr lang="en-US" sz="2600" dirty="0" smtClean="0">
+                              <a:latin typeface="Helvetica Neue"/>
+                              <a:ea typeface="Gill Sans" charset="0"/>
+                              <a:cs typeface="Gill Sans" charset="0"/>
+                            </a:rPr>
+                            <a:t>Air</a:t>
+                          </a:r>
+                          <a:endParaRPr lang="en-US" sz="2600" dirty="0">
+                            <a:latin typeface="Helvetica Neue"/>
+                            <a:ea typeface="Gill Sans" charset="0"/>
+                            <a:cs typeface="Gill Sans" charset="0"/>
+                          </a:endParaRPr>
+                        </a:p>
+                      </a:txBody>
+                      <a:tcPr anchor="ctr"/>
+                    </a:tc>
+                    <a:tc>
+                      <a:txBody>
+                        <a:bodyPr/>
+                        <a:lstStyle/>
+                        <a:p>
+                          <a:r>
+                            <a:rPr lang="is-IS" sz="2600" dirty="0" smtClean="0">
+                              <a:latin typeface="Helvetica Neue"/>
+                              <a:ea typeface="Gill Sans" charset="0"/>
+                              <a:cs typeface="Gill Sans" charset="0"/>
+                            </a:rPr>
+                            <a:t>0.02624</a:t>
+                          </a:r>
+                          <a:endParaRPr lang="en-US" sz="2600" dirty="0">
+                            <a:latin typeface="Helvetica Neue"/>
+                            <a:ea typeface="Gill Sans" charset="0"/>
+                            <a:cs typeface="Gill Sans" charset="0"/>
+                          </a:endParaRPr>
+                        </a:p>
+                      </a:txBody>
+                      <a:tcPr anchor="ctr"/>
+                    </a:tc>
+                    <a:tc>
+                      <a:txBody>
+                        <a:bodyPr/>
+                        <a:lstStyle/>
+                        <a:p>
+                          <a:r>
+                            <a:rPr lang="en-US" sz="2600" dirty="0" smtClean="0">
+                              <a:latin typeface="Helvetica Neue"/>
+                              <a:ea typeface="Gill Sans" charset="0"/>
+                              <a:cs typeface="Gill Sans" charset="0"/>
+                            </a:rPr>
+                            <a:t>1000</a:t>
+                          </a:r>
+                          <a:endParaRPr lang="en-US" sz="2600" dirty="0">
+                            <a:latin typeface="Helvetica Neue"/>
+                            <a:ea typeface="Gill Sans" charset="0"/>
+                            <a:cs typeface="Gill Sans" charset="0"/>
+                          </a:endParaRPr>
+                        </a:p>
+                      </a:txBody>
+                      <a:tcPr anchor="ctr"/>
+                    </a:tc>
+                    <a:tc>
+                      <a:txBody>
+                        <a:bodyPr/>
+                        <a:lstStyle/>
+                        <a:p>
+                          <a:r>
+                            <a:rPr lang="is-IS" sz="2600" dirty="0" smtClean="0">
+                              <a:latin typeface="Helvetica Neue"/>
+                              <a:ea typeface="Gill Sans" charset="0"/>
+                              <a:cs typeface="Gill Sans" charset="0"/>
+                            </a:rPr>
+                            <a:t>1.177</a:t>
+                          </a:r>
+                          <a:endParaRPr lang="en-US" sz="2600" dirty="0">
+                            <a:latin typeface="Helvetica Neue"/>
+                            <a:ea typeface="Gill Sans" charset="0"/>
+                            <a:cs typeface="Gill Sans" charset="0"/>
+                          </a:endParaRPr>
+                        </a:p>
+                      </a:txBody>
+                      <a:tcPr anchor="ctr"/>
+                    </a:tc>
+                  </a:tr>
+                  <a:tr h="532778">
+                    <a:tc>
+                      <a:txBody>
+                        <a:bodyPr/>
+                        <a:lstStyle/>
+                        <a:p>
+                          <a:r>
+                            <a:rPr lang="en-US" sz="2600" dirty="0" smtClean="0">
+                              <a:latin typeface="Helvetica Neue"/>
+                              <a:ea typeface="Gill Sans" charset="0"/>
+                              <a:cs typeface="Gill Sans" charset="0"/>
+                            </a:rPr>
+                            <a:t>Brick</a:t>
+                          </a:r>
+                          <a:endParaRPr lang="en-US" sz="2600" dirty="0">
+                            <a:latin typeface="Helvetica Neue"/>
+                            <a:ea typeface="Gill Sans" charset="0"/>
+                            <a:cs typeface="Gill Sans" charset="0"/>
+                          </a:endParaRPr>
+                        </a:p>
+                      </a:txBody>
+                      <a:tcPr anchor="ctr"/>
+                    </a:tc>
+                    <a:tc>
+                      <a:txBody>
+                        <a:bodyPr/>
+                        <a:lstStyle/>
+                        <a:p>
+                          <a:r>
+                            <a:rPr lang="is-IS" sz="2600" dirty="0" smtClean="0">
+                              <a:latin typeface="Helvetica Neue"/>
+                              <a:ea typeface="Gill Sans" charset="0"/>
+                              <a:cs typeface="Gill Sans" charset="0"/>
+                            </a:rPr>
+                            <a:t>0.8</a:t>
+                          </a:r>
+                          <a:endParaRPr lang="en-US" sz="2600" dirty="0">
+                            <a:latin typeface="Helvetica Neue"/>
+                            <a:ea typeface="Gill Sans" charset="0"/>
+                            <a:cs typeface="Gill Sans" charset="0"/>
+                          </a:endParaRPr>
+                        </a:p>
+                      </a:txBody>
+                      <a:tcPr anchor="ctr"/>
+                    </a:tc>
+                    <a:tc>
+                      <a:txBody>
+                        <a:bodyPr/>
+                        <a:lstStyle/>
+                        <a:p>
+                          <a:r>
+                            <a:rPr lang="is-IS" sz="2600" dirty="0" smtClean="0">
+                              <a:latin typeface="Helvetica Neue"/>
+                              <a:ea typeface="Gill Sans" charset="0"/>
+                              <a:cs typeface="Gill Sans" charset="0"/>
+                            </a:rPr>
+                            <a:t>900</a:t>
+                          </a:r>
+                          <a:endParaRPr lang="en-US" sz="2600" dirty="0">
+                            <a:latin typeface="Helvetica Neue"/>
+                            <a:ea typeface="Gill Sans" charset="0"/>
+                            <a:cs typeface="Gill Sans" charset="0"/>
+                          </a:endParaRPr>
+                        </a:p>
+                      </a:txBody>
+                      <a:tcPr anchor="ctr"/>
+                    </a:tc>
+                    <a:tc>
+                      <a:txBody>
+                        <a:bodyPr/>
+                        <a:lstStyle/>
+                        <a:p>
+                          <a:r>
+                            <a:rPr lang="nb-NO" sz="2600" dirty="0" smtClean="0">
+                              <a:latin typeface="Helvetica Neue"/>
+                              <a:ea typeface="Gill Sans" charset="0"/>
+                              <a:cs typeface="Gill Sans" charset="0"/>
+                            </a:rPr>
+                            <a:t>1900</a:t>
+                          </a:r>
+                          <a:endParaRPr lang="en-US" sz="2600" dirty="0">
+                            <a:latin typeface="Helvetica Neue"/>
+                            <a:ea typeface="Gill Sans" charset="0"/>
+                            <a:cs typeface="Gill Sans" charset="0"/>
+                          </a:endParaRPr>
+                        </a:p>
+                      </a:txBody>
+                      <a:tcPr anchor="ctr"/>
+                    </a:tc>
+                  </a:tr>
+                  <a:tr h="532778">
+                    <a:tc>
+                      <a:txBody>
+                        <a:bodyPr/>
+                        <a:lstStyle/>
+                        <a:p>
+                          <a:r>
+                            <a:rPr lang="en-US" sz="2600" dirty="0" smtClean="0">
+                              <a:latin typeface="Helvetica Neue"/>
+                              <a:ea typeface="Gill Sans" charset="0"/>
+                              <a:cs typeface="Gill Sans" charset="0"/>
+                            </a:rPr>
+                            <a:t>Wood</a:t>
+                          </a:r>
+                          <a:endParaRPr lang="en-US" sz="2600" dirty="0">
+                            <a:latin typeface="Helvetica Neue"/>
+                            <a:ea typeface="Gill Sans" charset="0"/>
+                            <a:cs typeface="Gill Sans" charset="0"/>
+                          </a:endParaRPr>
+                        </a:p>
+                      </a:txBody>
+                      <a:tcPr anchor="ctr"/>
+                    </a:tc>
+                    <a:tc>
+                      <a:txBody>
+                        <a:bodyPr/>
+                        <a:lstStyle/>
+                        <a:p>
+                          <a:r>
+                            <a:rPr lang="en-US" sz="2600" dirty="0" smtClean="0">
+                              <a:latin typeface="Helvetica Neue"/>
+                              <a:ea typeface="Gill Sans" charset="0"/>
+                              <a:cs typeface="Gill Sans" charset="0"/>
+                            </a:rPr>
+                            <a:t>0.17</a:t>
+                          </a:r>
+                          <a:endParaRPr lang="en-US" sz="2600" dirty="0">
+                            <a:latin typeface="Helvetica Neue"/>
+                            <a:ea typeface="Gill Sans" charset="0"/>
+                            <a:cs typeface="Gill Sans" charset="0"/>
+                          </a:endParaRPr>
+                        </a:p>
+                      </a:txBody>
+                      <a:tcPr anchor="ctr"/>
+                    </a:tc>
+                    <a:tc>
+                      <a:txBody>
+                        <a:bodyPr/>
+                        <a:lstStyle/>
+                        <a:p>
+                          <a:r>
+                            <a:rPr lang="fi-FI" sz="2600" dirty="0" smtClean="0">
+                              <a:latin typeface="Helvetica Neue"/>
+                              <a:ea typeface="Gill Sans" charset="0"/>
+                              <a:cs typeface="Gill Sans" charset="0"/>
+                            </a:rPr>
+                            <a:t>2000</a:t>
+                          </a:r>
+                          <a:endParaRPr lang="en-US" sz="2600" dirty="0">
+                            <a:latin typeface="Helvetica Neue"/>
+                            <a:ea typeface="Gill Sans" charset="0"/>
+                            <a:cs typeface="Gill Sans" charset="0"/>
+                          </a:endParaRPr>
+                        </a:p>
+                      </a:txBody>
+                      <a:tcPr anchor="ctr"/>
+                    </a:tc>
+                    <a:tc>
+                      <a:txBody>
+                        <a:bodyPr/>
+                        <a:lstStyle/>
+                        <a:p>
+                          <a:r>
+                            <a:rPr lang="is-IS" sz="2600" dirty="0" smtClean="0">
+                              <a:latin typeface="Helvetica Neue"/>
+                              <a:ea typeface="Gill Sans" charset="0"/>
+                              <a:cs typeface="Gill Sans" charset="0"/>
+                            </a:rPr>
+                            <a:t>750</a:t>
+                          </a:r>
+                          <a:endParaRPr lang="en-US" sz="2600" dirty="0">
+                            <a:latin typeface="Helvetica Neue"/>
+                            <a:ea typeface="Gill Sans" charset="0"/>
+                            <a:cs typeface="Gill Sans" charset="0"/>
+                          </a:endParaRPr>
+                        </a:p>
+                      </a:txBody>
+                      <a:tcPr anchor="ctr"/>
+                    </a:tc>
+                  </a:tr>
+                  <a:tr h="532778">
+                    <a:tc>
+                      <a:txBody>
+                        <a:bodyPr/>
+                        <a:lstStyle/>
+                        <a:p>
+                          <a:r>
+                            <a:rPr lang="en-US" sz="2600" dirty="0" smtClean="0">
+                              <a:latin typeface="Helvetica Neue"/>
+                              <a:ea typeface="Gill Sans" charset="0"/>
+                              <a:cs typeface="Gill Sans" charset="0"/>
+                            </a:rPr>
+                            <a:t>Copper</a:t>
+                          </a:r>
+                          <a:endParaRPr lang="en-US" sz="2600" dirty="0">
+                            <a:latin typeface="Helvetica Neue"/>
+                            <a:ea typeface="Gill Sans" charset="0"/>
+                            <a:cs typeface="Gill Sans" charset="0"/>
+                          </a:endParaRPr>
+                        </a:p>
+                      </a:txBody>
+                      <a:tcPr anchor="ctr"/>
+                    </a:tc>
+                    <a:tc>
+                      <a:txBody>
+                        <a:bodyPr/>
+                        <a:lstStyle/>
+                        <a:p>
+                          <a:r>
+                            <a:rPr lang="is-IS" sz="2600" dirty="0" smtClean="0">
+                              <a:latin typeface="Helvetica Neue"/>
+                              <a:ea typeface="Gill Sans" charset="0"/>
+                              <a:cs typeface="Gill Sans" charset="0"/>
+                            </a:rPr>
+                            <a:t>401</a:t>
+                          </a:r>
+                          <a:endParaRPr lang="en-US" sz="2600" dirty="0">
+                            <a:latin typeface="Helvetica Neue"/>
+                            <a:ea typeface="Gill Sans" charset="0"/>
+                            <a:cs typeface="Gill Sans" charset="0"/>
+                          </a:endParaRPr>
+                        </a:p>
+                      </a:txBody>
+                      <a:tcPr anchor="ctr"/>
+                    </a:tc>
+                    <a:tc>
+                      <a:txBody>
+                        <a:bodyPr/>
+                        <a:lstStyle/>
+                        <a:p>
+                          <a:r>
+                            <a:rPr lang="en-US" sz="2600" dirty="0" smtClean="0">
+                              <a:latin typeface="Helvetica Neue"/>
+                              <a:ea typeface="Gill Sans" charset="0"/>
+                              <a:cs typeface="Gill Sans" charset="0"/>
+                            </a:rPr>
+                            <a:t>390</a:t>
+                          </a:r>
+                          <a:endParaRPr lang="en-US" sz="2600" dirty="0">
+                            <a:latin typeface="Helvetica Neue"/>
+                            <a:ea typeface="Gill Sans" charset="0"/>
+                            <a:cs typeface="Gill Sans" charset="0"/>
+                          </a:endParaRPr>
+                        </a:p>
+                      </a:txBody>
+                      <a:tcPr anchor="ctr"/>
+                    </a:tc>
+                    <a:tc>
+                      <a:txBody>
+                        <a:bodyPr/>
+                        <a:lstStyle/>
+                        <a:p>
+                          <a:r>
+                            <a:rPr lang="nb-NO" sz="2600" smtClean="0">
+                              <a:latin typeface="Helvetica Neue"/>
+                              <a:ea typeface="Gill Sans" charset="0"/>
+                              <a:cs typeface="Gill Sans" charset="0"/>
+                            </a:rPr>
+                            <a:t>8790</a:t>
+                          </a:r>
+                          <a:endParaRPr lang="en-US" sz="2600" dirty="0">
+                            <a:latin typeface="Helvetica Neue"/>
+                            <a:ea typeface="Gill Sans" charset="0"/>
+                            <a:cs typeface="Gill Sans" charset="0"/>
+                          </a:endParaRPr>
+                        </a:p>
+                      </a:txBody>
+                      <a:tcPr anchor="ctr"/>
+                    </a:tc>
+                  </a:tr>
+                </a:tbl>
+              </a:graphicData>
+            </a:graphic>
+          </p:graphicFrame>
+        </mc:Choice>
+        <mc:Fallback>
+          <p:graphicFrame>
+            <p:nvGraphicFramePr>
+              <p:cNvPr id="4" name="Content Placeholder 3"/>
+              <p:cNvGraphicFramePr>
+                <a:graphicFrameLocks/>
+              </p:cNvGraphicFramePr>
+              <p:nvPr>
+                <p:extLst>
+                  <p:ext uri="{D42A27DB-BD31-4B8C-83A1-F6EECF244321}">
+                    <p14:modId xmlns:p14="http://schemas.microsoft.com/office/powerpoint/2010/main" val="614804940"/>
+                  </p:ext>
+                </p:extLst>
+              </p:nvPr>
+            </p:nvGraphicFramePr>
+            <p:xfrm>
+              <a:off x="649194" y="3319774"/>
+              <a:ext cx="10900093" cy="3061481"/>
+            </p:xfrm>
+            <a:graphic>
+              <a:graphicData uri="http://schemas.openxmlformats.org/drawingml/2006/table">
+                <a:tbl>
+                  <a:tblPr firstRow="1" bandRow="1">
+                    <a:tableStyleId>{5940675A-B579-460E-94D1-54222C63F5DA}</a:tableStyleId>
+                  </a:tblPr>
+                  <a:tblGrid>
+                    <a:gridCol w="1449705"/>
+                    <a:gridCol w="3300857"/>
+                    <a:gridCol w="3656394"/>
+                    <a:gridCol w="2493137"/>
+                  </a:tblGrid>
+                  <a:tr h="925374">
+                    <a:tc>
+                      <a:txBody>
+                        <a:bodyPr/>
+                        <a:lstStyle/>
+                        <a:p>
+                          <a:pPr algn="ctr"/>
+                          <a:r>
+                            <a:rPr lang="en-US" sz="2600" dirty="0" smtClean="0">
+                              <a:latin typeface="Helvetica Neue"/>
+                              <a:ea typeface="Gill Sans" charset="0"/>
+                              <a:cs typeface="Gill Sans" charset="0"/>
+                            </a:rPr>
+                            <a:t>Material</a:t>
+                          </a:r>
+                          <a:endParaRPr lang="en-US" sz="2600" dirty="0">
+                            <a:latin typeface="Helvetica Neue"/>
+                            <a:ea typeface="Gill Sans" charset="0"/>
+                            <a:cs typeface="Gill Sans" charset="0"/>
+                          </a:endParaRPr>
+                        </a:p>
+                      </a:txBody>
+                      <a:tcPr anchor="ctr"/>
+                    </a:tc>
+                    <a:tc>
+                      <a:txBody>
+                        <a:bodyPr/>
+                        <a:lstStyle/>
+                        <a:p>
+                          <a:endParaRPr lang="en-US"/>
+                        </a:p>
+                      </a:txBody>
+                      <a:tcPr anchor="ctr">
+                        <a:blipFill rotWithShape="0">
+                          <a:blip r:embed="rId3"/>
+                          <a:stretch>
+                            <a:fillRect l="-44096" t="-658" r="-186531" b="-245395"/>
+                          </a:stretch>
+                        </a:blipFill>
+                      </a:tcPr>
+                    </a:tc>
+                    <a:tc>
+                      <a:txBody>
+                        <a:bodyPr/>
+                        <a:lstStyle/>
+                        <a:p>
+                          <a:endParaRPr lang="en-US"/>
+                        </a:p>
+                      </a:txBody>
+                      <a:tcPr anchor="ctr">
+                        <a:blipFill rotWithShape="0">
+                          <a:blip r:embed="rId3"/>
+                          <a:stretch>
+                            <a:fillRect l="-130167" t="-658" r="-68500" b="-245395"/>
+                          </a:stretch>
+                        </a:blipFill>
+                      </a:tcPr>
+                    </a:tc>
+                    <a:tc>
+                      <a:txBody>
+                        <a:bodyPr/>
+                        <a:lstStyle/>
+                        <a:p>
+                          <a:endParaRPr lang="en-US"/>
+                        </a:p>
+                      </a:txBody>
+                      <a:tcPr anchor="ctr">
+                        <a:blipFill rotWithShape="0">
+                          <a:blip r:embed="rId3"/>
+                          <a:stretch>
+                            <a:fillRect l="-337653" t="-658" r="-489" b="-245395"/>
+                          </a:stretch>
+                        </a:blipFill>
+                      </a:tcPr>
+                    </a:tc>
+                  </a:tr>
+                  <a:tr h="537773">
+                    <a:tc>
+                      <a:txBody>
+                        <a:bodyPr/>
+                        <a:lstStyle/>
+                        <a:p>
+                          <a:r>
+                            <a:rPr lang="en-US" sz="2600" dirty="0" smtClean="0">
+                              <a:latin typeface="Helvetica Neue"/>
+                              <a:ea typeface="Gill Sans" charset="0"/>
+                              <a:cs typeface="Gill Sans" charset="0"/>
+                            </a:rPr>
+                            <a:t>Air</a:t>
+                          </a:r>
+                          <a:endParaRPr lang="en-US" sz="2600" dirty="0">
+                            <a:latin typeface="Helvetica Neue"/>
+                            <a:ea typeface="Gill Sans" charset="0"/>
+                            <a:cs typeface="Gill Sans" charset="0"/>
+                          </a:endParaRPr>
+                        </a:p>
+                      </a:txBody>
+                      <a:tcPr anchor="ctr"/>
+                    </a:tc>
+                    <a:tc>
+                      <a:txBody>
+                        <a:bodyPr/>
+                        <a:lstStyle/>
+                        <a:p>
+                          <a:r>
+                            <a:rPr lang="is-IS" sz="2600" dirty="0" smtClean="0">
+                              <a:latin typeface="Helvetica Neue"/>
+                              <a:ea typeface="Gill Sans" charset="0"/>
+                              <a:cs typeface="Gill Sans" charset="0"/>
+                            </a:rPr>
+                            <a:t>0.02624</a:t>
+                          </a:r>
+                          <a:endParaRPr lang="en-US" sz="2600" dirty="0">
+                            <a:latin typeface="Helvetica Neue"/>
+                            <a:ea typeface="Gill Sans" charset="0"/>
+                            <a:cs typeface="Gill Sans" charset="0"/>
+                          </a:endParaRPr>
+                        </a:p>
+                      </a:txBody>
+                      <a:tcPr anchor="ctr"/>
+                    </a:tc>
+                    <a:tc>
+                      <a:txBody>
+                        <a:bodyPr/>
+                        <a:lstStyle/>
+                        <a:p>
+                          <a:r>
+                            <a:rPr lang="en-US" sz="2600" dirty="0" smtClean="0">
+                              <a:latin typeface="Helvetica Neue"/>
+                              <a:ea typeface="Gill Sans" charset="0"/>
+                              <a:cs typeface="Gill Sans" charset="0"/>
+                            </a:rPr>
+                            <a:t>1000</a:t>
+                          </a:r>
+                          <a:endParaRPr lang="en-US" sz="2600" dirty="0">
+                            <a:latin typeface="Helvetica Neue"/>
+                            <a:ea typeface="Gill Sans" charset="0"/>
+                            <a:cs typeface="Gill Sans" charset="0"/>
+                          </a:endParaRPr>
+                        </a:p>
+                      </a:txBody>
+                      <a:tcPr anchor="ctr"/>
+                    </a:tc>
+                    <a:tc>
+                      <a:txBody>
+                        <a:bodyPr/>
+                        <a:lstStyle/>
+                        <a:p>
+                          <a:r>
+                            <a:rPr lang="is-IS" sz="2600" dirty="0" smtClean="0">
+                              <a:latin typeface="Helvetica Neue"/>
+                              <a:ea typeface="Gill Sans" charset="0"/>
+                              <a:cs typeface="Gill Sans" charset="0"/>
+                            </a:rPr>
+                            <a:t>1.177</a:t>
+                          </a:r>
+                          <a:endParaRPr lang="en-US" sz="2600" dirty="0">
+                            <a:latin typeface="Helvetica Neue"/>
+                            <a:ea typeface="Gill Sans" charset="0"/>
+                            <a:cs typeface="Gill Sans" charset="0"/>
+                          </a:endParaRPr>
+                        </a:p>
+                      </a:txBody>
+                      <a:tcPr anchor="ctr"/>
+                    </a:tc>
+                  </a:tr>
+                  <a:tr h="532778">
+                    <a:tc>
+                      <a:txBody>
+                        <a:bodyPr/>
+                        <a:lstStyle/>
+                        <a:p>
+                          <a:r>
+                            <a:rPr lang="en-US" sz="2600" dirty="0" smtClean="0">
+                              <a:latin typeface="Helvetica Neue"/>
+                              <a:ea typeface="Gill Sans" charset="0"/>
+                              <a:cs typeface="Gill Sans" charset="0"/>
+                            </a:rPr>
+                            <a:t>Brick</a:t>
+                          </a:r>
+                          <a:endParaRPr lang="en-US" sz="2600" dirty="0">
+                            <a:latin typeface="Helvetica Neue"/>
+                            <a:ea typeface="Gill Sans" charset="0"/>
+                            <a:cs typeface="Gill Sans" charset="0"/>
+                          </a:endParaRPr>
+                        </a:p>
+                      </a:txBody>
+                      <a:tcPr anchor="ctr"/>
+                    </a:tc>
+                    <a:tc>
+                      <a:txBody>
+                        <a:bodyPr/>
+                        <a:lstStyle/>
+                        <a:p>
+                          <a:r>
+                            <a:rPr lang="is-IS" sz="2600" dirty="0" smtClean="0">
+                              <a:latin typeface="Helvetica Neue"/>
+                              <a:ea typeface="Gill Sans" charset="0"/>
+                              <a:cs typeface="Gill Sans" charset="0"/>
+                            </a:rPr>
+                            <a:t>0.8</a:t>
+                          </a:r>
+                          <a:endParaRPr lang="en-US" sz="2600" dirty="0">
+                            <a:latin typeface="Helvetica Neue"/>
+                            <a:ea typeface="Gill Sans" charset="0"/>
+                            <a:cs typeface="Gill Sans" charset="0"/>
+                          </a:endParaRPr>
+                        </a:p>
+                      </a:txBody>
+                      <a:tcPr anchor="ctr"/>
+                    </a:tc>
+                    <a:tc>
+                      <a:txBody>
+                        <a:bodyPr/>
+                        <a:lstStyle/>
+                        <a:p>
+                          <a:r>
+                            <a:rPr lang="is-IS" sz="2600" dirty="0" smtClean="0">
+                              <a:latin typeface="Helvetica Neue"/>
+                              <a:ea typeface="Gill Sans" charset="0"/>
+                              <a:cs typeface="Gill Sans" charset="0"/>
+                            </a:rPr>
+                            <a:t>900</a:t>
+                          </a:r>
+                          <a:endParaRPr lang="en-US" sz="2600" dirty="0">
+                            <a:latin typeface="Helvetica Neue"/>
+                            <a:ea typeface="Gill Sans" charset="0"/>
+                            <a:cs typeface="Gill Sans" charset="0"/>
+                          </a:endParaRPr>
+                        </a:p>
+                      </a:txBody>
+                      <a:tcPr anchor="ctr"/>
+                    </a:tc>
+                    <a:tc>
+                      <a:txBody>
+                        <a:bodyPr/>
+                        <a:lstStyle/>
+                        <a:p>
+                          <a:r>
+                            <a:rPr lang="nb-NO" sz="2600" dirty="0" smtClean="0">
+                              <a:latin typeface="Helvetica Neue"/>
+                              <a:ea typeface="Gill Sans" charset="0"/>
+                              <a:cs typeface="Gill Sans" charset="0"/>
+                            </a:rPr>
+                            <a:t>1900</a:t>
+                          </a:r>
+                          <a:endParaRPr lang="en-US" sz="2600" dirty="0">
+                            <a:latin typeface="Helvetica Neue"/>
+                            <a:ea typeface="Gill Sans" charset="0"/>
+                            <a:cs typeface="Gill Sans" charset="0"/>
+                          </a:endParaRPr>
+                        </a:p>
+                      </a:txBody>
+                      <a:tcPr anchor="ctr"/>
+                    </a:tc>
+                  </a:tr>
+                  <a:tr h="532778">
+                    <a:tc>
+                      <a:txBody>
+                        <a:bodyPr/>
+                        <a:lstStyle/>
+                        <a:p>
+                          <a:r>
+                            <a:rPr lang="en-US" sz="2600" dirty="0" smtClean="0">
+                              <a:latin typeface="Helvetica Neue"/>
+                              <a:ea typeface="Gill Sans" charset="0"/>
+                              <a:cs typeface="Gill Sans" charset="0"/>
+                            </a:rPr>
+                            <a:t>Wood</a:t>
+                          </a:r>
+                          <a:endParaRPr lang="en-US" sz="2600" dirty="0">
+                            <a:latin typeface="Helvetica Neue"/>
+                            <a:ea typeface="Gill Sans" charset="0"/>
+                            <a:cs typeface="Gill Sans" charset="0"/>
+                          </a:endParaRPr>
+                        </a:p>
+                      </a:txBody>
+                      <a:tcPr anchor="ctr"/>
+                    </a:tc>
+                    <a:tc>
+                      <a:txBody>
+                        <a:bodyPr/>
+                        <a:lstStyle/>
+                        <a:p>
+                          <a:r>
+                            <a:rPr lang="en-US" sz="2600" dirty="0" smtClean="0">
+                              <a:latin typeface="Helvetica Neue"/>
+                              <a:ea typeface="Gill Sans" charset="0"/>
+                              <a:cs typeface="Gill Sans" charset="0"/>
+                            </a:rPr>
+                            <a:t>0.17</a:t>
+                          </a:r>
+                          <a:endParaRPr lang="en-US" sz="2600" dirty="0">
+                            <a:latin typeface="Helvetica Neue"/>
+                            <a:ea typeface="Gill Sans" charset="0"/>
+                            <a:cs typeface="Gill Sans" charset="0"/>
+                          </a:endParaRPr>
+                        </a:p>
+                      </a:txBody>
+                      <a:tcPr anchor="ctr"/>
+                    </a:tc>
+                    <a:tc>
+                      <a:txBody>
+                        <a:bodyPr/>
+                        <a:lstStyle/>
+                        <a:p>
+                          <a:r>
+                            <a:rPr lang="fi-FI" sz="2600" dirty="0" smtClean="0">
+                              <a:latin typeface="Helvetica Neue"/>
+                              <a:ea typeface="Gill Sans" charset="0"/>
+                              <a:cs typeface="Gill Sans" charset="0"/>
+                            </a:rPr>
+                            <a:t>2000</a:t>
+                          </a:r>
+                          <a:endParaRPr lang="en-US" sz="2600" dirty="0">
+                            <a:latin typeface="Helvetica Neue"/>
+                            <a:ea typeface="Gill Sans" charset="0"/>
+                            <a:cs typeface="Gill Sans" charset="0"/>
+                          </a:endParaRPr>
+                        </a:p>
+                      </a:txBody>
+                      <a:tcPr anchor="ctr"/>
+                    </a:tc>
+                    <a:tc>
+                      <a:txBody>
+                        <a:bodyPr/>
+                        <a:lstStyle/>
+                        <a:p>
+                          <a:r>
+                            <a:rPr lang="is-IS" sz="2600" dirty="0" smtClean="0">
+                              <a:latin typeface="Helvetica Neue"/>
+                              <a:ea typeface="Gill Sans" charset="0"/>
+                              <a:cs typeface="Gill Sans" charset="0"/>
+                            </a:rPr>
+                            <a:t>750</a:t>
+                          </a:r>
+                          <a:endParaRPr lang="en-US" sz="2600" dirty="0">
+                            <a:latin typeface="Helvetica Neue"/>
+                            <a:ea typeface="Gill Sans" charset="0"/>
+                            <a:cs typeface="Gill Sans" charset="0"/>
+                          </a:endParaRPr>
+                        </a:p>
+                      </a:txBody>
+                      <a:tcPr anchor="ctr"/>
+                    </a:tc>
+                  </a:tr>
+                  <a:tr h="532778">
+                    <a:tc>
+                      <a:txBody>
+                        <a:bodyPr/>
+                        <a:lstStyle/>
+                        <a:p>
+                          <a:r>
+                            <a:rPr lang="en-US" sz="2600" dirty="0" smtClean="0">
+                              <a:latin typeface="Helvetica Neue"/>
+                              <a:ea typeface="Gill Sans" charset="0"/>
+                              <a:cs typeface="Gill Sans" charset="0"/>
+                            </a:rPr>
+                            <a:t>Copper</a:t>
+                          </a:r>
+                          <a:endParaRPr lang="en-US" sz="2600" dirty="0">
+                            <a:latin typeface="Helvetica Neue"/>
+                            <a:ea typeface="Gill Sans" charset="0"/>
+                            <a:cs typeface="Gill Sans" charset="0"/>
+                          </a:endParaRPr>
+                        </a:p>
+                      </a:txBody>
+                      <a:tcPr anchor="ctr"/>
+                    </a:tc>
+                    <a:tc>
+                      <a:txBody>
+                        <a:bodyPr/>
+                        <a:lstStyle/>
+                        <a:p>
+                          <a:r>
+                            <a:rPr lang="is-IS" sz="2600" dirty="0" smtClean="0">
+                              <a:latin typeface="Helvetica Neue"/>
+                              <a:ea typeface="Gill Sans" charset="0"/>
+                              <a:cs typeface="Gill Sans" charset="0"/>
+                            </a:rPr>
+                            <a:t>401</a:t>
+                          </a:r>
+                          <a:endParaRPr lang="en-US" sz="2600" dirty="0">
+                            <a:latin typeface="Helvetica Neue"/>
+                            <a:ea typeface="Gill Sans" charset="0"/>
+                            <a:cs typeface="Gill Sans" charset="0"/>
+                          </a:endParaRPr>
+                        </a:p>
+                      </a:txBody>
+                      <a:tcPr anchor="ctr"/>
+                    </a:tc>
+                    <a:tc>
+                      <a:txBody>
+                        <a:bodyPr/>
+                        <a:lstStyle/>
+                        <a:p>
+                          <a:r>
+                            <a:rPr lang="en-US" sz="2600" dirty="0" smtClean="0">
+                              <a:latin typeface="Helvetica Neue"/>
+                              <a:ea typeface="Gill Sans" charset="0"/>
+                              <a:cs typeface="Gill Sans" charset="0"/>
+                            </a:rPr>
+                            <a:t>390</a:t>
+                          </a:r>
+                          <a:endParaRPr lang="en-US" sz="2600" dirty="0">
+                            <a:latin typeface="Helvetica Neue"/>
+                            <a:ea typeface="Gill Sans" charset="0"/>
+                            <a:cs typeface="Gill Sans" charset="0"/>
+                          </a:endParaRPr>
+                        </a:p>
+                      </a:txBody>
+                      <a:tcPr anchor="ctr"/>
+                    </a:tc>
+                    <a:tc>
+                      <a:txBody>
+                        <a:bodyPr/>
+                        <a:lstStyle/>
+                        <a:p>
+                          <a:r>
+                            <a:rPr lang="nb-NO" sz="2600" smtClean="0">
+                              <a:latin typeface="Helvetica Neue"/>
+                              <a:ea typeface="Gill Sans" charset="0"/>
+                              <a:cs typeface="Gill Sans" charset="0"/>
+                            </a:rPr>
+                            <a:t>8790</a:t>
+                          </a:r>
+                          <a:endParaRPr lang="en-US" sz="2600" dirty="0">
+                            <a:latin typeface="Helvetica Neue"/>
+                            <a:ea typeface="Gill Sans" charset="0"/>
+                            <a:cs typeface="Gill Sans" charset="0"/>
+                          </a:endParaRPr>
+                        </a:p>
+                      </a:txBody>
+                      <a:tcPr anchor="ctr"/>
+                    </a:tc>
+                  </a:tr>
+                </a:tbl>
+              </a:graphicData>
+            </a:graphic>
+          </p:graphicFrame>
+        </mc:Fallback>
+      </mc:AlternateContent>
     </p:spTree>
     <p:extLst>
       <p:ext uri="{BB962C8B-B14F-4D97-AF65-F5344CB8AC3E}">
-        <p14:creationId xmlns:p14="http://schemas.microsoft.com/office/powerpoint/2010/main" val="1505906181"/>
+        <p14:creationId xmlns:p14="http://schemas.microsoft.com/office/powerpoint/2010/main" val="2241738497"/>
       </p:ext>
     </p:extLst>
   </p:cSld>
   <p:clrMapOvr>
     <a:masterClrMapping/>
   </p:clrMapOvr>
-  <p:timing>
-    <p:tnLst>
-      <p:par>
-        <p:cTn id="1" dur="indefinite" restart="never" nodeType="tmRoot"/>
-      </p:par>
-    </p:tnLst>
-  </p:timing>
 </p:sld>
 </file>
 
@@ -4175,1697 +5511,53 @@
         </p:nvSpPr>
         <p:spPr>
           <a:xfrm>
-            <a:off x="0" y="1"/>
-            <a:ext cx="12192000" cy="1690688"/>
+            <a:off x="155642" y="311280"/>
+            <a:ext cx="11887201" cy="1011677"/>
           </a:xfrm>
         </p:spPr>
         <p:txBody>
           <a:bodyPr>
-            <a:noAutofit/>
+            <a:normAutofit/>
           </a:bodyPr>
           <a:lstStyle/>
           <a:p>
-            <a:r>
-              <a:rPr lang="en-US" sz="4000" dirty="0" smtClean="0">
-                <a:latin typeface="Gill Sans" charset="0"/>
-                <a:ea typeface="Gill Sans" charset="0"/>
-                <a:cs typeface="Gill Sans" charset="0"/>
+            <a:pPr algn="ctr"/>
+            <a:r>
+              <a:rPr lang="en-US" sz="4000" b="1" dirty="0" smtClean="0">
+                <a:latin typeface="Helvetica Neue"/>
               </a:rPr>
-              <a:t>                                    Methods</a:t>
-            </a:r>
-            <a:br>
-              <a:rPr lang="en-US" sz="4000" dirty="0" smtClean="0">
-                <a:latin typeface="Gill Sans" charset="0"/>
-                <a:ea typeface="Gill Sans" charset="0"/>
-                <a:cs typeface="Gill Sans" charset="0"/>
-              </a:rPr>
-            </a:br>
-            <a:r>
-              <a:rPr lang="en-US" sz="4000" dirty="0" smtClean="0">
-                <a:latin typeface="Gill Sans" charset="0"/>
-                <a:ea typeface="Gill Sans" charset="0"/>
-                <a:cs typeface="Gill Sans" charset="0"/>
-              </a:rPr>
-              <a:t>                       How to solve Heat equation</a:t>
-            </a:r>
-            <a:endParaRPr lang="en-US" sz="4000" dirty="0"/>
-          </a:p>
-        </p:txBody>
-      </p:sp>
-      <mc:AlternateContent xmlns:mc="http://schemas.openxmlformats.org/markup-compatibility/2006" xmlns:a14="http://schemas.microsoft.com/office/drawing/2010/main">
-        <mc:Choice Requires="a14">
-          <p:graphicFrame>
-            <p:nvGraphicFramePr>
-              <p:cNvPr id="4" name="Content Placeholder 3"/>
-              <p:cNvGraphicFramePr>
-                <a:graphicFrameLocks noGrp="1"/>
-              </p:cNvGraphicFramePr>
-              <p:nvPr>
-                <p:ph idx="1"/>
-                <p:extLst>
-                  <p:ext uri="{D42A27DB-BD31-4B8C-83A1-F6EECF244321}">
-                    <p14:modId xmlns:p14="http://schemas.microsoft.com/office/powerpoint/2010/main" val="685761153"/>
-                  </p:ext>
-                </p:extLst>
-              </p:nvPr>
-            </p:nvGraphicFramePr>
-            <p:xfrm>
-              <a:off x="441434" y="3381848"/>
-              <a:ext cx="11603420" cy="3449765"/>
-            </p:xfrm>
-            <a:graphic>
-              <a:graphicData uri="http://schemas.openxmlformats.org/drawingml/2006/table">
-                <a:tbl>
-                  <a:tblPr firstRow="1" bandRow="1">
-                    <a:tableStyleId>{5940675A-B579-460E-94D1-54222C63F5DA}</a:tableStyleId>
-                  </a:tblPr>
-                  <a:tblGrid>
-                    <a:gridCol w="1689106"/>
-                    <a:gridCol w="2245388"/>
-                    <a:gridCol w="1827205"/>
-                    <a:gridCol w="2757268"/>
-                    <a:gridCol w="3084453"/>
-                  </a:tblGrid>
-                  <a:tr h="1213920">
-                    <a:tc>
-                      <a:txBody>
-                        <a:bodyPr/>
-                        <a:lstStyle/>
-                        <a:p>
-                          <a:r>
-                            <a:rPr lang="en-US" sz="3000" dirty="0" smtClean="0">
-                              <a:latin typeface="Gill Sans" charset="0"/>
-                              <a:ea typeface="Gill Sans" charset="0"/>
-                              <a:cs typeface="Gill Sans" charset="0"/>
-                            </a:rPr>
-                            <a:t>material</a:t>
-                          </a:r>
-                          <a:endParaRPr lang="en-US" sz="3000" dirty="0">
-                            <a:latin typeface="Gill Sans" charset="0"/>
-                            <a:ea typeface="Gill Sans" charset="0"/>
-                            <a:cs typeface="Gill Sans" charset="0"/>
-                          </a:endParaRPr>
-                        </a:p>
-                      </a:txBody>
-                      <a:tcPr/>
-                    </a:tc>
-                    <a:tc>
-                      <a:txBody>
-                        <a:bodyPr/>
-                        <a:lstStyle/>
-                        <a:p>
-                          <a:r>
-                            <a:rPr lang="en-US" sz="3000" dirty="0" smtClean="0">
-                              <a:latin typeface="Gill Sans" charset="0"/>
-                              <a:ea typeface="Gill Sans" charset="0"/>
-                              <a:cs typeface="Gill Sans" charset="0"/>
-                            </a:rPr>
-                            <a:t>Specific heat (</a:t>
-                          </a:r>
-                          <a14:m>
-                            <m:oMath xmlns:m="http://schemas.openxmlformats.org/officeDocument/2006/math">
-                              <m:f>
-                                <m:fPr>
-                                  <m:ctrlPr>
-                                    <a:rPr lang="bg-BG" sz="3000" i="1" smtClean="0">
-                                      <a:latin typeface="Cambria Math" panose="02040503050406030204" pitchFamily="18" charset="0"/>
-                                      <a:ea typeface="Gill Sans" charset="0"/>
-                                      <a:cs typeface="Gill Sans" charset="0"/>
-                                    </a:rPr>
-                                  </m:ctrlPr>
-                                </m:fPr>
-                                <m:num>
-                                  <m:r>
-                                    <a:rPr lang="en-US" sz="3000" b="0" i="1" smtClean="0">
-                                      <a:latin typeface="Cambria Math" charset="0"/>
-                                      <a:ea typeface="Gill Sans" charset="0"/>
-                                      <a:cs typeface="Gill Sans" charset="0"/>
-                                    </a:rPr>
-                                    <m:t>𝐽</m:t>
-                                  </m:r>
-                                </m:num>
-                                <m:den>
-                                  <m:r>
-                                    <a:rPr lang="en-US" sz="3000" b="0" i="1" smtClean="0">
-                                      <a:latin typeface="Cambria Math" charset="0"/>
-                                      <a:ea typeface="Gill Sans" charset="0"/>
-                                      <a:cs typeface="Gill Sans" charset="0"/>
-                                    </a:rPr>
-                                    <m:t>𝑘𝑔</m:t>
-                                  </m:r>
-                                  <m:r>
-                                    <a:rPr lang="en-US" sz="3000" b="0" i="1" smtClean="0">
-                                      <a:latin typeface="Cambria Math" charset="0"/>
-                                      <a:ea typeface="Gill Sans" charset="0"/>
-                                      <a:cs typeface="Gill Sans" charset="0"/>
-                                    </a:rPr>
-                                    <m:t> ∗</m:t>
-                                  </m:r>
-                                  <m:r>
-                                    <a:rPr lang="en-US" sz="3000" b="0" i="1" smtClean="0">
-                                      <a:latin typeface="Cambria Math" charset="0"/>
-                                      <a:ea typeface="Gill Sans" charset="0"/>
-                                      <a:cs typeface="Gill Sans" charset="0"/>
-                                    </a:rPr>
-                                    <m:t>𝐾</m:t>
-                                  </m:r>
-                                </m:den>
-                              </m:f>
-                            </m:oMath>
-                          </a14:m>
-                          <a:r>
-                            <a:rPr lang="en-US" sz="3000" dirty="0" smtClean="0">
-                              <a:latin typeface="Gill Sans" charset="0"/>
-                              <a:ea typeface="Gill Sans" charset="0"/>
-                              <a:cs typeface="Gill Sans" charset="0"/>
-                            </a:rPr>
-                            <a:t>)</a:t>
-                          </a:r>
-                          <a:endParaRPr lang="en-US" sz="3000" dirty="0">
-                            <a:latin typeface="Gill Sans" charset="0"/>
-                            <a:ea typeface="Gill Sans" charset="0"/>
-                            <a:cs typeface="Gill Sans" charset="0"/>
-                          </a:endParaRPr>
-                        </a:p>
-                      </a:txBody>
-                      <a:tcPr/>
-                    </a:tc>
-                    <a:tc>
-                      <a:txBody>
-                        <a:bodyPr/>
-                        <a:lstStyle/>
-                        <a:p>
-                          <a:r>
-                            <a:rPr lang="en-US" sz="3000" dirty="0" smtClean="0">
-                              <a:latin typeface="Gill Sans" charset="0"/>
-                              <a:ea typeface="Gill Sans" charset="0"/>
-                              <a:cs typeface="Gill Sans" charset="0"/>
-                            </a:rPr>
-                            <a:t>Density (</a:t>
-                          </a:r>
-                          <a14:m>
-                            <m:oMath xmlns:m="http://schemas.openxmlformats.org/officeDocument/2006/math">
-                              <m:f>
-                                <m:fPr>
-                                  <m:ctrlPr>
-                                    <a:rPr lang="bg-BG" sz="3000" i="1" smtClean="0">
-                                      <a:latin typeface="Cambria Math" panose="02040503050406030204" pitchFamily="18" charset="0"/>
-                                      <a:ea typeface="Gill Sans" charset="0"/>
-                                      <a:cs typeface="Gill Sans" charset="0"/>
-                                    </a:rPr>
-                                  </m:ctrlPr>
-                                </m:fPr>
-                                <m:num>
-                                  <m:r>
-                                    <a:rPr lang="en-US" sz="3000" b="0" i="1" smtClean="0">
-                                      <a:latin typeface="Cambria Math" panose="02040503050406030204" pitchFamily="18" charset="0"/>
-                                      <a:ea typeface="Gill Sans" charset="0"/>
-                                      <a:cs typeface="Gill Sans" charset="0"/>
-                                    </a:rPr>
-                                    <m:t>𝑘𝑔</m:t>
-                                  </m:r>
-                                </m:num>
-                                <m:den>
-                                  <m:sSup>
-                                    <m:sSupPr>
-                                      <m:ctrlPr>
-                                        <a:rPr lang="bg-BG" sz="3000" i="1" smtClean="0">
-                                          <a:latin typeface="Cambria Math" panose="02040503050406030204" pitchFamily="18" charset="0"/>
-                                          <a:ea typeface="Gill Sans" charset="0"/>
-                                          <a:cs typeface="Gill Sans" charset="0"/>
-                                        </a:rPr>
-                                      </m:ctrlPr>
-                                    </m:sSupPr>
-                                    <m:e>
-                                      <m:r>
-                                        <a:rPr lang="en-US" sz="3000" b="0" i="1" smtClean="0">
-                                          <a:latin typeface="Cambria Math" panose="02040503050406030204" pitchFamily="18" charset="0"/>
-                                          <a:ea typeface="Gill Sans" charset="0"/>
-                                          <a:cs typeface="Gill Sans" charset="0"/>
-                                        </a:rPr>
-                                        <m:t>𝑚</m:t>
-                                      </m:r>
-                                    </m:e>
-                                    <m:sup>
-                                      <m:r>
-                                        <a:rPr lang="en-US" sz="3000" b="0" i="1" smtClean="0">
-                                          <a:latin typeface="Cambria Math" panose="02040503050406030204" pitchFamily="18" charset="0"/>
-                                          <a:ea typeface="Gill Sans" charset="0"/>
-                                          <a:cs typeface="Gill Sans" charset="0"/>
-                                        </a:rPr>
-                                        <m:t>3</m:t>
-                                      </m:r>
-                                    </m:sup>
-                                  </m:sSup>
-                                </m:den>
-                              </m:f>
-                            </m:oMath>
-                          </a14:m>
-                          <a:r>
-                            <a:rPr lang="en-US" sz="3000" dirty="0" smtClean="0">
-                              <a:latin typeface="Gill Sans" charset="0"/>
-                              <a:ea typeface="Gill Sans" charset="0"/>
-                              <a:cs typeface="Gill Sans" charset="0"/>
-                            </a:rPr>
-                            <a:t>)</a:t>
-                          </a:r>
-                          <a:endParaRPr lang="en-US" sz="3000" dirty="0">
-                            <a:latin typeface="Gill Sans" charset="0"/>
-                            <a:ea typeface="Gill Sans" charset="0"/>
-                            <a:cs typeface="Gill Sans" charset="0"/>
-                          </a:endParaRPr>
-                        </a:p>
-                      </a:txBody>
-                      <a:tcPr/>
-                    </a:tc>
-                    <a:tc>
-                      <a:txBody>
-                        <a:bodyPr/>
-                        <a:lstStyle/>
-                        <a:p>
-                          <a:r>
-                            <a:rPr lang="en-US" sz="3000" dirty="0" smtClean="0">
-                              <a:latin typeface="Gill Sans" charset="0"/>
-                              <a:ea typeface="Gill Sans" charset="0"/>
-                              <a:cs typeface="Gill Sans" charset="0"/>
-                            </a:rPr>
-                            <a:t>Conductivity (</a:t>
-                          </a:r>
-                          <a14:m>
-                            <m:oMath xmlns:m="http://schemas.openxmlformats.org/officeDocument/2006/math">
-                              <m:f>
-                                <m:fPr>
-                                  <m:ctrlPr>
-                                    <a:rPr lang="bg-BG" sz="3000" i="1" smtClean="0">
-                                      <a:latin typeface="Cambria Math" panose="02040503050406030204" pitchFamily="18" charset="0"/>
-                                      <a:ea typeface="Gill Sans" charset="0"/>
-                                      <a:cs typeface="Gill Sans" charset="0"/>
-                                    </a:rPr>
-                                  </m:ctrlPr>
-                                </m:fPr>
-                                <m:num>
-                                  <m:r>
-                                    <a:rPr lang="en-US" sz="3000" b="0" i="1" smtClean="0">
-                                      <a:latin typeface="Cambria Math" charset="0"/>
-                                      <a:ea typeface="Gill Sans" charset="0"/>
-                                      <a:cs typeface="Gill Sans" charset="0"/>
-                                    </a:rPr>
-                                    <m:t>𝑊</m:t>
-                                  </m:r>
-                                </m:num>
-                                <m:den>
-                                  <m:r>
-                                    <a:rPr lang="en-US" sz="3000" b="0" i="1" smtClean="0">
-                                      <a:latin typeface="Cambria Math" charset="0"/>
-                                      <a:ea typeface="Gill Sans" charset="0"/>
-                                      <a:cs typeface="Gill Sans" charset="0"/>
-                                    </a:rPr>
-                                    <m:t>𝑚</m:t>
-                                  </m:r>
-                                  <m:r>
-                                    <a:rPr lang="en-US" sz="3000" b="0" i="1" smtClean="0">
-                                      <a:latin typeface="Cambria Math" charset="0"/>
-                                      <a:ea typeface="Gill Sans" charset="0"/>
-                                      <a:cs typeface="Gill Sans" charset="0"/>
-                                    </a:rPr>
-                                    <m:t>∗</m:t>
-                                  </m:r>
-                                  <m:r>
-                                    <a:rPr lang="en-US" sz="3000" b="0" i="1" smtClean="0">
-                                      <a:latin typeface="Cambria Math" charset="0"/>
-                                      <a:ea typeface="Gill Sans" charset="0"/>
-                                      <a:cs typeface="Gill Sans" charset="0"/>
-                                    </a:rPr>
-                                    <m:t>𝐾</m:t>
-                                  </m:r>
-                                </m:den>
-                              </m:f>
-                              <m:r>
-                                <a:rPr lang="en-US" sz="3000" b="0" i="1" smtClean="0">
-                                  <a:latin typeface="Cambria Math" panose="02040503050406030204" pitchFamily="18" charset="0"/>
-                                  <a:ea typeface="Gill Sans" charset="0"/>
-                                  <a:cs typeface="Gill Sans" charset="0"/>
-                                </a:rPr>
-                                <m:t>)</m:t>
-                              </m:r>
-                            </m:oMath>
-                          </a14:m>
-                          <a:endParaRPr lang="en-US" sz="3000" dirty="0">
-                            <a:latin typeface="Gill Sans" charset="0"/>
-                            <a:ea typeface="Gill Sans" charset="0"/>
-                            <a:cs typeface="Gill Sans" charset="0"/>
-                          </a:endParaRPr>
-                        </a:p>
-                      </a:txBody>
-                      <a:tcPr/>
-                    </a:tc>
-                    <a:tc>
-                      <a:txBody>
-                        <a:bodyPr/>
-                        <a:lstStyle/>
-                        <a:p>
-                          <a:r>
-                            <a:rPr lang="en-US" sz="3000" dirty="0" smtClean="0">
-                              <a:latin typeface="Gill Sans" charset="0"/>
-                              <a:ea typeface="Gill Sans" charset="0"/>
-                              <a:cs typeface="Gill Sans" charset="0"/>
-                            </a:rPr>
-                            <a:t>Constant</a:t>
-                          </a:r>
-                          <a:r>
-                            <a:rPr lang="en-US" sz="3000" baseline="0" dirty="0" smtClean="0">
-                              <a:latin typeface="Gill Sans" charset="0"/>
-                              <a:ea typeface="Gill Sans" charset="0"/>
-                              <a:cs typeface="Gill Sans" charset="0"/>
-                            </a:rPr>
-                            <a:t> K (</a:t>
-                          </a:r>
-                          <a14:m>
-                            <m:oMath xmlns:m="http://schemas.openxmlformats.org/officeDocument/2006/math">
-                              <m:f>
-                                <m:fPr>
-                                  <m:ctrlPr>
-                                    <a:rPr lang="bg-BG" sz="3000" i="1" baseline="0" smtClean="0">
-                                      <a:latin typeface="Cambria Math" panose="02040503050406030204" pitchFamily="18" charset="0"/>
-                                      <a:ea typeface="Gill Sans" charset="0"/>
-                                      <a:cs typeface="Gill Sans" charset="0"/>
-                                    </a:rPr>
-                                  </m:ctrlPr>
-                                </m:fPr>
-                                <m:num>
-                                  <m:sSup>
-                                    <m:sSupPr>
-                                      <m:ctrlPr>
-                                        <a:rPr lang="bg-BG" sz="3000" i="1" baseline="0" smtClean="0">
-                                          <a:latin typeface="Cambria Math" panose="02040503050406030204" pitchFamily="18" charset="0"/>
-                                          <a:ea typeface="Gill Sans" charset="0"/>
-                                          <a:cs typeface="Gill Sans" charset="0"/>
-                                        </a:rPr>
-                                      </m:ctrlPr>
-                                    </m:sSupPr>
-                                    <m:e>
-                                      <m:r>
-                                        <a:rPr lang="en-US" sz="3000" b="0" i="1" baseline="0" smtClean="0">
-                                          <a:latin typeface="Cambria Math" charset="0"/>
-                                          <a:ea typeface="Gill Sans" charset="0"/>
-                                          <a:cs typeface="Gill Sans" charset="0"/>
-                                        </a:rPr>
-                                        <m:t>𝑚</m:t>
-                                      </m:r>
-                                    </m:e>
-                                    <m:sup>
-                                      <m:r>
-                                        <a:rPr lang="en-US" sz="3000" b="0" i="1" baseline="0" smtClean="0">
-                                          <a:latin typeface="Cambria Math" charset="0"/>
-                                          <a:ea typeface="Gill Sans" charset="0"/>
-                                          <a:cs typeface="Gill Sans" charset="0"/>
-                                        </a:rPr>
-                                        <m:t>2</m:t>
-                                      </m:r>
-                                    </m:sup>
-                                  </m:sSup>
-                                </m:num>
-                                <m:den>
-                                  <m:r>
-                                    <a:rPr lang="en-US" sz="3000" b="0" i="1" baseline="0" smtClean="0">
-                                      <a:latin typeface="Cambria Math" charset="0"/>
-                                      <a:ea typeface="Gill Sans" charset="0"/>
-                                      <a:cs typeface="Gill Sans" charset="0"/>
-                                    </a:rPr>
-                                    <m:t>𝑠</m:t>
-                                  </m:r>
-                                </m:den>
-                              </m:f>
-                            </m:oMath>
-                          </a14:m>
-                          <a:r>
-                            <a:rPr lang="en-US" sz="3000" baseline="0" dirty="0" smtClean="0">
-                              <a:latin typeface="Gill Sans" charset="0"/>
-                              <a:ea typeface="Gill Sans" charset="0"/>
-                              <a:cs typeface="Gill Sans" charset="0"/>
-                            </a:rPr>
-                            <a:t>)</a:t>
-                          </a:r>
-                          <a:endParaRPr lang="en-US" sz="3000" dirty="0">
-                            <a:latin typeface="Gill Sans" charset="0"/>
-                            <a:ea typeface="Gill Sans" charset="0"/>
-                            <a:cs typeface="Gill Sans" charset="0"/>
-                          </a:endParaRPr>
-                        </a:p>
-                      </a:txBody>
-                      <a:tcPr/>
-                    </a:tc>
-                  </a:tr>
-                  <a:tr h="537773">
-                    <a:tc>
-                      <a:txBody>
-                        <a:bodyPr/>
-                        <a:lstStyle/>
-                        <a:p>
-                          <a:r>
-                            <a:rPr lang="en-US" sz="3000" dirty="0" smtClean="0">
-                              <a:latin typeface="Gill Sans" charset="0"/>
-                              <a:ea typeface="Gill Sans" charset="0"/>
-                              <a:cs typeface="Gill Sans" charset="0"/>
-                            </a:rPr>
-                            <a:t>air</a:t>
-                          </a:r>
-                          <a:endParaRPr lang="en-US" sz="3000" dirty="0">
-                            <a:latin typeface="Gill Sans" charset="0"/>
-                            <a:ea typeface="Gill Sans" charset="0"/>
-                            <a:cs typeface="Gill Sans" charset="0"/>
-                          </a:endParaRPr>
-                        </a:p>
-                      </a:txBody>
-                      <a:tcPr/>
-                    </a:tc>
-                    <a:tc>
-                      <a:txBody>
-                        <a:bodyPr/>
-                        <a:lstStyle/>
-                        <a:p>
-                          <a:r>
-                            <a:rPr lang="is-IS" sz="3000" dirty="0" smtClean="0">
-                              <a:latin typeface="Gill Sans" charset="0"/>
-                              <a:ea typeface="Gill Sans" charset="0"/>
-                              <a:cs typeface="Gill Sans" charset="0"/>
-                            </a:rPr>
-                            <a:t>1000</a:t>
-                          </a:r>
-                          <a:endParaRPr lang="en-US" sz="3000" dirty="0">
-                            <a:latin typeface="Gill Sans" charset="0"/>
-                            <a:ea typeface="Gill Sans" charset="0"/>
-                            <a:cs typeface="Gill Sans" charset="0"/>
-                          </a:endParaRPr>
-                        </a:p>
-                      </a:txBody>
-                      <a:tcPr/>
-                    </a:tc>
-                    <a:tc>
-                      <a:txBody>
-                        <a:bodyPr/>
-                        <a:lstStyle/>
-                        <a:p>
-                          <a:r>
-                            <a:rPr lang="uk-UA" sz="3000" dirty="0" smtClean="0">
-                              <a:latin typeface="Gill Sans" charset="0"/>
-                              <a:ea typeface="Gill Sans" charset="0"/>
-                              <a:cs typeface="Gill Sans" charset="0"/>
-                            </a:rPr>
-                            <a:t>1.177</a:t>
-                          </a:r>
-                          <a:endParaRPr lang="en-US" sz="3000" dirty="0">
-                            <a:latin typeface="Gill Sans" charset="0"/>
-                            <a:ea typeface="Gill Sans" charset="0"/>
-                            <a:cs typeface="Gill Sans" charset="0"/>
-                          </a:endParaRPr>
-                        </a:p>
-                      </a:txBody>
-                      <a:tcPr/>
-                    </a:tc>
-                    <a:tc>
-                      <a:txBody>
-                        <a:bodyPr/>
-                        <a:lstStyle/>
-                        <a:p>
-                          <a:r>
-                            <a:rPr lang="is-IS" sz="3000" dirty="0" smtClean="0">
-                              <a:latin typeface="Gill Sans" charset="0"/>
-                              <a:ea typeface="Gill Sans" charset="0"/>
-                              <a:cs typeface="Gill Sans" charset="0"/>
-                            </a:rPr>
-                            <a:t>0.02624</a:t>
-                          </a:r>
-                          <a:endParaRPr lang="en-US" sz="3000" dirty="0">
-                            <a:latin typeface="Gill Sans" charset="0"/>
-                            <a:ea typeface="Gill Sans" charset="0"/>
-                            <a:cs typeface="Gill Sans" charset="0"/>
-                          </a:endParaRPr>
-                        </a:p>
-                      </a:txBody>
-                      <a:tcPr/>
-                    </a:tc>
-                    <a:tc>
-                      <a:txBody>
-                        <a:bodyPr/>
-                        <a:lstStyle/>
-                        <a:p>
-                          <a:r>
-                            <a:rPr lang="en-US" sz="3000" dirty="0" smtClean="0">
-                              <a:latin typeface="Gill Sans" charset="0"/>
-                              <a:ea typeface="Gill Sans" charset="0"/>
-                              <a:cs typeface="Gill Sans" charset="0"/>
-                            </a:rPr>
-                            <a:t>2.23*</a:t>
-                          </a:r>
-                          <a14:m>
-                            <m:oMath xmlns:m="http://schemas.openxmlformats.org/officeDocument/2006/math">
-                              <m:sSup>
-                                <m:sSupPr>
-                                  <m:ctrlPr>
-                                    <a:rPr lang="en-US" sz="3000" i="1" smtClean="0">
-                                      <a:latin typeface="Cambria Math" panose="02040503050406030204" pitchFamily="18" charset="0"/>
-                                      <a:ea typeface="Gill Sans" charset="0"/>
-                                      <a:cs typeface="Gill Sans" charset="0"/>
-                                    </a:rPr>
-                                  </m:ctrlPr>
-                                </m:sSupPr>
-                                <m:e>
-                                  <m:r>
-                                    <a:rPr lang="en-US" sz="3000" b="0" i="1" smtClean="0">
-                                      <a:latin typeface="Cambria Math" charset="0"/>
-                                      <a:ea typeface="Gill Sans" charset="0"/>
-                                      <a:cs typeface="Gill Sans" charset="0"/>
-                                    </a:rPr>
-                                    <m:t>10</m:t>
-                                  </m:r>
-                                </m:e>
-                                <m:sup>
-                                  <m:r>
-                                    <a:rPr lang="en-US" sz="3000" b="0" i="1" smtClean="0">
-                                      <a:latin typeface="Cambria Math" charset="0"/>
-                                      <a:ea typeface="Gill Sans" charset="0"/>
-                                      <a:cs typeface="Gill Sans" charset="0"/>
-                                    </a:rPr>
-                                    <m:t>−5</m:t>
-                                  </m:r>
-                                </m:sup>
-                              </m:sSup>
-                            </m:oMath>
-                          </a14:m>
-                          <a:endParaRPr lang="en-US" sz="3000" dirty="0">
-                            <a:latin typeface="Gill Sans" charset="0"/>
-                            <a:ea typeface="Gill Sans" charset="0"/>
-                            <a:cs typeface="Gill Sans" charset="0"/>
-                          </a:endParaRPr>
-                        </a:p>
-                      </a:txBody>
-                      <a:tcPr/>
-                    </a:tc>
-                  </a:tr>
-                  <a:tr h="532778">
-                    <a:tc>
-                      <a:txBody>
-                        <a:bodyPr/>
-                        <a:lstStyle/>
-                        <a:p>
-                          <a:r>
-                            <a:rPr lang="en-US" sz="3000" dirty="0" smtClean="0">
-                              <a:latin typeface="Gill Sans" charset="0"/>
-                              <a:ea typeface="Gill Sans" charset="0"/>
-                              <a:cs typeface="Gill Sans" charset="0"/>
-                            </a:rPr>
-                            <a:t>brick</a:t>
-                          </a:r>
-                          <a:endParaRPr lang="en-US" sz="3000" dirty="0">
-                            <a:latin typeface="Gill Sans" charset="0"/>
-                            <a:ea typeface="Gill Sans" charset="0"/>
-                            <a:cs typeface="Gill Sans" charset="0"/>
-                          </a:endParaRPr>
-                        </a:p>
-                      </a:txBody>
-                      <a:tcPr/>
-                    </a:tc>
-                    <a:tc>
-                      <a:txBody>
-                        <a:bodyPr/>
-                        <a:lstStyle/>
-                        <a:p>
-                          <a:r>
-                            <a:rPr lang="is-IS" sz="3000" dirty="0" smtClean="0">
-                              <a:latin typeface="Gill Sans" charset="0"/>
-                              <a:ea typeface="Gill Sans" charset="0"/>
-                              <a:cs typeface="Gill Sans" charset="0"/>
-                            </a:rPr>
-                            <a:t>900</a:t>
-                          </a:r>
-                          <a:endParaRPr lang="en-US" sz="3000" dirty="0">
-                            <a:latin typeface="Gill Sans" charset="0"/>
-                            <a:ea typeface="Gill Sans" charset="0"/>
-                            <a:cs typeface="Gill Sans" charset="0"/>
-                          </a:endParaRPr>
-                        </a:p>
-                      </a:txBody>
-                      <a:tcPr/>
-                    </a:tc>
-                    <a:tc>
-                      <a:txBody>
-                        <a:bodyPr/>
-                        <a:lstStyle/>
-                        <a:p>
-                          <a:r>
-                            <a:rPr lang="is-IS" sz="3000" dirty="0" smtClean="0">
-                              <a:latin typeface="Gill Sans" charset="0"/>
-                              <a:ea typeface="Gill Sans" charset="0"/>
-                              <a:cs typeface="Gill Sans" charset="0"/>
-                            </a:rPr>
-                            <a:t>1900</a:t>
-                          </a:r>
-                          <a:endParaRPr lang="en-US" sz="3000" dirty="0">
-                            <a:latin typeface="Gill Sans" charset="0"/>
-                            <a:ea typeface="Gill Sans" charset="0"/>
-                            <a:cs typeface="Gill Sans" charset="0"/>
-                          </a:endParaRPr>
-                        </a:p>
-                      </a:txBody>
-                      <a:tcPr/>
-                    </a:tc>
-                    <a:tc>
-                      <a:txBody>
-                        <a:bodyPr/>
-                        <a:lstStyle/>
-                        <a:p>
-                          <a:r>
-                            <a:rPr lang="nb-NO" sz="3000" dirty="0" smtClean="0">
-                              <a:latin typeface="Gill Sans" charset="0"/>
-                              <a:ea typeface="Gill Sans" charset="0"/>
-                              <a:cs typeface="Gill Sans" charset="0"/>
-                            </a:rPr>
-                            <a:t>0.8</a:t>
-                          </a:r>
-                          <a:endParaRPr lang="en-US" sz="3000" dirty="0">
-                            <a:latin typeface="Gill Sans" charset="0"/>
-                            <a:ea typeface="Gill Sans" charset="0"/>
-                            <a:cs typeface="Gill Sans" charset="0"/>
-                          </a:endParaRPr>
-                        </a:p>
-                      </a:txBody>
-                      <a:tcPr/>
-                    </a:tc>
-                    <a:tc>
-                      <a:txBody>
-                        <a:bodyPr/>
-                        <a:lstStyle/>
-                        <a:p>
-                          <a:r>
-                            <a:rPr lang="en-US" sz="3000" dirty="0" smtClean="0">
-                              <a:latin typeface="Gill Sans" charset="0"/>
-                              <a:ea typeface="Gill Sans" charset="0"/>
-                              <a:cs typeface="Gill Sans" charset="0"/>
-                            </a:rPr>
-                            <a:t>4.68*</a:t>
-                          </a:r>
-                          <a14:m>
-                            <m:oMath xmlns:m="http://schemas.openxmlformats.org/officeDocument/2006/math">
-                              <m:sSup>
-                                <m:sSupPr>
-                                  <m:ctrlPr>
-                                    <a:rPr lang="en-US" sz="3000" i="1" smtClean="0">
-                                      <a:latin typeface="Cambria Math" panose="02040503050406030204" pitchFamily="18" charset="0"/>
-                                      <a:ea typeface="Gill Sans" charset="0"/>
-                                      <a:cs typeface="Gill Sans" charset="0"/>
-                                    </a:rPr>
-                                  </m:ctrlPr>
-                                </m:sSupPr>
-                                <m:e>
-                                  <m:r>
-                                    <a:rPr lang="en-US" sz="3000" b="0" i="1" smtClean="0">
-                                      <a:latin typeface="Cambria Math" charset="0"/>
-                                      <a:ea typeface="Gill Sans" charset="0"/>
-                                      <a:cs typeface="Gill Sans" charset="0"/>
-                                    </a:rPr>
-                                    <m:t>10</m:t>
-                                  </m:r>
-                                </m:e>
-                                <m:sup>
-                                  <m:r>
-                                    <a:rPr lang="en-US" sz="3000" b="0" i="1" smtClean="0">
-                                      <a:latin typeface="Cambria Math" charset="0"/>
-                                      <a:ea typeface="Gill Sans" charset="0"/>
-                                      <a:cs typeface="Gill Sans" charset="0"/>
-                                    </a:rPr>
-                                    <m:t>−7</m:t>
-                                  </m:r>
-                                </m:sup>
-                              </m:sSup>
-                            </m:oMath>
-                          </a14:m>
-                          <a:endParaRPr lang="en-US" sz="3000" dirty="0">
-                            <a:latin typeface="Gill Sans" charset="0"/>
-                            <a:ea typeface="Gill Sans" charset="0"/>
-                            <a:cs typeface="Gill Sans" charset="0"/>
-                          </a:endParaRPr>
-                        </a:p>
-                      </a:txBody>
-                      <a:tcPr/>
-                    </a:tc>
-                  </a:tr>
-                  <a:tr h="532778">
-                    <a:tc>
-                      <a:txBody>
-                        <a:bodyPr/>
-                        <a:lstStyle/>
-                        <a:p>
-                          <a:r>
-                            <a:rPr lang="en-US" sz="3000" dirty="0" smtClean="0">
-                              <a:latin typeface="Gill Sans" charset="0"/>
-                              <a:ea typeface="Gill Sans" charset="0"/>
-                              <a:cs typeface="Gill Sans" charset="0"/>
-                            </a:rPr>
-                            <a:t>copper</a:t>
-                          </a:r>
-                          <a:endParaRPr lang="en-US" sz="3000" dirty="0">
-                            <a:latin typeface="Gill Sans" charset="0"/>
-                            <a:ea typeface="Gill Sans" charset="0"/>
-                            <a:cs typeface="Gill Sans" charset="0"/>
-                          </a:endParaRPr>
-                        </a:p>
-                      </a:txBody>
-                      <a:tcPr/>
-                    </a:tc>
-                    <a:tc>
-                      <a:txBody>
-                        <a:bodyPr/>
-                        <a:lstStyle/>
-                        <a:p>
-                          <a:r>
-                            <a:rPr lang="uk-UA" sz="3000" dirty="0" smtClean="0">
-                              <a:latin typeface="Gill Sans" charset="0"/>
-                              <a:ea typeface="Gill Sans" charset="0"/>
-                              <a:cs typeface="Gill Sans" charset="0"/>
-                            </a:rPr>
-                            <a:t>390</a:t>
-                          </a:r>
-                          <a:endParaRPr lang="en-US" sz="3000" dirty="0">
-                            <a:latin typeface="Gill Sans" charset="0"/>
-                            <a:ea typeface="Gill Sans" charset="0"/>
-                            <a:cs typeface="Gill Sans" charset="0"/>
-                          </a:endParaRPr>
-                        </a:p>
-                      </a:txBody>
-                      <a:tcPr/>
-                    </a:tc>
-                    <a:tc>
-                      <a:txBody>
-                        <a:bodyPr/>
-                        <a:lstStyle/>
-                        <a:p>
-                          <a:r>
-                            <a:rPr lang="fi-FI" sz="3000" dirty="0" smtClean="0">
-                              <a:latin typeface="Gill Sans" charset="0"/>
-                              <a:ea typeface="Gill Sans" charset="0"/>
-                              <a:cs typeface="Gill Sans" charset="0"/>
-                            </a:rPr>
-                            <a:t>8790</a:t>
-                          </a:r>
-                          <a:endParaRPr lang="en-US" sz="3000" dirty="0">
-                            <a:latin typeface="Gill Sans" charset="0"/>
-                            <a:ea typeface="Gill Sans" charset="0"/>
-                            <a:cs typeface="Gill Sans" charset="0"/>
-                          </a:endParaRPr>
-                        </a:p>
-                      </a:txBody>
-                      <a:tcPr/>
-                    </a:tc>
-                    <a:tc>
-                      <a:txBody>
-                        <a:bodyPr/>
-                        <a:lstStyle/>
-                        <a:p>
-                          <a:r>
-                            <a:rPr lang="is-IS" sz="3000" dirty="0" smtClean="0">
-                              <a:latin typeface="Gill Sans" charset="0"/>
-                              <a:ea typeface="Gill Sans" charset="0"/>
-                              <a:cs typeface="Gill Sans" charset="0"/>
-                            </a:rPr>
-                            <a:t>401</a:t>
-                          </a:r>
-                          <a:endParaRPr lang="en-US" sz="3000" dirty="0">
-                            <a:latin typeface="Gill Sans" charset="0"/>
-                            <a:ea typeface="Gill Sans" charset="0"/>
-                            <a:cs typeface="Gill Sans" charset="0"/>
-                          </a:endParaRPr>
-                        </a:p>
-                      </a:txBody>
-                      <a:tcPr/>
-                    </a:tc>
-                    <a:tc>
-                      <a:txBody>
-                        <a:bodyPr/>
-                        <a:lstStyle/>
-                        <a:p>
-                          <a:r>
-                            <a:rPr lang="en-US" sz="3000" dirty="0" smtClean="0">
-                              <a:latin typeface="Gill Sans" charset="0"/>
-                              <a:ea typeface="Gill Sans" charset="0"/>
-                              <a:cs typeface="Gill Sans" charset="0"/>
-                            </a:rPr>
-                            <a:t>1.17*</a:t>
-                          </a:r>
-                          <a14:m>
-                            <m:oMath xmlns:m="http://schemas.openxmlformats.org/officeDocument/2006/math">
-                              <m:sSup>
-                                <m:sSupPr>
-                                  <m:ctrlPr>
-                                    <a:rPr lang="en-US" sz="3000" i="1" smtClean="0">
-                                      <a:latin typeface="Cambria Math" panose="02040503050406030204" pitchFamily="18" charset="0"/>
-                                      <a:ea typeface="Gill Sans" charset="0"/>
-                                      <a:cs typeface="Gill Sans" charset="0"/>
-                                    </a:rPr>
-                                  </m:ctrlPr>
-                                </m:sSupPr>
-                                <m:e>
-                                  <m:r>
-                                    <a:rPr lang="en-US" sz="3000" b="0" i="1" smtClean="0">
-                                      <a:latin typeface="Cambria Math" charset="0"/>
-                                      <a:ea typeface="Gill Sans" charset="0"/>
-                                      <a:cs typeface="Gill Sans" charset="0"/>
-                                    </a:rPr>
-                                    <m:t>10</m:t>
-                                  </m:r>
-                                </m:e>
-                                <m:sup>
-                                  <m:r>
-                                    <a:rPr lang="en-US" sz="3000" b="0" i="1" smtClean="0">
-                                      <a:latin typeface="Cambria Math" charset="0"/>
-                                      <a:ea typeface="Gill Sans" charset="0"/>
-                                      <a:cs typeface="Gill Sans" charset="0"/>
-                                    </a:rPr>
-                                    <m:t>−4</m:t>
-                                  </m:r>
-                                </m:sup>
-                              </m:sSup>
-                            </m:oMath>
-                          </a14:m>
-                          <a:endParaRPr lang="en-US" sz="3000" dirty="0">
-                            <a:latin typeface="Gill Sans" charset="0"/>
-                            <a:ea typeface="Gill Sans" charset="0"/>
-                            <a:cs typeface="Gill Sans" charset="0"/>
-                          </a:endParaRPr>
-                        </a:p>
-                      </a:txBody>
-                      <a:tcPr/>
-                    </a:tc>
-                  </a:tr>
-                  <a:tr h="532778">
-                    <a:tc>
-                      <a:txBody>
-                        <a:bodyPr/>
-                        <a:lstStyle/>
-                        <a:p>
-                          <a:r>
-                            <a:rPr lang="en-US" sz="3000" dirty="0" smtClean="0">
-                              <a:latin typeface="Gill Sans" charset="0"/>
-                              <a:ea typeface="Gill Sans" charset="0"/>
-                              <a:cs typeface="Gill Sans" charset="0"/>
-                            </a:rPr>
-                            <a:t>wood</a:t>
-                          </a:r>
-                          <a:endParaRPr lang="en-US" sz="3000" dirty="0">
-                            <a:latin typeface="Gill Sans" charset="0"/>
-                            <a:ea typeface="Gill Sans" charset="0"/>
-                            <a:cs typeface="Gill Sans" charset="0"/>
-                          </a:endParaRPr>
-                        </a:p>
-                      </a:txBody>
-                      <a:tcPr/>
-                    </a:tc>
-                    <a:tc>
-                      <a:txBody>
-                        <a:bodyPr/>
-                        <a:lstStyle/>
-                        <a:p>
-                          <a:r>
-                            <a:rPr lang="is-IS" sz="3000" dirty="0" smtClean="0">
-                              <a:latin typeface="Gill Sans" charset="0"/>
-                              <a:ea typeface="Gill Sans" charset="0"/>
-                              <a:cs typeface="Gill Sans" charset="0"/>
-                            </a:rPr>
-                            <a:t>2000</a:t>
-                          </a:r>
-                          <a:endParaRPr lang="en-US" sz="3000" dirty="0">
-                            <a:latin typeface="Gill Sans" charset="0"/>
-                            <a:ea typeface="Gill Sans" charset="0"/>
-                            <a:cs typeface="Gill Sans" charset="0"/>
-                          </a:endParaRPr>
-                        </a:p>
-                      </a:txBody>
-                      <a:tcPr/>
-                    </a:tc>
-                    <a:tc>
-                      <a:txBody>
-                        <a:bodyPr/>
-                        <a:lstStyle/>
-                        <a:p>
-                          <a:r>
-                            <a:rPr lang="en-US" sz="3000" dirty="0" smtClean="0">
-                              <a:latin typeface="Gill Sans" charset="0"/>
-                              <a:ea typeface="Gill Sans" charset="0"/>
-                              <a:cs typeface="Gill Sans" charset="0"/>
-                            </a:rPr>
-                            <a:t>750</a:t>
-                          </a:r>
-                          <a:endParaRPr lang="en-US" sz="3000" dirty="0">
-                            <a:latin typeface="Gill Sans" charset="0"/>
-                            <a:ea typeface="Gill Sans" charset="0"/>
-                            <a:cs typeface="Gill Sans" charset="0"/>
-                          </a:endParaRPr>
-                        </a:p>
-                      </a:txBody>
-                      <a:tcPr/>
-                    </a:tc>
-                    <a:tc>
-                      <a:txBody>
-                        <a:bodyPr/>
-                        <a:lstStyle/>
-                        <a:p>
-                          <a:r>
-                            <a:rPr lang="nb-NO" sz="3000" dirty="0" smtClean="0">
-                              <a:latin typeface="Gill Sans" charset="0"/>
-                              <a:ea typeface="Gill Sans" charset="0"/>
-                              <a:cs typeface="Gill Sans" charset="0"/>
-                            </a:rPr>
-                            <a:t>0.17</a:t>
-                          </a:r>
-                          <a:endParaRPr lang="en-US" sz="3000" dirty="0">
-                            <a:latin typeface="Gill Sans" charset="0"/>
-                            <a:ea typeface="Gill Sans" charset="0"/>
-                            <a:cs typeface="Gill Sans" charset="0"/>
-                          </a:endParaRPr>
-                        </a:p>
-                      </a:txBody>
-                      <a:tcPr/>
-                    </a:tc>
-                    <a:tc>
-                      <a:txBody>
-                        <a:bodyPr/>
-                        <a:lstStyle/>
-                        <a:p>
-                          <a:r>
-                            <a:rPr lang="en-US" sz="3000" dirty="0" smtClean="0">
-                              <a:latin typeface="Gill Sans" charset="0"/>
-                              <a:ea typeface="Gill Sans" charset="0"/>
-                              <a:cs typeface="Gill Sans" charset="0"/>
-                            </a:rPr>
-                            <a:t>1.13*</a:t>
-                          </a:r>
-                          <a14:m>
-                            <m:oMath xmlns:m="http://schemas.openxmlformats.org/officeDocument/2006/math">
-                              <m:sSup>
-                                <m:sSupPr>
-                                  <m:ctrlPr>
-                                    <a:rPr lang="en-US" sz="3000" i="1" smtClean="0">
-                                      <a:latin typeface="Cambria Math" panose="02040503050406030204" pitchFamily="18" charset="0"/>
-                                      <a:ea typeface="Gill Sans" charset="0"/>
-                                      <a:cs typeface="Gill Sans" charset="0"/>
-                                    </a:rPr>
-                                  </m:ctrlPr>
-                                </m:sSupPr>
-                                <m:e>
-                                  <m:r>
-                                    <a:rPr lang="en-US" sz="3000" b="0" i="1" smtClean="0">
-                                      <a:latin typeface="Cambria Math" charset="0"/>
-                                      <a:ea typeface="Gill Sans" charset="0"/>
-                                      <a:cs typeface="Gill Sans" charset="0"/>
-                                    </a:rPr>
-                                    <m:t>10</m:t>
-                                  </m:r>
-                                </m:e>
-                                <m:sup>
-                                  <m:r>
-                                    <a:rPr lang="en-US" sz="3000" b="0" i="1" smtClean="0">
-                                      <a:latin typeface="Cambria Math" charset="0"/>
-                                      <a:ea typeface="Gill Sans" charset="0"/>
-                                      <a:cs typeface="Gill Sans" charset="0"/>
-                                    </a:rPr>
-                                    <m:t>−7</m:t>
-                                  </m:r>
-                                </m:sup>
-                              </m:sSup>
-                            </m:oMath>
-                          </a14:m>
-                          <a:endParaRPr lang="en-US" sz="3000" dirty="0">
-                            <a:latin typeface="Gill Sans" charset="0"/>
-                            <a:ea typeface="Gill Sans" charset="0"/>
-                            <a:cs typeface="Gill Sans" charset="0"/>
-                          </a:endParaRPr>
-                        </a:p>
-                      </a:txBody>
-                      <a:tcPr/>
-                    </a:tc>
-                  </a:tr>
-                </a:tbl>
-              </a:graphicData>
-            </a:graphic>
-          </p:graphicFrame>
-        </mc:Choice>
-        <mc:Fallback xmlns="">
-          <p:graphicFrame>
-            <p:nvGraphicFramePr>
-              <p:cNvPr id="4" name="Content Placeholder 3"/>
-              <p:cNvGraphicFramePr>
-                <a:graphicFrameLocks noGrp="1"/>
-              </p:cNvGraphicFramePr>
-              <p:nvPr>
-                <p:ph idx="1"/>
-                <p:extLst>
-                  <p:ext uri="{D42A27DB-BD31-4B8C-83A1-F6EECF244321}">
-                    <p14:modId xmlns:p14="http://schemas.microsoft.com/office/powerpoint/2010/main" val="685761153"/>
-                  </p:ext>
-                </p:extLst>
-              </p:nvPr>
-            </p:nvGraphicFramePr>
-            <p:xfrm>
-              <a:off x="441434" y="3381848"/>
-              <a:ext cx="11603420" cy="3449765"/>
-            </p:xfrm>
-            <a:graphic>
-              <a:graphicData uri="http://schemas.openxmlformats.org/drawingml/2006/table">
-                <a:tbl>
-                  <a:tblPr firstRow="1" bandRow="1">
-                    <a:tableStyleId>{5940675A-B579-460E-94D1-54222C63F5DA}</a:tableStyleId>
-                  </a:tblPr>
-                  <a:tblGrid>
-                    <a:gridCol w="1689106"/>
-                    <a:gridCol w="2245388"/>
-                    <a:gridCol w="1827205"/>
-                    <a:gridCol w="2757268"/>
-                    <a:gridCol w="3084453"/>
-                  </a:tblGrid>
-                  <a:tr h="1250061">
-                    <a:tc>
-                      <a:txBody>
-                        <a:bodyPr/>
-                        <a:lstStyle/>
-                        <a:p>
-                          <a:r>
-                            <a:rPr lang="en-US" sz="3000" dirty="0" smtClean="0">
-                              <a:latin typeface="Gill Sans" charset="0"/>
-                              <a:ea typeface="Gill Sans" charset="0"/>
-                              <a:cs typeface="Gill Sans" charset="0"/>
-                            </a:rPr>
-                            <a:t>material</a:t>
-                          </a:r>
-                          <a:endParaRPr lang="en-US" sz="3000" dirty="0">
-                            <a:latin typeface="Gill Sans" charset="0"/>
-                            <a:ea typeface="Gill Sans" charset="0"/>
-                            <a:cs typeface="Gill Sans" charset="0"/>
-                          </a:endParaRPr>
-                        </a:p>
-                      </a:txBody>
-                      <a:tcPr/>
-                    </a:tc>
-                    <a:tc>
-                      <a:txBody>
-                        <a:bodyPr/>
-                        <a:lstStyle/>
-                        <a:p>
-                          <a:endParaRPr lang="en-US"/>
-                        </a:p>
-                      </a:txBody>
-                      <a:tcPr>
-                        <a:blipFill rotWithShape="0">
-                          <a:blip r:embed="rId2"/>
-                          <a:stretch>
-                            <a:fillRect l="-75339" t="-5366" r="-341463" b="-192195"/>
-                          </a:stretch>
-                        </a:blipFill>
-                      </a:tcPr>
-                    </a:tc>
-                    <a:tc>
-                      <a:txBody>
-                        <a:bodyPr/>
-                        <a:lstStyle/>
-                        <a:p>
-                          <a:endParaRPr lang="en-US"/>
-                        </a:p>
-                      </a:txBody>
-                      <a:tcPr>
-                        <a:blipFill rotWithShape="0">
-                          <a:blip r:embed="rId2"/>
-                          <a:stretch>
-                            <a:fillRect l="-216388" t="-5366" r="-321405" b="-192195"/>
-                          </a:stretch>
-                        </a:blipFill>
-                      </a:tcPr>
-                    </a:tc>
-                    <a:tc>
-                      <a:txBody>
-                        <a:bodyPr/>
-                        <a:lstStyle/>
-                        <a:p>
-                          <a:endParaRPr lang="en-US"/>
-                        </a:p>
-                      </a:txBody>
-                      <a:tcPr>
-                        <a:blipFill rotWithShape="0">
-                          <a:blip r:embed="rId2"/>
-                          <a:stretch>
-                            <a:fillRect l="-208830" t="-5366" r="-112141" b="-192195"/>
-                          </a:stretch>
-                        </a:blipFill>
-                      </a:tcPr>
-                    </a:tc>
-                    <a:tc>
-                      <a:txBody>
-                        <a:bodyPr/>
-                        <a:lstStyle/>
-                        <a:p>
-                          <a:endParaRPr lang="en-US"/>
-                        </a:p>
-                      </a:txBody>
-                      <a:tcPr>
-                        <a:blipFill rotWithShape="0">
-                          <a:blip r:embed="rId2"/>
-                          <a:stretch>
-                            <a:fillRect l="-276482" t="-5366" r="-395" b="-192195"/>
-                          </a:stretch>
-                        </a:blipFill>
-                      </a:tcPr>
-                    </a:tc>
-                  </a:tr>
-                  <a:tr h="553784">
-                    <a:tc>
-                      <a:txBody>
-                        <a:bodyPr/>
-                        <a:lstStyle/>
-                        <a:p>
-                          <a:r>
-                            <a:rPr lang="en-US" sz="3000" dirty="0" smtClean="0">
-                              <a:latin typeface="Gill Sans" charset="0"/>
-                              <a:ea typeface="Gill Sans" charset="0"/>
-                              <a:cs typeface="Gill Sans" charset="0"/>
-                            </a:rPr>
-                            <a:t>air</a:t>
-                          </a:r>
-                          <a:endParaRPr lang="en-US" sz="3000" dirty="0">
-                            <a:latin typeface="Gill Sans" charset="0"/>
-                            <a:ea typeface="Gill Sans" charset="0"/>
-                            <a:cs typeface="Gill Sans" charset="0"/>
-                          </a:endParaRPr>
-                        </a:p>
-                      </a:txBody>
-                      <a:tcPr/>
-                    </a:tc>
-                    <a:tc>
-                      <a:txBody>
-                        <a:bodyPr/>
-                        <a:lstStyle/>
-                        <a:p>
-                          <a:r>
-                            <a:rPr lang="is-IS" sz="3000" dirty="0" smtClean="0">
-                              <a:latin typeface="Gill Sans" charset="0"/>
-                              <a:ea typeface="Gill Sans" charset="0"/>
-                              <a:cs typeface="Gill Sans" charset="0"/>
-                            </a:rPr>
-                            <a:t>1000</a:t>
-                          </a:r>
-                          <a:endParaRPr lang="en-US" sz="3000" dirty="0">
-                            <a:latin typeface="Gill Sans" charset="0"/>
-                            <a:ea typeface="Gill Sans" charset="0"/>
-                            <a:cs typeface="Gill Sans" charset="0"/>
-                          </a:endParaRPr>
-                        </a:p>
-                      </a:txBody>
-                      <a:tcPr/>
-                    </a:tc>
-                    <a:tc>
-                      <a:txBody>
-                        <a:bodyPr/>
-                        <a:lstStyle/>
-                        <a:p>
-                          <a:r>
-                            <a:rPr lang="uk-UA" sz="3000" dirty="0" smtClean="0">
-                              <a:latin typeface="Gill Sans" charset="0"/>
-                              <a:ea typeface="Gill Sans" charset="0"/>
-                              <a:cs typeface="Gill Sans" charset="0"/>
-                            </a:rPr>
-                            <a:t>1.177</a:t>
-                          </a:r>
-                          <a:endParaRPr lang="en-US" sz="3000" dirty="0">
-                            <a:latin typeface="Gill Sans" charset="0"/>
-                            <a:ea typeface="Gill Sans" charset="0"/>
-                            <a:cs typeface="Gill Sans" charset="0"/>
-                          </a:endParaRPr>
-                        </a:p>
-                      </a:txBody>
-                      <a:tcPr/>
-                    </a:tc>
-                    <a:tc>
-                      <a:txBody>
-                        <a:bodyPr/>
-                        <a:lstStyle/>
-                        <a:p>
-                          <a:r>
-                            <a:rPr lang="is-IS" sz="3000" dirty="0" smtClean="0">
-                              <a:latin typeface="Gill Sans" charset="0"/>
-                              <a:ea typeface="Gill Sans" charset="0"/>
-                              <a:cs typeface="Gill Sans" charset="0"/>
-                            </a:rPr>
-                            <a:t>0.02624</a:t>
-                          </a:r>
-                          <a:endParaRPr lang="en-US" sz="3000" dirty="0">
-                            <a:latin typeface="Gill Sans" charset="0"/>
-                            <a:ea typeface="Gill Sans" charset="0"/>
-                            <a:cs typeface="Gill Sans" charset="0"/>
-                          </a:endParaRPr>
-                        </a:p>
-                      </a:txBody>
-                      <a:tcPr/>
-                    </a:tc>
-                    <a:tc>
-                      <a:txBody>
-                        <a:bodyPr/>
-                        <a:lstStyle/>
-                        <a:p>
-                          <a:endParaRPr lang="en-US"/>
-                        </a:p>
-                      </a:txBody>
-                      <a:tcPr>
-                        <a:blipFill rotWithShape="0">
-                          <a:blip r:embed="rId2"/>
-                          <a:stretch>
-                            <a:fillRect l="-276482" t="-237363" r="-395" b="-332967"/>
-                          </a:stretch>
-                        </a:blipFill>
-                      </a:tcPr>
-                    </a:tc>
-                  </a:tr>
-                  <a:tr h="548640">
-                    <a:tc>
-                      <a:txBody>
-                        <a:bodyPr/>
-                        <a:lstStyle/>
-                        <a:p>
-                          <a:r>
-                            <a:rPr lang="en-US" sz="3000" dirty="0" smtClean="0">
-                              <a:latin typeface="Gill Sans" charset="0"/>
-                              <a:ea typeface="Gill Sans" charset="0"/>
-                              <a:cs typeface="Gill Sans" charset="0"/>
-                            </a:rPr>
-                            <a:t>brick</a:t>
-                          </a:r>
-                          <a:endParaRPr lang="en-US" sz="3000" dirty="0">
-                            <a:latin typeface="Gill Sans" charset="0"/>
-                            <a:ea typeface="Gill Sans" charset="0"/>
-                            <a:cs typeface="Gill Sans" charset="0"/>
-                          </a:endParaRPr>
-                        </a:p>
-                      </a:txBody>
-                      <a:tcPr/>
-                    </a:tc>
-                    <a:tc>
-                      <a:txBody>
-                        <a:bodyPr/>
-                        <a:lstStyle/>
-                        <a:p>
-                          <a:r>
-                            <a:rPr lang="is-IS" sz="3000" dirty="0" smtClean="0">
-                              <a:latin typeface="Gill Sans" charset="0"/>
-                              <a:ea typeface="Gill Sans" charset="0"/>
-                              <a:cs typeface="Gill Sans" charset="0"/>
-                            </a:rPr>
-                            <a:t>900</a:t>
-                          </a:r>
-                          <a:endParaRPr lang="en-US" sz="3000" dirty="0">
-                            <a:latin typeface="Gill Sans" charset="0"/>
-                            <a:ea typeface="Gill Sans" charset="0"/>
-                            <a:cs typeface="Gill Sans" charset="0"/>
-                          </a:endParaRPr>
-                        </a:p>
-                      </a:txBody>
-                      <a:tcPr/>
-                    </a:tc>
-                    <a:tc>
-                      <a:txBody>
-                        <a:bodyPr/>
-                        <a:lstStyle/>
-                        <a:p>
-                          <a:r>
-                            <a:rPr lang="is-IS" sz="3000" dirty="0" smtClean="0">
-                              <a:latin typeface="Gill Sans" charset="0"/>
-                              <a:ea typeface="Gill Sans" charset="0"/>
-                              <a:cs typeface="Gill Sans" charset="0"/>
-                            </a:rPr>
-                            <a:t>1900</a:t>
-                          </a:r>
-                          <a:endParaRPr lang="en-US" sz="3000" dirty="0">
-                            <a:latin typeface="Gill Sans" charset="0"/>
-                            <a:ea typeface="Gill Sans" charset="0"/>
-                            <a:cs typeface="Gill Sans" charset="0"/>
-                          </a:endParaRPr>
-                        </a:p>
-                      </a:txBody>
-                      <a:tcPr/>
-                    </a:tc>
-                    <a:tc>
-                      <a:txBody>
-                        <a:bodyPr/>
-                        <a:lstStyle/>
-                        <a:p>
-                          <a:r>
-                            <a:rPr lang="nb-NO" sz="3000" dirty="0" smtClean="0">
-                              <a:latin typeface="Gill Sans" charset="0"/>
-                              <a:ea typeface="Gill Sans" charset="0"/>
-                              <a:cs typeface="Gill Sans" charset="0"/>
-                            </a:rPr>
-                            <a:t>0.8</a:t>
-                          </a:r>
-                          <a:endParaRPr lang="en-US" sz="3000" dirty="0">
-                            <a:latin typeface="Gill Sans" charset="0"/>
-                            <a:ea typeface="Gill Sans" charset="0"/>
-                            <a:cs typeface="Gill Sans" charset="0"/>
-                          </a:endParaRPr>
-                        </a:p>
-                      </a:txBody>
-                      <a:tcPr/>
-                    </a:tc>
-                    <a:tc>
-                      <a:txBody>
-                        <a:bodyPr/>
-                        <a:lstStyle/>
-                        <a:p>
-                          <a:endParaRPr lang="en-US"/>
-                        </a:p>
-                      </a:txBody>
-                      <a:tcPr>
-                        <a:blipFill rotWithShape="0">
-                          <a:blip r:embed="rId2"/>
-                          <a:stretch>
-                            <a:fillRect l="-276482" t="-337363" r="-395" b="-232967"/>
-                          </a:stretch>
-                        </a:blipFill>
-                      </a:tcPr>
-                    </a:tc>
-                  </a:tr>
-                  <a:tr h="548640">
-                    <a:tc>
-                      <a:txBody>
-                        <a:bodyPr/>
-                        <a:lstStyle/>
-                        <a:p>
-                          <a:r>
-                            <a:rPr lang="en-US" sz="3000" dirty="0" smtClean="0">
-                              <a:latin typeface="Gill Sans" charset="0"/>
-                              <a:ea typeface="Gill Sans" charset="0"/>
-                              <a:cs typeface="Gill Sans" charset="0"/>
-                            </a:rPr>
-                            <a:t>copper</a:t>
-                          </a:r>
-                          <a:endParaRPr lang="en-US" sz="3000" dirty="0">
-                            <a:latin typeface="Gill Sans" charset="0"/>
-                            <a:ea typeface="Gill Sans" charset="0"/>
-                            <a:cs typeface="Gill Sans" charset="0"/>
-                          </a:endParaRPr>
-                        </a:p>
-                      </a:txBody>
-                      <a:tcPr/>
-                    </a:tc>
-                    <a:tc>
-                      <a:txBody>
-                        <a:bodyPr/>
-                        <a:lstStyle/>
-                        <a:p>
-                          <a:r>
-                            <a:rPr lang="uk-UA" sz="3000" dirty="0" smtClean="0">
-                              <a:latin typeface="Gill Sans" charset="0"/>
-                              <a:ea typeface="Gill Sans" charset="0"/>
-                              <a:cs typeface="Gill Sans" charset="0"/>
-                            </a:rPr>
-                            <a:t>390</a:t>
-                          </a:r>
-                          <a:endParaRPr lang="en-US" sz="3000" dirty="0">
-                            <a:latin typeface="Gill Sans" charset="0"/>
-                            <a:ea typeface="Gill Sans" charset="0"/>
-                            <a:cs typeface="Gill Sans" charset="0"/>
-                          </a:endParaRPr>
-                        </a:p>
-                      </a:txBody>
-                      <a:tcPr/>
-                    </a:tc>
-                    <a:tc>
-                      <a:txBody>
-                        <a:bodyPr/>
-                        <a:lstStyle/>
-                        <a:p>
-                          <a:r>
-                            <a:rPr lang="fi-FI" sz="3000" dirty="0" smtClean="0">
-                              <a:latin typeface="Gill Sans" charset="0"/>
-                              <a:ea typeface="Gill Sans" charset="0"/>
-                              <a:cs typeface="Gill Sans" charset="0"/>
-                            </a:rPr>
-                            <a:t>8790</a:t>
-                          </a:r>
-                          <a:endParaRPr lang="en-US" sz="3000" dirty="0">
-                            <a:latin typeface="Gill Sans" charset="0"/>
-                            <a:ea typeface="Gill Sans" charset="0"/>
-                            <a:cs typeface="Gill Sans" charset="0"/>
-                          </a:endParaRPr>
-                        </a:p>
-                      </a:txBody>
-                      <a:tcPr/>
-                    </a:tc>
-                    <a:tc>
-                      <a:txBody>
-                        <a:bodyPr/>
-                        <a:lstStyle/>
-                        <a:p>
-                          <a:r>
-                            <a:rPr lang="is-IS" sz="3000" dirty="0" smtClean="0">
-                              <a:latin typeface="Gill Sans" charset="0"/>
-                              <a:ea typeface="Gill Sans" charset="0"/>
-                              <a:cs typeface="Gill Sans" charset="0"/>
-                            </a:rPr>
-                            <a:t>401</a:t>
-                          </a:r>
-                          <a:endParaRPr lang="en-US" sz="3000" dirty="0">
-                            <a:latin typeface="Gill Sans" charset="0"/>
-                            <a:ea typeface="Gill Sans" charset="0"/>
-                            <a:cs typeface="Gill Sans" charset="0"/>
-                          </a:endParaRPr>
-                        </a:p>
-                      </a:txBody>
-                      <a:tcPr/>
-                    </a:tc>
-                    <a:tc>
-                      <a:txBody>
-                        <a:bodyPr/>
-                        <a:lstStyle/>
-                        <a:p>
-                          <a:endParaRPr lang="en-US"/>
-                        </a:p>
-                      </a:txBody>
-                      <a:tcPr>
-                        <a:blipFill rotWithShape="0">
-                          <a:blip r:embed="rId2"/>
-                          <a:stretch>
-                            <a:fillRect l="-276482" t="-442222" r="-395" b="-135556"/>
-                          </a:stretch>
-                        </a:blipFill>
-                      </a:tcPr>
-                    </a:tc>
-                  </a:tr>
-                  <a:tr h="548640">
-                    <a:tc>
-                      <a:txBody>
-                        <a:bodyPr/>
-                        <a:lstStyle/>
-                        <a:p>
-                          <a:r>
-                            <a:rPr lang="en-US" sz="3000" dirty="0" smtClean="0">
-                              <a:latin typeface="Gill Sans" charset="0"/>
-                              <a:ea typeface="Gill Sans" charset="0"/>
-                              <a:cs typeface="Gill Sans" charset="0"/>
-                            </a:rPr>
-                            <a:t>wood</a:t>
-                          </a:r>
-                          <a:endParaRPr lang="en-US" sz="3000" dirty="0">
-                            <a:latin typeface="Gill Sans" charset="0"/>
-                            <a:ea typeface="Gill Sans" charset="0"/>
-                            <a:cs typeface="Gill Sans" charset="0"/>
-                          </a:endParaRPr>
-                        </a:p>
-                      </a:txBody>
-                      <a:tcPr/>
-                    </a:tc>
-                    <a:tc>
-                      <a:txBody>
-                        <a:bodyPr/>
-                        <a:lstStyle/>
-                        <a:p>
-                          <a:r>
-                            <a:rPr lang="is-IS" sz="3000" dirty="0" smtClean="0">
-                              <a:latin typeface="Gill Sans" charset="0"/>
-                              <a:ea typeface="Gill Sans" charset="0"/>
-                              <a:cs typeface="Gill Sans" charset="0"/>
-                            </a:rPr>
-                            <a:t>2000</a:t>
-                          </a:r>
-                          <a:endParaRPr lang="en-US" sz="3000" dirty="0">
-                            <a:latin typeface="Gill Sans" charset="0"/>
-                            <a:ea typeface="Gill Sans" charset="0"/>
-                            <a:cs typeface="Gill Sans" charset="0"/>
-                          </a:endParaRPr>
-                        </a:p>
-                      </a:txBody>
-                      <a:tcPr/>
-                    </a:tc>
-                    <a:tc>
-                      <a:txBody>
-                        <a:bodyPr/>
-                        <a:lstStyle/>
-                        <a:p>
-                          <a:r>
-                            <a:rPr lang="en-US" sz="3000" dirty="0" smtClean="0">
-                              <a:latin typeface="Gill Sans" charset="0"/>
-                              <a:ea typeface="Gill Sans" charset="0"/>
-                              <a:cs typeface="Gill Sans" charset="0"/>
-                            </a:rPr>
-                            <a:t>750</a:t>
-                          </a:r>
-                          <a:endParaRPr lang="en-US" sz="3000" dirty="0">
-                            <a:latin typeface="Gill Sans" charset="0"/>
-                            <a:ea typeface="Gill Sans" charset="0"/>
-                            <a:cs typeface="Gill Sans" charset="0"/>
-                          </a:endParaRPr>
-                        </a:p>
-                      </a:txBody>
-                      <a:tcPr/>
-                    </a:tc>
-                    <a:tc>
-                      <a:txBody>
-                        <a:bodyPr/>
-                        <a:lstStyle/>
-                        <a:p>
-                          <a:r>
-                            <a:rPr lang="nb-NO" sz="3000" dirty="0" smtClean="0">
-                              <a:latin typeface="Gill Sans" charset="0"/>
-                              <a:ea typeface="Gill Sans" charset="0"/>
-                              <a:cs typeface="Gill Sans" charset="0"/>
-                            </a:rPr>
-                            <a:t>0.17</a:t>
-                          </a:r>
-                          <a:endParaRPr lang="en-US" sz="3000" dirty="0">
-                            <a:latin typeface="Gill Sans" charset="0"/>
-                            <a:ea typeface="Gill Sans" charset="0"/>
-                            <a:cs typeface="Gill Sans" charset="0"/>
-                          </a:endParaRPr>
-                        </a:p>
-                      </a:txBody>
-                      <a:tcPr/>
-                    </a:tc>
-                    <a:tc>
-                      <a:txBody>
-                        <a:bodyPr/>
-                        <a:lstStyle/>
-                        <a:p>
-                          <a:endParaRPr lang="en-US"/>
-                        </a:p>
-                      </a:txBody>
-                      <a:tcPr>
-                        <a:blipFill rotWithShape="0">
-                          <a:blip r:embed="rId2"/>
-                          <a:stretch>
-                            <a:fillRect l="-276482" t="-542222" r="-395" b="-35556"/>
-                          </a:stretch>
-                        </a:blipFill>
-                      </a:tcPr>
-                    </a:tc>
-                  </a:tr>
-                </a:tbl>
-              </a:graphicData>
-            </a:graphic>
-          </p:graphicFrame>
-        </mc:Fallback>
-      </mc:AlternateContent>
-      <p:sp>
-        <p:nvSpPr>
-          <p:cNvPr id="6" name="TextBox 5"/>
-          <p:cNvSpPr txBox="1"/>
-          <p:nvPr/>
+              <a:t>Crank-Nicolson Algorithm</a:t>
+            </a:r>
+            <a:endParaRPr lang="en-US" sz="4000" b="1" dirty="0">
+              <a:latin typeface="Helvetica Neue"/>
+            </a:endParaRPr>
+          </a:p>
+        </p:txBody>
+      </p:sp>
+      <p:sp>
+        <p:nvSpPr>
+          <p:cNvPr id="3" name="Content Placeholder 2"/>
+          <p:cNvSpPr>
+            <a:spLocks noGrp="1"/>
+          </p:cNvSpPr>
+          <p:nvPr>
+            <p:ph idx="1"/>
+          </p:nvPr>
         </p:nvSpPr>
         <p:spPr>
           <a:xfrm>
-            <a:off x="441435" y="2697303"/>
-            <a:ext cx="3485656" cy="830997"/>
+            <a:off x="486382" y="1381324"/>
+            <a:ext cx="11225719" cy="5000017"/>
           </a:xfrm>
-          <a:prstGeom prst="rect">
-            <a:avLst/>
-          </a:prstGeom>
-          <a:noFill/>
         </p:spPr>
         <p:txBody>
-          <a:bodyPr wrap="square" rtlCol="0">
-            <a:spAutoFit/>
+          <a:bodyPr>
+            <a:normAutofit/>
           </a:bodyPr>
           <a:lstStyle/>
           <a:p>
-            <a:pPr marL="228600" lvl="0" indent="-228600">
-              <a:buFont typeface="Arial" charset="0"/>
-              <a:buChar char="•"/>
-            </a:pPr>
-            <a:r>
-              <a:rPr lang="en-US" sz="3000" dirty="0" smtClean="0">
-                <a:solidFill>
-                  <a:prstClr val="black"/>
-                </a:solidFill>
-                <a:latin typeface="Gill Sans" charset="0"/>
-                <a:ea typeface="Gill Sans" charset="0"/>
-                <a:cs typeface="Gill Sans" charset="0"/>
-              </a:rPr>
-              <a:t>  parameters</a:t>
-            </a:r>
-            <a:endParaRPr lang="en-US" sz="3000" dirty="0">
-              <a:solidFill>
-                <a:prstClr val="black"/>
-              </a:solidFill>
-              <a:latin typeface="Gill Sans" charset="0"/>
-              <a:ea typeface="Gill Sans" charset="0"/>
-              <a:cs typeface="Gill Sans" charset="0"/>
-            </a:endParaRPr>
-          </a:p>
-          <a:p>
-            <a:endParaRPr lang="en-US" dirty="0"/>
-          </a:p>
-        </p:txBody>
-      </p:sp>
-      <p:sp>
-        <p:nvSpPr>
-          <p:cNvPr id="9" name="TextBox 8"/>
-          <p:cNvSpPr txBox="1"/>
-          <p:nvPr/>
-        </p:nvSpPr>
-        <p:spPr>
-          <a:xfrm>
-            <a:off x="583324" y="1324303"/>
-            <a:ext cx="11219793" cy="1938992"/>
-          </a:xfrm>
-          <a:prstGeom prst="rect">
-            <a:avLst/>
-          </a:prstGeom>
-          <a:noFill/>
-        </p:spPr>
-        <p:txBody>
-          <a:bodyPr wrap="square" rtlCol="0">
-            <a:spAutoFit/>
-          </a:bodyPr>
-          <a:lstStyle/>
-          <a:p>
-            <a:pPr marL="457200" indent="-457200">
-              <a:buFont typeface="Arial" charset="0"/>
-              <a:buChar char="•"/>
-            </a:pPr>
-            <a:r>
-              <a:rPr lang="en-US" sz="3000" dirty="0" smtClean="0">
-                <a:solidFill>
-                  <a:schemeClr val="tx1"/>
-                </a:solidFill>
-                <a:latin typeface="Gill Sans" charset="0"/>
-                <a:ea typeface="Gill Sans" charset="0"/>
-                <a:cs typeface="Gill Sans" charset="0"/>
-              </a:rPr>
-              <a:t>Crank-Nicolson algorithm was used to solve the Heat equation with the boundary conditions set based on common temperatures in Arizona     </a:t>
-            </a:r>
-          </a:p>
-          <a:p>
-            <a:pPr marL="914400" lvl="1" indent="-457200">
-              <a:buFont typeface="Arial" charset="0"/>
-              <a:buChar char="•"/>
-            </a:pPr>
-            <a:endParaRPr lang="en-US" sz="3000" dirty="0">
-              <a:latin typeface="Gill Sans" charset="0"/>
-              <a:ea typeface="Gill Sans" charset="0"/>
-              <a:cs typeface="Gill Sans" charset="0"/>
+            <a:endParaRPr lang="en-US" sz="3000" dirty="0" smtClean="0">
+              <a:latin typeface="Helvetica Neue"/>
             </a:endParaRPr>
           </a:p>
         </p:txBody>
@@ -5873,165 +5565,17 @@
     </p:spTree>
     <p:extLst>
       <p:ext uri="{BB962C8B-B14F-4D97-AF65-F5344CB8AC3E}">
-        <p14:creationId xmlns:p14="http://schemas.microsoft.com/office/powerpoint/2010/main" val="796719753"/>
+        <p14:creationId xmlns:p14="http://schemas.microsoft.com/office/powerpoint/2010/main" val="1581791542"/>
       </p:ext>
     </p:extLst>
   </p:cSld>
   <p:clrMapOvr>
     <a:masterClrMapping/>
   </p:clrMapOvr>
-  <p:timing>
-    <p:tnLst>
-      <p:par>
-        <p:cTn id="1" dur="indefinite" restart="never" nodeType="tmRoot"/>
-      </p:par>
-    </p:tnLst>
-  </p:timing>
 </p:sld>
 </file>
 
 <file path=ppt/slides/slide5.xml><?xml version="1.0" encoding="utf-8"?>
-<p:sld xmlns:a="http://schemas.openxmlformats.org/drawingml/2006/main" xmlns:r="http://schemas.openxmlformats.org/officeDocument/2006/relationships" xmlns:p="http://schemas.openxmlformats.org/presentationml/2006/main">
-  <p:cSld>
-    <p:spTree>
-      <p:nvGrpSpPr>
-        <p:cNvPr id="1" name=""/>
-        <p:cNvGrpSpPr/>
-        <p:nvPr/>
-      </p:nvGrpSpPr>
-      <p:grpSpPr>
-        <a:xfrm>
-          <a:off x="0" y="0"/>
-          <a:ext cx="0" cy="0"/>
-          <a:chOff x="0" y="0"/>
-          <a:chExt cx="0" cy="0"/>
-        </a:xfrm>
-      </p:grpSpPr>
-      <p:sp>
-        <p:nvSpPr>
-          <p:cNvPr id="3" name="TextBox 2"/>
-          <p:cNvSpPr txBox="1"/>
-          <p:nvPr/>
-        </p:nvSpPr>
-        <p:spPr>
-          <a:xfrm>
-            <a:off x="3462403" y="1198180"/>
-            <a:ext cx="5240163" cy="2400657"/>
-          </a:xfrm>
-          <a:prstGeom prst="rect">
-            <a:avLst/>
-          </a:prstGeom>
-          <a:noFill/>
-        </p:spPr>
-        <p:txBody>
-          <a:bodyPr wrap="square" rtlCol="0">
-            <a:spAutoFit/>
-          </a:bodyPr>
-          <a:lstStyle/>
-          <a:p>
-            <a:pPr marL="914400" lvl="1" indent="-457200">
-              <a:buFont typeface="Arial" charset="0"/>
-              <a:buChar char="•"/>
-            </a:pPr>
-            <a:r>
-              <a:rPr lang="en-US" sz="3000" dirty="0" smtClean="0">
-                <a:latin typeface="Gill Sans" charset="0"/>
-                <a:ea typeface="Gill Sans" charset="0"/>
-                <a:cs typeface="Gill Sans" charset="0"/>
-              </a:rPr>
-              <a:t>Libraries used  </a:t>
-            </a:r>
-          </a:p>
-          <a:p>
-            <a:pPr marL="514350" indent="-514350">
-              <a:buFont typeface="+mj-lt"/>
-              <a:buAutoNum type="arabicPeriod"/>
-            </a:pPr>
-            <a:r>
-              <a:rPr lang="en-US" sz="3000" dirty="0" err="1" smtClean="0">
-                <a:latin typeface="Gill Sans" charset="0"/>
-                <a:ea typeface="Gill Sans" charset="0"/>
-                <a:cs typeface="Gill Sans" charset="0"/>
-              </a:rPr>
-              <a:t>Numpy</a:t>
-            </a:r>
-            <a:endParaRPr lang="en-US" sz="3000" dirty="0" smtClean="0">
-              <a:latin typeface="Gill Sans" charset="0"/>
-              <a:ea typeface="Gill Sans" charset="0"/>
-              <a:cs typeface="Gill Sans" charset="0"/>
-            </a:endParaRPr>
-          </a:p>
-          <a:p>
-            <a:pPr marL="514350" indent="-514350">
-              <a:buFont typeface="+mj-lt"/>
-              <a:buAutoNum type="arabicPeriod"/>
-            </a:pPr>
-            <a:r>
-              <a:rPr lang="en-US" sz="3000" dirty="0" smtClean="0">
-                <a:latin typeface="Gill Sans" charset="0"/>
-                <a:ea typeface="Gill Sans" charset="0"/>
-                <a:cs typeface="Gill Sans" charset="0"/>
-              </a:rPr>
-              <a:t> </a:t>
-            </a:r>
-            <a:r>
-              <a:rPr lang="en-US" sz="3000" dirty="0" err="1" smtClean="0">
-                <a:latin typeface="Gill Sans" charset="0"/>
-                <a:ea typeface="Gill Sans" charset="0"/>
-                <a:cs typeface="Gill Sans" charset="0"/>
-              </a:rPr>
-              <a:t>matplotlib.pyplot</a:t>
-            </a:r>
-            <a:endParaRPr lang="en-US" sz="3000" dirty="0" smtClean="0">
-              <a:latin typeface="Gill Sans" charset="0"/>
-              <a:ea typeface="Gill Sans" charset="0"/>
-              <a:cs typeface="Gill Sans" charset="0"/>
-            </a:endParaRPr>
-          </a:p>
-          <a:p>
-            <a:pPr marL="514350" indent="-514350">
-              <a:buFont typeface="+mj-lt"/>
-              <a:buAutoNum type="arabicPeriod"/>
-            </a:pPr>
-            <a:r>
-              <a:rPr lang="en-US" sz="3000" dirty="0" smtClean="0">
-                <a:latin typeface="Gill Sans" charset="0"/>
-                <a:ea typeface="Gill Sans" charset="0"/>
-                <a:cs typeface="Gill Sans" charset="0"/>
-              </a:rPr>
-              <a:t>mpl_toolkits.mplot3d</a:t>
-            </a:r>
-          </a:p>
-          <a:p>
-            <a:endParaRPr lang="en-US" sz="3000" dirty="0" smtClean="0">
-              <a:latin typeface="Gill Sans" charset="0"/>
-              <a:ea typeface="Gill Sans" charset="0"/>
-              <a:cs typeface="Gill Sans" charset="0"/>
-            </a:endParaRPr>
-          </a:p>
-        </p:txBody>
-      </p:sp>
-    </p:spTree>
-    <p:extLst>
-      <p:ext uri="{BB962C8B-B14F-4D97-AF65-F5344CB8AC3E}">
-        <p14:creationId xmlns:p14="http://schemas.microsoft.com/office/powerpoint/2010/main" val="900320228"/>
-      </p:ext>
-    </p:extLst>
-  </p:cSld>
-  <p:clrMapOvr>
-    <a:masterClrMapping/>
-  </p:clrMapOvr>
-  <p:timing>
-    <p:tnLst>
-      <p:par>
-        <p:cTn id="1" dur="indefinite" restart="never" nodeType="tmRoot"/>
-      </p:par>
-    </p:tnLst>
-  </p:timing>
-</p:sld>
-</file>
-
-<file path=ppt/slides/slide6.xml><?xml version="1.0" encoding="utf-8"?>
 <p:sld xmlns:a="http://schemas.openxmlformats.org/drawingml/2006/main" xmlns:r="http://schemas.openxmlformats.org/officeDocument/2006/relationships" xmlns:p="http://schemas.openxmlformats.org/presentationml/2006/main">
   <p:cSld>
     <p:spTree>
@@ -6203,7 +5747,7 @@
 </p:sld>
 </file>
 
-<file path=ppt/slides/slide7.xml><?xml version="1.0" encoding="utf-8"?>
+<file path=ppt/slides/slide6.xml><?xml version="1.0" encoding="utf-8"?>
 <p:sld xmlns:a="http://schemas.openxmlformats.org/drawingml/2006/main" xmlns:r="http://schemas.openxmlformats.org/officeDocument/2006/relationships" xmlns:p="http://schemas.openxmlformats.org/presentationml/2006/main">
   <p:cSld>
     <p:spTree>
@@ -6321,6 +5865,127 @@
     <p:extLst>
       <p:ext uri="{BB962C8B-B14F-4D97-AF65-F5344CB8AC3E}">
         <p14:creationId xmlns:p14="http://schemas.microsoft.com/office/powerpoint/2010/main" val="334778022"/>
+      </p:ext>
+    </p:extLst>
+  </p:cSld>
+  <p:clrMapOvr>
+    <a:masterClrMapping/>
+  </p:clrMapOvr>
+  <p:timing>
+    <p:tnLst>
+      <p:par>
+        <p:cTn id="1" dur="indefinite" restart="never" nodeType="tmRoot"/>
+      </p:par>
+    </p:tnLst>
+  </p:timing>
+</p:sld>
+</file>
+
+<file path=ppt/slides/slide7.xml><?xml version="1.0" encoding="utf-8"?>
+<p:sld xmlns:a="http://schemas.openxmlformats.org/drawingml/2006/main" xmlns:r="http://schemas.openxmlformats.org/officeDocument/2006/relationships" xmlns:p="http://schemas.openxmlformats.org/presentationml/2006/main">
+  <p:cSld>
+    <p:spTree>
+      <p:nvGrpSpPr>
+        <p:cNvPr id="1" name=""/>
+        <p:cNvGrpSpPr/>
+        <p:nvPr/>
+      </p:nvGrpSpPr>
+      <p:grpSpPr>
+        <a:xfrm>
+          <a:off x="0" y="0"/>
+          <a:ext cx="0" cy="0"/>
+          <a:chOff x="0" y="0"/>
+          <a:chExt cx="0" cy="0"/>
+        </a:xfrm>
+      </p:grpSpPr>
+      <p:pic>
+        <p:nvPicPr>
+          <p:cNvPr id="5" name="Picture 4"/>
+          <p:cNvPicPr>
+            <a:picLocks noChangeAspect="1"/>
+          </p:cNvPicPr>
+          <p:nvPr/>
+        </p:nvPicPr>
+        <p:blipFill>
+          <a:blip r:embed="rId2">
+            <a:extLst>
+              <a:ext uri="{28A0092B-C50C-407E-A947-70E740481C1C}">
+                <a14:useLocalDpi xmlns:a14="http://schemas.microsoft.com/office/drawing/2010/main" val="0"/>
+              </a:ext>
+            </a:extLst>
+          </a:blip>
+          <a:stretch>
+            <a:fillRect/>
+          </a:stretch>
+        </p:blipFill>
+        <p:spPr>
+          <a:xfrm>
+            <a:off x="1166648" y="252248"/>
+            <a:ext cx="9616966" cy="5517931"/>
+          </a:xfrm>
+          <a:prstGeom prst="rect">
+            <a:avLst/>
+          </a:prstGeom>
+        </p:spPr>
+      </p:pic>
+      <p:sp>
+        <p:nvSpPr>
+          <p:cNvPr id="7" name="TextBox 6"/>
+          <p:cNvSpPr txBox="1"/>
+          <p:nvPr/>
+        </p:nvSpPr>
+        <p:spPr>
+          <a:xfrm>
+            <a:off x="3468414" y="6085490"/>
+            <a:ext cx="5948167" cy="553998"/>
+          </a:xfrm>
+          <a:prstGeom prst="rect">
+            <a:avLst/>
+          </a:prstGeom>
+          <a:noFill/>
+        </p:spPr>
+        <p:txBody>
+          <a:bodyPr wrap="none" rtlCol="0">
+            <a:spAutoFit/>
+          </a:bodyPr>
+          <a:lstStyle/>
+          <a:p>
+            <a:r>
+              <a:rPr lang="en-US" sz="3000" smtClean="0">
+                <a:latin typeface="Gill Sans" charset="0"/>
+                <a:ea typeface="Gill Sans" charset="0"/>
+                <a:cs typeface="Gill Sans" charset="0"/>
+              </a:rPr>
+              <a:t>Temperature </a:t>
+            </a:r>
+            <a:r>
+              <a:rPr lang="en-US" sz="3000" dirty="0" smtClean="0">
+                <a:latin typeface="Gill Sans" charset="0"/>
+                <a:ea typeface="Gill Sans" charset="0"/>
+                <a:cs typeface="Gill Sans" charset="0"/>
+              </a:rPr>
+              <a:t>distribution </a:t>
+            </a:r>
+            <a:r>
+              <a:rPr lang="en-US" sz="3000" smtClean="0">
+                <a:latin typeface="Gill Sans" charset="0"/>
+                <a:ea typeface="Gill Sans" charset="0"/>
+                <a:cs typeface="Gill Sans" charset="0"/>
+              </a:rPr>
+              <a:t>inside walls</a:t>
+            </a:r>
+            <a:endParaRPr lang="en-US" sz="3000">
+              <a:latin typeface="Gill Sans" charset="0"/>
+              <a:ea typeface="Gill Sans" charset="0"/>
+              <a:cs typeface="Gill Sans" charset="0"/>
+            </a:endParaRPr>
+          </a:p>
+        </p:txBody>
+      </p:sp>
+    </p:spTree>
+    <p:extLst>
+      <p:ext uri="{BB962C8B-B14F-4D97-AF65-F5344CB8AC3E}">
+        <p14:creationId xmlns:p14="http://schemas.microsoft.com/office/powerpoint/2010/main" val="380375021"/>
       </p:ext>
     </p:extLst>
   </p:cSld>
@@ -6376,8 +6041,8 @@
         </p:blipFill>
         <p:spPr>
           <a:xfrm>
-            <a:off x="1166648" y="252248"/>
-            <a:ext cx="9616966" cy="5517931"/>
+            <a:off x="867103" y="167115"/>
+            <a:ext cx="9979573" cy="5366582"/>
           </a:xfrm>
           <a:prstGeom prst="rect">
             <a:avLst/>
@@ -6392,8 +6057,8 @@
         </p:nvSpPr>
         <p:spPr>
           <a:xfrm>
-            <a:off x="3468414" y="6085490"/>
-            <a:ext cx="5948167" cy="553998"/>
+            <a:off x="3279228" y="6006663"/>
+            <a:ext cx="6074805" cy="553998"/>
           </a:xfrm>
           <a:prstGeom prst="rect">
             <a:avLst/>
@@ -6407,30 +6072,14 @@
           <a:lstStyle/>
           <a:p>
             <a:r>
-              <a:rPr lang="en-US" sz="3000" smtClean="0">
-                <a:latin typeface="Gill Sans" charset="0"/>
-                <a:ea typeface="Gill Sans" charset="0"/>
-                <a:cs typeface="Gill Sans" charset="0"/>
-              </a:rPr>
-              <a:t>Temperature </a:t>
-            </a:r>
-            <a:r>
               <a:rPr lang="en-US" sz="3000" dirty="0" smtClean="0">
                 <a:latin typeface="Gill Sans" charset="0"/>
                 <a:ea typeface="Gill Sans" charset="0"/>
                 <a:cs typeface="Gill Sans" charset="0"/>
               </a:rPr>
-              <a:t>distribution </a:t>
-            </a:r>
-            <a:r>
-              <a:rPr lang="en-US" sz="3000" smtClean="0">
-                <a:latin typeface="Gill Sans" charset="0"/>
-                <a:ea typeface="Gill Sans" charset="0"/>
-                <a:cs typeface="Gill Sans" charset="0"/>
-              </a:rPr>
-              <a:t>inside walls</a:t>
-            </a:r>
-            <a:endParaRPr lang="en-US" sz="3000">
+              <a:t>Temperature distribution inside home</a:t>
+            </a:r>
+            <a:endParaRPr lang="en-US" sz="3000" dirty="0">
               <a:latin typeface="Gill Sans" charset="0"/>
               <a:ea typeface="Gill Sans" charset="0"/>
               <a:cs typeface="Gill Sans" charset="0"/>
@@ -6441,7 +6090,7 @@
     </p:spTree>
     <p:extLst>
       <p:ext uri="{BB962C8B-B14F-4D97-AF65-F5344CB8AC3E}">
-        <p14:creationId xmlns:p14="http://schemas.microsoft.com/office/powerpoint/2010/main" val="380375021"/>
+        <p14:creationId xmlns:p14="http://schemas.microsoft.com/office/powerpoint/2010/main" val="639193203"/>
       </p:ext>
     </p:extLst>
   </p:cSld>
@@ -6497,8 +6146,8 @@
         </p:blipFill>
         <p:spPr>
           <a:xfrm>
-            <a:off x="867103" y="167115"/>
-            <a:ext cx="9979573" cy="5366582"/>
+            <a:off x="299545" y="0"/>
+            <a:ext cx="11461531" cy="5486400"/>
           </a:xfrm>
           <a:prstGeom prst="rect">
             <a:avLst/>
@@ -6513,8 +6162,8 @@
         </p:nvSpPr>
         <p:spPr>
           <a:xfrm>
-            <a:off x="3279228" y="6006663"/>
-            <a:ext cx="6074805" cy="553998"/>
+            <a:off x="4382814" y="5880538"/>
+            <a:ext cx="4085477" cy="553998"/>
           </a:xfrm>
           <a:prstGeom prst="rect">
             <a:avLst/>
@@ -6533,7 +6182,7 @@
                 <a:ea typeface="Gill Sans" charset="0"/>
                 <a:cs typeface="Gill Sans" charset="0"/>
               </a:rPr>
-              <a:t>Temperature distribution inside home</a:t>
+              <a:t>Temperature distribution</a:t>
             </a:r>
             <a:endParaRPr lang="en-US" sz="3000" dirty="0">
               <a:latin typeface="Gill Sans" charset="0"/>
@@ -6546,7 +6195,7 @@
     </p:spTree>
     <p:extLst>
       <p:ext uri="{BB962C8B-B14F-4D97-AF65-F5344CB8AC3E}">
-        <p14:creationId xmlns:p14="http://schemas.microsoft.com/office/powerpoint/2010/main" val="639193203"/>
+        <p14:creationId xmlns:p14="http://schemas.microsoft.com/office/powerpoint/2010/main" val="255047727"/>
       </p:ext>
     </p:extLst>
   </p:cSld>

--- a/poster/poster_v1.1.pptx
+++ b/poster/poster_v1.1.pptx
@@ -6,18 +6,23 @@
   </p:sldMasterIdLst>
   <p:sldIdLst>
     <p:sldId id="266" r:id="rId2"/>
-    <p:sldId id="273" r:id="rId3"/>
-    <p:sldId id="274" r:id="rId4"/>
-    <p:sldId id="275" r:id="rId5"/>
+    <p:sldId id="267" r:id="rId3"/>
+    <p:sldId id="270" r:id="rId4"/>
+    <p:sldId id="272" r:id="rId5"/>
     <p:sldId id="257" r:id="rId6"/>
     <p:sldId id="258" r:id="rId7"/>
-    <p:sldId id="259" r:id="rId8"/>
-    <p:sldId id="260" r:id="rId9"/>
-    <p:sldId id="261" r:id="rId10"/>
-    <p:sldId id="262" r:id="rId11"/>
-    <p:sldId id="263" r:id="rId12"/>
-    <p:sldId id="264" r:id="rId13"/>
-    <p:sldId id="265" r:id="rId14"/>
+    <p:sldId id="276" r:id="rId8"/>
+    <p:sldId id="273" r:id="rId9"/>
+    <p:sldId id="274" r:id="rId10"/>
+    <p:sldId id="275" r:id="rId11"/>
+    <p:sldId id="259" r:id="rId12"/>
+    <p:sldId id="277" r:id="rId13"/>
+    <p:sldId id="278" r:id="rId14"/>
+    <p:sldId id="260" r:id="rId15"/>
+    <p:sldId id="261" r:id="rId16"/>
+    <p:sldId id="262" r:id="rId17"/>
+    <p:sldId id="263" r:id="rId18"/>
+    <p:sldId id="264" r:id="rId19"/>
   </p:sldIdLst>
   <p:sldSz cx="12192000" cy="6858000"/>
   <p:notesSz cx="6858000" cy="9144000"/>
@@ -116,11 +121,6 @@
       </a:defRPr>
     </a:lvl9pPr>
   </p:defaultTextStyle>
-  <p:extLst>
-    <p:ext uri="{EFAFB233-063F-42B5-8137-9DF3F51BA10A}">
-      <p15:sldGuideLst xmlns:p15="http://schemas.microsoft.com/office/powerpoint/2012/main"/>
-    </p:ext>
-  </p:extLst>
 </p:presentation>
 </file>
 
@@ -255,7 +255,7 @@
           <a:p>
             <a:fld id="{E6A06E72-5909-FF4E-943B-E6CF64417499}" type="datetimeFigureOut">
               <a:rPr lang="en-US" smtClean="0"/>
-              <a:t>5/1/2018</a:t>
+              <a:t>4/30/18</a:t>
             </a:fld>
             <a:endParaRPr lang="en-US"/>
           </a:p>
@@ -425,7 +425,7 @@
           <a:p>
             <a:fld id="{E6A06E72-5909-FF4E-943B-E6CF64417499}" type="datetimeFigureOut">
               <a:rPr lang="en-US" smtClean="0"/>
-              <a:t>5/1/2018</a:t>
+              <a:t>4/30/18</a:t>
             </a:fld>
             <a:endParaRPr lang="en-US"/>
           </a:p>
@@ -605,7 +605,7 @@
           <a:p>
             <a:fld id="{E6A06E72-5909-FF4E-943B-E6CF64417499}" type="datetimeFigureOut">
               <a:rPr lang="en-US" smtClean="0"/>
-              <a:t>5/1/2018</a:t>
+              <a:t>4/30/18</a:t>
             </a:fld>
             <a:endParaRPr lang="en-US"/>
           </a:p>
@@ -775,7 +775,7 @@
           <a:p>
             <a:fld id="{E6A06E72-5909-FF4E-943B-E6CF64417499}" type="datetimeFigureOut">
               <a:rPr lang="en-US" smtClean="0"/>
-              <a:t>5/1/2018</a:t>
+              <a:t>4/30/18</a:t>
             </a:fld>
             <a:endParaRPr lang="en-US"/>
           </a:p>
@@ -1021,7 +1021,7 @@
           <a:p>
             <a:fld id="{E6A06E72-5909-FF4E-943B-E6CF64417499}" type="datetimeFigureOut">
               <a:rPr lang="en-US" smtClean="0"/>
-              <a:t>5/1/2018</a:t>
+              <a:t>4/30/18</a:t>
             </a:fld>
             <a:endParaRPr lang="en-US"/>
           </a:p>
@@ -1253,7 +1253,7 @@
           <a:p>
             <a:fld id="{E6A06E72-5909-FF4E-943B-E6CF64417499}" type="datetimeFigureOut">
               <a:rPr lang="en-US" smtClean="0"/>
-              <a:t>5/1/2018</a:t>
+              <a:t>4/30/18</a:t>
             </a:fld>
             <a:endParaRPr lang="en-US"/>
           </a:p>
@@ -1620,7 +1620,7 @@
           <a:p>
             <a:fld id="{E6A06E72-5909-FF4E-943B-E6CF64417499}" type="datetimeFigureOut">
               <a:rPr lang="en-US" smtClean="0"/>
-              <a:t>5/1/2018</a:t>
+              <a:t>4/30/18</a:t>
             </a:fld>
             <a:endParaRPr lang="en-US"/>
           </a:p>
@@ -1738,7 +1738,7 @@
           <a:p>
             <a:fld id="{E6A06E72-5909-FF4E-943B-E6CF64417499}" type="datetimeFigureOut">
               <a:rPr lang="en-US" smtClean="0"/>
-              <a:t>5/1/2018</a:t>
+              <a:t>4/30/18</a:t>
             </a:fld>
             <a:endParaRPr lang="en-US"/>
           </a:p>
@@ -1833,7 +1833,7 @@
           <a:p>
             <a:fld id="{E6A06E72-5909-FF4E-943B-E6CF64417499}" type="datetimeFigureOut">
               <a:rPr lang="en-US" smtClean="0"/>
-              <a:t>5/1/2018</a:t>
+              <a:t>4/30/18</a:t>
             </a:fld>
             <a:endParaRPr lang="en-US"/>
           </a:p>
@@ -2110,7 +2110,7 @@
           <a:p>
             <a:fld id="{E6A06E72-5909-FF4E-943B-E6CF64417499}" type="datetimeFigureOut">
               <a:rPr lang="en-US" smtClean="0"/>
-              <a:t>5/1/2018</a:t>
+              <a:t>4/30/18</a:t>
             </a:fld>
             <a:endParaRPr lang="en-US"/>
           </a:p>
@@ -2363,7 +2363,7 @@
           <a:p>
             <a:fld id="{E6A06E72-5909-FF4E-943B-E6CF64417499}" type="datetimeFigureOut">
               <a:rPr lang="en-US" smtClean="0"/>
-              <a:t>5/1/2018</a:t>
+              <a:t>4/30/18</a:t>
             </a:fld>
             <a:endParaRPr lang="en-US"/>
           </a:p>
@@ -2576,7 +2576,7 @@
           <a:p>
             <a:fld id="{E6A06E72-5909-FF4E-943B-E6CF64417499}" type="datetimeFigureOut">
               <a:rPr lang="en-US" smtClean="0"/>
-              <a:t>5/1/2018</a:t>
+              <a:t>4/30/18</a:t>
             </a:fld>
             <a:endParaRPr lang="en-US"/>
           </a:p>
@@ -2993,8 +2993,8 @@
         </p:nvSpPr>
         <p:spPr>
           <a:xfrm>
-            <a:off x="0" y="0"/>
-            <a:ext cx="12192000" cy="2081719"/>
+            <a:off x="204952" y="0"/>
+            <a:ext cx="11603420" cy="1466193"/>
           </a:xfrm>
         </p:spPr>
         <p:txBody>
@@ -3004,15 +3004,23 @@
           <a:lstStyle/>
           <a:p>
             <a:r>
-              <a:rPr lang="en-US" sz="6400" b="1" dirty="0" smtClean="0">
-                <a:latin typeface="Helvetica Neue"/>
+              <a:rPr lang="en-US" sz="6400" dirty="0" smtClean="0">
+                <a:latin typeface="Helvetica Neue" charset="0"/>
+                <a:ea typeface="Helvetica Neue" charset="0"/>
+                <a:cs typeface="Helvetica Neue" charset="0"/>
+              </a:rPr>
+              <a:t>  </a:t>
+            </a:r>
+            <a:r>
+              <a:rPr lang="en-US" sz="6400" dirty="0" smtClean="0">
+                <a:latin typeface="Gill Sans" charset="0"/>
                 <a:ea typeface="Gill Sans" charset="0"/>
                 <a:cs typeface="Gill Sans" charset="0"/>
               </a:rPr>
-              <a:t>Housing Structural Heat Analysis</a:t>
-            </a:r>
-            <a:endParaRPr lang="en-US" sz="6400" b="1" dirty="0" smtClean="0">
-              <a:latin typeface="Helvetica Neue"/>
+              <a:t>Heat diffusion in homes </a:t>
+            </a:r>
+            <a:endParaRPr lang="en-US" sz="6400" dirty="0" smtClean="0">
+              <a:latin typeface="Gill Sans" charset="0"/>
               <a:ea typeface="Gill Sans" charset="0"/>
               <a:cs typeface="Gill Sans" charset="0"/>
             </a:endParaRPr>
@@ -3031,104 +3039,54 @@
         </p:nvSpPr>
         <p:spPr>
           <a:xfrm>
-            <a:off x="1" y="2568099"/>
-            <a:ext cx="12192000" cy="4299625"/>
+            <a:off x="204951" y="3602038"/>
+            <a:ext cx="11256579" cy="1947424"/>
           </a:xfrm>
         </p:spPr>
         <p:txBody>
           <a:bodyPr>
-            <a:normAutofit/>
+            <a:normAutofit fontScale="85000" lnSpcReduction="20000"/>
           </a:bodyPr>
           <a:lstStyle/>
           <a:p>
             <a:r>
-              <a:rPr lang="en-US" sz="4200" u="sng" dirty="0" smtClean="0">
-                <a:latin typeface="Helvetica Neue"/>
-              </a:rPr>
-              <a:t>Authors</a:t>
-            </a:r>
-            <a:r>
-              <a:rPr lang="en-US" sz="4200" dirty="0" smtClean="0">
-                <a:latin typeface="Helvetica Neue"/>
-              </a:rPr>
-              <a:t>:</a:t>
-            </a:r>
-          </a:p>
-          <a:p>
-            <a:r>
-              <a:rPr lang="en-US" sz="4200" dirty="0" smtClean="0">
-                <a:latin typeface="Helvetica Neue"/>
-              </a:rPr>
-              <a:t>Marko Gonzales, </a:t>
-            </a:r>
-            <a:r>
-              <a:rPr lang="en-US" sz="4200" dirty="0" err="1" smtClean="0">
-                <a:latin typeface="Helvetica Neue"/>
-              </a:rPr>
+              <a:rPr lang="en-US" sz="4400" dirty="0" smtClean="0"/>
+              <a:t>Authors: Milan Patel, Gonzales Marko, </a:t>
+            </a:r>
+            <a:r>
+              <a:rPr lang="en-US" sz="4400" dirty="0" err="1" smtClean="0"/>
               <a:t>Zhichao</a:t>
             </a:r>
             <a:r>
-              <a:rPr lang="en-US" sz="4200" dirty="0" smtClean="0">
-                <a:latin typeface="Helvetica Neue"/>
-              </a:rPr>
-              <a:t> </a:t>
-            </a:r>
-            <a:r>
-              <a:rPr lang="en-US" sz="4200" dirty="0">
-                <a:latin typeface="Helvetica Neue"/>
-              </a:rPr>
-              <a:t>Ma, Milan </a:t>
-            </a:r>
-            <a:r>
-              <a:rPr lang="en-US" sz="4200" dirty="0" smtClean="0">
-                <a:latin typeface="Helvetica Neue"/>
-              </a:rPr>
-              <a:t>Patel</a:t>
-            </a:r>
+              <a:rPr lang="en-US" sz="4400" dirty="0" smtClean="0"/>
+              <a:t> Ma  </a:t>
+            </a:r>
+          </a:p>
+          <a:p>
+            <a:endParaRPr lang="en-US" sz="4400" dirty="0" smtClean="0"/>
+          </a:p>
+          <a:p>
+            <a:r>
+              <a:rPr lang="en-US" sz="4400" dirty="0" smtClean="0"/>
+              <a:t>URL: https://</a:t>
+            </a:r>
+            <a:r>
+              <a:rPr lang="en-US" sz="4400" dirty="0" err="1" smtClean="0"/>
+              <a:t>github.com</a:t>
+            </a:r>
+            <a:r>
+              <a:rPr lang="en-US" sz="4400" dirty="0" smtClean="0"/>
+              <a:t>/ASU-CompMethodsPhysics-PHY494/final-2018-494_heat_wizards</a:t>
+            </a:r>
+          </a:p>
+          <a:p>
+            <a:endParaRPr lang="en-US" sz="4400" dirty="0" smtClean="0"/>
+          </a:p>
+          <a:p>
             <a:endParaRPr lang="en-US" sz="4200" dirty="0">
-              <a:latin typeface="Helvetica Neue"/>
-            </a:endParaRPr>
-          </a:p>
-          <a:p>
-            <a:endParaRPr lang="en-US" sz="4200" dirty="0" smtClean="0">
-              <a:latin typeface="Helvetica Neue"/>
-            </a:endParaRPr>
-          </a:p>
-          <a:p>
-            <a:r>
-              <a:rPr lang="en-US" sz="4200" u="sng" dirty="0" smtClean="0">
-                <a:latin typeface="Helvetica Neue"/>
-              </a:rPr>
-              <a:t>Code Repository URL</a:t>
-            </a:r>
-            <a:r>
-              <a:rPr lang="en-US" sz="4200" dirty="0" smtClean="0">
-                <a:latin typeface="Helvetica Neue"/>
-              </a:rPr>
-              <a:t>:</a:t>
-            </a:r>
-          </a:p>
-          <a:p>
-            <a:r>
-              <a:rPr lang="en-US" sz="4200" dirty="0" smtClean="0">
-                <a:latin typeface="Helvetica Neue"/>
-              </a:rPr>
-              <a:t>https</a:t>
-            </a:r>
-            <a:r>
-              <a:rPr lang="en-US" sz="4200" dirty="0" smtClean="0">
-                <a:latin typeface="Helvetica Neue"/>
-              </a:rPr>
-              <a:t>://</a:t>
-            </a:r>
-            <a:r>
-              <a:rPr lang="en-US" sz="4200" dirty="0" smtClean="0">
-                <a:latin typeface="Helvetica Neue"/>
-              </a:rPr>
-              <a:t>github.com/ASU-CompMethodsPhysics-PHY494/final-2018-494_heat_wizards</a:t>
-            </a:r>
-            <a:endParaRPr lang="en-US" sz="4200" dirty="0" smtClean="0">
-              <a:latin typeface="Helvetica Neue"/>
+              <a:latin typeface="Gill Sans" charset="0"/>
+              <a:ea typeface="Gill Sans" charset="0"/>
+              <a:cs typeface="Gill Sans" charset="0"/>
             </a:endParaRPr>
           </a:p>
         </p:txBody>
@@ -3154,6 +3112,708 @@
 </file>
 
 <file path=ppt/slides/slide10.xml><?xml version="1.0" encoding="utf-8"?>
+<p:sld xmlns:a="http://schemas.openxmlformats.org/drawingml/2006/main" xmlns:r="http://schemas.openxmlformats.org/officeDocument/2006/relationships" xmlns:p="http://schemas.openxmlformats.org/presentationml/2006/main">
+  <p:cSld>
+    <p:spTree>
+      <p:nvGrpSpPr>
+        <p:cNvPr id="1" name=""/>
+        <p:cNvGrpSpPr/>
+        <p:nvPr/>
+      </p:nvGrpSpPr>
+      <p:grpSpPr>
+        <a:xfrm>
+          <a:off x="0" y="0"/>
+          <a:ext cx="0" cy="0"/>
+          <a:chOff x="0" y="0"/>
+          <a:chExt cx="0" cy="0"/>
+        </a:xfrm>
+      </p:grpSpPr>
+      <p:pic>
+        <p:nvPicPr>
+          <p:cNvPr id="2" name="Picture 1"/>
+          <p:cNvPicPr>
+            <a:picLocks noChangeAspect="1"/>
+          </p:cNvPicPr>
+          <p:nvPr/>
+        </p:nvPicPr>
+        <p:blipFill>
+          <a:blip r:embed="rId2">
+            <a:extLst>
+              <a:ext uri="{28A0092B-C50C-407E-A947-70E740481C1C}">
+                <a14:useLocalDpi xmlns:a14="http://schemas.microsoft.com/office/drawing/2010/main" val="0"/>
+              </a:ext>
+            </a:extLst>
+          </a:blip>
+          <a:stretch>
+            <a:fillRect/>
+          </a:stretch>
+        </p:blipFill>
+        <p:spPr>
+          <a:xfrm>
+            <a:off x="0" y="110359"/>
+            <a:ext cx="11934497" cy="5580993"/>
+          </a:xfrm>
+          <a:prstGeom prst="rect">
+            <a:avLst/>
+          </a:prstGeom>
+        </p:spPr>
+      </p:pic>
+      <p:sp>
+        <p:nvSpPr>
+          <p:cNvPr id="3" name="TextBox 2"/>
+          <p:cNvSpPr txBox="1"/>
+          <p:nvPr/>
+        </p:nvSpPr>
+        <p:spPr>
+          <a:xfrm>
+            <a:off x="3058511" y="5979705"/>
+            <a:ext cx="6466707" cy="830997"/>
+          </a:xfrm>
+          <a:prstGeom prst="rect">
+            <a:avLst/>
+          </a:prstGeom>
+          <a:noFill/>
+        </p:spPr>
+        <p:txBody>
+          <a:bodyPr wrap="none" rtlCol="0">
+            <a:spAutoFit/>
+          </a:bodyPr>
+          <a:lstStyle/>
+          <a:p>
+            <a:r>
+              <a:rPr lang="en-US" sz="3000" dirty="0" smtClean="0">
+                <a:latin typeface="Gill Sans" charset="0"/>
+                <a:ea typeface="Gill Sans" charset="0"/>
+                <a:cs typeface="Gill Sans" charset="0"/>
+              </a:rPr>
+              <a:t>2-D Temperature distribution for Wood </a:t>
+            </a:r>
+          </a:p>
+          <a:p>
+            <a:endParaRPr lang="en-US" dirty="0"/>
+          </a:p>
+        </p:txBody>
+      </p:sp>
+    </p:spTree>
+    <p:extLst>
+      <p:ext uri="{BB962C8B-B14F-4D97-AF65-F5344CB8AC3E}">
+        <p14:creationId xmlns:p14="http://schemas.microsoft.com/office/powerpoint/2010/main" val="122989837"/>
+      </p:ext>
+    </p:extLst>
+  </p:cSld>
+  <p:clrMapOvr>
+    <a:masterClrMapping/>
+  </p:clrMapOvr>
+  <p:timing>
+    <p:tnLst>
+      <p:par>
+        <p:cTn id="1" dur="indefinite" restart="never" nodeType="tmRoot"/>
+      </p:par>
+    </p:tnLst>
+  </p:timing>
+</p:sld>
+</file>
+
+<file path=ppt/slides/slide11.xml><?xml version="1.0" encoding="utf-8"?>
+<p:sld xmlns:a="http://schemas.openxmlformats.org/drawingml/2006/main" xmlns:r="http://schemas.openxmlformats.org/officeDocument/2006/relationships" xmlns:p="http://schemas.openxmlformats.org/presentationml/2006/main">
+  <p:cSld>
+    <p:spTree>
+      <p:nvGrpSpPr>
+        <p:cNvPr id="1" name=""/>
+        <p:cNvGrpSpPr/>
+        <p:nvPr/>
+      </p:nvGrpSpPr>
+      <p:grpSpPr>
+        <a:xfrm>
+          <a:off x="0" y="0"/>
+          <a:ext cx="0" cy="0"/>
+          <a:chOff x="0" y="0"/>
+          <a:chExt cx="0" cy="0"/>
+        </a:xfrm>
+      </p:grpSpPr>
+      <p:pic>
+        <p:nvPicPr>
+          <p:cNvPr id="5" name="Picture 4"/>
+          <p:cNvPicPr>
+            <a:picLocks noChangeAspect="1"/>
+          </p:cNvPicPr>
+          <p:nvPr/>
+        </p:nvPicPr>
+        <p:blipFill>
+          <a:blip r:embed="rId2">
+            <a:extLst>
+              <a:ext uri="{28A0092B-C50C-407E-A947-70E740481C1C}">
+                <a14:useLocalDpi xmlns:a14="http://schemas.microsoft.com/office/drawing/2010/main" val="0"/>
+              </a:ext>
+            </a:extLst>
+          </a:blip>
+          <a:stretch>
+            <a:fillRect/>
+          </a:stretch>
+        </p:blipFill>
+        <p:spPr>
+          <a:xfrm>
+            <a:off x="331076" y="252248"/>
+            <a:ext cx="11477296" cy="5833242"/>
+          </a:xfrm>
+          <a:prstGeom prst="rect">
+            <a:avLst/>
+          </a:prstGeom>
+        </p:spPr>
+      </p:pic>
+      <p:sp>
+        <p:nvSpPr>
+          <p:cNvPr id="7" name="TextBox 6"/>
+          <p:cNvSpPr txBox="1"/>
+          <p:nvPr/>
+        </p:nvSpPr>
+        <p:spPr>
+          <a:xfrm>
+            <a:off x="3468414" y="6085490"/>
+            <a:ext cx="5948167" cy="553998"/>
+          </a:xfrm>
+          <a:prstGeom prst="rect">
+            <a:avLst/>
+          </a:prstGeom>
+          <a:noFill/>
+        </p:spPr>
+        <p:txBody>
+          <a:bodyPr wrap="none" rtlCol="0">
+            <a:spAutoFit/>
+          </a:bodyPr>
+          <a:lstStyle/>
+          <a:p>
+            <a:r>
+              <a:rPr lang="en-US" sz="3000" smtClean="0">
+                <a:latin typeface="Gill Sans" charset="0"/>
+                <a:ea typeface="Gill Sans" charset="0"/>
+                <a:cs typeface="Gill Sans" charset="0"/>
+              </a:rPr>
+              <a:t>Temperature </a:t>
+            </a:r>
+            <a:r>
+              <a:rPr lang="en-US" sz="3000" dirty="0" smtClean="0">
+                <a:latin typeface="Gill Sans" charset="0"/>
+                <a:ea typeface="Gill Sans" charset="0"/>
+                <a:cs typeface="Gill Sans" charset="0"/>
+              </a:rPr>
+              <a:t>distribution </a:t>
+            </a:r>
+            <a:r>
+              <a:rPr lang="en-US" sz="3000" smtClean="0">
+                <a:latin typeface="Gill Sans" charset="0"/>
+                <a:ea typeface="Gill Sans" charset="0"/>
+                <a:cs typeface="Gill Sans" charset="0"/>
+              </a:rPr>
+              <a:t>inside walls</a:t>
+            </a:r>
+            <a:endParaRPr lang="en-US" sz="3000">
+              <a:latin typeface="Gill Sans" charset="0"/>
+              <a:ea typeface="Gill Sans" charset="0"/>
+              <a:cs typeface="Gill Sans" charset="0"/>
+            </a:endParaRPr>
+          </a:p>
+        </p:txBody>
+      </p:sp>
+    </p:spTree>
+    <p:extLst>
+      <p:ext uri="{BB962C8B-B14F-4D97-AF65-F5344CB8AC3E}">
+        <p14:creationId xmlns:p14="http://schemas.microsoft.com/office/powerpoint/2010/main" val="380375021"/>
+      </p:ext>
+    </p:extLst>
+  </p:cSld>
+  <p:clrMapOvr>
+    <a:masterClrMapping/>
+  </p:clrMapOvr>
+  <p:timing>
+    <p:tnLst>
+      <p:par>
+        <p:cTn id="1" dur="indefinite" restart="never" nodeType="tmRoot"/>
+      </p:par>
+    </p:tnLst>
+  </p:timing>
+</p:sld>
+</file>
+
+<file path=ppt/slides/slide12.xml><?xml version="1.0" encoding="utf-8"?>
+<p:sld xmlns:a="http://schemas.openxmlformats.org/drawingml/2006/main" xmlns:r="http://schemas.openxmlformats.org/officeDocument/2006/relationships" xmlns:p="http://schemas.openxmlformats.org/presentationml/2006/main">
+  <p:cSld>
+    <p:spTree>
+      <p:nvGrpSpPr>
+        <p:cNvPr id="1" name=""/>
+        <p:cNvGrpSpPr/>
+        <p:nvPr/>
+      </p:nvGrpSpPr>
+      <p:grpSpPr>
+        <a:xfrm>
+          <a:off x="0" y="0"/>
+          <a:ext cx="0" cy="0"/>
+          <a:chOff x="0" y="0"/>
+          <a:chExt cx="0" cy="0"/>
+        </a:xfrm>
+      </p:grpSpPr>
+      <p:pic>
+        <p:nvPicPr>
+          <p:cNvPr id="4" name="Picture 3"/>
+          <p:cNvPicPr>
+            <a:picLocks noChangeAspect="1"/>
+          </p:cNvPicPr>
+          <p:nvPr/>
+        </p:nvPicPr>
+        <p:blipFill>
+          <a:blip r:embed="rId2">
+            <a:extLst>
+              <a:ext uri="{28A0092B-C50C-407E-A947-70E740481C1C}">
+                <a14:useLocalDpi xmlns:a14="http://schemas.microsoft.com/office/drawing/2010/main" val="0"/>
+              </a:ext>
+            </a:extLst>
+          </a:blip>
+          <a:stretch>
+            <a:fillRect/>
+          </a:stretch>
+        </p:blipFill>
+        <p:spPr>
+          <a:xfrm>
+            <a:off x="0" y="0"/>
+            <a:ext cx="5852160" cy="4808483"/>
+          </a:xfrm>
+          <a:prstGeom prst="rect">
+            <a:avLst/>
+          </a:prstGeom>
+        </p:spPr>
+      </p:pic>
+      <p:pic>
+        <p:nvPicPr>
+          <p:cNvPr id="6" name="Picture 5"/>
+          <p:cNvPicPr>
+            <a:picLocks noChangeAspect="1"/>
+          </p:cNvPicPr>
+          <p:nvPr/>
+        </p:nvPicPr>
+        <p:blipFill>
+          <a:blip r:embed="rId3">
+            <a:extLst>
+              <a:ext uri="{28A0092B-C50C-407E-A947-70E740481C1C}">
+                <a14:useLocalDpi xmlns:a14="http://schemas.microsoft.com/office/drawing/2010/main" val="0"/>
+              </a:ext>
+            </a:extLst>
+          </a:blip>
+          <a:stretch>
+            <a:fillRect/>
+          </a:stretch>
+        </p:blipFill>
+        <p:spPr>
+          <a:xfrm>
+            <a:off x="5852159" y="0"/>
+            <a:ext cx="6208461" cy="4808483"/>
+          </a:xfrm>
+          <a:prstGeom prst="rect">
+            <a:avLst/>
+          </a:prstGeom>
+        </p:spPr>
+      </p:pic>
+      <p:sp>
+        <p:nvSpPr>
+          <p:cNvPr id="7" name="TextBox 6"/>
+          <p:cNvSpPr txBox="1"/>
+          <p:nvPr/>
+        </p:nvSpPr>
+        <p:spPr>
+          <a:xfrm>
+            <a:off x="1554480" y="5454870"/>
+            <a:ext cx="9610773" cy="830997"/>
+          </a:xfrm>
+          <a:prstGeom prst="rect">
+            <a:avLst/>
+          </a:prstGeom>
+          <a:noFill/>
+        </p:spPr>
+        <p:txBody>
+          <a:bodyPr wrap="none" rtlCol="0">
+            <a:spAutoFit/>
+          </a:bodyPr>
+          <a:lstStyle/>
+          <a:p>
+            <a:r>
+              <a:rPr lang="en-US" sz="3000" dirty="0" smtClean="0">
+                <a:latin typeface="Gill Sans" charset="0"/>
+                <a:ea typeface="Gill Sans" charset="0"/>
+                <a:cs typeface="Gill Sans" charset="0"/>
+              </a:rPr>
+              <a:t>2-D Temperature distributions for air (left),  &amp; copper (right)</a:t>
+            </a:r>
+          </a:p>
+          <a:p>
+            <a:endParaRPr lang="en-US" dirty="0"/>
+          </a:p>
+        </p:txBody>
+      </p:sp>
+    </p:spTree>
+    <p:extLst>
+      <p:ext uri="{BB962C8B-B14F-4D97-AF65-F5344CB8AC3E}">
+        <p14:creationId xmlns:p14="http://schemas.microsoft.com/office/powerpoint/2010/main" val="1028860819"/>
+      </p:ext>
+    </p:extLst>
+  </p:cSld>
+  <p:clrMapOvr>
+    <a:masterClrMapping/>
+  </p:clrMapOvr>
+  <p:timing>
+    <p:tnLst>
+      <p:par>
+        <p:cTn id="1" dur="indefinite" restart="never" nodeType="tmRoot"/>
+      </p:par>
+    </p:tnLst>
+  </p:timing>
+</p:sld>
+</file>
+
+<file path=ppt/slides/slide13.xml><?xml version="1.0" encoding="utf-8"?>
+<p:sld xmlns:a="http://schemas.openxmlformats.org/drawingml/2006/main" xmlns:r="http://schemas.openxmlformats.org/officeDocument/2006/relationships" xmlns:p="http://schemas.openxmlformats.org/presentationml/2006/main">
+  <p:cSld>
+    <p:spTree>
+      <p:nvGrpSpPr>
+        <p:cNvPr id="1" name=""/>
+        <p:cNvGrpSpPr/>
+        <p:nvPr/>
+      </p:nvGrpSpPr>
+      <p:grpSpPr>
+        <a:xfrm>
+          <a:off x="0" y="0"/>
+          <a:ext cx="0" cy="0"/>
+          <a:chOff x="0" y="0"/>
+          <a:chExt cx="0" cy="0"/>
+        </a:xfrm>
+      </p:grpSpPr>
+      <p:pic>
+        <p:nvPicPr>
+          <p:cNvPr id="3" name="Picture 2"/>
+          <p:cNvPicPr>
+            <a:picLocks noChangeAspect="1"/>
+          </p:cNvPicPr>
+          <p:nvPr/>
+        </p:nvPicPr>
+        <p:blipFill>
+          <a:blip r:embed="rId2">
+            <a:extLst>
+              <a:ext uri="{28A0092B-C50C-407E-A947-70E740481C1C}">
+                <a14:useLocalDpi xmlns:a14="http://schemas.microsoft.com/office/drawing/2010/main" val="0"/>
+              </a:ext>
+            </a:extLst>
+          </a:blip>
+          <a:stretch>
+            <a:fillRect/>
+          </a:stretch>
+        </p:blipFill>
+        <p:spPr>
+          <a:xfrm>
+            <a:off x="6057112" y="-1"/>
+            <a:ext cx="6134888" cy="5092263"/>
+          </a:xfrm>
+          <a:prstGeom prst="rect">
+            <a:avLst/>
+          </a:prstGeom>
+        </p:spPr>
+      </p:pic>
+      <p:pic>
+        <p:nvPicPr>
+          <p:cNvPr id="4" name="Picture 3"/>
+          <p:cNvPicPr>
+            <a:picLocks noChangeAspect="1"/>
+          </p:cNvPicPr>
+          <p:nvPr/>
+        </p:nvPicPr>
+        <p:blipFill>
+          <a:blip r:embed="rId3">
+            <a:extLst>
+              <a:ext uri="{28A0092B-C50C-407E-A947-70E740481C1C}">
+                <a14:useLocalDpi xmlns:a14="http://schemas.microsoft.com/office/drawing/2010/main" val="0"/>
+              </a:ext>
+            </a:extLst>
+          </a:blip>
+          <a:stretch>
+            <a:fillRect/>
+          </a:stretch>
+        </p:blipFill>
+        <p:spPr>
+          <a:xfrm>
+            <a:off x="0" y="3152"/>
+            <a:ext cx="6192433" cy="5089110"/>
+          </a:xfrm>
+          <a:prstGeom prst="rect">
+            <a:avLst/>
+          </a:prstGeom>
+        </p:spPr>
+      </p:pic>
+      <p:sp>
+        <p:nvSpPr>
+          <p:cNvPr id="5" name="TextBox 4"/>
+          <p:cNvSpPr txBox="1"/>
+          <p:nvPr/>
+        </p:nvSpPr>
+        <p:spPr>
+          <a:xfrm>
+            <a:off x="1307986" y="5612524"/>
+            <a:ext cx="9768893" cy="553998"/>
+          </a:xfrm>
+          <a:prstGeom prst="rect">
+            <a:avLst/>
+          </a:prstGeom>
+          <a:noFill/>
+        </p:spPr>
+        <p:txBody>
+          <a:bodyPr wrap="none" rtlCol="0">
+            <a:spAutoFit/>
+          </a:bodyPr>
+          <a:lstStyle/>
+          <a:p>
+            <a:r>
+              <a:rPr lang="en-US" sz="3000" dirty="0" smtClean="0">
+                <a:latin typeface="Gill Sans" charset="0"/>
+                <a:ea typeface="Gill Sans" charset="0"/>
+                <a:cs typeface="Gill Sans" charset="0"/>
+              </a:rPr>
+              <a:t>2-D Temperature distributions for brick (left),  &amp; Wood (right)</a:t>
+            </a:r>
+            <a:endParaRPr lang="en-US" sz="3000" dirty="0">
+              <a:latin typeface="Gill Sans" charset="0"/>
+              <a:ea typeface="Gill Sans" charset="0"/>
+              <a:cs typeface="Gill Sans" charset="0"/>
+            </a:endParaRPr>
+          </a:p>
+        </p:txBody>
+      </p:sp>
+    </p:spTree>
+    <p:extLst>
+      <p:ext uri="{BB962C8B-B14F-4D97-AF65-F5344CB8AC3E}">
+        <p14:creationId xmlns:p14="http://schemas.microsoft.com/office/powerpoint/2010/main" val="2044066215"/>
+      </p:ext>
+    </p:extLst>
+  </p:cSld>
+  <p:clrMapOvr>
+    <a:masterClrMapping/>
+  </p:clrMapOvr>
+  <p:timing>
+    <p:tnLst>
+      <p:par>
+        <p:cTn id="1" dur="indefinite" restart="never" nodeType="tmRoot"/>
+      </p:par>
+    </p:tnLst>
+  </p:timing>
+</p:sld>
+</file>
+
+<file path=ppt/slides/slide14.xml><?xml version="1.0" encoding="utf-8"?>
+<p:sld xmlns:a="http://schemas.openxmlformats.org/drawingml/2006/main" xmlns:r="http://schemas.openxmlformats.org/officeDocument/2006/relationships" xmlns:p="http://schemas.openxmlformats.org/presentationml/2006/main">
+  <p:cSld>
+    <p:spTree>
+      <p:nvGrpSpPr>
+        <p:cNvPr id="1" name=""/>
+        <p:cNvGrpSpPr/>
+        <p:nvPr/>
+      </p:nvGrpSpPr>
+      <p:grpSpPr>
+        <a:xfrm>
+          <a:off x="0" y="0"/>
+          <a:ext cx="0" cy="0"/>
+          <a:chOff x="0" y="0"/>
+          <a:chExt cx="0" cy="0"/>
+        </a:xfrm>
+      </p:grpSpPr>
+      <p:pic>
+        <p:nvPicPr>
+          <p:cNvPr id="5" name="Picture 4"/>
+          <p:cNvPicPr>
+            <a:picLocks noChangeAspect="1"/>
+          </p:cNvPicPr>
+          <p:nvPr/>
+        </p:nvPicPr>
+        <p:blipFill>
+          <a:blip r:embed="rId2">
+            <a:extLst>
+              <a:ext uri="{28A0092B-C50C-407E-A947-70E740481C1C}">
+                <a14:useLocalDpi xmlns:a14="http://schemas.microsoft.com/office/drawing/2010/main" val="0"/>
+              </a:ext>
+            </a:extLst>
+          </a:blip>
+          <a:stretch>
+            <a:fillRect/>
+          </a:stretch>
+        </p:blipFill>
+        <p:spPr>
+          <a:xfrm>
+            <a:off x="0" y="167114"/>
+            <a:ext cx="11808371" cy="5571533"/>
+          </a:xfrm>
+          <a:prstGeom prst="rect">
+            <a:avLst/>
+          </a:prstGeom>
+        </p:spPr>
+      </p:pic>
+      <p:sp>
+        <p:nvSpPr>
+          <p:cNvPr id="7" name="TextBox 6"/>
+          <p:cNvSpPr txBox="1"/>
+          <p:nvPr/>
+        </p:nvSpPr>
+        <p:spPr>
+          <a:xfrm>
+            <a:off x="3279228" y="6006663"/>
+            <a:ext cx="6074805" cy="553998"/>
+          </a:xfrm>
+          <a:prstGeom prst="rect">
+            <a:avLst/>
+          </a:prstGeom>
+          <a:noFill/>
+        </p:spPr>
+        <p:txBody>
+          <a:bodyPr wrap="none" rtlCol="0">
+            <a:spAutoFit/>
+          </a:bodyPr>
+          <a:lstStyle/>
+          <a:p>
+            <a:r>
+              <a:rPr lang="en-US" sz="3000" dirty="0" smtClean="0">
+                <a:latin typeface="Gill Sans" charset="0"/>
+                <a:ea typeface="Gill Sans" charset="0"/>
+                <a:cs typeface="Gill Sans" charset="0"/>
+              </a:rPr>
+              <a:t>Temperature distribution inside home</a:t>
+            </a:r>
+            <a:endParaRPr lang="en-US" sz="3000" dirty="0">
+              <a:latin typeface="Gill Sans" charset="0"/>
+              <a:ea typeface="Gill Sans" charset="0"/>
+              <a:cs typeface="Gill Sans" charset="0"/>
+            </a:endParaRPr>
+          </a:p>
+        </p:txBody>
+      </p:sp>
+    </p:spTree>
+    <p:extLst>
+      <p:ext uri="{BB962C8B-B14F-4D97-AF65-F5344CB8AC3E}">
+        <p14:creationId xmlns:p14="http://schemas.microsoft.com/office/powerpoint/2010/main" val="639193203"/>
+      </p:ext>
+    </p:extLst>
+  </p:cSld>
+  <p:clrMapOvr>
+    <a:masterClrMapping/>
+  </p:clrMapOvr>
+  <p:timing>
+    <p:tnLst>
+      <p:par>
+        <p:cTn id="1" dur="indefinite" restart="never" nodeType="tmRoot"/>
+      </p:par>
+    </p:tnLst>
+  </p:timing>
+</p:sld>
+</file>
+
+<file path=ppt/slides/slide15.xml><?xml version="1.0" encoding="utf-8"?>
+<p:sld xmlns:a="http://schemas.openxmlformats.org/drawingml/2006/main" xmlns:r="http://schemas.openxmlformats.org/officeDocument/2006/relationships" xmlns:p="http://schemas.openxmlformats.org/presentationml/2006/main">
+  <p:cSld>
+    <p:spTree>
+      <p:nvGrpSpPr>
+        <p:cNvPr id="1" name=""/>
+        <p:cNvGrpSpPr/>
+        <p:nvPr/>
+      </p:nvGrpSpPr>
+      <p:grpSpPr>
+        <a:xfrm>
+          <a:off x="0" y="0"/>
+          <a:ext cx="0" cy="0"/>
+          <a:chOff x="0" y="0"/>
+          <a:chExt cx="0" cy="0"/>
+        </a:xfrm>
+      </p:grpSpPr>
+      <p:pic>
+        <p:nvPicPr>
+          <p:cNvPr id="5" name="Picture 4"/>
+          <p:cNvPicPr>
+            <a:picLocks noChangeAspect="1"/>
+          </p:cNvPicPr>
+          <p:nvPr/>
+        </p:nvPicPr>
+        <p:blipFill>
+          <a:blip r:embed="rId2">
+            <a:extLst>
+              <a:ext uri="{28A0092B-C50C-407E-A947-70E740481C1C}">
+                <a14:useLocalDpi xmlns:a14="http://schemas.microsoft.com/office/drawing/2010/main" val="0"/>
+              </a:ext>
+            </a:extLst>
+          </a:blip>
+          <a:stretch>
+            <a:fillRect/>
+          </a:stretch>
+        </p:blipFill>
+        <p:spPr>
+          <a:xfrm>
+            <a:off x="1" y="0"/>
+            <a:ext cx="11761076" cy="5486400"/>
+          </a:xfrm>
+          <a:prstGeom prst="rect">
+            <a:avLst/>
+          </a:prstGeom>
+        </p:spPr>
+      </p:pic>
+      <p:sp>
+        <p:nvSpPr>
+          <p:cNvPr id="7" name="TextBox 6"/>
+          <p:cNvSpPr txBox="1"/>
+          <p:nvPr/>
+        </p:nvSpPr>
+        <p:spPr>
+          <a:xfrm>
+            <a:off x="4382814" y="5880538"/>
+            <a:ext cx="4085477" cy="553998"/>
+          </a:xfrm>
+          <a:prstGeom prst="rect">
+            <a:avLst/>
+          </a:prstGeom>
+          <a:noFill/>
+        </p:spPr>
+        <p:txBody>
+          <a:bodyPr wrap="none" rtlCol="0">
+            <a:spAutoFit/>
+          </a:bodyPr>
+          <a:lstStyle/>
+          <a:p>
+            <a:r>
+              <a:rPr lang="en-US" sz="3000" dirty="0" smtClean="0">
+                <a:latin typeface="Gill Sans" charset="0"/>
+                <a:ea typeface="Gill Sans" charset="0"/>
+                <a:cs typeface="Gill Sans" charset="0"/>
+              </a:rPr>
+              <a:t>Temperature distribution</a:t>
+            </a:r>
+            <a:endParaRPr lang="en-US" sz="3000" dirty="0">
+              <a:latin typeface="Gill Sans" charset="0"/>
+              <a:ea typeface="Gill Sans" charset="0"/>
+              <a:cs typeface="Gill Sans" charset="0"/>
+            </a:endParaRPr>
+          </a:p>
+        </p:txBody>
+      </p:sp>
+    </p:spTree>
+    <p:extLst>
+      <p:ext uri="{BB962C8B-B14F-4D97-AF65-F5344CB8AC3E}">
+        <p14:creationId xmlns:p14="http://schemas.microsoft.com/office/powerpoint/2010/main" val="255047727"/>
+      </p:ext>
+    </p:extLst>
+  </p:cSld>
+  <p:clrMapOvr>
+    <a:masterClrMapping/>
+  </p:clrMapOvr>
+  <p:timing>
+    <p:tnLst>
+      <p:par>
+        <p:cTn id="1" dur="indefinite" restart="never" nodeType="tmRoot"/>
+      </p:par>
+    </p:tnLst>
+  </p:timing>
+</p:sld>
+</file>
+
+<file path=ppt/slides/slide16.xml><?xml version="1.0" encoding="utf-8"?>
 <p:sld xmlns:a="http://schemas.openxmlformats.org/drawingml/2006/main" xmlns:r="http://schemas.openxmlformats.org/officeDocument/2006/relationships" xmlns:p="http://schemas.openxmlformats.org/presentationml/2006/main">
   <p:cSld>
     <p:spTree>
@@ -3194,8 +3854,8 @@
         </p:blipFill>
         <p:spPr>
           <a:xfrm>
-            <a:off x="1355834" y="264839"/>
-            <a:ext cx="9096704" cy="4654002"/>
+            <a:off x="204953" y="126124"/>
+            <a:ext cx="11445764" cy="5470635"/>
           </a:xfrm>
         </p:spPr>
       </p:pic>
@@ -3257,7 +3917,7 @@
 </p:sld>
 </file>
 
-<file path=ppt/slides/slide11.xml><?xml version="1.0" encoding="utf-8"?>
+<file path=ppt/slides/slide17.xml><?xml version="1.0" encoding="utf-8"?>
 <p:sld xmlns:a="http://schemas.openxmlformats.org/drawingml/2006/main" xmlns:r="http://schemas.openxmlformats.org/officeDocument/2006/relationships" xmlns:p="http://schemas.openxmlformats.org/presentationml/2006/main">
   <p:cSld>
     <p:spTree>
@@ -3319,7 +3979,9 @@
         </p:nvSpPr>
         <p:spPr/>
         <p:txBody>
-          <a:bodyPr/>
+          <a:bodyPr>
+            <a:normAutofit lnSpcReduction="10000"/>
+          </a:bodyPr>
           <a:lstStyle/>
           <a:p>
             <a:pPr marL="0" indent="0">
@@ -3327,7 +3989,26 @@
             </a:pPr>
             <a:r>
               <a:rPr lang="en-US" dirty="0" smtClean="0"/>
-              <a:t>From solving the Heat equation numerically we can see from the plots of the temperature distributions that wood is the best insulator and copper is the worst, from the chosen materials. Also, it can be seen that the temperature gradient is the highest at the outside boundary, which is expected, this also means the flow of thermal energy is the highest at this point. This is also where all the thermal energy is gained or lost depending on the sign of the temperate difference. This is where an air conditioning unit comes into play to restore the inside temperature to some set amount desired by the occupants.          </a:t>
+              <a:t>From solving the Heat equation numerically, by means of the </a:t>
+            </a:r>
+            <a:r>
+              <a:rPr lang="en-US" dirty="0" smtClean="0">
+                <a:solidFill>
+                  <a:schemeClr val="tx1"/>
+                </a:solidFill>
+                <a:latin typeface="Gill Sans" charset="0"/>
+                <a:ea typeface="Gill Sans" charset="0"/>
+                <a:cs typeface="Gill Sans" charset="0"/>
+              </a:rPr>
+              <a:t>Crank-Nicolson algorithm,</a:t>
+            </a:r>
+            <a:r>
+              <a:rPr lang="en-US" dirty="0" smtClean="0"/>
+              <a:t> we can see clearly from the plots of the temperature distributions that wood is the best insulator and copper is the worst. Also, it can be seen that the temperature gradient is the highest at the outside boundary, which is expected, this also means the flow of thermal energy is the highest at this point. This is also where all the thermal energy is gained or lost to the outside, depending on the sign of the temperate difference. This is where an air conditioning unit comes into play to restore the inside temperature to some set amount desired by the occupants. So, if you are going to build a home make sure to use a material that has a low thermal conductivity and high specific </a:t>
+            </a:r>
+            <a:r>
+              <a:rPr lang="en-US" smtClean="0"/>
+              <a:t>heat value.           </a:t>
             </a:r>
             <a:endParaRPr lang="en-US" dirty="0"/>
           </a:p>
@@ -3353,7 +4034,7 @@
 </p:sld>
 </file>
 
-<file path=ppt/slides/slide12.xml><?xml version="1.0" encoding="utf-8"?>
+<file path=ppt/slides/slide18.xml><?xml version="1.0" encoding="utf-8"?>
 <p:sld xmlns:a="http://schemas.openxmlformats.org/drawingml/2006/main" xmlns:r="http://schemas.openxmlformats.org/officeDocument/2006/relationships" xmlns:p="http://schemas.openxmlformats.org/presentationml/2006/main">
   <p:cSld>
     <p:spTree>
@@ -3459,81 +4140,6 @@
     <p:extLst>
       <p:ext uri="{BB962C8B-B14F-4D97-AF65-F5344CB8AC3E}">
         <p14:creationId xmlns:p14="http://schemas.microsoft.com/office/powerpoint/2010/main" val="1672350570"/>
-      </p:ext>
-    </p:extLst>
-  </p:cSld>
-  <p:clrMapOvr>
-    <a:masterClrMapping/>
-  </p:clrMapOvr>
-  <p:timing>
-    <p:tnLst>
-      <p:par>
-        <p:cTn id="1" dur="indefinite" restart="never" nodeType="tmRoot"/>
-      </p:par>
-    </p:tnLst>
-  </p:timing>
-</p:sld>
-</file>
-
-<file path=ppt/slides/slide13.xml><?xml version="1.0" encoding="utf-8"?>
-<p:sld xmlns:a="http://schemas.openxmlformats.org/drawingml/2006/main" xmlns:r="http://schemas.openxmlformats.org/officeDocument/2006/relationships" xmlns:p="http://schemas.openxmlformats.org/presentationml/2006/main">
-  <p:cSld>
-    <p:spTree>
-      <p:nvGrpSpPr>
-        <p:cNvPr id="1" name=""/>
-        <p:cNvGrpSpPr/>
-        <p:nvPr/>
-      </p:nvGrpSpPr>
-      <p:grpSpPr>
-        <a:xfrm>
-          <a:off x="0" y="0"/>
-          <a:ext cx="0" cy="0"/>
-          <a:chOff x="0" y="0"/>
-          <a:chExt cx="0" cy="0"/>
-        </a:xfrm>
-      </p:grpSpPr>
-      <p:sp>
-        <p:nvSpPr>
-          <p:cNvPr id="2" name="Title 1"/>
-          <p:cNvSpPr>
-            <a:spLocks noGrp="1"/>
-          </p:cNvSpPr>
-          <p:nvPr>
-            <p:ph type="title"/>
-          </p:nvPr>
-        </p:nvSpPr>
-        <p:spPr/>
-        <p:txBody>
-          <a:bodyPr/>
-          <a:lstStyle/>
-          <a:p>
-            <a:endParaRPr lang="en-US"/>
-          </a:p>
-        </p:txBody>
-      </p:sp>
-      <p:sp>
-        <p:nvSpPr>
-          <p:cNvPr id="3" name="Content Placeholder 2"/>
-          <p:cNvSpPr>
-            <a:spLocks noGrp="1"/>
-          </p:cNvSpPr>
-          <p:nvPr>
-            <p:ph idx="1"/>
-          </p:nvPr>
-        </p:nvSpPr>
-        <p:spPr/>
-        <p:txBody>
-          <a:bodyPr/>
-          <a:lstStyle/>
-          <a:p>
-            <a:endParaRPr lang="en-US"/>
-          </a:p>
-        </p:txBody>
-      </p:sp>
-    </p:spTree>
-    <p:extLst>
-      <p:ext uri="{BB962C8B-B14F-4D97-AF65-F5344CB8AC3E}">
-        <p14:creationId xmlns:p14="http://schemas.microsoft.com/office/powerpoint/2010/main" val="2099730712"/>
       </p:ext>
     </p:extLst>
   </p:cSld>
@@ -3567,364 +4173,239 @@
           <a:chExt cx="0" cy="0"/>
         </a:xfrm>
       </p:grpSpPr>
-      <p:sp>
-        <p:nvSpPr>
-          <p:cNvPr id="2" name="Title 1"/>
-          <p:cNvSpPr>
-            <a:spLocks noGrp="1"/>
-          </p:cNvSpPr>
-          <p:nvPr>
-            <p:ph type="title"/>
-          </p:nvPr>
-        </p:nvSpPr>
-        <p:spPr>
-          <a:xfrm>
-            <a:off x="155642" y="311280"/>
-            <a:ext cx="11887201" cy="1011677"/>
-          </a:xfrm>
-        </p:spPr>
-        <p:txBody>
-          <a:bodyPr>
-            <a:normAutofit/>
-          </a:bodyPr>
-          <a:lstStyle/>
-          <a:p>
-            <a:pPr algn="ctr"/>
-            <a:r>
-              <a:rPr lang="en-US" sz="4000" b="1" dirty="0" smtClean="0">
-                <a:latin typeface="Helvetica Neue"/>
-              </a:rPr>
-              <a:t>Background</a:t>
-            </a:r>
-            <a:endParaRPr lang="en-US" sz="4000" b="1" dirty="0">
-              <a:latin typeface="Helvetica Neue"/>
-            </a:endParaRPr>
-          </a:p>
-        </p:txBody>
-      </p:sp>
       <mc:AlternateContent xmlns:mc="http://schemas.openxmlformats.org/markup-compatibility/2006">
         <mc:Choice xmlns:a14="http://schemas.microsoft.com/office/drawing/2010/main" Requires="a14">
           <p:sp>
             <p:nvSpPr>
-              <p:cNvPr id="3" name="Content Placeholder 2"/>
-              <p:cNvSpPr>
-                <a:spLocks noGrp="1"/>
-              </p:cNvSpPr>
-              <p:nvPr>
-                <p:ph idx="1"/>
-              </p:nvPr>
+              <p:cNvPr id="2" name="TextBox 1"/>
+              <p:cNvSpPr txBox="1"/>
+              <p:nvPr/>
             </p:nvSpPr>
             <p:spPr>
-              <a:xfrm>
-                <a:off x="486382" y="1381324"/>
-                <a:ext cx="11225719" cy="5000017"/>
+              <a:xfrm rot="10800000" flipV="1">
+                <a:off x="-1" y="133418"/>
+                <a:ext cx="12013323" cy="6465040"/>
               </a:xfrm>
+              <a:prstGeom prst="rect">
+                <a:avLst/>
+              </a:prstGeom>
+              <a:noFill/>
             </p:spPr>
             <p:txBody>
-              <a:bodyPr>
-                <a:normAutofit/>
+              <a:bodyPr wrap="square" rtlCol="0">
+                <a:spAutoFit/>
               </a:bodyPr>
               <a:lstStyle/>
               <a:p>
-                <a:pPr marL="0" indent="0">
-                  <a:buNone/>
-                </a:pPr>
                 <a:r>
-                  <a:rPr lang="en-US" sz="3000" dirty="0" smtClean="0">
-                    <a:latin typeface="Helvetica Neue"/>
+                  <a:rPr lang="en-US" sz="4000" dirty="0" smtClean="0">
+                    <a:latin typeface="Gill Sans" charset="0"/>
+                    <a:ea typeface="Gill Sans" charset="0"/>
+                    <a:cs typeface="Gill Sans" charset="0"/>
                   </a:rPr>
-                  <a:t>This project was motivated by curiosity regarding how heat diffusion governs the temperature distribution within houses. The insulation material may vary, but which one is best for a home in the southwest? The solution was determined by numerically simulating the heat equation with the insulation material provided as a parameter:</a:t>
+                  <a:t>                              Background</a:t>
                 </a:r>
               </a:p>
               <a:p>
-                <a:pPr marL="0" indent="0">
-                  <a:buNone/>
-                </a:pPr>
-                <a14:m>
-                  <m:oMathPara xmlns:m="http://schemas.openxmlformats.org/officeDocument/2006/math">
-                    <m:oMathParaPr>
-                      <m:jc m:val="centerGroup"/>
-                    </m:oMathParaPr>
-                    <m:oMath xmlns:m="http://schemas.openxmlformats.org/officeDocument/2006/math">
-                      <m:f>
-                        <m:fPr>
-                          <m:ctrlPr>
-                            <a:rPr lang="en-US" sz="3000" i="1">
-                              <a:latin typeface="Cambria Math" panose="02040503050406030204" pitchFamily="18" charset="0"/>
-                              <a:ea typeface="Gill Sans" charset="0"/>
-                              <a:cs typeface="Gill Sans" charset="0"/>
-                            </a:rPr>
-                          </m:ctrlPr>
-                        </m:fPr>
-                        <m:num>
-                          <m:r>
-                            <a:rPr lang="en-US" sz="3000" i="1">
-                              <a:latin typeface="Cambria Math" charset="0"/>
-                              <a:ea typeface="Cambria Math" charset="0"/>
-                              <a:cs typeface="Cambria Math" charset="0"/>
-                            </a:rPr>
-                            <m:t>𝜕</m:t>
-                          </m:r>
-                          <m:r>
-                            <a:rPr lang="en-US" sz="3000" i="1">
-                              <a:latin typeface="Cambria Math" charset="0"/>
-                              <a:ea typeface="Gill Sans" charset="0"/>
-                              <a:cs typeface="Gill Sans" charset="0"/>
-                            </a:rPr>
-                            <m:t>𝑇</m:t>
-                          </m:r>
-                        </m:num>
-                        <m:den>
-                          <m:r>
-                            <a:rPr lang="en-US" sz="3000" i="1">
-                              <a:latin typeface="Cambria Math" charset="0"/>
-                              <a:ea typeface="Cambria Math" charset="0"/>
-                              <a:cs typeface="Cambria Math" charset="0"/>
-                            </a:rPr>
-                            <m:t>𝜕</m:t>
-                          </m:r>
-                          <m:r>
-                            <a:rPr lang="en-US" sz="3000" i="1">
-                              <a:latin typeface="Cambria Math" charset="0"/>
-                              <a:ea typeface="Gill Sans" charset="0"/>
-                              <a:cs typeface="Gill Sans" charset="0"/>
-                            </a:rPr>
-                            <m:t>𝑡</m:t>
-                          </m:r>
-                        </m:den>
-                      </m:f>
-                      <m:r>
-                        <a:rPr lang="en-US" sz="3000" i="1">
-                          <a:latin typeface="Cambria Math" charset="0"/>
-                          <a:ea typeface="Gill Sans" charset="0"/>
-                          <a:cs typeface="Gill Sans" charset="0"/>
-                        </a:rPr>
-                        <m:t>=</m:t>
-                      </m:r>
-                      <m:r>
-                        <a:rPr lang="en-US" sz="3000" b="0" i="1" smtClean="0">
-                          <a:latin typeface="Cambria Math" panose="02040503050406030204" pitchFamily="18" charset="0"/>
-                          <a:ea typeface="Gill Sans" charset="0"/>
-                          <a:cs typeface="Gill Sans" charset="0"/>
-                        </a:rPr>
-                        <m:t>𝛼</m:t>
-                      </m:r>
-                      <m:sSup>
-                        <m:sSupPr>
-                          <m:ctrlPr>
-                            <a:rPr lang="en-US" sz="3000" i="1">
-                              <a:latin typeface="Cambria Math" panose="02040503050406030204" pitchFamily="18" charset="0"/>
-                              <a:ea typeface="Gill Sans" charset="0"/>
-                              <a:cs typeface="Gill Sans" charset="0"/>
-                            </a:rPr>
-                          </m:ctrlPr>
-                        </m:sSupPr>
-                        <m:e>
-                          <m:r>
-                            <a:rPr lang="en-US" sz="3000" i="0">
-                              <a:latin typeface="Cambria Math" charset="0"/>
-                              <a:ea typeface="Cambria Math" charset="0"/>
-                              <a:cs typeface="Cambria Math" charset="0"/>
-                            </a:rPr>
-                            <m:t>∇</m:t>
-                          </m:r>
-                        </m:e>
-                        <m:sup>
-                          <m:r>
-                            <a:rPr lang="en-US" sz="3000" i="1">
-                              <a:latin typeface="Cambria Math" charset="0"/>
-                              <a:ea typeface="Gill Sans" charset="0"/>
-                              <a:cs typeface="Gill Sans" charset="0"/>
-                            </a:rPr>
-                            <m:t>2</m:t>
-                          </m:r>
-                        </m:sup>
-                      </m:sSup>
-                      <m:r>
-                        <a:rPr lang="en-US" sz="3000" b="0" i="1" smtClean="0">
-                          <a:latin typeface="Cambria Math" panose="02040503050406030204" pitchFamily="18" charset="0"/>
-                          <a:ea typeface="Gill Sans" charset="0"/>
-                          <a:cs typeface="Gill Sans" charset="0"/>
-                        </a:rPr>
-                        <m:t>𝑇</m:t>
-                      </m:r>
-                    </m:oMath>
-                  </m:oMathPara>
-                </a14:m>
-                <a:endParaRPr lang="en-US" sz="3000" dirty="0" smtClean="0">
-                  <a:latin typeface="Helvetica Neue"/>
+                <a:r>
+                  <a:rPr lang="en-US" sz="3000" dirty="0" smtClean="0">
+                    <a:latin typeface="Gill Sans" charset="0"/>
+                    <a:ea typeface="Gill Sans" charset="0"/>
+                    <a:cs typeface="Gill Sans" charset="0"/>
+                  </a:rPr>
+                  <a:t>This project has been motivated by the curiosity of how heat diffusion determines the temperature distributions inside homes. Houses can be made from a variety of materials, but which one is a better insulator for a home in the southwest? Upon investigating this problem, since a home can be made from a multitude of materials, only three where chosen to truncate the problem. In order to present an answer for this question, the Heat equation has to be invoked and solved for the different materials. </a:t>
+                </a:r>
+                <a:r>
+                  <a:rPr lang="en-US" sz="3000" dirty="0" smtClean="0">
+                    <a:solidFill>
+                      <a:schemeClr val="tx1"/>
+                    </a:solidFill>
+                    <a:latin typeface="Gill Sans" charset="0"/>
+                    <a:ea typeface="Gill Sans" charset="0"/>
+                    <a:cs typeface="Gill Sans" charset="0"/>
+                  </a:rPr>
+                  <a:t>                                                   </a:t>
+                </a:r>
+              </a:p>
+              <a:p>
+                <a:endParaRPr lang="en-US" sz="3000" dirty="0">
+                  <a:latin typeface="Gill Sans" charset="0"/>
+                  <a:ea typeface="Gill Sans" charset="0"/>
+                  <a:cs typeface="Gill Sans" charset="0"/>
                 </a:endParaRPr>
               </a:p>
               <a:p>
-                <a:pPr marL="0" indent="0">
-                  <a:buNone/>
-                </a:pPr>
                 <a:r>
                   <a:rPr lang="en-US" sz="3000" dirty="0" smtClean="0">
-                    <a:latin typeface="Helvetica Neue"/>
+                    <a:latin typeface="Gill Sans" charset="0"/>
+                    <a:ea typeface="Gill Sans" charset="0"/>
+                    <a:cs typeface="Gill Sans" charset="0"/>
                   </a:rPr>
-                  <a:t>where </a:t>
+                  <a:t>                                           </a:t>
+                </a:r>
+                <a:r>
+                  <a:rPr lang="en-US" sz="3000" dirty="0" smtClean="0">
+                    <a:ea typeface="Gill Sans" charset="0"/>
+                    <a:cs typeface="Gill Sans" charset="0"/>
+                  </a:rPr>
+                  <a:t>H</a:t>
+                </a:r>
+                <a:r>
+                  <a:rPr lang="en-US" sz="3000" dirty="0" smtClean="0">
+                    <a:solidFill>
+                      <a:schemeClr val="tx1"/>
+                    </a:solidFill>
+                    <a:ea typeface="Gill Sans" charset="0"/>
+                    <a:cs typeface="Gill Sans" charset="0"/>
+                  </a:rPr>
+                  <a:t>eat equation;        </a:t>
+                </a:r>
+              </a:p>
+              <a:p>
+                <a:r>
+                  <a:rPr lang="en-US" sz="3000" dirty="0">
+                    <a:ea typeface="Gill Sans" charset="0"/>
+                    <a:cs typeface="Gill Sans" charset="0"/>
+                  </a:rPr>
+                  <a:t> </a:t>
+                </a:r>
+                <a:r>
+                  <a:rPr lang="en-US" sz="3000" dirty="0" smtClean="0">
+                    <a:ea typeface="Gill Sans" charset="0"/>
+                    <a:cs typeface="Gill Sans" charset="0"/>
+                  </a:rPr>
+                  <a:t>                                                     </a:t>
                 </a:r>
                 <a14:m>
                   <m:oMath xmlns:m="http://schemas.openxmlformats.org/officeDocument/2006/math">
+                    <m:f>
+                      <m:fPr>
+                        <m:ctrlPr>
+                          <a:rPr lang="en-US" sz="3000" i="1" smtClean="0">
+                            <a:solidFill>
+                              <a:schemeClr val="tx1"/>
+                            </a:solidFill>
+                            <a:latin typeface="Cambria Math" charset="0"/>
+                            <a:ea typeface="Gill Sans" charset="0"/>
+                            <a:cs typeface="Gill Sans" charset="0"/>
+                          </a:rPr>
+                        </m:ctrlPr>
+                      </m:fPr>
+                      <m:num>
+                        <m:r>
+                          <a:rPr lang="en-US" sz="3000" i="1" smtClean="0">
+                            <a:solidFill>
+                              <a:schemeClr val="tx1"/>
+                            </a:solidFill>
+                            <a:latin typeface="Cambria Math" charset="0"/>
+                            <a:ea typeface="Cambria Math" charset="0"/>
+                            <a:cs typeface="Cambria Math" charset="0"/>
+                          </a:rPr>
+                          <m:t>𝜕</m:t>
+                        </m:r>
+                        <m:r>
+                          <a:rPr lang="en-US" sz="3000" b="0" i="1" smtClean="0">
+                            <a:solidFill>
+                              <a:schemeClr val="tx1"/>
+                            </a:solidFill>
+                            <a:latin typeface="Cambria Math" charset="0"/>
+                            <a:ea typeface="Gill Sans" charset="0"/>
+                            <a:cs typeface="Gill Sans" charset="0"/>
+                          </a:rPr>
+                          <m:t>𝑇</m:t>
+                        </m:r>
+                      </m:num>
+                      <m:den>
+                        <m:r>
+                          <a:rPr lang="en-US" sz="3000" i="1" smtClean="0">
+                            <a:solidFill>
+                              <a:schemeClr val="tx1"/>
+                            </a:solidFill>
+                            <a:latin typeface="Cambria Math" charset="0"/>
+                            <a:ea typeface="Cambria Math" charset="0"/>
+                            <a:cs typeface="Cambria Math" charset="0"/>
+                          </a:rPr>
+                          <m:t>𝜕</m:t>
+                        </m:r>
+                        <m:r>
+                          <a:rPr lang="en-US" sz="3000" b="0" i="1" smtClean="0">
+                            <a:solidFill>
+                              <a:schemeClr val="tx1"/>
+                            </a:solidFill>
+                            <a:latin typeface="Cambria Math" charset="0"/>
+                            <a:ea typeface="Gill Sans" charset="0"/>
+                            <a:cs typeface="Gill Sans" charset="0"/>
+                          </a:rPr>
+                          <m:t>𝑡</m:t>
+                        </m:r>
+                      </m:den>
+                    </m:f>
                     <m:r>
                       <a:rPr lang="en-US" sz="3000" b="0" i="1" smtClean="0">
-                        <a:latin typeface="Cambria Math" panose="02040503050406030204" pitchFamily="18" charset="0"/>
+                        <a:solidFill>
+                          <a:schemeClr val="tx1"/>
+                        </a:solidFill>
+                        <a:latin typeface="Cambria Math" charset="0"/>
+                        <a:ea typeface="Gill Sans" charset="0"/>
+                        <a:cs typeface="Gill Sans" charset="0"/>
                       </a:rPr>
-                      <m:t>𝑇</m:t>
+                      <m:t>=</m:t>
                     </m:r>
                     <m:r>
                       <a:rPr lang="en-US" sz="3000" b="0" i="1" smtClean="0">
-                        <a:latin typeface="Cambria Math" panose="02040503050406030204" pitchFamily="18" charset="0"/>
+                        <a:solidFill>
+                          <a:schemeClr val="tx1"/>
+                        </a:solidFill>
+                        <a:latin typeface="Cambria Math" charset="0"/>
+                        <a:ea typeface="Cambria Math" charset="0"/>
+                        <a:cs typeface="Cambria Math" charset="0"/>
                       </a:rPr>
-                      <m:t>(</m:t>
-                    </m:r>
-                    <m:acc>
-                      <m:accPr>
-                        <m:chr m:val="⃑"/>
-                        <m:ctrlPr>
-                          <a:rPr lang="en-US" sz="3000" b="0" i="1" smtClean="0">
-                            <a:latin typeface="Cambria Math" panose="02040503050406030204" pitchFamily="18" charset="0"/>
-                          </a:rPr>
-                        </m:ctrlPr>
-                      </m:accPr>
-                      <m:e>
-                        <m:r>
-                          <a:rPr lang="en-US" sz="3000" b="0" i="1" smtClean="0">
-                            <a:latin typeface="Cambria Math" panose="02040503050406030204" pitchFamily="18" charset="0"/>
-                          </a:rPr>
-                          <m:t>𝑥</m:t>
-                        </m:r>
-                      </m:e>
-                    </m:acc>
-                    <m:r>
-                      <a:rPr lang="en-US" sz="3000" b="0" i="1" smtClean="0">
-                        <a:latin typeface="Cambria Math" panose="02040503050406030204" pitchFamily="18" charset="0"/>
-                      </a:rPr>
-                      <m:t>,</m:t>
+                      <m:t>∓</m:t>
                     </m:r>
                     <m:r>
                       <a:rPr lang="en-US" sz="3000" b="0" i="1" smtClean="0">
-                        <a:latin typeface="Cambria Math" panose="02040503050406030204" pitchFamily="18" charset="0"/>
+                        <a:solidFill>
+                          <a:schemeClr val="tx1"/>
+                        </a:solidFill>
+                        <a:latin typeface="Cambria Math" charset="0"/>
+                        <a:ea typeface="Gill Sans" charset="0"/>
+                        <a:cs typeface="Gill Sans" charset="0"/>
                       </a:rPr>
-                      <m:t>𝑡</m:t>
+                      <m:t>𝐾</m:t>
                     </m:r>
                     <m:r>
                       <a:rPr lang="en-US" sz="3000" b="0" i="1" smtClean="0">
-                        <a:latin typeface="Cambria Math" panose="02040503050406030204" pitchFamily="18" charset="0"/>
+                        <a:solidFill>
+                          <a:schemeClr val="tx1"/>
+                        </a:solidFill>
+                        <a:latin typeface="Cambria Math" charset="0"/>
+                        <a:ea typeface="Gill Sans" charset="0"/>
+                        <a:cs typeface="Gill Sans" charset="0"/>
                       </a:rPr>
-                      <m:t>)</m:t>
+                      <m:t> </m:t>
                     </m:r>
-                  </m:oMath>
-                </a14:m>
-                <a:r>
-                  <a:rPr lang="en-US" sz="3000" dirty="0" smtClean="0">
-                    <a:latin typeface="Helvetica Neue"/>
-                  </a:rPr>
-                  <a:t> is the temperature at time </a:t>
-                </a:r>
-                <a14:m>
-                  <m:oMath xmlns:m="http://schemas.openxmlformats.org/officeDocument/2006/math">
-                    <m:r>
-                      <a:rPr lang="en-US" sz="3000" b="0" i="1" smtClean="0">
-                        <a:latin typeface="Cambria Math" panose="02040503050406030204" pitchFamily="18" charset="0"/>
-                      </a:rPr>
-                      <m:t>𝑡</m:t>
-                    </m:r>
-                  </m:oMath>
-                </a14:m>
-                <a:r>
-                  <a:rPr lang="en-US" sz="3000" dirty="0" smtClean="0">
-                    <a:latin typeface="Helvetica Neue"/>
-                  </a:rPr>
-                  <a:t> and position </a:t>
-                </a:r>
-                <a14:m>
-                  <m:oMath xmlns:m="http://schemas.openxmlformats.org/officeDocument/2006/math">
-                    <m:acc>
-                      <m:accPr>
-                        <m:chr m:val="⃑"/>
-                        <m:ctrlPr>
-                          <a:rPr lang="en-US" sz="3000" i="1" smtClean="0">
-                            <a:latin typeface="Cambria Math" panose="02040503050406030204" pitchFamily="18" charset="0"/>
-                          </a:rPr>
-                        </m:ctrlPr>
-                      </m:accPr>
-                      <m:e>
-                        <m:r>
-                          <a:rPr lang="en-US" sz="3000" b="0" i="1" smtClean="0">
-                            <a:latin typeface="Cambria Math" panose="02040503050406030204" pitchFamily="18" charset="0"/>
-                          </a:rPr>
-                          <m:t>𝑥</m:t>
-                        </m:r>
-                      </m:e>
-                    </m:acc>
-                  </m:oMath>
-                </a14:m>
-                <a:r>
-                  <a:rPr lang="en-US" sz="3000" dirty="0" smtClean="0">
-                    <a:latin typeface="Helvetica Neue"/>
-                  </a:rPr>
-                  <a:t>, </a:t>
-                </a:r>
-                <a14:m>
-                  <m:oMath xmlns:m="http://schemas.openxmlformats.org/officeDocument/2006/math">
-                    <m:r>
-                      <a:rPr lang="en-US" sz="3000" b="0" i="1" smtClean="0">
-                        <a:latin typeface="Cambria Math" panose="02040503050406030204" pitchFamily="18" charset="0"/>
-                      </a:rPr>
-                      <m:t>𝛼</m:t>
-                    </m:r>
-                  </m:oMath>
-                </a14:m>
-                <a:r>
-                  <a:rPr lang="en-US" sz="3000" dirty="0" smtClean="0">
-                    <a:latin typeface="Helvetica Neue"/>
-                  </a:rPr>
-                  <a:t> is the thermal diffusivity of the material at </a:t>
-                </a:r>
-                <a14:m>
-                  <m:oMath xmlns:m="http://schemas.openxmlformats.org/officeDocument/2006/math">
-                    <m:acc>
-                      <m:accPr>
-                        <m:chr m:val="⃑"/>
-                        <m:ctrlPr>
-                          <a:rPr lang="en-US" sz="3000" i="1" smtClean="0">
-                            <a:latin typeface="Cambria Math" panose="02040503050406030204" pitchFamily="18" charset="0"/>
-                          </a:rPr>
-                        </m:ctrlPr>
-                      </m:accPr>
-                      <m:e>
-                        <m:r>
-                          <a:rPr lang="en-US" sz="3000" b="0" i="1" smtClean="0">
-                            <a:latin typeface="Cambria Math" panose="02040503050406030204" pitchFamily="18" charset="0"/>
-                          </a:rPr>
-                          <m:t>𝑥</m:t>
-                        </m:r>
-                      </m:e>
-                    </m:acc>
-                  </m:oMath>
-                </a14:m>
-                <a:r>
-                  <a:rPr lang="en-US" sz="3000" dirty="0" smtClean="0">
-                    <a:latin typeface="Helvetica Neue"/>
-                  </a:rPr>
-                  <a:t>, and </a:t>
-                </a:r>
-                <a14:m>
-                  <m:oMath xmlns:m="http://schemas.openxmlformats.org/officeDocument/2006/math">
                     <m:sSup>
                       <m:sSupPr>
                         <m:ctrlPr>
                           <a:rPr lang="en-US" sz="3000" b="0" i="1" smtClean="0">
-                            <a:latin typeface="Cambria Math" panose="02040503050406030204" pitchFamily="18" charset="0"/>
+                            <a:solidFill>
+                              <a:schemeClr val="tx1"/>
+                            </a:solidFill>
+                            <a:latin typeface="Cambria Math" charset="0"/>
+                            <a:ea typeface="Gill Sans" charset="0"/>
+                            <a:cs typeface="Gill Sans" charset="0"/>
                           </a:rPr>
                         </m:ctrlPr>
                       </m:sSupPr>
                       <m:e>
                         <m:r>
-                          <a:rPr lang="en-US" sz="3000" b="0" i="0" smtClean="0">
-                            <a:latin typeface="Cambria Math" panose="02040503050406030204" pitchFamily="18" charset="0"/>
+                          <a:rPr lang="en-US" sz="3000" b="0" i="1" smtClean="0">
+                            <a:solidFill>
+                              <a:schemeClr val="tx1"/>
+                            </a:solidFill>
+                            <a:latin typeface="Cambria Math" charset="0"/>
+                            <a:ea typeface="Cambria Math" charset="0"/>
+                            <a:cs typeface="Cambria Math" charset="0"/>
                           </a:rPr>
                           <m:t>∇</m:t>
                         </m:r>
@@ -3932,7 +4413,12 @@
                       <m:sup>
                         <m:r>
                           <a:rPr lang="en-US" sz="3000" b="0" i="1" smtClean="0">
-                            <a:latin typeface="Cambria Math" panose="02040503050406030204" pitchFamily="18" charset="0"/>
+                            <a:solidFill>
+                              <a:schemeClr val="tx1"/>
+                            </a:solidFill>
+                            <a:latin typeface="Cambria Math" charset="0"/>
+                            <a:ea typeface="Gill Sans" charset="0"/>
+                            <a:cs typeface="Gill Sans" charset="0"/>
                           </a:rPr>
                           <m:t>2</m:t>
                         </m:r>
@@ -3942,12 +4428,50 @@
                 </a14:m>
                 <a:r>
                   <a:rPr lang="en-US" sz="3000" dirty="0" smtClean="0">
-                    <a:latin typeface="Helvetica Neue"/>
+                    <a:solidFill>
+                      <a:schemeClr val="tx1"/>
+                    </a:solidFill>
+                    <a:latin typeface="Gill Sans" charset="0"/>
+                    <a:ea typeface="Gill Sans" charset="0"/>
+                    <a:cs typeface="Gill Sans" charset="0"/>
                   </a:rPr>
-                  <a:t> is the Laplacian operator.</a:t>
+                  <a:t> T                                                while the sign is accounted for by the boundary conditions.</a:t>
+                </a:r>
+              </a:p>
+              <a:p>
+                <a:r>
+                  <a:rPr lang="en-US" sz="3000" dirty="0" smtClean="0">
+                    <a:solidFill>
+                      <a:schemeClr val="tx1"/>
+                    </a:solidFill>
+                    <a:latin typeface="Gill Sans" charset="0"/>
+                    <a:ea typeface="Gill Sans" charset="0"/>
+                    <a:cs typeface="Gill Sans" charset="0"/>
+                  </a:rPr>
+                  <a:t> </a:t>
+                </a:r>
+                <a:r>
+                  <a:rPr lang="en-US" sz="3000" dirty="0" smtClean="0">
+                    <a:latin typeface="Gill Sans" charset="0"/>
+                    <a:ea typeface="Gill Sans" charset="0"/>
+                    <a:cs typeface="Gill Sans" charset="0"/>
+                  </a:rPr>
+                  <a:t>                                    </a:t>
+                </a:r>
+                <a:r>
+                  <a:rPr lang="en-US" sz="3000" dirty="0" smtClean="0">
+                    <a:solidFill>
+                      <a:schemeClr val="tx1"/>
+                    </a:solidFill>
+                    <a:ea typeface="Gill Sans" charset="0"/>
+                    <a:cs typeface="Gill Sans" charset="0"/>
+                  </a:rPr>
+                  <a:t> </a:t>
                 </a:r>
                 <a:endParaRPr lang="en-US" sz="3000" dirty="0">
-                  <a:latin typeface="Helvetica Neue"/>
+                  <a:latin typeface="Gill Sans" charset="0"/>
+                  <a:ea typeface="Gill Sans" charset="0"/>
+                  <a:cs typeface="Gill Sans" charset="0"/>
                 </a:endParaRPr>
               </a:p>
             </p:txBody>
@@ -3956,23 +4480,24 @@
         <mc:Fallback>
           <p:sp>
             <p:nvSpPr>
-              <p:cNvPr id="3" name="Content Placeholder 2"/>
-              <p:cNvSpPr>
-                <a:spLocks noGrp="1" noRot="1" noChangeAspect="1" noMove="1" noResize="1" noEditPoints="1" noAdjustHandles="1" noChangeArrowheads="1" noChangeShapeType="1" noTextEdit="1"/>
+              <p:cNvPr id="2" name="TextBox 1"/>
+              <p:cNvSpPr txBox="1">
+                <a:spLocks noRot="1" noChangeAspect="1" noMove="1" noResize="1" noEditPoints="1" noAdjustHandles="1" noChangeArrowheads="1" noChangeShapeType="1" noTextEdit="1"/>
               </p:cNvSpPr>
-              <p:nvPr>
-                <p:ph idx="1"/>
-              </p:nvPr>
+              <p:nvPr/>
             </p:nvSpPr>
             <p:spPr>
-              <a:xfrm>
-                <a:off x="486382" y="1381324"/>
-                <a:ext cx="11225719" cy="5000017"/>
+              <a:xfrm rot="10800000" flipV="1">
+                <a:off x="-1" y="133418"/>
+                <a:ext cx="12013323" cy="6465040"/>
               </a:xfrm>
+              <a:prstGeom prst="rect">
+                <a:avLst/>
+              </a:prstGeom>
               <a:blipFill rotWithShape="0">
                 <a:blip r:embed="rId2"/>
                 <a:stretch>
-                  <a:fillRect l="-1304" t="-2561" r="-1032"/>
+                  <a:fillRect l="-1167" t="-1698" r="-1928"/>
                 </a:stretch>
               </a:blipFill>
             </p:spPr>
@@ -3994,13 +4519,20 @@
     </p:spTree>
     <p:extLst>
       <p:ext uri="{BB962C8B-B14F-4D97-AF65-F5344CB8AC3E}">
-        <p14:creationId xmlns:p14="http://schemas.microsoft.com/office/powerpoint/2010/main" val="3354980564"/>
+        <p14:creationId xmlns:p14="http://schemas.microsoft.com/office/powerpoint/2010/main" val="1505906181"/>
       </p:ext>
     </p:extLst>
   </p:cSld>
   <p:clrMapOvr>
     <a:masterClrMapping/>
   </p:clrMapOvr>
+  <p:timing>
+    <p:tnLst>
+      <p:par>
+        <p:cTn id="1" dur="indefinite" restart="never" nodeType="tmRoot"/>
+      </p:par>
+    </p:tnLst>
+  </p:timing>
 </p:sld>
 </file>
 
@@ -4033,191 +4565,87 @@
         </p:nvSpPr>
         <p:spPr>
           <a:xfrm>
-            <a:off x="155642" y="311280"/>
-            <a:ext cx="11887201" cy="1011677"/>
+            <a:off x="0" y="1"/>
+            <a:ext cx="12192000" cy="1690688"/>
           </a:xfrm>
         </p:spPr>
         <p:txBody>
           <a:bodyPr>
-            <a:normAutofit/>
+            <a:noAutofit/>
           </a:bodyPr>
           <a:lstStyle/>
           <a:p>
-            <a:pPr algn="ctr"/>
-            <a:r>
-              <a:rPr lang="en-US" sz="4000" b="1" dirty="0" smtClean="0">
-                <a:latin typeface="Helvetica Neue"/>
+            <a:r>
+              <a:rPr lang="en-US" sz="4000" dirty="0" smtClean="0">
+                <a:latin typeface="Gill Sans" charset="0"/>
+                <a:ea typeface="Gill Sans" charset="0"/>
+                <a:cs typeface="Gill Sans" charset="0"/>
               </a:rPr>
-              <a:t>Methodology</a:t>
-            </a:r>
-            <a:endParaRPr lang="en-US" sz="4000" b="1" dirty="0">
-              <a:latin typeface="Helvetica Neue"/>
-            </a:endParaRPr>
-          </a:p>
-        </p:txBody>
-      </p:sp>
-      <mc:AlternateContent xmlns:mc="http://schemas.openxmlformats.org/markup-compatibility/2006">
-        <mc:Choice xmlns:a14="http://schemas.microsoft.com/office/drawing/2010/main" Requires="a14">
-          <p:sp>
-            <p:nvSpPr>
-              <p:cNvPr id="3" name="Content Placeholder 2"/>
-              <p:cNvSpPr>
-                <a:spLocks noGrp="1"/>
-              </p:cNvSpPr>
-              <p:nvPr>
-                <p:ph idx="1"/>
-              </p:nvPr>
-            </p:nvSpPr>
-            <p:spPr>
-              <a:xfrm>
-                <a:off x="486382" y="1381324"/>
-                <a:ext cx="11225719" cy="5000017"/>
-              </a:xfrm>
-            </p:spPr>
-            <p:txBody>
-              <a:bodyPr>
-                <a:normAutofit/>
-              </a:bodyPr>
-              <a:lstStyle/>
-              <a:p>
-                <a:r>
-                  <a:rPr lang="en-US" sz="3000" dirty="0" smtClean="0">
-                    <a:latin typeface="Helvetica Neue"/>
-                  </a:rPr>
-                  <a:t>Upon investigation, insulation materials vary far and wide, with subcategories in rare cases. Thus, only four materials are considered in order to truncate the problem.</a:t>
-                </a:r>
-              </a:p>
-              <a:p>
-                <a:pPr lvl="1"/>
-                <a:r>
-                  <a:rPr lang="en-US" sz="2600" dirty="0" smtClean="0">
-                    <a:latin typeface="Helvetica Neue"/>
-                  </a:rPr>
-                  <a:t>Note: </a:t>
-                </a:r>
-                <a14:m>
-                  <m:oMath xmlns:m="http://schemas.openxmlformats.org/officeDocument/2006/math">
-                    <m:r>
-                      <a:rPr lang="en-US" sz="2600" b="0" i="1" smtClean="0">
-                        <a:latin typeface="Cambria Math" panose="02040503050406030204" pitchFamily="18" charset="0"/>
-                      </a:rPr>
-                      <m:t>𝛼</m:t>
-                    </m:r>
-                    <m:r>
-                      <a:rPr lang="en-US" sz="2600" b="0" i="1" smtClean="0">
-                        <a:latin typeface="Cambria Math" panose="02040503050406030204" pitchFamily="18" charset="0"/>
-                      </a:rPr>
-                      <m:t>=</m:t>
-                    </m:r>
-                    <m:r>
-                      <a:rPr lang="en-US" sz="2600" b="0" i="1" smtClean="0">
-                        <a:latin typeface="Cambria Math" panose="02040503050406030204" pitchFamily="18" charset="0"/>
-                      </a:rPr>
-                      <m:t>𝜅</m:t>
-                    </m:r>
-                    <m:r>
-                      <a:rPr lang="en-US" sz="2600" b="0" i="1" smtClean="0">
-                        <a:latin typeface="Cambria Math" panose="02040503050406030204" pitchFamily="18" charset="0"/>
-                      </a:rPr>
-                      <m:t>/</m:t>
-                    </m:r>
-                    <m:sSub>
-                      <m:sSubPr>
-                        <m:ctrlPr>
-                          <a:rPr lang="en-US" sz="2600" b="0" i="1" smtClean="0">
-                            <a:latin typeface="Cambria Math" panose="02040503050406030204" pitchFamily="18" charset="0"/>
-                          </a:rPr>
-                        </m:ctrlPr>
-                      </m:sSubPr>
-                      <m:e>
-                        <m:r>
-                          <a:rPr lang="en-US" sz="2600" b="0" i="1" smtClean="0">
-                            <a:latin typeface="Cambria Math" panose="02040503050406030204" pitchFamily="18" charset="0"/>
-                          </a:rPr>
-                          <m:t>𝑐</m:t>
-                        </m:r>
-                      </m:e>
-                      <m:sub>
-                        <m:r>
-                          <a:rPr lang="en-US" sz="2600" b="0" i="1" smtClean="0">
-                            <a:latin typeface="Cambria Math" panose="02040503050406030204" pitchFamily="18" charset="0"/>
-                          </a:rPr>
-                          <m:t>𝑃</m:t>
-                        </m:r>
-                      </m:sub>
-                    </m:sSub>
-                    <m:r>
-                      <a:rPr lang="en-US" sz="2600" b="0" i="1" smtClean="0">
-                        <a:latin typeface="Cambria Math" panose="02040503050406030204" pitchFamily="18" charset="0"/>
-                      </a:rPr>
-                      <m:t>𝜌</m:t>
-                    </m:r>
-                  </m:oMath>
-                </a14:m>
-                <a:endParaRPr lang="en-US" sz="2600" dirty="0" smtClean="0">
-                  <a:latin typeface="Helvetica Neue"/>
-                </a:endParaRPr>
-              </a:p>
-            </p:txBody>
-          </p:sp>
-        </mc:Choice>
-        <mc:Fallback>
-          <p:sp>
-            <p:nvSpPr>
-              <p:cNvPr id="3" name="Content Placeholder 2"/>
-              <p:cNvSpPr>
-                <a:spLocks noGrp="1" noRot="1" noChangeAspect="1" noMove="1" noResize="1" noEditPoints="1" noAdjustHandles="1" noChangeArrowheads="1" noChangeShapeType="1" noTextEdit="1"/>
-              </p:cNvSpPr>
-              <p:nvPr>
-                <p:ph idx="1"/>
-              </p:nvPr>
-            </p:nvSpPr>
-            <p:spPr>
-              <a:xfrm>
-                <a:off x="486382" y="1381324"/>
-                <a:ext cx="11225719" cy="5000017"/>
-              </a:xfrm>
-              <a:blipFill rotWithShape="0">
-                <a:blip r:embed="rId2"/>
-                <a:stretch>
-                  <a:fillRect l="-1141" t="-2561"/>
-                </a:stretch>
-              </a:blipFill>
-            </p:spPr>
-            <p:txBody>
-              <a:bodyPr/>
-              <a:lstStyle/>
-              <a:p>
-                <a:r>
-                  <a:rPr lang="en-US">
-                    <a:noFill/>
-                  </a:rPr>
-                  <a:t> </a:t>
-                </a:r>
-              </a:p>
-            </p:txBody>
-          </p:sp>
-        </mc:Fallback>
-      </mc:AlternateContent>
+              <a:t>                                   </a:t>
+            </a:r>
+            <a:r>
+              <a:rPr lang="en-US" sz="4000" dirty="0" smtClean="0">
+                <a:latin typeface="Gill Sans" charset="0"/>
+                <a:ea typeface="Gill Sans" charset="0"/>
+                <a:cs typeface="Gill Sans" charset="0"/>
+              </a:rPr>
+              <a:t> </a:t>
+            </a:r>
+            <a:r>
+              <a:rPr lang="en-US" sz="4000" dirty="0" smtClean="0">
+                <a:latin typeface="Gill Sans" charset="0"/>
+                <a:ea typeface="Gill Sans" charset="0"/>
+                <a:cs typeface="Gill Sans" charset="0"/>
+              </a:rPr>
+              <a:t>Methods</a:t>
+            </a:r>
+            <a:br>
+              <a:rPr lang="en-US" sz="4000" dirty="0" smtClean="0">
+                <a:latin typeface="Gill Sans" charset="0"/>
+                <a:ea typeface="Gill Sans" charset="0"/>
+                <a:cs typeface="Gill Sans" charset="0"/>
+              </a:rPr>
+            </a:br>
+            <a:r>
+              <a:rPr lang="en-US" sz="4000" dirty="0" smtClean="0">
+                <a:latin typeface="Gill Sans" charset="0"/>
+                <a:ea typeface="Gill Sans" charset="0"/>
+                <a:cs typeface="Gill Sans" charset="0"/>
+              </a:rPr>
+              <a:t>                       </a:t>
+            </a:r>
+            <a:r>
+              <a:rPr lang="en-US" sz="4000" dirty="0" smtClean="0">
+                <a:latin typeface="Gill Sans" charset="0"/>
+                <a:ea typeface="Gill Sans" charset="0"/>
+                <a:cs typeface="Gill Sans" charset="0"/>
+              </a:rPr>
+              <a:t>How to solve Heat equation</a:t>
+            </a:r>
+            <a:endParaRPr lang="en-US" sz="4000" dirty="0"/>
+          </a:p>
+        </p:txBody>
+      </p:sp>
       <mc:AlternateContent xmlns:mc="http://schemas.openxmlformats.org/markup-compatibility/2006">
         <mc:Choice xmlns:a14="http://schemas.microsoft.com/office/drawing/2010/main" Requires="a14">
           <p:graphicFrame>
             <p:nvGraphicFramePr>
               <p:cNvPr id="4" name="Content Placeholder 3"/>
               <p:cNvGraphicFramePr>
-                <a:graphicFrameLocks/>
+                <a:graphicFrameLocks noGrp="1"/>
               </p:cNvGraphicFramePr>
               <p:nvPr>
+                <p:ph idx="1"/>
                 <p:extLst>
                   <p:ext uri="{D42A27DB-BD31-4B8C-83A1-F6EECF244321}">
-                    <p14:modId xmlns:p14="http://schemas.microsoft.com/office/powerpoint/2010/main" val="614804940"/>
+                    <p14:modId xmlns:p14="http://schemas.microsoft.com/office/powerpoint/2010/main" val="685761153"/>
                   </p:ext>
                 </p:extLst>
               </p:nvPr>
             </p:nvGraphicFramePr>
             <p:xfrm>
-              <a:off x="649194" y="3319774"/>
-              <a:ext cx="10900093" cy="3061481"/>
+              <a:off x="441434" y="3381848"/>
+              <a:ext cx="11603420" cy="3449765"/>
             </p:xfrm>
             <a:graphic>
               <a:graphicData uri="http://schemas.openxmlformats.org/drawingml/2006/table">
@@ -4226,409 +4654,380 @@
                     <a:tableStyleId>{5940675A-B579-460E-94D1-54222C63F5DA}</a:tableStyleId>
                   </a:tblPr>
                   <a:tblGrid>
-                    <a:gridCol w="1449705"/>
-                    <a:gridCol w="3300857"/>
-                    <a:gridCol w="3656394"/>
-                    <a:gridCol w="2493137"/>
+                    <a:gridCol w="1689106"/>
+                    <a:gridCol w="2245388"/>
+                    <a:gridCol w="1827205"/>
+                    <a:gridCol w="2757268"/>
+                    <a:gridCol w="3084453"/>
                   </a:tblGrid>
-                  <a:tr h="925374">
+                  <a:tr h="1213920">
                     <a:tc>
                       <a:txBody>
                         <a:bodyPr/>
                         <a:lstStyle/>
                         <a:p>
-                          <a:pPr algn="ctr"/>
                           <a:r>
-                            <a:rPr lang="en-US" sz="2600" dirty="0" smtClean="0">
-                              <a:latin typeface="Helvetica Neue"/>
+                            <a:rPr lang="en-US" sz="3000" dirty="0" smtClean="0">
+                              <a:latin typeface="Gill Sans" charset="0"/>
                               <a:ea typeface="Gill Sans" charset="0"/>
                               <a:cs typeface="Gill Sans" charset="0"/>
                             </a:rPr>
-                            <a:t>Material</a:t>
+                            <a:t>material</a:t>
                           </a:r>
-                          <a:endParaRPr lang="en-US" sz="2600" dirty="0">
-                            <a:latin typeface="Helvetica Neue"/>
+                          <a:endParaRPr lang="en-US" sz="3000" dirty="0">
+                            <a:latin typeface="Gill Sans" charset="0"/>
                             <a:ea typeface="Gill Sans" charset="0"/>
                             <a:cs typeface="Gill Sans" charset="0"/>
                           </a:endParaRPr>
                         </a:p>
                       </a:txBody>
-                      <a:tcPr anchor="ctr"/>
+                      <a:tcPr/>
                     </a:tc>
                     <a:tc>
                       <a:txBody>
                         <a:bodyPr/>
                         <a:lstStyle/>
                         <a:p>
-                          <a:pPr algn="ctr"/>
                           <a:r>
-                            <a:rPr lang="en-US" sz="2600" dirty="0" smtClean="0">
-                              <a:latin typeface="Helvetica Neue"/>
+                            <a:rPr lang="en-US" sz="3000" dirty="0" smtClean="0">
+                              <a:latin typeface="Gill Sans" charset="0"/>
                               <a:ea typeface="Gill Sans" charset="0"/>
                               <a:cs typeface="Gill Sans" charset="0"/>
                             </a:rPr>
-                            <a:t>Conductivity, </a:t>
+                            <a:t>Specific heat (</a:t>
                           </a:r>
                           <a14:m>
                             <m:oMath xmlns:m="http://schemas.openxmlformats.org/officeDocument/2006/math">
-                              <m:r>
-                                <a:rPr lang="en-US" sz="2600" b="0" i="1" smtClean="0">
-                                  <a:latin typeface="Cambria Math" panose="02040503050406030204" pitchFamily="18" charset="0"/>
-                                  <a:ea typeface="Gill Sans" charset="0"/>
-                                  <a:cs typeface="Gill Sans" charset="0"/>
-                                </a:rPr>
-                                <m:t>𝜅</m:t>
-                              </m:r>
-                            </m:oMath>
-                          </a14:m>
-                          <a:r>
-                            <a:rPr lang="en-US" sz="2600" dirty="0" smtClean="0">
-                              <a:latin typeface="Helvetica Neue"/>
-                              <a:ea typeface="Gill Sans" charset="0"/>
-                              <a:cs typeface="Gill Sans" charset="0"/>
-                            </a:rPr>
-                            <a:t> </a:t>
-                          </a:r>
-                          <a14:m>
-                            <m:oMath xmlns:m="http://schemas.openxmlformats.org/officeDocument/2006/math">
-                              <m:d>
-                                <m:dPr>
+                              <m:f>
+                                <m:fPr>
                                   <m:ctrlPr>
-                                    <a:rPr lang="en-US" sz="2600" b="0" i="1" smtClean="0">
-                                      <a:latin typeface="Cambria Math" panose="02040503050406030204" pitchFamily="18" charset="0"/>
+                                    <a:rPr lang="bg-BG" sz="3000" i="1" smtClean="0">
+                                      <a:latin typeface="Gill Sans" charset="0"/>
                                       <a:ea typeface="Gill Sans" charset="0"/>
                                       <a:cs typeface="Gill Sans" charset="0"/>
                                     </a:rPr>
                                   </m:ctrlPr>
-                                </m:dPr>
-                                <m:e>
-                                  <m:f>
-                                    <m:fPr>
-                                      <m:ctrlPr>
-                                        <a:rPr lang="bg-BG" sz="2600" i="1" smtClean="0">
-                                          <a:latin typeface="Cambria Math" panose="02040503050406030204" pitchFamily="18" charset="0"/>
-                                          <a:ea typeface="Gill Sans" charset="0"/>
-                                          <a:cs typeface="Gill Sans" charset="0"/>
-                                        </a:rPr>
-                                      </m:ctrlPr>
-                                    </m:fPr>
-                                    <m:num>
-                                      <m:r>
-                                        <m:rPr>
-                                          <m:sty m:val="p"/>
-                                        </m:rPr>
-                                        <a:rPr lang="en-US" sz="2600" b="0" i="0" smtClean="0">
-                                          <a:latin typeface="Cambria Math" panose="02040503050406030204" pitchFamily="18" charset="0"/>
-                                          <a:ea typeface="Gill Sans" charset="0"/>
-                                          <a:cs typeface="Gill Sans" charset="0"/>
-                                        </a:rPr>
-                                        <m:t>W</m:t>
-                                      </m:r>
-                                    </m:num>
-                                    <m:den>
-                                      <m:r>
-                                        <m:rPr>
-                                          <m:sty m:val="p"/>
-                                        </m:rPr>
-                                        <a:rPr lang="en-US" sz="2600" b="0" i="0" smtClean="0">
-                                          <a:latin typeface="Cambria Math" panose="02040503050406030204" pitchFamily="18" charset="0"/>
-                                          <a:ea typeface="Gill Sans" charset="0"/>
-                                          <a:cs typeface="Gill Sans" charset="0"/>
-                                        </a:rPr>
-                                        <m:t>m</m:t>
-                                      </m:r>
-                                      <m:r>
-                                        <a:rPr lang="en-US" sz="2600" b="0" i="1" smtClean="0">
-                                          <a:latin typeface="Cambria Math" panose="02040503050406030204" pitchFamily="18" charset="0"/>
-                                          <a:ea typeface="Cambria Math" panose="02040503050406030204" pitchFamily="18" charset="0"/>
-                                          <a:cs typeface="Gill Sans" charset="0"/>
-                                        </a:rPr>
-                                        <m:t>∙</m:t>
-                                      </m:r>
-                                      <m:r>
-                                        <m:rPr>
-                                          <m:sty m:val="p"/>
-                                        </m:rPr>
-                                        <a:rPr lang="en-US" sz="2600" b="0" i="0" smtClean="0">
-                                          <a:latin typeface="Cambria Math" panose="02040503050406030204" pitchFamily="18" charset="0"/>
-                                          <a:ea typeface="Gill Sans" charset="0"/>
-                                          <a:cs typeface="Gill Sans" charset="0"/>
-                                        </a:rPr>
-                                        <m:t>K</m:t>
-                                      </m:r>
-                                    </m:den>
-                                  </m:f>
-                                </m:e>
-                              </m:d>
+                                </m:fPr>
+                                <m:num>
+                                  <m:r>
+                                    <a:rPr lang="en-US" sz="3000" b="0" i="1" smtClean="0">
+                                      <a:latin typeface="Cambria Math" charset="0"/>
+                                      <a:ea typeface="Gill Sans" charset="0"/>
+                                      <a:cs typeface="Gill Sans" charset="0"/>
+                                    </a:rPr>
+                                    <m:t>𝐽</m:t>
+                                  </m:r>
+                                </m:num>
+                                <m:den>
+                                  <m:r>
+                                    <a:rPr lang="en-US" sz="3000" b="0" i="1" smtClean="0">
+                                      <a:latin typeface="Cambria Math" charset="0"/>
+                                      <a:ea typeface="Gill Sans" charset="0"/>
+                                      <a:cs typeface="Gill Sans" charset="0"/>
+                                    </a:rPr>
+                                    <m:t>𝑘𝑔</m:t>
+                                  </m:r>
+                                  <m:r>
+                                    <a:rPr lang="en-US" sz="3000" b="0" i="1" smtClean="0">
+                                      <a:latin typeface="Cambria Math" charset="0"/>
+                                      <a:ea typeface="Gill Sans" charset="0"/>
+                                      <a:cs typeface="Gill Sans" charset="0"/>
+                                    </a:rPr>
+                                    <m:t> ∗</m:t>
+                                  </m:r>
+                                  <m:r>
+                                    <a:rPr lang="en-US" sz="3000" b="0" i="1" smtClean="0">
+                                      <a:latin typeface="Cambria Math" charset="0"/>
+                                      <a:ea typeface="Gill Sans" charset="0"/>
+                                      <a:cs typeface="Gill Sans" charset="0"/>
+                                    </a:rPr>
+                                    <m:t>𝐾</m:t>
+                                  </m:r>
+                                </m:den>
+                              </m:f>
                             </m:oMath>
                           </a14:m>
-                          <a:endParaRPr lang="en-US" sz="2600" dirty="0">
-                            <a:latin typeface="Helvetica Neue"/>
+                          <a:r>
+                            <a:rPr lang="en-US" sz="3000" dirty="0" smtClean="0">
+                              <a:latin typeface="Gill Sans" charset="0"/>
+                              <a:ea typeface="Gill Sans" charset="0"/>
+                              <a:cs typeface="Gill Sans" charset="0"/>
+                            </a:rPr>
+                            <a:t>)</a:t>
+                          </a:r>
+                          <a:endParaRPr lang="en-US" sz="3000" dirty="0">
+                            <a:latin typeface="Gill Sans" charset="0"/>
                             <a:ea typeface="Gill Sans" charset="0"/>
                             <a:cs typeface="Gill Sans" charset="0"/>
                           </a:endParaRPr>
                         </a:p>
                       </a:txBody>
-                      <a:tcPr anchor="ctr"/>
+                      <a:tcPr/>
                     </a:tc>
                     <a:tc>
                       <a:txBody>
                         <a:bodyPr/>
                         <a:lstStyle/>
                         <a:p>
-                          <a:pPr algn="ctr"/>
                           <a:r>
-                            <a:rPr lang="en-US" sz="2600" dirty="0" smtClean="0">
-                              <a:latin typeface="Helvetica Neue"/>
+                            <a:rPr lang="en-US" sz="3000" dirty="0" smtClean="0">
+                              <a:latin typeface="Gill Sans" charset="0"/>
                               <a:ea typeface="Gill Sans" charset="0"/>
                               <a:cs typeface="Gill Sans" charset="0"/>
                             </a:rPr>
-                            <a:t>Specific Heat, </a:t>
+                            <a:t>Density (</a:t>
                           </a:r>
                           <a14:m>
                             <m:oMath xmlns:m="http://schemas.openxmlformats.org/officeDocument/2006/math">
-                              <m:sSub>
-                                <m:sSubPr>
+                              <m:f>
+                                <m:fPr>
                                   <m:ctrlPr>
-                                    <a:rPr lang="en-US" sz="2600" b="0" i="1" smtClean="0">
-                                      <a:latin typeface="Cambria Math" panose="02040503050406030204" pitchFamily="18" charset="0"/>
+                                    <a:rPr lang="bg-BG" sz="3000" i="1" smtClean="0">
+                                      <a:latin typeface="Gill Sans" charset="0"/>
                                       <a:ea typeface="Gill Sans" charset="0"/>
                                       <a:cs typeface="Gill Sans" charset="0"/>
                                     </a:rPr>
                                   </m:ctrlPr>
-                                </m:sSubPr>
-                                <m:e>
+                                </m:fPr>
+                                <m:num>
                                   <m:r>
-                                    <a:rPr lang="en-US" sz="2600" b="0" i="1" smtClean="0">
-                                      <a:latin typeface="Cambria Math" panose="02040503050406030204" pitchFamily="18" charset="0"/>
+                                    <a:rPr lang="en-US" sz="3000" b="0" i="1" smtClean="0">
+                                      <a:latin typeface="Gill Sans" charset="0"/>
                                       <a:ea typeface="Gill Sans" charset="0"/>
                                       <a:cs typeface="Gill Sans" charset="0"/>
                                     </a:rPr>
-                                    <m:t>𝑐</m:t>
+                                    <m:t>𝑘𝑔</m:t>
                                   </m:r>
-                                </m:e>
-                                <m:sub>
-                                  <m:r>
-                                    <a:rPr lang="en-US" sz="2600" b="0" i="1" smtClean="0">
-                                      <a:latin typeface="Cambria Math" panose="02040503050406030204" pitchFamily="18" charset="0"/>
-                                      <a:ea typeface="Gill Sans" charset="0"/>
-                                      <a:cs typeface="Gill Sans" charset="0"/>
-                                    </a:rPr>
-                                    <m:t>𝑃</m:t>
-                                  </m:r>
-                                </m:sub>
-                              </m:sSub>
-                            </m:oMath>
-                          </a14:m>
-                          <a:r>
-                            <a:rPr lang="en-US" sz="2600" dirty="0" smtClean="0">
-                              <a:latin typeface="Helvetica Neue"/>
-                              <a:ea typeface="Gill Sans" charset="0"/>
-                              <a:cs typeface="Gill Sans" charset="0"/>
-                            </a:rPr>
-                            <a:t> </a:t>
-                          </a:r>
-                          <a14:m>
-                            <m:oMath xmlns:m="http://schemas.openxmlformats.org/officeDocument/2006/math">
-                              <m:d>
-                                <m:dPr>
-                                  <m:ctrlPr>
-                                    <a:rPr lang="en-US" sz="2600" b="0" i="1" smtClean="0">
-                                      <a:latin typeface="Cambria Math" panose="02040503050406030204" pitchFamily="18" charset="0"/>
-                                      <a:ea typeface="Gill Sans" charset="0"/>
-                                      <a:cs typeface="Gill Sans" charset="0"/>
-                                    </a:rPr>
-                                  </m:ctrlPr>
-                                </m:dPr>
-                                <m:e>
-                                  <m:f>
-                                    <m:fPr>
+                                </m:num>
+                                <m:den>
+                                  <m:sSup>
+                                    <m:sSupPr>
                                       <m:ctrlPr>
-                                        <a:rPr lang="bg-BG" sz="2600" i="1" smtClean="0">
-                                          <a:latin typeface="Cambria Math" panose="02040503050406030204" pitchFamily="18" charset="0"/>
+                                        <a:rPr lang="bg-BG" sz="3000" i="1" smtClean="0">
+                                          <a:latin typeface="Gill Sans" charset="0"/>
                                           <a:ea typeface="Gill Sans" charset="0"/>
                                           <a:cs typeface="Gill Sans" charset="0"/>
                                         </a:rPr>
                                       </m:ctrlPr>
-                                    </m:fPr>
-                                    <m:num>
+                                    </m:sSupPr>
+                                    <m:e>
                                       <m:r>
-                                        <m:rPr>
-                                          <m:sty m:val="p"/>
-                                        </m:rPr>
-                                        <a:rPr lang="en-US" sz="2600" b="0" i="0" smtClean="0">
-                                          <a:latin typeface="Cambria Math" panose="02040503050406030204" pitchFamily="18" charset="0"/>
+                                        <a:rPr lang="en-US" sz="3000" b="0" i="1" smtClean="0">
+                                          <a:latin typeface="Gill Sans" charset="0"/>
                                           <a:ea typeface="Gill Sans" charset="0"/>
                                           <a:cs typeface="Gill Sans" charset="0"/>
                                         </a:rPr>
-                                        <m:t>J</m:t>
+                                        <m:t>𝑚</m:t>
                                       </m:r>
-                                    </m:num>
-                                    <m:den>
+                                    </m:e>
+                                    <m:sup>
                                       <m:r>
-                                        <m:rPr>
-                                          <m:sty m:val="p"/>
-                                        </m:rPr>
-                                        <a:rPr lang="en-US" sz="2600" b="0" i="0" smtClean="0">
-                                          <a:latin typeface="Cambria Math" panose="02040503050406030204" pitchFamily="18" charset="0"/>
+                                        <a:rPr lang="en-US" sz="3000" b="0" i="1" smtClean="0">
+                                          <a:latin typeface="Gill Sans" charset="0"/>
                                           <a:ea typeface="Gill Sans" charset="0"/>
                                           <a:cs typeface="Gill Sans" charset="0"/>
                                         </a:rPr>
-                                        <m:t>kg</m:t>
+                                        <m:t>3</m:t>
                                       </m:r>
-                                      <m:r>
-                                        <a:rPr lang="en-US" sz="2600" b="0" i="1" smtClean="0">
-                                          <a:latin typeface="Cambria Math" panose="02040503050406030204" pitchFamily="18" charset="0"/>
-                                          <a:ea typeface="Cambria Math" panose="02040503050406030204" pitchFamily="18" charset="0"/>
-                                          <a:cs typeface="Gill Sans" charset="0"/>
-                                        </a:rPr>
-                                        <m:t>∙</m:t>
-                                      </m:r>
-                                      <m:r>
-                                        <m:rPr>
-                                          <m:sty m:val="p"/>
-                                        </m:rPr>
-                                        <a:rPr lang="en-US" sz="2600" b="0" i="0" smtClean="0">
-                                          <a:latin typeface="Cambria Math" panose="02040503050406030204" pitchFamily="18" charset="0"/>
-                                          <a:ea typeface="Gill Sans" charset="0"/>
-                                          <a:cs typeface="Gill Sans" charset="0"/>
-                                        </a:rPr>
-                                        <m:t>K</m:t>
-                                      </m:r>
-                                    </m:den>
-                                  </m:f>
-                                </m:e>
-                              </m:d>
+                                    </m:sup>
+                                  </m:sSup>
+                                </m:den>
+                              </m:f>
                             </m:oMath>
                           </a14:m>
-                          <a:endParaRPr lang="en-US" sz="2600" dirty="0">
-                            <a:latin typeface="Helvetica Neue"/>
+                          <a:r>
+                            <a:rPr lang="en-US" sz="3000" dirty="0" smtClean="0">
+                              <a:latin typeface="Gill Sans" charset="0"/>
+                              <a:ea typeface="Gill Sans" charset="0"/>
+                              <a:cs typeface="Gill Sans" charset="0"/>
+                            </a:rPr>
+                            <a:t>)</a:t>
+                          </a:r>
+                          <a:endParaRPr lang="en-US" sz="3000" dirty="0">
+                            <a:latin typeface="Gill Sans" charset="0"/>
                             <a:ea typeface="Gill Sans" charset="0"/>
                             <a:cs typeface="Gill Sans" charset="0"/>
                           </a:endParaRPr>
                         </a:p>
                       </a:txBody>
-                      <a:tcPr anchor="ctr"/>
+                      <a:tcPr/>
                     </a:tc>
                     <a:tc>
                       <a:txBody>
                         <a:bodyPr/>
                         <a:lstStyle/>
                         <a:p>
-                          <a:pPr algn="ctr"/>
                           <a:r>
-                            <a:rPr lang="en-US" sz="2600" dirty="0" smtClean="0">
-                              <a:latin typeface="Helvetica Neue"/>
+                            <a:rPr lang="en-US" sz="3000" dirty="0" smtClean="0">
+                              <a:latin typeface="Gill Sans" charset="0"/>
                               <a:ea typeface="Gill Sans" charset="0"/>
                               <a:cs typeface="Gill Sans" charset="0"/>
                             </a:rPr>
-                            <a:t>Density, </a:t>
+                            <a:t>Conductivity (</a:t>
                           </a:r>
                           <a14:m>
                             <m:oMath xmlns:m="http://schemas.openxmlformats.org/officeDocument/2006/math">
-                              <m:r>
-                                <a:rPr lang="en-US" sz="2600" b="0" i="1" smtClean="0">
-                                  <a:latin typeface="Cambria Math" panose="02040503050406030204" pitchFamily="18" charset="0"/>
-                                  <a:ea typeface="Gill Sans" charset="0"/>
-                                  <a:cs typeface="Gill Sans" charset="0"/>
-                                </a:rPr>
-                                <m:t>𝜌</m:t>
-                              </m:r>
-                            </m:oMath>
-                          </a14:m>
-                          <a:r>
-                            <a:rPr lang="en-US" sz="2600" dirty="0" smtClean="0">
-                              <a:latin typeface="Helvetica Neue"/>
-                              <a:ea typeface="Gill Sans" charset="0"/>
-                              <a:cs typeface="Gill Sans" charset="0"/>
-                            </a:rPr>
-                            <a:t> </a:t>
-                          </a:r>
-                          <a14:m>
-                            <m:oMath xmlns:m="http://schemas.openxmlformats.org/officeDocument/2006/math">
-                              <m:d>
-                                <m:dPr>
+                              <m:f>
+                                <m:fPr>
                                   <m:ctrlPr>
-                                    <a:rPr lang="en-US" sz="2600" b="0" i="1" smtClean="0">
-                                      <a:latin typeface="Cambria Math" panose="02040503050406030204" pitchFamily="18" charset="0"/>
+                                    <a:rPr lang="bg-BG" sz="3000" i="1" smtClean="0">
+                                      <a:latin typeface="Gill Sans" charset="0"/>
                                       <a:ea typeface="Gill Sans" charset="0"/>
                                       <a:cs typeface="Gill Sans" charset="0"/>
                                     </a:rPr>
                                   </m:ctrlPr>
-                                </m:dPr>
-                                <m:e>
-                                  <m:f>
-                                    <m:fPr>
-                                      <m:ctrlPr>
-                                        <a:rPr lang="bg-BG" sz="2600" i="1" smtClean="0">
-                                          <a:latin typeface="Cambria Math" panose="02040503050406030204" pitchFamily="18" charset="0"/>
-                                          <a:ea typeface="Gill Sans" charset="0"/>
-                                          <a:cs typeface="Gill Sans" charset="0"/>
-                                        </a:rPr>
-                                      </m:ctrlPr>
-                                    </m:fPr>
-                                    <m:num>
-                                      <m:r>
-                                        <m:rPr>
-                                          <m:sty m:val="p"/>
-                                        </m:rPr>
-                                        <a:rPr lang="en-US" sz="2600" b="0" i="0" smtClean="0">
-                                          <a:latin typeface="Cambria Math" panose="02040503050406030204" pitchFamily="18" charset="0"/>
-                                          <a:ea typeface="Gill Sans" charset="0"/>
-                                          <a:cs typeface="Gill Sans" charset="0"/>
-                                        </a:rPr>
-                                        <m:t>kg</m:t>
-                                      </m:r>
-                                    </m:num>
-                                    <m:den>
-                                      <m:sSup>
-                                        <m:sSupPr>
-                                          <m:ctrlPr>
-                                            <a:rPr lang="bg-BG" sz="2600" i="1" smtClean="0">
-                                              <a:latin typeface="Cambria Math" panose="02040503050406030204" pitchFamily="18" charset="0"/>
-                                              <a:ea typeface="Gill Sans" charset="0"/>
-                                              <a:cs typeface="Gill Sans" charset="0"/>
-                                            </a:rPr>
-                                          </m:ctrlPr>
-                                        </m:sSupPr>
-                                        <m:e>
-                                          <m:r>
-                                            <m:rPr>
-                                              <m:sty m:val="p"/>
-                                            </m:rPr>
-                                            <a:rPr lang="en-US" sz="2600" b="0" i="0" smtClean="0">
-                                              <a:latin typeface="Cambria Math" panose="02040503050406030204" pitchFamily="18" charset="0"/>
-                                              <a:ea typeface="Gill Sans" charset="0"/>
-                                              <a:cs typeface="Gill Sans" charset="0"/>
-                                            </a:rPr>
-                                            <m:t>m</m:t>
-                                          </m:r>
-                                        </m:e>
-                                        <m:sup>
-                                          <m:r>
-                                            <a:rPr lang="en-US" sz="2600" b="0" i="1" smtClean="0">
-                                              <a:latin typeface="Cambria Math" panose="02040503050406030204" pitchFamily="18" charset="0"/>
-                                              <a:ea typeface="Gill Sans" charset="0"/>
-                                              <a:cs typeface="Gill Sans" charset="0"/>
-                                            </a:rPr>
-                                            <m:t>3</m:t>
-                                          </m:r>
-                                        </m:sup>
-                                      </m:sSup>
-                                    </m:den>
-                                  </m:f>
-                                </m:e>
-                              </m:d>
+                                </m:fPr>
+                                <m:num>
+                                  <m:r>
+                                    <a:rPr lang="en-US" sz="3000" b="0" i="1" smtClean="0">
+                                      <a:latin typeface="Cambria Math" charset="0"/>
+                                      <a:ea typeface="Gill Sans" charset="0"/>
+                                      <a:cs typeface="Gill Sans" charset="0"/>
+                                    </a:rPr>
+                                    <m:t>𝑊</m:t>
+                                  </m:r>
+                                </m:num>
+                                <m:den>
+                                  <m:r>
+                                    <a:rPr lang="en-US" sz="3000" b="0" i="1" smtClean="0">
+                                      <a:latin typeface="Cambria Math" charset="0"/>
+                                      <a:ea typeface="Gill Sans" charset="0"/>
+                                      <a:cs typeface="Gill Sans" charset="0"/>
+                                    </a:rPr>
+                                    <m:t>𝑚</m:t>
+                                  </m:r>
+                                  <m:r>
+                                    <a:rPr lang="en-US" sz="3000" b="0" i="1" smtClean="0">
+                                      <a:latin typeface="Cambria Math" charset="0"/>
+                                      <a:ea typeface="Gill Sans" charset="0"/>
+                                      <a:cs typeface="Gill Sans" charset="0"/>
+                                    </a:rPr>
+                                    <m:t>∗</m:t>
+                                  </m:r>
+                                  <m:r>
+                                    <a:rPr lang="en-US" sz="3000" b="0" i="1" smtClean="0">
+                                      <a:latin typeface="Cambria Math" charset="0"/>
+                                      <a:ea typeface="Gill Sans" charset="0"/>
+                                      <a:cs typeface="Gill Sans" charset="0"/>
+                                    </a:rPr>
+                                    <m:t>𝐾</m:t>
+                                  </m:r>
+                                </m:den>
+                              </m:f>
+                              <m:r>
+                                <a:rPr lang="en-US" sz="3000" b="0" i="1" smtClean="0">
+                                  <a:latin typeface="Gill Sans" charset="0"/>
+                                  <a:ea typeface="Gill Sans" charset="0"/>
+                                  <a:cs typeface="Gill Sans" charset="0"/>
+                                </a:rPr>
+                                <m:t>)</m:t>
+                              </m:r>
                             </m:oMath>
                           </a14:m>
-                          <a:endParaRPr lang="en-US" sz="2600" dirty="0">
-                            <a:latin typeface="Helvetica Neue"/>
+                          <a:endParaRPr lang="en-US" sz="3000" dirty="0">
+                            <a:latin typeface="Gill Sans" charset="0"/>
                             <a:ea typeface="Gill Sans" charset="0"/>
                             <a:cs typeface="Gill Sans" charset="0"/>
                           </a:endParaRPr>
                         </a:p>
                       </a:txBody>
-                      <a:tcPr anchor="ctr"/>
+                      <a:tcPr/>
+                    </a:tc>
+                    <a:tc>
+                      <a:txBody>
+                        <a:bodyPr/>
+                        <a:lstStyle/>
+                        <a:p>
+                          <a:r>
+                            <a:rPr lang="en-US" sz="3000" dirty="0" smtClean="0">
+                              <a:latin typeface="Gill Sans" charset="0"/>
+                              <a:ea typeface="Gill Sans" charset="0"/>
+                              <a:cs typeface="Gill Sans" charset="0"/>
+                            </a:rPr>
+                            <a:t>Constant</a:t>
+                          </a:r>
+                          <a:r>
+                            <a:rPr lang="en-US" sz="3000" baseline="0" dirty="0" smtClean="0">
+                              <a:latin typeface="Gill Sans" charset="0"/>
+                              <a:ea typeface="Gill Sans" charset="0"/>
+                              <a:cs typeface="Gill Sans" charset="0"/>
+                            </a:rPr>
+                            <a:t> K (</a:t>
+                          </a:r>
+                          <a14:m>
+                            <m:oMath xmlns:m="http://schemas.openxmlformats.org/officeDocument/2006/math">
+                              <m:f>
+                                <m:fPr>
+                                  <m:ctrlPr>
+                                    <a:rPr lang="bg-BG" sz="3000" i="1" baseline="0" smtClean="0">
+                                      <a:latin typeface="Cambria Math" charset="0"/>
+                                      <a:ea typeface="Gill Sans" charset="0"/>
+                                      <a:cs typeface="Gill Sans" charset="0"/>
+                                    </a:rPr>
+                                  </m:ctrlPr>
+                                </m:fPr>
+                                <m:num>
+                                  <m:sSup>
+                                    <m:sSupPr>
+                                      <m:ctrlPr>
+                                        <a:rPr lang="bg-BG" sz="3000" i="1" baseline="0" smtClean="0">
+                                          <a:latin typeface="Cambria Math" charset="0"/>
+                                          <a:ea typeface="Gill Sans" charset="0"/>
+                                          <a:cs typeface="Gill Sans" charset="0"/>
+                                        </a:rPr>
+                                      </m:ctrlPr>
+                                    </m:sSupPr>
+                                    <m:e>
+                                      <m:r>
+                                        <a:rPr lang="en-US" sz="3000" b="0" i="1" baseline="0" smtClean="0">
+                                          <a:latin typeface="Cambria Math" charset="0"/>
+                                          <a:ea typeface="Gill Sans" charset="0"/>
+                                          <a:cs typeface="Gill Sans" charset="0"/>
+                                        </a:rPr>
+                                        <m:t>𝑚</m:t>
+                                      </m:r>
+                                    </m:e>
+                                    <m:sup>
+                                      <m:r>
+                                        <a:rPr lang="en-US" sz="3000" b="0" i="1" baseline="0" smtClean="0">
+                                          <a:latin typeface="Cambria Math" charset="0"/>
+                                          <a:ea typeface="Gill Sans" charset="0"/>
+                                          <a:cs typeface="Gill Sans" charset="0"/>
+                                        </a:rPr>
+                                        <m:t>2</m:t>
+                                      </m:r>
+                                    </m:sup>
+                                  </m:sSup>
+                                </m:num>
+                                <m:den>
+                                  <m:r>
+                                    <a:rPr lang="en-US" sz="3000" b="0" i="1" baseline="0" smtClean="0">
+                                      <a:latin typeface="Cambria Math" charset="0"/>
+                                      <a:ea typeface="Gill Sans" charset="0"/>
+                                      <a:cs typeface="Gill Sans" charset="0"/>
+                                    </a:rPr>
+                                    <m:t>𝑠</m:t>
+                                  </m:r>
+                                </m:den>
+                              </m:f>
+                            </m:oMath>
+                          </a14:m>
+                          <a:r>
+                            <a:rPr lang="en-US" sz="3000" baseline="0" dirty="0" smtClean="0">
+                              <a:latin typeface="Gill Sans" charset="0"/>
+                              <a:ea typeface="Gill Sans" charset="0"/>
+                              <a:cs typeface="Gill Sans" charset="0"/>
+                            </a:rPr>
+                            <a:t>)</a:t>
+                          </a:r>
+                          <a:endParaRPr lang="en-US" sz="3000" dirty="0">
+                            <a:latin typeface="Gill Sans" charset="0"/>
+                            <a:ea typeface="Gill Sans" charset="0"/>
+                            <a:cs typeface="Gill Sans" charset="0"/>
+                          </a:endParaRPr>
+                        </a:p>
+                      </a:txBody>
+                      <a:tcPr/>
                     </a:tc>
                   </a:tr>
                   <a:tr h="537773">
@@ -4638,21 +5037,21 @@
                         <a:lstStyle/>
                         <a:p>
                           <a:r>
-                            <a:rPr lang="en-US" sz="2600" dirty="0" smtClean="0">
-                              <a:latin typeface="Helvetica Neue"/>
+                            <a:rPr lang="en-US" sz="3000" dirty="0" smtClean="0">
+                              <a:latin typeface="Gill Sans" charset="0"/>
                               <a:ea typeface="Gill Sans" charset="0"/>
                               <a:cs typeface="Gill Sans" charset="0"/>
                             </a:rPr>
-                            <a:t>Air</a:t>
+                            <a:t>air</a:t>
                           </a:r>
-                          <a:endParaRPr lang="en-US" sz="2600" dirty="0">
-                            <a:latin typeface="Helvetica Neue"/>
+                          <a:endParaRPr lang="en-US" sz="3000" dirty="0">
+                            <a:latin typeface="Gill Sans" charset="0"/>
                             <a:ea typeface="Gill Sans" charset="0"/>
                             <a:cs typeface="Gill Sans" charset="0"/>
                           </a:endParaRPr>
                         </a:p>
                       </a:txBody>
-                      <a:tcPr anchor="ctr"/>
+                      <a:tcPr/>
                     </a:tc>
                     <a:tc>
                       <a:txBody>
@@ -4660,21 +5059,21 @@
                         <a:lstStyle/>
                         <a:p>
                           <a:r>
-                            <a:rPr lang="is-IS" sz="2600" dirty="0" smtClean="0">
-                              <a:latin typeface="Helvetica Neue"/>
+                            <a:rPr lang="is-IS" sz="3000" dirty="0" smtClean="0">
+                              <a:latin typeface="Gill Sans" charset="0"/>
                               <a:ea typeface="Gill Sans" charset="0"/>
                               <a:cs typeface="Gill Sans" charset="0"/>
                             </a:rPr>
-                            <a:t>0.02624</a:t>
+                            <a:t>1000</a:t>
                           </a:r>
-                          <a:endParaRPr lang="en-US" sz="2600" dirty="0">
-                            <a:latin typeface="Helvetica Neue"/>
+                          <a:endParaRPr lang="en-US" sz="3000" dirty="0">
+                            <a:latin typeface="Gill Sans" charset="0"/>
                             <a:ea typeface="Gill Sans" charset="0"/>
                             <a:cs typeface="Gill Sans" charset="0"/>
                           </a:endParaRPr>
                         </a:p>
                       </a:txBody>
-                      <a:tcPr anchor="ctr"/>
+                      <a:tcPr/>
                     </a:tc>
                     <a:tc>
                       <a:txBody>
@@ -4682,21 +5081,21 @@
                         <a:lstStyle/>
                         <a:p>
                           <a:r>
-                            <a:rPr lang="en-US" sz="2600" dirty="0" smtClean="0">
-                              <a:latin typeface="Helvetica Neue"/>
+                            <a:rPr lang="uk-UA" sz="3000" dirty="0" smtClean="0">
+                              <a:latin typeface="Gill Sans" charset="0"/>
                               <a:ea typeface="Gill Sans" charset="0"/>
                               <a:cs typeface="Gill Sans" charset="0"/>
                             </a:rPr>
-                            <a:t>1000</a:t>
+                            <a:t>1.177</a:t>
                           </a:r>
-                          <a:endParaRPr lang="en-US" sz="2600" dirty="0">
-                            <a:latin typeface="Helvetica Neue"/>
+                          <a:endParaRPr lang="en-US" sz="3000" dirty="0">
+                            <a:latin typeface="Gill Sans" charset="0"/>
                             <a:ea typeface="Gill Sans" charset="0"/>
                             <a:cs typeface="Gill Sans" charset="0"/>
                           </a:endParaRPr>
                         </a:p>
                       </a:txBody>
-                      <a:tcPr anchor="ctr"/>
+                      <a:tcPr/>
                     </a:tc>
                     <a:tc>
                       <a:txBody>
@@ -4704,21 +5103,78 @@
                         <a:lstStyle/>
                         <a:p>
                           <a:r>
-                            <a:rPr lang="is-IS" sz="2600" dirty="0" smtClean="0">
-                              <a:latin typeface="Helvetica Neue"/>
+                            <a:rPr lang="is-IS" sz="3000" dirty="0" smtClean="0">
+                              <a:latin typeface="Gill Sans" charset="0"/>
                               <a:ea typeface="Gill Sans" charset="0"/>
                               <a:cs typeface="Gill Sans" charset="0"/>
                             </a:rPr>
-                            <a:t>1.177</a:t>
+                            <a:t>0.02624</a:t>
                           </a:r>
-                          <a:endParaRPr lang="en-US" sz="2600" dirty="0">
-                            <a:latin typeface="Helvetica Neue"/>
+                          <a:endParaRPr lang="en-US" sz="3000" dirty="0">
+                            <a:latin typeface="Gill Sans" charset="0"/>
                             <a:ea typeface="Gill Sans" charset="0"/>
                             <a:cs typeface="Gill Sans" charset="0"/>
                           </a:endParaRPr>
                         </a:p>
                       </a:txBody>
-                      <a:tcPr anchor="ctr"/>
+                      <a:tcPr/>
+                    </a:tc>
+                    <a:tc>
+                      <a:txBody>
+                        <a:bodyPr/>
+                        <a:lstStyle/>
+                        <a:p>
+                          <a:r>
+                            <a:rPr lang="en-US" sz="3000" dirty="0" smtClean="0">
+                              <a:latin typeface="Gill Sans" charset="0"/>
+                              <a:ea typeface="Gill Sans" charset="0"/>
+                              <a:cs typeface="Gill Sans" charset="0"/>
+                            </a:rPr>
+                            <a:t>2.23*</a:t>
+                          </a:r>
+                          <a14:m>
+                            <m:oMath xmlns:m="http://schemas.openxmlformats.org/officeDocument/2006/math">
+                              <m:sSup>
+                                <m:sSupPr>
+                                  <m:ctrlPr>
+                                    <a:rPr lang="en-US" sz="3000" i="1" smtClean="0">
+                                      <a:latin typeface="Cambria Math" charset="0"/>
+                                      <a:ea typeface="Gill Sans" charset="0"/>
+                                      <a:cs typeface="Gill Sans" charset="0"/>
+                                    </a:rPr>
+                                  </m:ctrlPr>
+                                </m:sSupPr>
+                                <m:e>
+                                  <m:r>
+                                    <a:rPr lang="en-US" sz="3000" b="0" i="1" smtClean="0">
+                                      <a:latin typeface="Cambria Math" charset="0"/>
+                                      <a:ea typeface="Gill Sans" charset="0"/>
+                                      <a:cs typeface="Gill Sans" charset="0"/>
+                                    </a:rPr>
+                                    <m:t>10</m:t>
+                                  </m:r>
+                                </m:e>
+                                <m:sup>
+                                  <m:r>
+                                    <a:rPr lang="en-US" sz="3000" b="0" i="1" smtClean="0">
+                                      <a:latin typeface="Cambria Math" charset="0"/>
+                                      <a:ea typeface="Gill Sans" charset="0"/>
+                                      <a:cs typeface="Gill Sans" charset="0"/>
+                                    </a:rPr>
+                                    <m:t>−5</m:t>
+                                  </m:r>
+                                </m:sup>
+                              </m:sSup>
+                            </m:oMath>
+                          </a14:m>
+                          <a:endParaRPr lang="en-US" sz="3000" dirty="0">
+                            <a:latin typeface="Gill Sans" charset="0"/>
+                            <a:ea typeface="Gill Sans" charset="0"/>
+                            <a:cs typeface="Gill Sans" charset="0"/>
+                          </a:endParaRPr>
+                        </a:p>
+                      </a:txBody>
+                      <a:tcPr/>
                     </a:tc>
                   </a:tr>
                   <a:tr h="532778">
@@ -4728,21 +5184,21 @@
                         <a:lstStyle/>
                         <a:p>
                           <a:r>
-                            <a:rPr lang="en-US" sz="2600" dirty="0" smtClean="0">
-                              <a:latin typeface="Helvetica Neue"/>
+                            <a:rPr lang="en-US" sz="3000" dirty="0" smtClean="0">
+                              <a:latin typeface="Gill Sans" charset="0"/>
                               <a:ea typeface="Gill Sans" charset="0"/>
                               <a:cs typeface="Gill Sans" charset="0"/>
                             </a:rPr>
-                            <a:t>Brick</a:t>
+                            <a:t>brick</a:t>
                           </a:r>
-                          <a:endParaRPr lang="en-US" sz="2600" dirty="0">
-                            <a:latin typeface="Helvetica Neue"/>
+                          <a:endParaRPr lang="en-US" sz="3000" dirty="0">
+                            <a:latin typeface="Gill Sans" charset="0"/>
                             <a:ea typeface="Gill Sans" charset="0"/>
                             <a:cs typeface="Gill Sans" charset="0"/>
                           </a:endParaRPr>
                         </a:p>
                       </a:txBody>
-                      <a:tcPr anchor="ctr"/>
+                      <a:tcPr/>
                     </a:tc>
                     <a:tc>
                       <a:txBody>
@@ -4750,21 +5206,21 @@
                         <a:lstStyle/>
                         <a:p>
                           <a:r>
-                            <a:rPr lang="is-IS" sz="2600" dirty="0" smtClean="0">
-                              <a:latin typeface="Helvetica Neue"/>
+                            <a:rPr lang="is-IS" sz="3000" dirty="0" smtClean="0">
+                              <a:latin typeface="Gill Sans" charset="0"/>
                               <a:ea typeface="Gill Sans" charset="0"/>
                               <a:cs typeface="Gill Sans" charset="0"/>
                             </a:rPr>
-                            <a:t>0.8</a:t>
+                            <a:t>900</a:t>
                           </a:r>
-                          <a:endParaRPr lang="en-US" sz="2600" dirty="0">
-                            <a:latin typeface="Helvetica Neue"/>
+                          <a:endParaRPr lang="en-US" sz="3000" dirty="0">
+                            <a:latin typeface="Gill Sans" charset="0"/>
                             <a:ea typeface="Gill Sans" charset="0"/>
                             <a:cs typeface="Gill Sans" charset="0"/>
                           </a:endParaRPr>
                         </a:p>
                       </a:txBody>
-                      <a:tcPr anchor="ctr"/>
+                      <a:tcPr/>
                     </a:tc>
                     <a:tc>
                       <a:txBody>
@@ -4772,21 +5228,21 @@
                         <a:lstStyle/>
                         <a:p>
                           <a:r>
-                            <a:rPr lang="is-IS" sz="2600" dirty="0" smtClean="0">
-                              <a:latin typeface="Helvetica Neue"/>
+                            <a:rPr lang="is-IS" sz="3000" dirty="0" smtClean="0">
+                              <a:latin typeface="Gill Sans" charset="0"/>
                               <a:ea typeface="Gill Sans" charset="0"/>
                               <a:cs typeface="Gill Sans" charset="0"/>
                             </a:rPr>
-                            <a:t>900</a:t>
+                            <a:t>1900</a:t>
                           </a:r>
-                          <a:endParaRPr lang="en-US" sz="2600" dirty="0">
-                            <a:latin typeface="Helvetica Neue"/>
+                          <a:endParaRPr lang="en-US" sz="3000" dirty="0">
+                            <a:latin typeface="Gill Sans" charset="0"/>
                             <a:ea typeface="Gill Sans" charset="0"/>
                             <a:cs typeface="Gill Sans" charset="0"/>
                           </a:endParaRPr>
                         </a:p>
                       </a:txBody>
-                      <a:tcPr anchor="ctr"/>
+                      <a:tcPr/>
                     </a:tc>
                     <a:tc>
                       <a:txBody>
@@ -4794,21 +5250,78 @@
                         <a:lstStyle/>
                         <a:p>
                           <a:r>
-                            <a:rPr lang="nb-NO" sz="2600" dirty="0" smtClean="0">
-                              <a:latin typeface="Helvetica Neue"/>
+                            <a:rPr lang="nb-NO" sz="3000" dirty="0" smtClean="0">
+                              <a:latin typeface="Gill Sans" charset="0"/>
                               <a:ea typeface="Gill Sans" charset="0"/>
                               <a:cs typeface="Gill Sans" charset="0"/>
                             </a:rPr>
-                            <a:t>1900</a:t>
+                            <a:t>0.8</a:t>
                           </a:r>
-                          <a:endParaRPr lang="en-US" sz="2600" dirty="0">
-                            <a:latin typeface="Helvetica Neue"/>
+                          <a:endParaRPr lang="en-US" sz="3000" dirty="0">
+                            <a:latin typeface="Gill Sans" charset="0"/>
                             <a:ea typeface="Gill Sans" charset="0"/>
                             <a:cs typeface="Gill Sans" charset="0"/>
                           </a:endParaRPr>
                         </a:p>
                       </a:txBody>
-                      <a:tcPr anchor="ctr"/>
+                      <a:tcPr/>
+                    </a:tc>
+                    <a:tc>
+                      <a:txBody>
+                        <a:bodyPr/>
+                        <a:lstStyle/>
+                        <a:p>
+                          <a:r>
+                            <a:rPr lang="en-US" sz="3000" dirty="0" smtClean="0">
+                              <a:latin typeface="Gill Sans" charset="0"/>
+                              <a:ea typeface="Gill Sans" charset="0"/>
+                              <a:cs typeface="Gill Sans" charset="0"/>
+                            </a:rPr>
+                            <a:t>4.68*</a:t>
+                          </a:r>
+                          <a14:m>
+                            <m:oMath xmlns:m="http://schemas.openxmlformats.org/officeDocument/2006/math">
+                              <m:sSup>
+                                <m:sSupPr>
+                                  <m:ctrlPr>
+                                    <a:rPr lang="en-US" sz="3000" i="1" smtClean="0">
+                                      <a:latin typeface="Cambria Math" charset="0"/>
+                                      <a:ea typeface="Gill Sans" charset="0"/>
+                                      <a:cs typeface="Gill Sans" charset="0"/>
+                                    </a:rPr>
+                                  </m:ctrlPr>
+                                </m:sSupPr>
+                                <m:e>
+                                  <m:r>
+                                    <a:rPr lang="en-US" sz="3000" b="0" i="1" smtClean="0">
+                                      <a:latin typeface="Cambria Math" charset="0"/>
+                                      <a:ea typeface="Gill Sans" charset="0"/>
+                                      <a:cs typeface="Gill Sans" charset="0"/>
+                                    </a:rPr>
+                                    <m:t>10</m:t>
+                                  </m:r>
+                                </m:e>
+                                <m:sup>
+                                  <m:r>
+                                    <a:rPr lang="en-US" sz="3000" b="0" i="1" smtClean="0">
+                                      <a:latin typeface="Cambria Math" charset="0"/>
+                                      <a:ea typeface="Gill Sans" charset="0"/>
+                                      <a:cs typeface="Gill Sans" charset="0"/>
+                                    </a:rPr>
+                                    <m:t>−7</m:t>
+                                  </m:r>
+                                </m:sup>
+                              </m:sSup>
+                            </m:oMath>
+                          </a14:m>
+                          <a:endParaRPr lang="en-US" sz="3000" dirty="0">
+                            <a:latin typeface="Gill Sans" charset="0"/>
+                            <a:ea typeface="Gill Sans" charset="0"/>
+                            <a:cs typeface="Gill Sans" charset="0"/>
+                          </a:endParaRPr>
+                        </a:p>
+                      </a:txBody>
+                      <a:tcPr/>
                     </a:tc>
                   </a:tr>
                   <a:tr h="532778">
@@ -4818,21 +5331,21 @@
                         <a:lstStyle/>
                         <a:p>
                           <a:r>
-                            <a:rPr lang="en-US" sz="2600" dirty="0" smtClean="0">
-                              <a:latin typeface="Helvetica Neue"/>
+                            <a:rPr lang="en-US" sz="3000" dirty="0" smtClean="0">
+                              <a:latin typeface="Gill Sans" charset="0"/>
                               <a:ea typeface="Gill Sans" charset="0"/>
                               <a:cs typeface="Gill Sans" charset="0"/>
                             </a:rPr>
-                            <a:t>Wood</a:t>
+                            <a:t>copper</a:t>
                           </a:r>
-                          <a:endParaRPr lang="en-US" sz="2600" dirty="0">
-                            <a:latin typeface="Helvetica Neue"/>
+                          <a:endParaRPr lang="en-US" sz="3000" dirty="0">
+                            <a:latin typeface="Gill Sans" charset="0"/>
                             <a:ea typeface="Gill Sans" charset="0"/>
                             <a:cs typeface="Gill Sans" charset="0"/>
                           </a:endParaRPr>
                         </a:p>
                       </a:txBody>
-                      <a:tcPr anchor="ctr"/>
+                      <a:tcPr/>
                     </a:tc>
                     <a:tc>
                       <a:txBody>
@@ -4840,21 +5353,21 @@
                         <a:lstStyle/>
                         <a:p>
                           <a:r>
-                            <a:rPr lang="en-US" sz="2600" dirty="0" smtClean="0">
-                              <a:latin typeface="Helvetica Neue"/>
+                            <a:rPr lang="uk-UA" sz="3000" dirty="0" smtClean="0">
+                              <a:latin typeface="Gill Sans" charset="0"/>
                               <a:ea typeface="Gill Sans" charset="0"/>
                               <a:cs typeface="Gill Sans" charset="0"/>
                             </a:rPr>
-                            <a:t>0.17</a:t>
+                            <a:t>390</a:t>
                           </a:r>
-                          <a:endParaRPr lang="en-US" sz="2600" dirty="0">
-                            <a:latin typeface="Helvetica Neue"/>
+                          <a:endParaRPr lang="en-US" sz="3000" dirty="0">
+                            <a:latin typeface="Gill Sans" charset="0"/>
                             <a:ea typeface="Gill Sans" charset="0"/>
                             <a:cs typeface="Gill Sans" charset="0"/>
                           </a:endParaRPr>
                         </a:p>
                       </a:txBody>
-                      <a:tcPr anchor="ctr"/>
+                      <a:tcPr/>
                     </a:tc>
                     <a:tc>
                       <a:txBody>
@@ -4862,21 +5375,21 @@
                         <a:lstStyle/>
                         <a:p>
                           <a:r>
-                            <a:rPr lang="fi-FI" sz="2600" dirty="0" smtClean="0">
-                              <a:latin typeface="Helvetica Neue"/>
+                            <a:rPr lang="fi-FI" sz="3000" dirty="0" smtClean="0">
+                              <a:latin typeface="Gill Sans" charset="0"/>
                               <a:ea typeface="Gill Sans" charset="0"/>
                               <a:cs typeface="Gill Sans" charset="0"/>
                             </a:rPr>
-                            <a:t>2000</a:t>
+                            <a:t>8790</a:t>
                           </a:r>
-                          <a:endParaRPr lang="en-US" sz="2600" dirty="0">
-                            <a:latin typeface="Helvetica Neue"/>
+                          <a:endParaRPr lang="en-US" sz="3000" dirty="0">
+                            <a:latin typeface="Gill Sans" charset="0"/>
                             <a:ea typeface="Gill Sans" charset="0"/>
                             <a:cs typeface="Gill Sans" charset="0"/>
                           </a:endParaRPr>
                         </a:p>
                       </a:txBody>
-                      <a:tcPr anchor="ctr"/>
+                      <a:tcPr/>
                     </a:tc>
                     <a:tc>
                       <a:txBody>
@@ -4884,21 +5397,78 @@
                         <a:lstStyle/>
                         <a:p>
                           <a:r>
-                            <a:rPr lang="is-IS" sz="2600" dirty="0" smtClean="0">
-                              <a:latin typeface="Helvetica Neue"/>
+                            <a:rPr lang="is-IS" sz="3000" dirty="0" smtClean="0">
+                              <a:latin typeface="Gill Sans" charset="0"/>
                               <a:ea typeface="Gill Sans" charset="0"/>
                               <a:cs typeface="Gill Sans" charset="0"/>
                             </a:rPr>
-                            <a:t>750</a:t>
+                            <a:t>401</a:t>
                           </a:r>
-                          <a:endParaRPr lang="en-US" sz="2600" dirty="0">
-                            <a:latin typeface="Helvetica Neue"/>
+                          <a:endParaRPr lang="en-US" sz="3000" dirty="0">
+                            <a:latin typeface="Gill Sans" charset="0"/>
                             <a:ea typeface="Gill Sans" charset="0"/>
                             <a:cs typeface="Gill Sans" charset="0"/>
                           </a:endParaRPr>
                         </a:p>
                       </a:txBody>
-                      <a:tcPr anchor="ctr"/>
+                      <a:tcPr/>
+                    </a:tc>
+                    <a:tc>
+                      <a:txBody>
+                        <a:bodyPr/>
+                        <a:lstStyle/>
+                        <a:p>
+                          <a:r>
+                            <a:rPr lang="en-US" sz="3000" dirty="0" smtClean="0">
+                              <a:latin typeface="Gill Sans" charset="0"/>
+                              <a:ea typeface="Gill Sans" charset="0"/>
+                              <a:cs typeface="Gill Sans" charset="0"/>
+                            </a:rPr>
+                            <a:t>1.17*</a:t>
+                          </a:r>
+                          <a14:m>
+                            <m:oMath xmlns:m="http://schemas.openxmlformats.org/officeDocument/2006/math">
+                              <m:sSup>
+                                <m:sSupPr>
+                                  <m:ctrlPr>
+                                    <a:rPr lang="en-US" sz="3000" i="1" smtClean="0">
+                                      <a:latin typeface="Cambria Math" charset="0"/>
+                                      <a:ea typeface="Gill Sans" charset="0"/>
+                                      <a:cs typeface="Gill Sans" charset="0"/>
+                                    </a:rPr>
+                                  </m:ctrlPr>
+                                </m:sSupPr>
+                                <m:e>
+                                  <m:r>
+                                    <a:rPr lang="en-US" sz="3000" b="0" i="1" smtClean="0">
+                                      <a:latin typeface="Cambria Math" charset="0"/>
+                                      <a:ea typeface="Gill Sans" charset="0"/>
+                                      <a:cs typeface="Gill Sans" charset="0"/>
+                                    </a:rPr>
+                                    <m:t>10</m:t>
+                                  </m:r>
+                                </m:e>
+                                <m:sup>
+                                  <m:r>
+                                    <a:rPr lang="en-US" sz="3000" b="0" i="1" smtClean="0">
+                                      <a:latin typeface="Cambria Math" charset="0"/>
+                                      <a:ea typeface="Gill Sans" charset="0"/>
+                                      <a:cs typeface="Gill Sans" charset="0"/>
+                                    </a:rPr>
+                                    <m:t>−4</m:t>
+                                  </m:r>
+                                </m:sup>
+                              </m:sSup>
+                            </m:oMath>
+                          </a14:m>
+                          <a:endParaRPr lang="en-US" sz="3000" dirty="0">
+                            <a:latin typeface="Gill Sans" charset="0"/>
+                            <a:ea typeface="Gill Sans" charset="0"/>
+                            <a:cs typeface="Gill Sans" charset="0"/>
+                          </a:endParaRPr>
+                        </a:p>
+                      </a:txBody>
+                      <a:tcPr/>
                     </a:tc>
                   </a:tr>
                   <a:tr h="532778">
@@ -4908,21 +5478,21 @@
                         <a:lstStyle/>
                         <a:p>
                           <a:r>
-                            <a:rPr lang="en-US" sz="2600" dirty="0" smtClean="0">
-                              <a:latin typeface="Helvetica Neue"/>
+                            <a:rPr lang="en-US" sz="3000" dirty="0" smtClean="0">
+                              <a:latin typeface="Gill Sans" charset="0"/>
                               <a:ea typeface="Gill Sans" charset="0"/>
                               <a:cs typeface="Gill Sans" charset="0"/>
                             </a:rPr>
-                            <a:t>Copper</a:t>
+                            <a:t>wood</a:t>
                           </a:r>
-                          <a:endParaRPr lang="en-US" sz="2600" dirty="0">
-                            <a:latin typeface="Helvetica Neue"/>
+                          <a:endParaRPr lang="en-US" sz="3000" dirty="0">
+                            <a:latin typeface="Gill Sans" charset="0"/>
                             <a:ea typeface="Gill Sans" charset="0"/>
                             <a:cs typeface="Gill Sans" charset="0"/>
                           </a:endParaRPr>
                         </a:p>
                       </a:txBody>
-                      <a:tcPr anchor="ctr"/>
+                      <a:tcPr/>
                     </a:tc>
                     <a:tc>
                       <a:txBody>
@@ -4930,21 +5500,21 @@
                         <a:lstStyle/>
                         <a:p>
                           <a:r>
-                            <a:rPr lang="is-IS" sz="2600" dirty="0" smtClean="0">
-                              <a:latin typeface="Helvetica Neue"/>
+                            <a:rPr lang="is-IS" sz="3000" dirty="0" smtClean="0">
+                              <a:latin typeface="Gill Sans" charset="0"/>
                               <a:ea typeface="Gill Sans" charset="0"/>
                               <a:cs typeface="Gill Sans" charset="0"/>
                             </a:rPr>
-                            <a:t>401</a:t>
+                            <a:t>2000</a:t>
                           </a:r>
-                          <a:endParaRPr lang="en-US" sz="2600" dirty="0">
-                            <a:latin typeface="Helvetica Neue"/>
+                          <a:endParaRPr lang="en-US" sz="3000" dirty="0">
+                            <a:latin typeface="Gill Sans" charset="0"/>
                             <a:ea typeface="Gill Sans" charset="0"/>
                             <a:cs typeface="Gill Sans" charset="0"/>
                           </a:endParaRPr>
                         </a:p>
                       </a:txBody>
-                      <a:tcPr anchor="ctr"/>
+                      <a:tcPr/>
                     </a:tc>
                     <a:tc>
                       <a:txBody>
@@ -4952,21 +5522,21 @@
                         <a:lstStyle/>
                         <a:p>
                           <a:r>
-                            <a:rPr lang="en-US" sz="2600" dirty="0" smtClean="0">
-                              <a:latin typeface="Helvetica Neue"/>
+                            <a:rPr lang="en-US" sz="3000" dirty="0" smtClean="0">
+                              <a:latin typeface="Gill Sans" charset="0"/>
                               <a:ea typeface="Gill Sans" charset="0"/>
                               <a:cs typeface="Gill Sans" charset="0"/>
                             </a:rPr>
-                            <a:t>390</a:t>
+                            <a:t>750</a:t>
                           </a:r>
-                          <a:endParaRPr lang="en-US" sz="2600" dirty="0">
-                            <a:latin typeface="Helvetica Neue"/>
+                          <a:endParaRPr lang="en-US" sz="3000" dirty="0">
+                            <a:latin typeface="Gill Sans" charset="0"/>
                             <a:ea typeface="Gill Sans" charset="0"/>
                             <a:cs typeface="Gill Sans" charset="0"/>
                           </a:endParaRPr>
                         </a:p>
                       </a:txBody>
-                      <a:tcPr anchor="ctr"/>
+                      <a:tcPr/>
                     </a:tc>
                     <a:tc>
                       <a:txBody>
@@ -4974,21 +5544,78 @@
                         <a:lstStyle/>
                         <a:p>
                           <a:r>
-                            <a:rPr lang="nb-NO" sz="2600" smtClean="0">
-                              <a:latin typeface="Helvetica Neue"/>
+                            <a:rPr lang="nb-NO" sz="3000" dirty="0" smtClean="0">
+                              <a:latin typeface="Gill Sans" charset="0"/>
                               <a:ea typeface="Gill Sans" charset="0"/>
                               <a:cs typeface="Gill Sans" charset="0"/>
                             </a:rPr>
-                            <a:t>8790</a:t>
+                            <a:t>0.17</a:t>
                           </a:r>
-                          <a:endParaRPr lang="en-US" sz="2600" dirty="0">
-                            <a:latin typeface="Helvetica Neue"/>
+                          <a:endParaRPr lang="en-US" sz="3000" dirty="0">
+                            <a:latin typeface="Gill Sans" charset="0"/>
                             <a:ea typeface="Gill Sans" charset="0"/>
                             <a:cs typeface="Gill Sans" charset="0"/>
                           </a:endParaRPr>
                         </a:p>
                       </a:txBody>
-                      <a:tcPr anchor="ctr"/>
+                      <a:tcPr/>
+                    </a:tc>
+                    <a:tc>
+                      <a:txBody>
+                        <a:bodyPr/>
+                        <a:lstStyle/>
+                        <a:p>
+                          <a:r>
+                            <a:rPr lang="en-US" sz="3000" dirty="0" smtClean="0">
+                              <a:latin typeface="Gill Sans" charset="0"/>
+                              <a:ea typeface="Gill Sans" charset="0"/>
+                              <a:cs typeface="Gill Sans" charset="0"/>
+                            </a:rPr>
+                            <a:t>1.13*</a:t>
+                          </a:r>
+                          <a14:m>
+                            <m:oMath xmlns:m="http://schemas.openxmlformats.org/officeDocument/2006/math">
+                              <m:sSup>
+                                <m:sSupPr>
+                                  <m:ctrlPr>
+                                    <a:rPr lang="en-US" sz="3000" i="1" smtClean="0">
+                                      <a:latin typeface="Cambria Math" charset="0"/>
+                                      <a:ea typeface="Gill Sans" charset="0"/>
+                                      <a:cs typeface="Gill Sans" charset="0"/>
+                                    </a:rPr>
+                                  </m:ctrlPr>
+                                </m:sSupPr>
+                                <m:e>
+                                  <m:r>
+                                    <a:rPr lang="en-US" sz="3000" b="0" i="1" smtClean="0">
+                                      <a:latin typeface="Cambria Math" charset="0"/>
+                                      <a:ea typeface="Gill Sans" charset="0"/>
+                                      <a:cs typeface="Gill Sans" charset="0"/>
+                                    </a:rPr>
+                                    <m:t>10</m:t>
+                                  </m:r>
+                                </m:e>
+                                <m:sup>
+                                  <m:r>
+                                    <a:rPr lang="en-US" sz="3000" b="0" i="1" smtClean="0">
+                                      <a:latin typeface="Cambria Math" charset="0"/>
+                                      <a:ea typeface="Gill Sans" charset="0"/>
+                                      <a:cs typeface="Gill Sans" charset="0"/>
+                                    </a:rPr>
+                                    <m:t>−7</m:t>
+                                  </m:r>
+                                </m:sup>
+                              </m:sSup>
+                            </m:oMath>
+                          </a14:m>
+                          <a:endParaRPr lang="en-US" sz="3000" dirty="0">
+                            <a:latin typeface="Gill Sans" charset="0"/>
+                            <a:ea typeface="Gill Sans" charset="0"/>
+                            <a:cs typeface="Gill Sans" charset="0"/>
+                          </a:endParaRPr>
+                        </a:p>
+                      </a:txBody>
+                      <a:tcPr/>
                     </a:tc>
                   </a:tr>
                 </a:tbl>
@@ -5001,19 +5628,20 @@
             <p:nvGraphicFramePr>
               <p:cNvPr id="4" name="Content Placeholder 3"/>
               <p:cNvGraphicFramePr>
-                <a:graphicFrameLocks/>
+                <a:graphicFrameLocks noGrp="1"/>
               </p:cNvGraphicFramePr>
               <p:nvPr>
+                <p:ph idx="1"/>
                 <p:extLst>
                   <p:ext uri="{D42A27DB-BD31-4B8C-83A1-F6EECF244321}">
-                    <p14:modId xmlns:p14="http://schemas.microsoft.com/office/powerpoint/2010/main" val="614804940"/>
+                    <p14:modId xmlns:p14="http://schemas.microsoft.com/office/powerpoint/2010/main" val="685761153"/>
                   </p:ext>
                 </p:extLst>
               </p:nvPr>
             </p:nvGraphicFramePr>
             <p:xfrm>
-              <a:off x="649194" y="3319774"/>
-              <a:ext cx="10900093" cy="3061481"/>
+              <a:off x="441434" y="3381848"/>
+              <a:ext cx="11603420" cy="3449765"/>
             </p:xfrm>
             <a:graphic>
               <a:graphicData uri="http://schemas.openxmlformats.org/drawingml/2006/table">
@@ -5022,34 +5650,34 @@
                     <a:tableStyleId>{5940675A-B579-460E-94D1-54222C63F5DA}</a:tableStyleId>
                   </a:tblPr>
                   <a:tblGrid>
-                    <a:gridCol w="1449705"/>
-                    <a:gridCol w="3300857"/>
-                    <a:gridCol w="3656394"/>
-                    <a:gridCol w="2493137"/>
+                    <a:gridCol w="1689106"/>
+                    <a:gridCol w="2245388"/>
+                    <a:gridCol w="1827205"/>
+                    <a:gridCol w="2757268"/>
+                    <a:gridCol w="3084453"/>
                   </a:tblGrid>
-                  <a:tr h="925374">
+                  <a:tr h="1250061">
                     <a:tc>
                       <a:txBody>
                         <a:bodyPr/>
                         <a:lstStyle/>
                         <a:p>
-                          <a:pPr algn="ctr"/>
                           <a:r>
-                            <a:rPr lang="en-US" sz="2600" dirty="0" smtClean="0">
-                              <a:latin typeface="Helvetica Neue"/>
+                            <a:rPr lang="en-US" sz="3000" dirty="0" smtClean="0">
+                              <a:latin typeface="Gill Sans" charset="0"/>
                               <a:ea typeface="Gill Sans" charset="0"/>
                               <a:cs typeface="Gill Sans" charset="0"/>
                             </a:rPr>
-                            <a:t>Material</a:t>
+                            <a:t>material</a:t>
                           </a:r>
-                          <a:endParaRPr lang="en-US" sz="2600" dirty="0">
-                            <a:latin typeface="Helvetica Neue"/>
+                          <a:endParaRPr lang="en-US" sz="3000" dirty="0">
+                            <a:latin typeface="Gill Sans" charset="0"/>
                             <a:ea typeface="Gill Sans" charset="0"/>
                             <a:cs typeface="Gill Sans" charset="0"/>
                           </a:endParaRPr>
                         </a:p>
                       </a:txBody>
-                      <a:tcPr anchor="ctr"/>
+                      <a:tcPr/>
                     </a:tc>
                     <a:tc>
                       <a:txBody>
@@ -5059,11 +5687,11 @@
                           <a:endParaRPr lang="en-US"/>
                         </a:p>
                       </a:txBody>
-                      <a:tcPr anchor="ctr">
+                      <a:tcPr>
                         <a:blipFill rotWithShape="0">
-                          <a:blip r:embed="rId3"/>
+                          <a:blip r:embed="rId2"/>
                           <a:stretch>
-                            <a:fillRect l="-44096" t="-658" r="-186531" b="-245395"/>
+                            <a:fillRect l="-75339" t="-5366" r="-341463" b="-192195"/>
                           </a:stretch>
                         </a:blipFill>
                       </a:tcPr>
@@ -5076,11 +5704,11 @@
                           <a:endParaRPr lang="en-US"/>
                         </a:p>
                       </a:txBody>
-                      <a:tcPr anchor="ctr">
+                      <a:tcPr>
                         <a:blipFill rotWithShape="0">
-                          <a:blip r:embed="rId3"/>
+                          <a:blip r:embed="rId2"/>
                           <a:stretch>
-                            <a:fillRect l="-130167" t="-658" r="-68500" b="-245395"/>
+                            <a:fillRect l="-216388" t="-5366" r="-321405" b="-192195"/>
                           </a:stretch>
                         </a:blipFill>
                       </a:tcPr>
@@ -5093,38 +5721,55 @@
                           <a:endParaRPr lang="en-US"/>
                         </a:p>
                       </a:txBody>
-                      <a:tcPr anchor="ctr">
+                      <a:tcPr>
                         <a:blipFill rotWithShape="0">
-                          <a:blip r:embed="rId3"/>
+                          <a:blip r:embed="rId2"/>
                           <a:stretch>
-                            <a:fillRect l="-337653" t="-658" r="-489" b="-245395"/>
+                            <a:fillRect l="-208830" t="-5366" r="-112141" b="-192195"/>
+                          </a:stretch>
+                        </a:blipFill>
+                      </a:tcPr>
+                    </a:tc>
+                    <a:tc>
+                      <a:txBody>
+                        <a:bodyPr/>
+                        <a:lstStyle/>
+                        <a:p>
+                          <a:endParaRPr lang="en-US"/>
+                        </a:p>
+                      </a:txBody>
+                      <a:tcPr>
+                        <a:blipFill rotWithShape="0">
+                          <a:blip r:embed="rId2"/>
+                          <a:stretch>
+                            <a:fillRect l="-276482" t="-5366" r="-395" b="-192195"/>
                           </a:stretch>
                         </a:blipFill>
                       </a:tcPr>
                     </a:tc>
                   </a:tr>
-                  <a:tr h="537773">
+                  <a:tr h="553784">
                     <a:tc>
                       <a:txBody>
                         <a:bodyPr/>
                         <a:lstStyle/>
                         <a:p>
                           <a:r>
-                            <a:rPr lang="en-US" sz="2600" dirty="0" smtClean="0">
-                              <a:latin typeface="Helvetica Neue"/>
+                            <a:rPr lang="en-US" sz="3000" dirty="0" smtClean="0">
+                              <a:latin typeface="Gill Sans" charset="0"/>
                               <a:ea typeface="Gill Sans" charset="0"/>
                               <a:cs typeface="Gill Sans" charset="0"/>
                             </a:rPr>
-                            <a:t>Air</a:t>
+                            <a:t>air</a:t>
                           </a:r>
-                          <a:endParaRPr lang="en-US" sz="2600" dirty="0">
-                            <a:latin typeface="Helvetica Neue"/>
+                          <a:endParaRPr lang="en-US" sz="3000" dirty="0">
+                            <a:latin typeface="Gill Sans" charset="0"/>
                             <a:ea typeface="Gill Sans" charset="0"/>
                             <a:cs typeface="Gill Sans" charset="0"/>
                           </a:endParaRPr>
                         </a:p>
                       </a:txBody>
-                      <a:tcPr anchor="ctr"/>
+                      <a:tcPr/>
                     </a:tc>
                     <a:tc>
                       <a:txBody>
@@ -5132,21 +5777,21 @@
                         <a:lstStyle/>
                         <a:p>
                           <a:r>
-                            <a:rPr lang="is-IS" sz="2600" dirty="0" smtClean="0">
-                              <a:latin typeface="Helvetica Neue"/>
+                            <a:rPr lang="is-IS" sz="3000" dirty="0" smtClean="0">
+                              <a:latin typeface="Gill Sans" charset="0"/>
                               <a:ea typeface="Gill Sans" charset="0"/>
                               <a:cs typeface="Gill Sans" charset="0"/>
                             </a:rPr>
-                            <a:t>0.02624</a:t>
+                            <a:t>1000</a:t>
                           </a:r>
-                          <a:endParaRPr lang="en-US" sz="2600" dirty="0">
-                            <a:latin typeface="Helvetica Neue"/>
+                          <a:endParaRPr lang="en-US" sz="3000" dirty="0">
+                            <a:latin typeface="Gill Sans" charset="0"/>
                             <a:ea typeface="Gill Sans" charset="0"/>
                             <a:cs typeface="Gill Sans" charset="0"/>
                           </a:endParaRPr>
                         </a:p>
                       </a:txBody>
-                      <a:tcPr anchor="ctr"/>
+                      <a:tcPr/>
                     </a:tc>
                     <a:tc>
                       <a:txBody>
@@ -5154,21 +5799,21 @@
                         <a:lstStyle/>
                         <a:p>
                           <a:r>
-                            <a:rPr lang="en-US" sz="2600" dirty="0" smtClean="0">
-                              <a:latin typeface="Helvetica Neue"/>
+                            <a:rPr lang="uk-UA" sz="3000" dirty="0" smtClean="0">
+                              <a:latin typeface="Gill Sans" charset="0"/>
                               <a:ea typeface="Gill Sans" charset="0"/>
                               <a:cs typeface="Gill Sans" charset="0"/>
                             </a:rPr>
-                            <a:t>1000</a:t>
+                            <a:t>1.177</a:t>
                           </a:r>
-                          <a:endParaRPr lang="en-US" sz="2600" dirty="0">
-                            <a:latin typeface="Helvetica Neue"/>
+                          <a:endParaRPr lang="en-US" sz="3000" dirty="0">
+                            <a:latin typeface="Gill Sans" charset="0"/>
                             <a:ea typeface="Gill Sans" charset="0"/>
                             <a:cs typeface="Gill Sans" charset="0"/>
                           </a:endParaRPr>
                         </a:p>
                       </a:txBody>
-                      <a:tcPr anchor="ctr"/>
+                      <a:tcPr/>
                     </a:tc>
                     <a:tc>
                       <a:txBody>
@@ -5176,45 +5821,62 @@
                         <a:lstStyle/>
                         <a:p>
                           <a:r>
-                            <a:rPr lang="is-IS" sz="2600" dirty="0" smtClean="0">
-                              <a:latin typeface="Helvetica Neue"/>
+                            <a:rPr lang="is-IS" sz="3000" dirty="0" smtClean="0">
+                              <a:latin typeface="Gill Sans" charset="0"/>
                               <a:ea typeface="Gill Sans" charset="0"/>
                               <a:cs typeface="Gill Sans" charset="0"/>
                             </a:rPr>
-                            <a:t>1.177</a:t>
+                            <a:t>0.02624</a:t>
                           </a:r>
-                          <a:endParaRPr lang="en-US" sz="2600" dirty="0">
-                            <a:latin typeface="Helvetica Neue"/>
+                          <a:endParaRPr lang="en-US" sz="3000" dirty="0">
+                            <a:latin typeface="Gill Sans" charset="0"/>
                             <a:ea typeface="Gill Sans" charset="0"/>
                             <a:cs typeface="Gill Sans" charset="0"/>
                           </a:endParaRPr>
                         </a:p>
                       </a:txBody>
-                      <a:tcPr anchor="ctr"/>
+                      <a:tcPr/>
+                    </a:tc>
+                    <a:tc>
+                      <a:txBody>
+                        <a:bodyPr/>
+                        <a:lstStyle/>
+                        <a:p>
+                          <a:endParaRPr lang="en-US"/>
+                        </a:p>
+                      </a:txBody>
+                      <a:tcPr>
+                        <a:blipFill rotWithShape="0">
+                          <a:blip r:embed="rId2"/>
+                          <a:stretch>
+                            <a:fillRect l="-276482" t="-237363" r="-395" b="-332967"/>
+                          </a:stretch>
+                        </a:blipFill>
+                      </a:tcPr>
                     </a:tc>
                   </a:tr>
-                  <a:tr h="532778">
+                  <a:tr h="548640">
                     <a:tc>
                       <a:txBody>
                         <a:bodyPr/>
                         <a:lstStyle/>
                         <a:p>
                           <a:r>
-                            <a:rPr lang="en-US" sz="2600" dirty="0" smtClean="0">
-                              <a:latin typeface="Helvetica Neue"/>
+                            <a:rPr lang="en-US" sz="3000" dirty="0" smtClean="0">
+                              <a:latin typeface="Gill Sans" charset="0"/>
                               <a:ea typeface="Gill Sans" charset="0"/>
                               <a:cs typeface="Gill Sans" charset="0"/>
                             </a:rPr>
-                            <a:t>Brick</a:t>
+                            <a:t>brick</a:t>
                           </a:r>
-                          <a:endParaRPr lang="en-US" sz="2600" dirty="0">
-                            <a:latin typeface="Helvetica Neue"/>
+                          <a:endParaRPr lang="en-US" sz="3000" dirty="0">
+                            <a:latin typeface="Gill Sans" charset="0"/>
                             <a:ea typeface="Gill Sans" charset="0"/>
                             <a:cs typeface="Gill Sans" charset="0"/>
                           </a:endParaRPr>
                         </a:p>
                       </a:txBody>
-                      <a:tcPr anchor="ctr"/>
+                      <a:tcPr/>
                     </a:tc>
                     <a:tc>
                       <a:txBody>
@@ -5222,21 +5884,21 @@
                         <a:lstStyle/>
                         <a:p>
                           <a:r>
-                            <a:rPr lang="is-IS" sz="2600" dirty="0" smtClean="0">
-                              <a:latin typeface="Helvetica Neue"/>
+                            <a:rPr lang="is-IS" sz="3000" dirty="0" smtClean="0">
+                              <a:latin typeface="Gill Sans" charset="0"/>
                               <a:ea typeface="Gill Sans" charset="0"/>
                               <a:cs typeface="Gill Sans" charset="0"/>
                             </a:rPr>
-                            <a:t>0.8</a:t>
+                            <a:t>900</a:t>
                           </a:r>
-                          <a:endParaRPr lang="en-US" sz="2600" dirty="0">
-                            <a:latin typeface="Helvetica Neue"/>
+                          <a:endParaRPr lang="en-US" sz="3000" dirty="0">
+                            <a:latin typeface="Gill Sans" charset="0"/>
                             <a:ea typeface="Gill Sans" charset="0"/>
                             <a:cs typeface="Gill Sans" charset="0"/>
                           </a:endParaRPr>
                         </a:p>
                       </a:txBody>
-                      <a:tcPr anchor="ctr"/>
+                      <a:tcPr/>
                     </a:tc>
                     <a:tc>
                       <a:txBody>
@@ -5244,21 +5906,21 @@
                         <a:lstStyle/>
                         <a:p>
                           <a:r>
-                            <a:rPr lang="is-IS" sz="2600" dirty="0" smtClean="0">
-                              <a:latin typeface="Helvetica Neue"/>
+                            <a:rPr lang="is-IS" sz="3000" dirty="0" smtClean="0">
+                              <a:latin typeface="Gill Sans" charset="0"/>
                               <a:ea typeface="Gill Sans" charset="0"/>
                               <a:cs typeface="Gill Sans" charset="0"/>
                             </a:rPr>
-                            <a:t>900</a:t>
+                            <a:t>1900</a:t>
                           </a:r>
-                          <a:endParaRPr lang="en-US" sz="2600" dirty="0">
-                            <a:latin typeface="Helvetica Neue"/>
+                          <a:endParaRPr lang="en-US" sz="3000" dirty="0">
+                            <a:latin typeface="Gill Sans" charset="0"/>
                             <a:ea typeface="Gill Sans" charset="0"/>
                             <a:cs typeface="Gill Sans" charset="0"/>
                           </a:endParaRPr>
                         </a:p>
                       </a:txBody>
-                      <a:tcPr anchor="ctr"/>
+                      <a:tcPr/>
                     </a:tc>
                     <a:tc>
                       <a:txBody>
@@ -5266,45 +5928,62 @@
                         <a:lstStyle/>
                         <a:p>
                           <a:r>
-                            <a:rPr lang="nb-NO" sz="2600" dirty="0" smtClean="0">
-                              <a:latin typeface="Helvetica Neue"/>
+                            <a:rPr lang="nb-NO" sz="3000" dirty="0" smtClean="0">
+                              <a:latin typeface="Gill Sans" charset="0"/>
                               <a:ea typeface="Gill Sans" charset="0"/>
                               <a:cs typeface="Gill Sans" charset="0"/>
                             </a:rPr>
-                            <a:t>1900</a:t>
+                            <a:t>0.8</a:t>
                           </a:r>
-                          <a:endParaRPr lang="en-US" sz="2600" dirty="0">
-                            <a:latin typeface="Helvetica Neue"/>
+                          <a:endParaRPr lang="en-US" sz="3000" dirty="0">
+                            <a:latin typeface="Gill Sans" charset="0"/>
                             <a:ea typeface="Gill Sans" charset="0"/>
                             <a:cs typeface="Gill Sans" charset="0"/>
                           </a:endParaRPr>
                         </a:p>
                       </a:txBody>
-                      <a:tcPr anchor="ctr"/>
+                      <a:tcPr/>
+                    </a:tc>
+                    <a:tc>
+                      <a:txBody>
+                        <a:bodyPr/>
+                        <a:lstStyle/>
+                        <a:p>
+                          <a:endParaRPr lang="en-US"/>
+                        </a:p>
+                      </a:txBody>
+                      <a:tcPr>
+                        <a:blipFill rotWithShape="0">
+                          <a:blip r:embed="rId2"/>
+                          <a:stretch>
+                            <a:fillRect l="-276482" t="-337363" r="-395" b="-232967"/>
+                          </a:stretch>
+                        </a:blipFill>
+                      </a:tcPr>
                     </a:tc>
                   </a:tr>
-                  <a:tr h="532778">
+                  <a:tr h="548640">
                     <a:tc>
                       <a:txBody>
                         <a:bodyPr/>
                         <a:lstStyle/>
                         <a:p>
                           <a:r>
-                            <a:rPr lang="en-US" sz="2600" dirty="0" smtClean="0">
-                              <a:latin typeface="Helvetica Neue"/>
+                            <a:rPr lang="en-US" sz="3000" dirty="0" smtClean="0">
+                              <a:latin typeface="Gill Sans" charset="0"/>
                               <a:ea typeface="Gill Sans" charset="0"/>
                               <a:cs typeface="Gill Sans" charset="0"/>
                             </a:rPr>
-                            <a:t>Wood</a:t>
+                            <a:t>copper</a:t>
                           </a:r>
-                          <a:endParaRPr lang="en-US" sz="2600" dirty="0">
-                            <a:latin typeface="Helvetica Neue"/>
+                          <a:endParaRPr lang="en-US" sz="3000" dirty="0">
+                            <a:latin typeface="Gill Sans" charset="0"/>
                             <a:ea typeface="Gill Sans" charset="0"/>
                             <a:cs typeface="Gill Sans" charset="0"/>
                           </a:endParaRPr>
                         </a:p>
                       </a:txBody>
-                      <a:tcPr anchor="ctr"/>
+                      <a:tcPr/>
                     </a:tc>
                     <a:tc>
                       <a:txBody>
@@ -5312,21 +5991,21 @@
                         <a:lstStyle/>
                         <a:p>
                           <a:r>
-                            <a:rPr lang="en-US" sz="2600" dirty="0" smtClean="0">
-                              <a:latin typeface="Helvetica Neue"/>
+                            <a:rPr lang="uk-UA" sz="3000" dirty="0" smtClean="0">
+                              <a:latin typeface="Gill Sans" charset="0"/>
                               <a:ea typeface="Gill Sans" charset="0"/>
                               <a:cs typeface="Gill Sans" charset="0"/>
                             </a:rPr>
-                            <a:t>0.17</a:t>
+                            <a:t>390</a:t>
                           </a:r>
-                          <a:endParaRPr lang="en-US" sz="2600" dirty="0">
-                            <a:latin typeface="Helvetica Neue"/>
+                          <a:endParaRPr lang="en-US" sz="3000" dirty="0">
+                            <a:latin typeface="Gill Sans" charset="0"/>
                             <a:ea typeface="Gill Sans" charset="0"/>
                             <a:cs typeface="Gill Sans" charset="0"/>
                           </a:endParaRPr>
                         </a:p>
                       </a:txBody>
-                      <a:tcPr anchor="ctr"/>
+                      <a:tcPr/>
                     </a:tc>
                     <a:tc>
                       <a:txBody>
@@ -5334,21 +6013,21 @@
                         <a:lstStyle/>
                         <a:p>
                           <a:r>
-                            <a:rPr lang="fi-FI" sz="2600" dirty="0" smtClean="0">
-                              <a:latin typeface="Helvetica Neue"/>
+                            <a:rPr lang="fi-FI" sz="3000" dirty="0" smtClean="0">
+                              <a:latin typeface="Gill Sans" charset="0"/>
                               <a:ea typeface="Gill Sans" charset="0"/>
                               <a:cs typeface="Gill Sans" charset="0"/>
                             </a:rPr>
-                            <a:t>2000</a:t>
+                            <a:t>8790</a:t>
                           </a:r>
-                          <a:endParaRPr lang="en-US" sz="2600" dirty="0">
-                            <a:latin typeface="Helvetica Neue"/>
+                          <a:endParaRPr lang="en-US" sz="3000" dirty="0">
+                            <a:latin typeface="Gill Sans" charset="0"/>
                             <a:ea typeface="Gill Sans" charset="0"/>
                             <a:cs typeface="Gill Sans" charset="0"/>
                           </a:endParaRPr>
                         </a:p>
                       </a:txBody>
-                      <a:tcPr anchor="ctr"/>
+                      <a:tcPr/>
                     </a:tc>
                     <a:tc>
                       <a:txBody>
@@ -5356,45 +6035,62 @@
                         <a:lstStyle/>
                         <a:p>
                           <a:r>
-                            <a:rPr lang="is-IS" sz="2600" dirty="0" smtClean="0">
-                              <a:latin typeface="Helvetica Neue"/>
+                            <a:rPr lang="is-IS" sz="3000" dirty="0" smtClean="0">
+                              <a:latin typeface="Gill Sans" charset="0"/>
                               <a:ea typeface="Gill Sans" charset="0"/>
                               <a:cs typeface="Gill Sans" charset="0"/>
                             </a:rPr>
-                            <a:t>750</a:t>
+                            <a:t>401</a:t>
                           </a:r>
-                          <a:endParaRPr lang="en-US" sz="2600" dirty="0">
-                            <a:latin typeface="Helvetica Neue"/>
+                          <a:endParaRPr lang="en-US" sz="3000" dirty="0">
+                            <a:latin typeface="Gill Sans" charset="0"/>
                             <a:ea typeface="Gill Sans" charset="0"/>
                             <a:cs typeface="Gill Sans" charset="0"/>
                           </a:endParaRPr>
                         </a:p>
                       </a:txBody>
-                      <a:tcPr anchor="ctr"/>
+                      <a:tcPr/>
+                    </a:tc>
+                    <a:tc>
+                      <a:txBody>
+                        <a:bodyPr/>
+                        <a:lstStyle/>
+                        <a:p>
+                          <a:endParaRPr lang="en-US"/>
+                        </a:p>
+                      </a:txBody>
+                      <a:tcPr>
+                        <a:blipFill rotWithShape="0">
+                          <a:blip r:embed="rId2"/>
+                          <a:stretch>
+                            <a:fillRect l="-276482" t="-442222" r="-395" b="-135556"/>
+                          </a:stretch>
+                        </a:blipFill>
+                      </a:tcPr>
                     </a:tc>
                   </a:tr>
-                  <a:tr h="532778">
+                  <a:tr h="548640">
                     <a:tc>
                       <a:txBody>
                         <a:bodyPr/>
                         <a:lstStyle/>
                         <a:p>
                           <a:r>
-                            <a:rPr lang="en-US" sz="2600" dirty="0" smtClean="0">
-                              <a:latin typeface="Helvetica Neue"/>
+                            <a:rPr lang="en-US" sz="3000" dirty="0" smtClean="0">
+                              <a:latin typeface="Gill Sans" charset="0"/>
                               <a:ea typeface="Gill Sans" charset="0"/>
                               <a:cs typeface="Gill Sans" charset="0"/>
                             </a:rPr>
-                            <a:t>Copper</a:t>
+                            <a:t>wood</a:t>
                           </a:r>
-                          <a:endParaRPr lang="en-US" sz="2600" dirty="0">
-                            <a:latin typeface="Helvetica Neue"/>
+                          <a:endParaRPr lang="en-US" sz="3000" dirty="0">
+                            <a:latin typeface="Gill Sans" charset="0"/>
                             <a:ea typeface="Gill Sans" charset="0"/>
                             <a:cs typeface="Gill Sans" charset="0"/>
                           </a:endParaRPr>
                         </a:p>
                       </a:txBody>
-                      <a:tcPr anchor="ctr"/>
+                      <a:tcPr/>
                     </a:tc>
                     <a:tc>
                       <a:txBody>
@@ -5402,21 +6098,21 @@
                         <a:lstStyle/>
                         <a:p>
                           <a:r>
-                            <a:rPr lang="is-IS" sz="2600" dirty="0" smtClean="0">
-                              <a:latin typeface="Helvetica Neue"/>
+                            <a:rPr lang="is-IS" sz="3000" dirty="0" smtClean="0">
+                              <a:latin typeface="Gill Sans" charset="0"/>
                               <a:ea typeface="Gill Sans" charset="0"/>
                               <a:cs typeface="Gill Sans" charset="0"/>
                             </a:rPr>
-                            <a:t>401</a:t>
+                            <a:t>2000</a:t>
                           </a:r>
-                          <a:endParaRPr lang="en-US" sz="2600" dirty="0">
-                            <a:latin typeface="Helvetica Neue"/>
+                          <a:endParaRPr lang="en-US" sz="3000" dirty="0">
+                            <a:latin typeface="Gill Sans" charset="0"/>
                             <a:ea typeface="Gill Sans" charset="0"/>
                             <a:cs typeface="Gill Sans" charset="0"/>
                           </a:endParaRPr>
                         </a:p>
                       </a:txBody>
-                      <a:tcPr anchor="ctr"/>
+                      <a:tcPr/>
                     </a:tc>
                     <a:tc>
                       <a:txBody>
@@ -5424,21 +6120,21 @@
                         <a:lstStyle/>
                         <a:p>
                           <a:r>
-                            <a:rPr lang="en-US" sz="2600" dirty="0" smtClean="0">
-                              <a:latin typeface="Helvetica Neue"/>
+                            <a:rPr lang="en-US" sz="3000" dirty="0" smtClean="0">
+                              <a:latin typeface="Gill Sans" charset="0"/>
                               <a:ea typeface="Gill Sans" charset="0"/>
                               <a:cs typeface="Gill Sans" charset="0"/>
                             </a:rPr>
-                            <a:t>390</a:t>
+                            <a:t>750</a:t>
                           </a:r>
-                          <a:endParaRPr lang="en-US" sz="2600" dirty="0">
-                            <a:latin typeface="Helvetica Neue"/>
+                          <a:endParaRPr lang="en-US" sz="3000" dirty="0">
+                            <a:latin typeface="Gill Sans" charset="0"/>
                             <a:ea typeface="Gill Sans" charset="0"/>
                             <a:cs typeface="Gill Sans" charset="0"/>
                           </a:endParaRPr>
                         </a:p>
                       </a:txBody>
-                      <a:tcPr anchor="ctr"/>
+                      <a:tcPr/>
                     </a:tc>
                     <a:tc>
                       <a:txBody>
@@ -5446,21 +6142,38 @@
                         <a:lstStyle/>
                         <a:p>
                           <a:r>
-                            <a:rPr lang="nb-NO" sz="2600" smtClean="0">
-                              <a:latin typeface="Helvetica Neue"/>
+                            <a:rPr lang="nb-NO" sz="3000" dirty="0" smtClean="0">
+                              <a:latin typeface="Gill Sans" charset="0"/>
                               <a:ea typeface="Gill Sans" charset="0"/>
                               <a:cs typeface="Gill Sans" charset="0"/>
                             </a:rPr>
-                            <a:t>8790</a:t>
+                            <a:t>0.17</a:t>
                           </a:r>
-                          <a:endParaRPr lang="en-US" sz="2600" dirty="0">
-                            <a:latin typeface="Helvetica Neue"/>
+                          <a:endParaRPr lang="en-US" sz="3000" dirty="0">
+                            <a:latin typeface="Gill Sans" charset="0"/>
                             <a:ea typeface="Gill Sans" charset="0"/>
                             <a:cs typeface="Gill Sans" charset="0"/>
                           </a:endParaRPr>
                         </a:p>
                       </a:txBody>
-                      <a:tcPr anchor="ctr"/>
+                      <a:tcPr/>
+                    </a:tc>
+                    <a:tc>
+                      <a:txBody>
+                        <a:bodyPr/>
+                        <a:lstStyle/>
+                        <a:p>
+                          <a:endParaRPr lang="en-US"/>
+                        </a:p>
+                      </a:txBody>
+                      <a:tcPr>
+                        <a:blipFill rotWithShape="0">
+                          <a:blip r:embed="rId2"/>
+                          <a:stretch>
+                            <a:fillRect l="-276482" t="-542222" r="-395" b="-35556"/>
+                          </a:stretch>
+                        </a:blipFill>
+                      </a:tcPr>
                     </a:tc>
                   </a:tr>
                 </a:tbl>
@@ -5469,16 +6182,125 @@
           </p:graphicFrame>
         </mc:Fallback>
       </mc:AlternateContent>
+      <p:sp>
+        <p:nvSpPr>
+          <p:cNvPr id="6" name="TextBox 5"/>
+          <p:cNvSpPr txBox="1"/>
+          <p:nvPr/>
+        </p:nvSpPr>
+        <p:spPr>
+          <a:xfrm>
+            <a:off x="441435" y="2697303"/>
+            <a:ext cx="3485656" cy="830997"/>
+          </a:xfrm>
+          <a:prstGeom prst="rect">
+            <a:avLst/>
+          </a:prstGeom>
+          <a:noFill/>
+        </p:spPr>
+        <p:txBody>
+          <a:bodyPr wrap="square" rtlCol="0">
+            <a:spAutoFit/>
+          </a:bodyPr>
+          <a:lstStyle/>
+          <a:p>
+            <a:pPr marL="228600" lvl="0" indent="-228600">
+              <a:buFont typeface="Arial" charset="0"/>
+              <a:buChar char="•"/>
+            </a:pPr>
+            <a:r>
+              <a:rPr lang="en-US" sz="3000" dirty="0" smtClean="0">
+                <a:solidFill>
+                  <a:prstClr val="black"/>
+                </a:solidFill>
+                <a:latin typeface="Gill Sans" charset="0"/>
+                <a:ea typeface="Gill Sans" charset="0"/>
+                <a:cs typeface="Gill Sans" charset="0"/>
+              </a:rPr>
+              <a:t>  parameters</a:t>
+            </a:r>
+            <a:endParaRPr lang="en-US" sz="3000" dirty="0">
+              <a:solidFill>
+                <a:prstClr val="black"/>
+              </a:solidFill>
+              <a:latin typeface="Gill Sans" charset="0"/>
+              <a:ea typeface="Gill Sans" charset="0"/>
+              <a:cs typeface="Gill Sans" charset="0"/>
+            </a:endParaRPr>
+          </a:p>
+          <a:p>
+            <a:endParaRPr lang="en-US" dirty="0"/>
+          </a:p>
+        </p:txBody>
+      </p:sp>
+      <p:sp>
+        <p:nvSpPr>
+          <p:cNvPr id="9" name="TextBox 8"/>
+          <p:cNvSpPr txBox="1"/>
+          <p:nvPr/>
+        </p:nvSpPr>
+        <p:spPr>
+          <a:xfrm>
+            <a:off x="583324" y="1324303"/>
+            <a:ext cx="11219793" cy="1938992"/>
+          </a:xfrm>
+          <a:prstGeom prst="rect">
+            <a:avLst/>
+          </a:prstGeom>
+          <a:noFill/>
+        </p:spPr>
+        <p:txBody>
+          <a:bodyPr wrap="square" rtlCol="0">
+            <a:spAutoFit/>
+          </a:bodyPr>
+          <a:lstStyle/>
+          <a:p>
+            <a:pPr marL="457200" indent="-457200">
+              <a:buFont typeface="Arial" charset="0"/>
+              <a:buChar char="•"/>
+            </a:pPr>
+            <a:r>
+              <a:rPr lang="en-US" sz="3000" dirty="0" smtClean="0">
+                <a:solidFill>
+                  <a:schemeClr val="tx1"/>
+                </a:solidFill>
+                <a:latin typeface="Gill Sans" charset="0"/>
+                <a:ea typeface="Gill Sans" charset="0"/>
+                <a:cs typeface="Gill Sans" charset="0"/>
+              </a:rPr>
+              <a:t>Crank-Nicolson algorithm was used to solve the Heat equation with the boundary conditions set based on common temperatures in Arizona     </a:t>
+            </a:r>
+          </a:p>
+          <a:p>
+            <a:pPr marL="914400" lvl="1" indent="-457200">
+              <a:buFont typeface="Arial" charset="0"/>
+              <a:buChar char="•"/>
+            </a:pPr>
+            <a:endParaRPr lang="en-US" sz="3000" dirty="0">
+              <a:latin typeface="Gill Sans" charset="0"/>
+              <a:ea typeface="Gill Sans" charset="0"/>
+              <a:cs typeface="Gill Sans" charset="0"/>
+            </a:endParaRPr>
+          </a:p>
+        </p:txBody>
+      </p:sp>
     </p:spTree>
     <p:extLst>
       <p:ext uri="{BB962C8B-B14F-4D97-AF65-F5344CB8AC3E}">
-        <p14:creationId xmlns:p14="http://schemas.microsoft.com/office/powerpoint/2010/main" val="2241738497"/>
+        <p14:creationId xmlns:p14="http://schemas.microsoft.com/office/powerpoint/2010/main" val="796719753"/>
       </p:ext>
     </p:extLst>
   </p:cSld>
   <p:clrMapOvr>
     <a:masterClrMapping/>
   </p:clrMapOvr>
+  <p:timing>
+    <p:tnLst>
+      <p:par>
+        <p:cTn id="1" dur="indefinite" restart="never" nodeType="tmRoot"/>
+      </p:par>
+    </p:tnLst>
+  </p:timing>
 </p:sld>
 </file>
 
@@ -5501,63 +6323,101 @@
       </p:grpSpPr>
       <p:sp>
         <p:nvSpPr>
-          <p:cNvPr id="2" name="Title 1"/>
-          <p:cNvSpPr>
-            <a:spLocks noGrp="1"/>
-          </p:cNvSpPr>
-          <p:nvPr>
-            <p:ph type="title"/>
-          </p:nvPr>
+          <p:cNvPr id="3" name="TextBox 2"/>
+          <p:cNvSpPr txBox="1"/>
+          <p:nvPr/>
         </p:nvSpPr>
         <p:spPr>
           <a:xfrm>
-            <a:off x="155642" y="311280"/>
-            <a:ext cx="11887201" cy="1011677"/>
+            <a:off x="3462403" y="1198180"/>
+            <a:ext cx="5240163" cy="2554545"/>
           </a:xfrm>
+          <a:prstGeom prst="rect">
+            <a:avLst/>
+          </a:prstGeom>
+          <a:noFill/>
         </p:spPr>
         <p:txBody>
-          <a:bodyPr>
-            <a:normAutofit/>
+          <a:bodyPr wrap="square" rtlCol="0">
+            <a:spAutoFit/>
           </a:bodyPr>
           <a:lstStyle/>
           <a:p>
-            <a:pPr algn="ctr"/>
-            <a:r>
-              <a:rPr lang="en-US" sz="4000" b="1" dirty="0" smtClean="0">
-                <a:latin typeface="Helvetica Neue"/>
+            <a:pPr lvl="1"/>
+            <a:r>
+              <a:rPr lang="en-US" sz="4000" dirty="0" smtClean="0">
+                <a:latin typeface="Gill Sans" charset="0"/>
+                <a:ea typeface="Gill Sans" charset="0"/>
+                <a:cs typeface="Gill Sans" charset="0"/>
               </a:rPr>
-              <a:t>Crank-Nicolson Algorithm</a:t>
-            </a:r>
-            <a:endParaRPr lang="en-US" sz="4000" b="1" dirty="0">
-              <a:latin typeface="Helvetica Neue"/>
+              <a:t>Libraries used  </a:t>
+            </a:r>
+          </a:p>
+          <a:p>
+            <a:pPr marL="514350" indent="-514350">
+              <a:buFont typeface="+mj-lt"/>
+              <a:buAutoNum type="arabicPeriod"/>
+            </a:pPr>
+            <a:r>
+              <a:rPr lang="en-US" sz="3000" dirty="0" err="1" smtClean="0">
+                <a:latin typeface="Gill Sans" charset="0"/>
+                <a:ea typeface="Gill Sans" charset="0"/>
+                <a:cs typeface="Gill Sans" charset="0"/>
+              </a:rPr>
+              <a:t>Numpy</a:t>
+            </a:r>
+            <a:endParaRPr lang="en-US" sz="3000" dirty="0" smtClean="0">
+              <a:latin typeface="Gill Sans" charset="0"/>
+              <a:ea typeface="Gill Sans" charset="0"/>
+              <a:cs typeface="Gill Sans" charset="0"/>
             </a:endParaRPr>
           </a:p>
-        </p:txBody>
-      </p:sp>
-      <p:sp>
-        <p:nvSpPr>
-          <p:cNvPr id="3" name="Content Placeholder 2"/>
-          <p:cNvSpPr>
-            <a:spLocks noGrp="1"/>
-          </p:cNvSpPr>
-          <p:nvPr>
-            <p:ph idx="1"/>
-          </p:nvPr>
-        </p:nvSpPr>
-        <p:spPr>
-          <a:xfrm>
-            <a:off x="486382" y="1381324"/>
-            <a:ext cx="11225719" cy="5000017"/>
-          </a:xfrm>
-        </p:spPr>
-        <p:txBody>
-          <a:bodyPr>
-            <a:normAutofit/>
-          </a:bodyPr>
-          <a:lstStyle/>
-          <a:p>
+          <a:p>
+            <a:pPr marL="514350" indent="-514350">
+              <a:buFont typeface="+mj-lt"/>
+              <a:buAutoNum type="arabicPeriod"/>
+            </a:pPr>
+            <a:r>
+              <a:rPr lang="en-US" sz="3000" dirty="0" smtClean="0">
+                <a:latin typeface="Gill Sans" charset="0"/>
+                <a:ea typeface="Gill Sans" charset="0"/>
+                <a:cs typeface="Gill Sans" charset="0"/>
+              </a:rPr>
+              <a:t> </a:t>
+            </a:r>
+            <a:r>
+              <a:rPr lang="en-US" sz="3000" dirty="0" err="1" smtClean="0">
+                <a:latin typeface="Gill Sans" charset="0"/>
+                <a:ea typeface="Gill Sans" charset="0"/>
+                <a:cs typeface="Gill Sans" charset="0"/>
+              </a:rPr>
+              <a:t>matplotlib.pyplot</a:t>
+            </a:r>
             <a:endParaRPr lang="en-US" sz="3000" dirty="0" smtClean="0">
-              <a:latin typeface="Helvetica Neue"/>
+              <a:latin typeface="Gill Sans" charset="0"/>
+              <a:ea typeface="Gill Sans" charset="0"/>
+              <a:cs typeface="Gill Sans" charset="0"/>
+            </a:endParaRPr>
+          </a:p>
+          <a:p>
+            <a:pPr marL="514350" indent="-514350">
+              <a:buFont typeface="+mj-lt"/>
+              <a:buAutoNum type="arabicPeriod"/>
+            </a:pPr>
+            <a:r>
+              <a:rPr lang="en-US" sz="3000" dirty="0" smtClean="0">
+                <a:latin typeface="Gill Sans" charset="0"/>
+                <a:ea typeface="Gill Sans" charset="0"/>
+                <a:cs typeface="Gill Sans" charset="0"/>
+              </a:rPr>
+              <a:t>mpl_toolkits.mplot3d</a:t>
+            </a:r>
+          </a:p>
+          <a:p>
+            <a:endParaRPr lang="en-US" sz="3000" dirty="0" smtClean="0">
+              <a:latin typeface="Gill Sans" charset="0"/>
+              <a:ea typeface="Gill Sans" charset="0"/>
+              <a:cs typeface="Gill Sans" charset="0"/>
             </a:endParaRPr>
           </a:p>
         </p:txBody>
@@ -5565,13 +6425,20 @@
     </p:spTree>
     <p:extLst>
       <p:ext uri="{BB962C8B-B14F-4D97-AF65-F5344CB8AC3E}">
-        <p14:creationId xmlns:p14="http://schemas.microsoft.com/office/powerpoint/2010/main" val="1581791542"/>
+        <p14:creationId xmlns:p14="http://schemas.microsoft.com/office/powerpoint/2010/main" val="900320228"/>
       </p:ext>
     </p:extLst>
   </p:cSld>
   <p:clrMapOvr>
     <a:masterClrMapping/>
   </p:clrMapOvr>
+  <p:timing>
+    <p:tnLst>
+      <p:par>
+        <p:cTn id="1" dur="indefinite" restart="never" nodeType="tmRoot"/>
+      </p:par>
+    </p:tnLst>
+  </p:timing>
 </p:sld>
 </file>
 
@@ -5846,14 +6713,14 @@
           <a:lstStyle/>
           <a:p>
             <a:r>
-              <a:rPr lang="en-US" sz="3000" smtClean="0">
+              <a:rPr lang="en-US" sz="3000" dirty="0" smtClean="0">
                 <a:latin typeface="Gill Sans" charset="0"/>
                 <a:ea typeface="Gill Sans" charset="0"/>
                 <a:cs typeface="Gill Sans" charset="0"/>
               </a:rPr>
               <a:t>Temperature distribution inside home</a:t>
             </a:r>
-            <a:endParaRPr lang="en-US" sz="3000">
+            <a:endParaRPr lang="en-US" sz="3000" dirty="0">
               <a:latin typeface="Gill Sans" charset="0"/>
               <a:ea typeface="Gill Sans" charset="0"/>
               <a:cs typeface="Gill Sans" charset="0"/>
@@ -5900,7 +6767,7 @@
       </p:grpSpPr>
       <p:pic>
         <p:nvPicPr>
-          <p:cNvPr id="5" name="Picture 4"/>
+          <p:cNvPr id="2" name="Picture 1"/>
           <p:cNvPicPr>
             <a:picLocks noChangeAspect="1"/>
           </p:cNvPicPr>
@@ -5920,8 +6787,8 @@
         </p:blipFill>
         <p:spPr>
           <a:xfrm>
-            <a:off x="1166648" y="252248"/>
-            <a:ext cx="9616966" cy="5517931"/>
+            <a:off x="220717" y="-1"/>
+            <a:ext cx="11130455" cy="5580993"/>
           </a:xfrm>
           <a:prstGeom prst="rect">
             <a:avLst/>
@@ -5930,14 +6797,14 @@
       </p:pic>
       <p:sp>
         <p:nvSpPr>
-          <p:cNvPr id="7" name="TextBox 6"/>
+          <p:cNvPr id="3" name="TextBox 2"/>
           <p:cNvSpPr txBox="1"/>
           <p:nvPr/>
         </p:nvSpPr>
         <p:spPr>
           <a:xfrm>
-            <a:off x="3468414" y="6085490"/>
-            <a:ext cx="5948167" cy="553998"/>
+            <a:off x="3184634" y="5959365"/>
+            <a:ext cx="6024854" cy="1015663"/>
           </a:xfrm>
           <a:prstGeom prst="rect">
             <a:avLst/>
@@ -5951,41 +6818,23 @@
           <a:lstStyle/>
           <a:p>
             <a:r>
-              <a:rPr lang="en-US" sz="3000" smtClean="0">
-                <a:latin typeface="Gill Sans" charset="0"/>
-                <a:ea typeface="Gill Sans" charset="0"/>
-                <a:cs typeface="Gill Sans" charset="0"/>
-              </a:rPr>
-              <a:t>Temperature </a:t>
-            </a:r>
-            <a:r>
               <a:rPr lang="en-US" sz="3000" dirty="0" smtClean="0">
                 <a:latin typeface="Gill Sans" charset="0"/>
                 <a:ea typeface="Gill Sans" charset="0"/>
                 <a:cs typeface="Gill Sans" charset="0"/>
               </a:rPr>
-              <a:t>distribution </a:t>
-            </a:r>
-            <a:r>
-              <a:rPr lang="en-US" sz="3000" smtClean="0">
-                <a:latin typeface="Gill Sans" charset="0"/>
-                <a:ea typeface="Gill Sans" charset="0"/>
-                <a:cs typeface="Gill Sans" charset="0"/>
-              </a:rPr>
-              <a:t>inside walls</a:t>
-            </a:r>
-            <a:endParaRPr lang="en-US" sz="3000">
-              <a:latin typeface="Gill Sans" charset="0"/>
-              <a:ea typeface="Gill Sans" charset="0"/>
-              <a:cs typeface="Gill Sans" charset="0"/>
-            </a:endParaRPr>
+              <a:t>2-D Temperature distribution for Air</a:t>
+            </a:r>
+          </a:p>
+          <a:p>
+            <a:endParaRPr lang="en-US" sz="3000" dirty="0"/>
           </a:p>
         </p:txBody>
       </p:sp>
     </p:spTree>
     <p:extLst>
       <p:ext uri="{BB962C8B-B14F-4D97-AF65-F5344CB8AC3E}">
-        <p14:creationId xmlns:p14="http://schemas.microsoft.com/office/powerpoint/2010/main" val="380375021"/>
+        <p14:creationId xmlns:p14="http://schemas.microsoft.com/office/powerpoint/2010/main" val="1172050211"/>
       </p:ext>
     </p:extLst>
   </p:cSld>
@@ -6021,7 +6870,7 @@
       </p:grpSpPr>
       <p:pic>
         <p:nvPicPr>
-          <p:cNvPr id="5" name="Picture 4"/>
+          <p:cNvPr id="4" name="Picture 3"/>
           <p:cNvPicPr>
             <a:picLocks noChangeAspect="1"/>
           </p:cNvPicPr>
@@ -6041,8 +6890,8 @@
         </p:blipFill>
         <p:spPr>
           <a:xfrm>
-            <a:off x="867103" y="167115"/>
-            <a:ext cx="9979573" cy="5366582"/>
+            <a:off x="725214" y="362606"/>
+            <a:ext cx="10279117" cy="5439104"/>
           </a:xfrm>
           <a:prstGeom prst="rect">
             <a:avLst/>
@@ -6051,14 +6900,14 @@
       </p:pic>
       <p:sp>
         <p:nvSpPr>
-          <p:cNvPr id="7" name="TextBox 6"/>
+          <p:cNvPr id="6" name="TextBox 5"/>
           <p:cNvSpPr txBox="1"/>
           <p:nvPr/>
         </p:nvSpPr>
         <p:spPr>
           <a:xfrm>
-            <a:off x="3279228" y="6006663"/>
-            <a:ext cx="6074805" cy="553998"/>
+            <a:off x="3026979" y="6038193"/>
+            <a:ext cx="7031421" cy="553998"/>
           </a:xfrm>
           <a:prstGeom prst="rect">
             <a:avLst/>
@@ -6066,7 +6915,7 @@
           <a:noFill/>
         </p:spPr>
         <p:txBody>
-          <a:bodyPr wrap="none" rtlCol="0">
+          <a:bodyPr wrap="square" rtlCol="0">
             <a:spAutoFit/>
           </a:bodyPr>
           <a:lstStyle/>
@@ -6077,7 +6926,7 @@
                 <a:ea typeface="Gill Sans" charset="0"/>
                 <a:cs typeface="Gill Sans" charset="0"/>
               </a:rPr>
-              <a:t>Temperature distribution inside home</a:t>
+              <a:t>2-D Temperature distribution for brick</a:t>
             </a:r>
             <a:endParaRPr lang="en-US" sz="3000" dirty="0">
               <a:latin typeface="Gill Sans" charset="0"/>
@@ -6090,7 +6939,7 @@
     </p:spTree>
     <p:extLst>
       <p:ext uri="{BB962C8B-B14F-4D97-AF65-F5344CB8AC3E}">
-        <p14:creationId xmlns:p14="http://schemas.microsoft.com/office/powerpoint/2010/main" val="639193203"/>
+        <p14:creationId xmlns:p14="http://schemas.microsoft.com/office/powerpoint/2010/main" val="999045102"/>
       </p:ext>
     </p:extLst>
   </p:cSld>
@@ -6126,7 +6975,7 @@
       </p:grpSpPr>
       <p:pic>
         <p:nvPicPr>
-          <p:cNvPr id="5" name="Picture 4"/>
+          <p:cNvPr id="2" name="Picture 1"/>
           <p:cNvPicPr>
             <a:picLocks noChangeAspect="1"/>
           </p:cNvPicPr>
@@ -6146,8 +6995,8 @@
         </p:blipFill>
         <p:spPr>
           <a:xfrm>
-            <a:off x="299545" y="0"/>
-            <a:ext cx="11461531" cy="5486400"/>
+            <a:off x="0" y="173422"/>
+            <a:ext cx="11461531" cy="5644055"/>
           </a:xfrm>
           <a:prstGeom prst="rect">
             <a:avLst/>
@@ -6156,14 +7005,14 @@
       </p:pic>
       <p:sp>
         <p:nvSpPr>
-          <p:cNvPr id="7" name="TextBox 6"/>
+          <p:cNvPr id="3" name="TextBox 2"/>
           <p:cNvSpPr txBox="1"/>
           <p:nvPr/>
         </p:nvSpPr>
         <p:spPr>
           <a:xfrm>
-            <a:off x="4382814" y="5880538"/>
-            <a:ext cx="4085477" cy="553998"/>
+            <a:off x="2758966" y="6258910"/>
+            <a:ext cx="7520151" cy="553998"/>
           </a:xfrm>
           <a:prstGeom prst="rect">
             <a:avLst/>
@@ -6171,7 +7020,7 @@
           <a:noFill/>
         </p:spPr>
         <p:txBody>
-          <a:bodyPr wrap="none" rtlCol="0">
+          <a:bodyPr wrap="square" rtlCol="0">
             <a:spAutoFit/>
           </a:bodyPr>
           <a:lstStyle/>
@@ -6182,7 +7031,7 @@
                 <a:ea typeface="Gill Sans" charset="0"/>
                 <a:cs typeface="Gill Sans" charset="0"/>
               </a:rPr>
-              <a:t>Temperature distribution</a:t>
+              <a:t>2-D Temperature distribution for copper</a:t>
             </a:r>
             <a:endParaRPr lang="en-US" sz="3000" dirty="0">
               <a:latin typeface="Gill Sans" charset="0"/>
@@ -6195,7 +7044,7 @@
     </p:spTree>
     <p:extLst>
       <p:ext uri="{BB962C8B-B14F-4D97-AF65-F5344CB8AC3E}">
-        <p14:creationId xmlns:p14="http://schemas.microsoft.com/office/powerpoint/2010/main" val="255047727"/>
+        <p14:creationId xmlns:p14="http://schemas.microsoft.com/office/powerpoint/2010/main" val="868769117"/>
       </p:ext>
     </p:extLst>
   </p:cSld>
